--- a/Diedhiou_Ahmed_4_Presentation_072023.pptx
+++ b/Diedhiou_Ahmed_4_Presentation_072023.pptx
@@ -151,2387 +151,6 @@
 
 <file path=ppt/changesInfos/changesInfo1.xml><?xml version="1.0" encoding="utf-8"?>
 <pc:chgInfo xmlns:a="http://schemas.openxmlformats.org/drawingml/2006/main" xmlns:r="http://schemas.openxmlformats.org/officeDocument/2006/relationships" xmlns:ac="http://schemas.microsoft.com/office/drawing/2013/main/command" xmlns:pc="http://schemas.microsoft.com/office/powerpoint/2013/main/command">
-  <pc:docChgLst>
-    <pc:chgData name="El Bach" userId="fcdc1bb3b617d7e4" providerId="LiveId" clId="{4AFD2F5F-7525-41FA-A56F-E2F7417B1E4E}"/>
-    <pc:docChg chg="undo custSel addSld modSld sldOrd">
-      <pc:chgData name="El Bach" userId="fcdc1bb3b617d7e4" providerId="LiveId" clId="{4AFD2F5F-7525-41FA-A56F-E2F7417B1E4E}" dt="2023-07-30T16:35:49.096" v="783"/>
-      <pc:docMkLst>
-        <pc:docMk/>
-      </pc:docMkLst>
-      <pc:sldChg chg="addSp delSp modSp mod delDesignElem">
-        <pc:chgData name="El Bach" userId="fcdc1bb3b617d7e4" providerId="LiveId" clId="{4AFD2F5F-7525-41FA-A56F-E2F7417B1E4E}" dt="2023-07-30T16:35:49.096" v="783"/>
-        <pc:sldMkLst>
-          <pc:docMk/>
-          <pc:sldMk cId="1487700712" sldId="256"/>
-        </pc:sldMkLst>
-        <pc:spChg chg="mod">
-          <ac:chgData name="El Bach" userId="fcdc1bb3b617d7e4" providerId="LiveId" clId="{4AFD2F5F-7525-41FA-A56F-E2F7417B1E4E}" dt="2023-07-30T14:11:33.607" v="34" actId="20577"/>
-          <ac:spMkLst>
-            <pc:docMk/>
-            <pc:sldMk cId="1487700712" sldId="256"/>
-            <ac:spMk id="6" creationId="{A80B3B15-F709-ADBF-A530-D8664BD208A8}"/>
-          </ac:spMkLst>
-        </pc:spChg>
-        <pc:spChg chg="mod">
-          <ac:chgData name="El Bach" userId="fcdc1bb3b617d7e4" providerId="LiveId" clId="{4AFD2F5F-7525-41FA-A56F-E2F7417B1E4E}" dt="2023-07-30T14:11:21.218" v="21" actId="20577"/>
-          <ac:spMkLst>
-            <pc:docMk/>
-            <pc:sldMk cId="1487700712" sldId="256"/>
-            <ac:spMk id="8" creationId="{63D011E0-F3F9-4506-5C97-5E12F9329902}"/>
-          </ac:spMkLst>
-        </pc:spChg>
-        <pc:spChg chg="add del">
-          <ac:chgData name="El Bach" userId="fcdc1bb3b617d7e4" providerId="LiveId" clId="{4AFD2F5F-7525-41FA-A56F-E2F7417B1E4E}" dt="2023-07-30T16:35:49.096" v="783"/>
-          <ac:spMkLst>
-            <pc:docMk/>
-            <pc:sldMk cId="1487700712" sldId="256"/>
-            <ac:spMk id="15" creationId="{493D4EDA-58E0-40CC-B3CA-14CDEB349D24}"/>
-          </ac:spMkLst>
-        </pc:spChg>
-        <pc:spChg chg="add del">
-          <ac:chgData name="El Bach" userId="fcdc1bb3b617d7e4" providerId="LiveId" clId="{4AFD2F5F-7525-41FA-A56F-E2F7417B1E4E}" dt="2023-07-30T16:35:49.096" v="783"/>
-          <ac:spMkLst>
-            <pc:docMk/>
-            <pc:sldMk cId="1487700712" sldId="256"/>
-            <ac:spMk id="22" creationId="{4A2E7EC3-E07C-46CE-9B25-41865A50681C}"/>
-          </ac:spMkLst>
-        </pc:spChg>
-        <pc:grpChg chg="add del">
-          <ac:chgData name="El Bach" userId="fcdc1bb3b617d7e4" providerId="LiveId" clId="{4AFD2F5F-7525-41FA-A56F-E2F7417B1E4E}" dt="2023-07-30T16:35:49.096" v="783"/>
-          <ac:grpSpMkLst>
-            <pc:docMk/>
-            <pc:sldMk cId="1487700712" sldId="256"/>
-            <ac:grpSpMk id="17" creationId="{AA9EB0BC-A85E-4C26-B355-5DFCEF6CCB49}"/>
-          </ac:grpSpMkLst>
-        </pc:grpChg>
-      </pc:sldChg>
-      <pc:sldChg chg="addSp delSp modSp mod delDesignElem">
-        <pc:chgData name="El Bach" userId="fcdc1bb3b617d7e4" providerId="LiveId" clId="{4AFD2F5F-7525-41FA-A56F-E2F7417B1E4E}" dt="2023-07-30T16:35:49.096" v="783"/>
-        <pc:sldMkLst>
-          <pc:docMk/>
-          <pc:sldMk cId="3501347425" sldId="260"/>
-        </pc:sldMkLst>
-        <pc:spChg chg="mod">
-          <ac:chgData name="El Bach" userId="fcdc1bb3b617d7e4" providerId="LiveId" clId="{4AFD2F5F-7525-41FA-A56F-E2F7417B1E4E}" dt="2023-07-30T16:35:49.096" v="783"/>
-          <ac:spMkLst>
-            <pc:docMk/>
-            <pc:sldMk cId="3501347425" sldId="260"/>
-            <ac:spMk id="2" creationId="{0F87E73C-2B1A-4602-BFBE-CFE1E55D9B38}"/>
-          </ac:spMkLst>
-        </pc:spChg>
-        <pc:spChg chg="add del">
-          <ac:chgData name="El Bach" userId="fcdc1bb3b617d7e4" providerId="LiveId" clId="{4AFD2F5F-7525-41FA-A56F-E2F7417B1E4E}" dt="2023-07-30T16:35:49.096" v="783"/>
-          <ac:spMkLst>
-            <pc:docMk/>
-            <pc:sldMk cId="3501347425" sldId="260"/>
-            <ac:spMk id="10" creationId="{379F11E2-8BA5-4C5C-AE7C-361E5EA011FF}"/>
-          </ac:spMkLst>
-        </pc:spChg>
-        <pc:spChg chg="add del">
-          <ac:chgData name="El Bach" userId="fcdc1bb3b617d7e4" providerId="LiveId" clId="{4AFD2F5F-7525-41FA-A56F-E2F7417B1E4E}" dt="2023-07-30T16:35:49.096" v="783"/>
-          <ac:spMkLst>
-            <pc:docMk/>
-            <pc:sldMk cId="3501347425" sldId="260"/>
-            <ac:spMk id="12" creationId="{7C00E1DA-EC7C-40FC-95E3-11FDCD2E4291}"/>
-          </ac:spMkLst>
-        </pc:spChg>
-        <pc:grpChg chg="add del">
-          <ac:chgData name="El Bach" userId="fcdc1bb3b617d7e4" providerId="LiveId" clId="{4AFD2F5F-7525-41FA-A56F-E2F7417B1E4E}" dt="2023-07-30T16:35:49.096" v="783"/>
-          <ac:grpSpMkLst>
-            <pc:docMk/>
-            <pc:sldMk cId="3501347425" sldId="260"/>
-            <ac:grpSpMk id="14" creationId="{9A421166-2996-41A7-B094-AE5316F347DD}"/>
-          </ac:grpSpMkLst>
-        </pc:grpChg>
-      </pc:sldChg>
-      <pc:sldChg chg="modSp">
-        <pc:chgData name="El Bach" userId="fcdc1bb3b617d7e4" providerId="LiveId" clId="{4AFD2F5F-7525-41FA-A56F-E2F7417B1E4E}" dt="2023-07-30T16:35:49.096" v="783"/>
-        <pc:sldMkLst>
-          <pc:docMk/>
-          <pc:sldMk cId="1703342593" sldId="261"/>
-        </pc:sldMkLst>
-        <pc:spChg chg="mod">
-          <ac:chgData name="El Bach" userId="fcdc1bb3b617d7e4" providerId="LiveId" clId="{4AFD2F5F-7525-41FA-A56F-E2F7417B1E4E}" dt="2023-07-30T16:35:49.096" v="783"/>
-          <ac:spMkLst>
-            <pc:docMk/>
-            <pc:sldMk cId="1703342593" sldId="261"/>
-            <ac:spMk id="2" creationId="{5B040558-A365-4CCE-92FA-5A48CD98F9C9}"/>
-          </ac:spMkLst>
-        </pc:spChg>
-        <pc:spChg chg="mod">
-          <ac:chgData name="El Bach" userId="fcdc1bb3b617d7e4" providerId="LiveId" clId="{4AFD2F5F-7525-41FA-A56F-E2F7417B1E4E}" dt="2023-07-30T16:35:49.096" v="783"/>
-          <ac:spMkLst>
-            <pc:docMk/>
-            <pc:sldMk cId="1703342593" sldId="261"/>
-            <ac:spMk id="8" creationId="{F6154852-AF05-9FED-CE11-D1A5EBB83736}"/>
-          </ac:spMkLst>
-        </pc:spChg>
-      </pc:sldChg>
-      <pc:sldChg chg="modSp">
-        <pc:chgData name="El Bach" userId="fcdc1bb3b617d7e4" providerId="LiveId" clId="{4AFD2F5F-7525-41FA-A56F-E2F7417B1E4E}" dt="2023-07-30T16:35:49.096" v="783"/>
-        <pc:sldMkLst>
-          <pc:docMk/>
-          <pc:sldMk cId="1793949734" sldId="286"/>
-        </pc:sldMkLst>
-        <pc:spChg chg="mod">
-          <ac:chgData name="El Bach" userId="fcdc1bb3b617d7e4" providerId="LiveId" clId="{4AFD2F5F-7525-41FA-A56F-E2F7417B1E4E}" dt="2023-07-30T16:35:49.096" v="783"/>
-          <ac:spMkLst>
-            <pc:docMk/>
-            <pc:sldMk cId="1793949734" sldId="286"/>
-            <ac:spMk id="3" creationId="{24D506CC-0185-443E-82C7-1600C21D6E91}"/>
-          </ac:spMkLst>
-        </pc:spChg>
-      </pc:sldChg>
-      <pc:sldChg chg="addSp delSp modSp mod">
-        <pc:chgData name="El Bach" userId="fcdc1bb3b617d7e4" providerId="LiveId" clId="{4AFD2F5F-7525-41FA-A56F-E2F7417B1E4E}" dt="2023-07-30T16:35:49.096" v="783"/>
-        <pc:sldMkLst>
-          <pc:docMk/>
-          <pc:sldMk cId="1505601179" sldId="287"/>
-        </pc:sldMkLst>
-        <pc:spChg chg="mod">
-          <ac:chgData name="El Bach" userId="fcdc1bb3b617d7e4" providerId="LiveId" clId="{4AFD2F5F-7525-41FA-A56F-E2F7417B1E4E}" dt="2023-07-30T16:35:49.096" v="783"/>
-          <ac:spMkLst>
-            <pc:docMk/>
-            <pc:sldMk cId="1505601179" sldId="287"/>
-            <ac:spMk id="2" creationId="{5B040558-A365-4CCE-92FA-5A48CD98F9C9}"/>
-          </ac:spMkLst>
-        </pc:spChg>
-        <pc:graphicFrameChg chg="mod">
-          <ac:chgData name="El Bach" userId="fcdc1bb3b617d7e4" providerId="LiveId" clId="{4AFD2F5F-7525-41FA-A56F-E2F7417B1E4E}" dt="2023-07-30T14:19:04.142" v="70" actId="20577"/>
-          <ac:graphicFrameMkLst>
-            <pc:docMk/>
-            <pc:sldMk cId="1505601179" sldId="287"/>
-            <ac:graphicFrameMk id="6" creationId="{D7AF6DFA-B9D5-9C33-0916-2FCDF160B3AA}"/>
-          </ac:graphicFrameMkLst>
-        </pc:graphicFrameChg>
-        <pc:picChg chg="add del">
-          <ac:chgData name="El Bach" userId="fcdc1bb3b617d7e4" providerId="LiveId" clId="{4AFD2F5F-7525-41FA-A56F-E2F7417B1E4E}" dt="2023-07-30T14:18:17.316" v="43" actId="478"/>
-          <ac:picMkLst>
-            <pc:docMk/>
-            <pc:sldMk cId="1505601179" sldId="287"/>
-            <ac:picMk id="5" creationId="{5B892810-3333-27F1-CB9D-E19429448B25}"/>
-          </ac:picMkLst>
-        </pc:picChg>
-        <pc:picChg chg="add del mod">
-          <ac:chgData name="El Bach" userId="fcdc1bb3b617d7e4" providerId="LiveId" clId="{4AFD2F5F-7525-41FA-A56F-E2F7417B1E4E}" dt="2023-07-30T14:18:09.445" v="41" actId="22"/>
-          <ac:picMkLst>
-            <pc:docMk/>
-            <pc:sldMk cId="1505601179" sldId="287"/>
-            <ac:picMk id="7" creationId="{BB879B59-AB9C-0F7E-89ED-295BF1A52B94}"/>
-          </ac:picMkLst>
-        </pc:picChg>
-        <pc:picChg chg="del">
-          <ac:chgData name="El Bach" userId="fcdc1bb3b617d7e4" providerId="LiveId" clId="{4AFD2F5F-7525-41FA-A56F-E2F7417B1E4E}" dt="2023-07-30T14:18:42.061" v="47" actId="478"/>
-          <ac:picMkLst>
-            <pc:docMk/>
-            <pc:sldMk cId="1505601179" sldId="287"/>
-            <ac:picMk id="8" creationId="{7F7CD2CC-368E-49E6-213D-1E7F47E1AC86}"/>
-          </ac:picMkLst>
-        </pc:picChg>
-        <pc:picChg chg="add mod">
-          <ac:chgData name="El Bach" userId="fcdc1bb3b617d7e4" providerId="LiveId" clId="{4AFD2F5F-7525-41FA-A56F-E2F7417B1E4E}" dt="2023-07-30T14:18:23.027" v="46" actId="1076"/>
-          <ac:picMkLst>
-            <pc:docMk/>
-            <pc:sldMk cId="1505601179" sldId="287"/>
-            <ac:picMk id="10" creationId="{A7E8806D-1203-6ED7-4D26-5428C76B4A93}"/>
-          </ac:picMkLst>
-        </pc:picChg>
-        <pc:picChg chg="add mod">
-          <ac:chgData name="El Bach" userId="fcdc1bb3b617d7e4" providerId="LiveId" clId="{4AFD2F5F-7525-41FA-A56F-E2F7417B1E4E}" dt="2023-07-30T14:18:52.291" v="53" actId="1076"/>
-          <ac:picMkLst>
-            <pc:docMk/>
-            <pc:sldMk cId="1505601179" sldId="287"/>
-            <ac:picMk id="12" creationId="{4575B480-E267-95BE-61DE-57CB8DA5BA96}"/>
-          </ac:picMkLst>
-        </pc:picChg>
-      </pc:sldChg>
-      <pc:sldChg chg="addSp delSp modSp mod">
-        <pc:chgData name="El Bach" userId="fcdc1bb3b617d7e4" providerId="LiveId" clId="{4AFD2F5F-7525-41FA-A56F-E2F7417B1E4E}" dt="2023-07-30T16:35:49.096" v="783"/>
-        <pc:sldMkLst>
-          <pc:docMk/>
-          <pc:sldMk cId="1477731620" sldId="288"/>
-        </pc:sldMkLst>
-        <pc:spChg chg="mod">
-          <ac:chgData name="El Bach" userId="fcdc1bb3b617d7e4" providerId="LiveId" clId="{4AFD2F5F-7525-41FA-A56F-E2F7417B1E4E}" dt="2023-07-30T16:35:49.096" v="783"/>
-          <ac:spMkLst>
-            <pc:docMk/>
-            <pc:sldMk cId="1477731620" sldId="288"/>
-            <ac:spMk id="2" creationId="{5B040558-A365-4CCE-92FA-5A48CD98F9C9}"/>
-          </ac:spMkLst>
-        </pc:spChg>
-        <pc:spChg chg="mod">
-          <ac:chgData name="El Bach" userId="fcdc1bb3b617d7e4" providerId="LiveId" clId="{4AFD2F5F-7525-41FA-A56F-E2F7417B1E4E}" dt="2023-07-30T16:35:49.096" v="783"/>
-          <ac:spMkLst>
-            <pc:docMk/>
-            <pc:sldMk cId="1477731620" sldId="288"/>
-            <ac:spMk id="3" creationId="{9FA0E552-B77F-3D79-39DE-812D63F1F2D3}"/>
-          </ac:spMkLst>
-        </pc:spChg>
-        <pc:spChg chg="mod">
-          <ac:chgData name="El Bach" userId="fcdc1bb3b617d7e4" providerId="LiveId" clId="{4AFD2F5F-7525-41FA-A56F-E2F7417B1E4E}" dt="2023-07-30T15:00:44.288" v="451" actId="20577"/>
-          <ac:spMkLst>
-            <pc:docMk/>
-            <pc:sldMk cId="1477731620" sldId="288"/>
-            <ac:spMk id="5" creationId="{92F30392-AE08-A482-CDA9-CDD4D1B27BAE}"/>
-          </ac:spMkLst>
-        </pc:spChg>
-        <pc:picChg chg="add mod">
-          <ac:chgData name="El Bach" userId="fcdc1bb3b617d7e4" providerId="LiveId" clId="{4AFD2F5F-7525-41FA-A56F-E2F7417B1E4E}" dt="2023-07-30T15:00:48.296" v="453" actId="14100"/>
-          <ac:picMkLst>
-            <pc:docMk/>
-            <pc:sldMk cId="1477731620" sldId="288"/>
-            <ac:picMk id="8" creationId="{86014213-E37E-0410-6A81-382738ED6A29}"/>
-          </ac:picMkLst>
-        </pc:picChg>
-        <pc:picChg chg="del">
-          <ac:chgData name="El Bach" userId="fcdc1bb3b617d7e4" providerId="LiveId" clId="{4AFD2F5F-7525-41FA-A56F-E2F7417B1E4E}" dt="2023-07-30T15:00:33.936" v="443" actId="478"/>
-          <ac:picMkLst>
-            <pc:docMk/>
-            <pc:sldMk cId="1477731620" sldId="288"/>
-            <ac:picMk id="6148" creationId="{4E4CB3E1-3BBD-BA3C-97E9-2164C30E64E0}"/>
-          </ac:picMkLst>
-        </pc:picChg>
-      </pc:sldChg>
-      <pc:sldChg chg="addSp delSp modSp mod">
-        <pc:chgData name="El Bach" userId="fcdc1bb3b617d7e4" providerId="LiveId" clId="{4AFD2F5F-7525-41FA-A56F-E2F7417B1E4E}" dt="2023-07-30T16:35:49.096" v="783"/>
-        <pc:sldMkLst>
-          <pc:docMk/>
-          <pc:sldMk cId="2995501100" sldId="289"/>
-        </pc:sldMkLst>
-        <pc:spChg chg="mod">
-          <ac:chgData name="El Bach" userId="fcdc1bb3b617d7e4" providerId="LiveId" clId="{4AFD2F5F-7525-41FA-A56F-E2F7417B1E4E}" dt="2023-07-30T16:35:49.096" v="783"/>
-          <ac:spMkLst>
-            <pc:docMk/>
-            <pc:sldMk cId="2995501100" sldId="289"/>
-            <ac:spMk id="2" creationId="{5B040558-A365-4CCE-92FA-5A48CD98F9C9}"/>
-          </ac:spMkLst>
-        </pc:spChg>
-        <pc:spChg chg="mod">
-          <ac:chgData name="El Bach" userId="fcdc1bb3b617d7e4" providerId="LiveId" clId="{4AFD2F5F-7525-41FA-A56F-E2F7417B1E4E}" dt="2023-07-30T16:35:49.096" v="783"/>
-          <ac:spMkLst>
-            <pc:docMk/>
-            <pc:sldMk cId="2995501100" sldId="289"/>
-            <ac:spMk id="3" creationId="{ACF70E5E-1076-94AD-5E11-F292199DD68E}"/>
-          </ac:spMkLst>
-        </pc:spChg>
-        <pc:spChg chg="add del">
-          <ac:chgData name="El Bach" userId="fcdc1bb3b617d7e4" providerId="LiveId" clId="{4AFD2F5F-7525-41FA-A56F-E2F7417B1E4E}" dt="2023-07-30T15:12:15.042" v="483" actId="478"/>
-          <ac:spMkLst>
-            <pc:docMk/>
-            <pc:sldMk cId="2995501100" sldId="289"/>
-            <ac:spMk id="6" creationId="{29B12031-4A43-EC59-72FE-A61A234CA7B1}"/>
-          </ac:spMkLst>
-        </pc:spChg>
-        <pc:spChg chg="add mod">
-          <ac:chgData name="El Bach" userId="fcdc1bb3b617d7e4" providerId="LiveId" clId="{4AFD2F5F-7525-41FA-A56F-E2F7417B1E4E}" dt="2023-07-30T15:21:53.227" v="737" actId="1076"/>
-          <ac:spMkLst>
-            <pc:docMk/>
-            <pc:sldMk cId="2995501100" sldId="289"/>
-            <ac:spMk id="7" creationId="{6744741C-B725-0909-DF7F-193265A61F3A}"/>
-          </ac:spMkLst>
-        </pc:spChg>
-        <pc:spChg chg="add mod">
-          <ac:chgData name="El Bach" userId="fcdc1bb3b617d7e4" providerId="LiveId" clId="{4AFD2F5F-7525-41FA-A56F-E2F7417B1E4E}" dt="2023-07-30T15:24:15.905" v="756" actId="1076"/>
-          <ac:spMkLst>
-            <pc:docMk/>
-            <pc:sldMk cId="2995501100" sldId="289"/>
-            <ac:spMk id="8" creationId="{19BA80BE-BCEA-98D8-2D8A-7E68674D1F1C}"/>
-          </ac:spMkLst>
-        </pc:spChg>
-        <pc:spChg chg="mod">
-          <ac:chgData name="El Bach" userId="fcdc1bb3b617d7e4" providerId="LiveId" clId="{4AFD2F5F-7525-41FA-A56F-E2F7417B1E4E}" dt="2023-07-30T15:21:53.227" v="737" actId="1076"/>
-          <ac:spMkLst>
-            <pc:docMk/>
-            <pc:sldMk cId="2995501100" sldId="289"/>
-            <ac:spMk id="11" creationId="{ACAA4E6B-73CD-62E7-D697-056A7CFCD87F}"/>
-          </ac:spMkLst>
-        </pc:spChg>
-        <pc:spChg chg="del">
-          <ac:chgData name="El Bach" userId="fcdc1bb3b617d7e4" providerId="LiveId" clId="{4AFD2F5F-7525-41FA-A56F-E2F7417B1E4E}" dt="2023-07-30T15:11:09.522" v="472" actId="478"/>
-          <ac:spMkLst>
-            <pc:docMk/>
-            <pc:sldMk cId="2995501100" sldId="289"/>
-            <ac:spMk id="12" creationId="{36179013-40C4-28A9-3DE6-DEE5DB7BD303}"/>
-          </ac:spMkLst>
-        </pc:spChg>
-        <pc:spChg chg="del mod">
-          <ac:chgData name="El Bach" userId="fcdc1bb3b617d7e4" providerId="LiveId" clId="{4AFD2F5F-7525-41FA-A56F-E2F7417B1E4E}" dt="2023-07-30T15:11:16.850" v="474" actId="478"/>
-          <ac:spMkLst>
-            <pc:docMk/>
-            <pc:sldMk cId="2995501100" sldId="289"/>
-            <ac:spMk id="13" creationId="{A1B1207D-D272-B35A-08DF-85208A0D6F86}"/>
-          </ac:spMkLst>
-        </pc:spChg>
-        <pc:spChg chg="add mod">
-          <ac:chgData name="El Bach" userId="fcdc1bb3b617d7e4" providerId="LiveId" clId="{4AFD2F5F-7525-41FA-A56F-E2F7417B1E4E}" dt="2023-07-30T15:21:53.227" v="737" actId="1076"/>
-          <ac:spMkLst>
-            <pc:docMk/>
-            <pc:sldMk cId="2995501100" sldId="289"/>
-            <ac:spMk id="14" creationId="{DFDCDF51-0742-743C-63D0-79407061E000}"/>
-          </ac:spMkLst>
-        </pc:spChg>
-        <pc:spChg chg="add del mod">
-          <ac:chgData name="El Bach" userId="fcdc1bb3b617d7e4" providerId="LiveId" clId="{4AFD2F5F-7525-41FA-A56F-E2F7417B1E4E}" dt="2023-07-30T15:23:10.455" v="744" actId="21"/>
-          <ac:spMkLst>
-            <pc:docMk/>
-            <pc:sldMk cId="2995501100" sldId="289"/>
-            <ac:spMk id="15" creationId="{A315AB89-1E30-D47A-ED37-7D6A783CC8E5}"/>
-          </ac:spMkLst>
-        </pc:spChg>
-        <pc:spChg chg="add mod">
-          <ac:chgData name="El Bach" userId="fcdc1bb3b617d7e4" providerId="LiveId" clId="{4AFD2F5F-7525-41FA-A56F-E2F7417B1E4E}" dt="2023-07-30T15:21:49.470" v="736" actId="571"/>
-          <ac:spMkLst>
-            <pc:docMk/>
-            <pc:sldMk cId="2995501100" sldId="289"/>
-            <ac:spMk id="16" creationId="{4FB1D949-6C2B-D3EE-3919-6C1C9AD42A6B}"/>
-          </ac:spMkLst>
-        </pc:spChg>
-        <pc:spChg chg="add mod">
-          <ac:chgData name="El Bach" userId="fcdc1bb3b617d7e4" providerId="LiveId" clId="{4AFD2F5F-7525-41FA-A56F-E2F7417B1E4E}" dt="2023-07-30T15:21:49.470" v="736" actId="571"/>
-          <ac:spMkLst>
-            <pc:docMk/>
-            <pc:sldMk cId="2995501100" sldId="289"/>
-            <ac:spMk id="18" creationId="{19BD6C17-A266-3224-3D59-9DB1B5BCAF8A}"/>
-          </ac:spMkLst>
-        </pc:spChg>
-        <pc:spChg chg="add mod">
-          <ac:chgData name="El Bach" userId="fcdc1bb3b617d7e4" providerId="LiveId" clId="{4AFD2F5F-7525-41FA-A56F-E2F7417B1E4E}" dt="2023-07-30T15:21:49.470" v="736" actId="571"/>
-          <ac:spMkLst>
-            <pc:docMk/>
-            <pc:sldMk cId="2995501100" sldId="289"/>
-            <ac:spMk id="19" creationId="{F6FF8622-A9C8-600A-0CA6-CA54C035EBBC}"/>
-          </ac:spMkLst>
-        </pc:spChg>
-        <pc:spChg chg="add mod">
-          <ac:chgData name="El Bach" userId="fcdc1bb3b617d7e4" providerId="LiveId" clId="{4AFD2F5F-7525-41FA-A56F-E2F7417B1E4E}" dt="2023-07-30T15:21:49.222" v="735" actId="571"/>
-          <ac:spMkLst>
-            <pc:docMk/>
-            <pc:sldMk cId="2995501100" sldId="289"/>
-            <ac:spMk id="20" creationId="{E8004923-3B31-65B1-2307-6C90E29C3AFC}"/>
-          </ac:spMkLst>
-        </pc:spChg>
-        <pc:spChg chg="add mod">
-          <ac:chgData name="El Bach" userId="fcdc1bb3b617d7e4" providerId="LiveId" clId="{4AFD2F5F-7525-41FA-A56F-E2F7417B1E4E}" dt="2023-07-30T15:21:49.222" v="735" actId="571"/>
-          <ac:spMkLst>
-            <pc:docMk/>
-            <pc:sldMk cId="2995501100" sldId="289"/>
-            <ac:spMk id="22" creationId="{8F6780C2-D5F1-8600-BF15-76553E3C86EB}"/>
-          </ac:spMkLst>
-        </pc:spChg>
-        <pc:spChg chg="add mod">
-          <ac:chgData name="El Bach" userId="fcdc1bb3b617d7e4" providerId="LiveId" clId="{4AFD2F5F-7525-41FA-A56F-E2F7417B1E4E}" dt="2023-07-30T15:21:49.222" v="735" actId="571"/>
-          <ac:spMkLst>
-            <pc:docMk/>
-            <pc:sldMk cId="2995501100" sldId="289"/>
-            <ac:spMk id="23" creationId="{A0AFFCFB-6CEB-EAFF-C451-15641E138198}"/>
-          </ac:spMkLst>
-        </pc:spChg>
-        <pc:picChg chg="add mod">
-          <ac:chgData name="El Bach" userId="fcdc1bb3b617d7e4" providerId="LiveId" clId="{4AFD2F5F-7525-41FA-A56F-E2F7417B1E4E}" dt="2023-07-30T15:21:53.227" v="737" actId="1076"/>
-          <ac:picMkLst>
-            <pc:docMk/>
-            <pc:sldMk cId="2995501100" sldId="289"/>
-            <ac:picMk id="5" creationId="{88424FDC-01FB-8699-1CE3-AF4BCE1C205C}"/>
-          </ac:picMkLst>
-        </pc:picChg>
-        <pc:picChg chg="del">
-          <ac:chgData name="El Bach" userId="fcdc1bb3b617d7e4" providerId="LiveId" clId="{4AFD2F5F-7525-41FA-A56F-E2F7417B1E4E}" dt="2023-07-30T15:11:00.539" v="469" actId="478"/>
-          <ac:picMkLst>
-            <pc:docMk/>
-            <pc:sldMk cId="2995501100" sldId="289"/>
-            <ac:picMk id="9" creationId="{292A08FB-BB32-8DDC-9811-CEF17FF88F7C}"/>
-          </ac:picMkLst>
-        </pc:picChg>
-        <pc:picChg chg="add mod">
-          <ac:chgData name="El Bach" userId="fcdc1bb3b617d7e4" providerId="LiveId" clId="{4AFD2F5F-7525-41FA-A56F-E2F7417B1E4E}" dt="2023-07-30T15:21:49.470" v="736" actId="571"/>
-          <ac:picMkLst>
-            <pc:docMk/>
-            <pc:sldMk cId="2995501100" sldId="289"/>
-            <ac:picMk id="17" creationId="{3E8F701C-2E61-F1AC-152E-8CB3333304C8}"/>
-          </ac:picMkLst>
-        </pc:picChg>
-        <pc:picChg chg="add mod">
-          <ac:chgData name="El Bach" userId="fcdc1bb3b617d7e4" providerId="LiveId" clId="{4AFD2F5F-7525-41FA-A56F-E2F7417B1E4E}" dt="2023-07-30T15:21:49.222" v="735" actId="571"/>
-          <ac:picMkLst>
-            <pc:docMk/>
-            <pc:sldMk cId="2995501100" sldId="289"/>
-            <ac:picMk id="21" creationId="{DBC508C4-CE05-200E-BA33-C1F30A0CCF42}"/>
-          </ac:picMkLst>
-        </pc:picChg>
-      </pc:sldChg>
-      <pc:sldChg chg="addSp delSp modSp mod">
-        <pc:chgData name="El Bach" userId="fcdc1bb3b617d7e4" providerId="LiveId" clId="{4AFD2F5F-7525-41FA-A56F-E2F7417B1E4E}" dt="2023-07-30T16:35:49.096" v="783"/>
-        <pc:sldMkLst>
-          <pc:docMk/>
-          <pc:sldMk cId="2758265812" sldId="290"/>
-        </pc:sldMkLst>
-        <pc:spChg chg="mod">
-          <ac:chgData name="El Bach" userId="fcdc1bb3b617d7e4" providerId="LiveId" clId="{4AFD2F5F-7525-41FA-A56F-E2F7417B1E4E}" dt="2023-07-30T16:35:49.096" v="783"/>
-          <ac:spMkLst>
-            <pc:docMk/>
-            <pc:sldMk cId="2758265812" sldId="290"/>
-            <ac:spMk id="2" creationId="{5B040558-A365-4CCE-92FA-5A48CD98F9C9}"/>
-          </ac:spMkLst>
-        </pc:spChg>
-        <pc:spChg chg="mod">
-          <ac:chgData name="El Bach" userId="fcdc1bb3b617d7e4" providerId="LiveId" clId="{4AFD2F5F-7525-41FA-A56F-E2F7417B1E4E}" dt="2023-07-30T16:35:49.096" v="783"/>
-          <ac:spMkLst>
-            <pc:docMk/>
-            <pc:sldMk cId="2758265812" sldId="290"/>
-            <ac:spMk id="3" creationId="{05CDF783-BFB3-273E-4B55-8D6D0A151BB8}"/>
-          </ac:spMkLst>
-        </pc:spChg>
-        <pc:spChg chg="mod">
-          <ac:chgData name="El Bach" userId="fcdc1bb3b617d7e4" providerId="LiveId" clId="{4AFD2F5F-7525-41FA-A56F-E2F7417B1E4E}" dt="2023-07-30T14:39:38.885" v="260" actId="1076"/>
-          <ac:spMkLst>
-            <pc:docMk/>
-            <pc:sldMk cId="2758265812" sldId="290"/>
-            <ac:spMk id="10" creationId="{C3E9D298-24F6-5BF6-82A8-119C8541B934}"/>
-          </ac:spMkLst>
-        </pc:spChg>
-        <pc:spChg chg="mod">
-          <ac:chgData name="El Bach" userId="fcdc1bb3b617d7e4" providerId="LiveId" clId="{4AFD2F5F-7525-41FA-A56F-E2F7417B1E4E}" dt="2023-07-30T14:33:09.897" v="238" actId="1076"/>
-          <ac:spMkLst>
-            <pc:docMk/>
-            <pc:sldMk cId="2758265812" sldId="290"/>
-            <ac:spMk id="11" creationId="{3B83914A-D595-B9DE-BC5D-BD2C0DC77645}"/>
-          </ac:spMkLst>
-        </pc:spChg>
-        <pc:spChg chg="add mod">
-          <ac:chgData name="El Bach" userId="fcdc1bb3b617d7e4" providerId="LiveId" clId="{4AFD2F5F-7525-41FA-A56F-E2F7417B1E4E}" dt="2023-07-30T14:39:36.117" v="259" actId="14100"/>
-          <ac:spMkLst>
-            <pc:docMk/>
-            <pc:sldMk cId="2758265812" sldId="290"/>
-            <ac:spMk id="13" creationId="{132A2461-B5C5-D2E3-75FD-DE379092673A}"/>
-          </ac:spMkLst>
-        </pc:spChg>
-        <pc:spChg chg="add mod">
-          <ac:chgData name="El Bach" userId="fcdc1bb3b617d7e4" providerId="LiveId" clId="{4AFD2F5F-7525-41FA-A56F-E2F7417B1E4E}" dt="2023-07-30T14:39:27.389" v="256" actId="14100"/>
-          <ac:spMkLst>
-            <pc:docMk/>
-            <pc:sldMk cId="2758265812" sldId="290"/>
-            <ac:spMk id="14" creationId="{CCF33C2A-0504-C436-A4AD-587C46A1C7E0}"/>
-          </ac:spMkLst>
-        </pc:spChg>
-        <pc:graphicFrameChg chg="mod">
-          <ac:chgData name="El Bach" userId="fcdc1bb3b617d7e4" providerId="LiveId" clId="{4AFD2F5F-7525-41FA-A56F-E2F7417B1E4E}" dt="2023-07-30T14:32:18.063" v="224" actId="14100"/>
-          <ac:graphicFrameMkLst>
-            <pc:docMk/>
-            <pc:sldMk cId="2758265812" sldId="290"/>
-            <ac:graphicFrameMk id="4" creationId="{C55FA4A3-32B4-A236-57CB-AE41CAD3B1A1}"/>
-          </ac:graphicFrameMkLst>
-        </pc:graphicFrameChg>
-        <pc:picChg chg="del">
-          <ac:chgData name="El Bach" userId="fcdc1bb3b617d7e4" providerId="LiveId" clId="{4AFD2F5F-7525-41FA-A56F-E2F7417B1E4E}" dt="2023-07-30T14:26:24.063" v="124" actId="478"/>
-          <ac:picMkLst>
-            <pc:docMk/>
-            <pc:sldMk cId="2758265812" sldId="290"/>
-            <ac:picMk id="6" creationId="{D4ECECC7-924D-F059-483F-845608910681}"/>
-          </ac:picMkLst>
-        </pc:picChg>
-        <pc:picChg chg="add del mod">
-          <ac:chgData name="El Bach" userId="fcdc1bb3b617d7e4" providerId="LiveId" clId="{4AFD2F5F-7525-41FA-A56F-E2F7417B1E4E}" dt="2023-07-30T14:38:12.935" v="243" actId="478"/>
-          <ac:picMkLst>
-            <pc:docMk/>
-            <pc:sldMk cId="2758265812" sldId="290"/>
-            <ac:picMk id="7" creationId="{B8F6C673-DF40-D02B-4F45-4A7A1C52B52E}"/>
-          </ac:picMkLst>
-        </pc:picChg>
-        <pc:picChg chg="del">
-          <ac:chgData name="El Bach" userId="fcdc1bb3b617d7e4" providerId="LiveId" clId="{4AFD2F5F-7525-41FA-A56F-E2F7417B1E4E}" dt="2023-07-30T14:26:32.399" v="128" actId="478"/>
-          <ac:picMkLst>
-            <pc:docMk/>
-            <pc:sldMk cId="2758265812" sldId="290"/>
-            <ac:picMk id="8" creationId="{940EE403-271E-7BD0-8CD2-F9EA5EF9C8D9}"/>
-          </ac:picMkLst>
-        </pc:picChg>
-        <pc:picChg chg="add del mod">
-          <ac:chgData name="El Bach" userId="fcdc1bb3b617d7e4" providerId="LiveId" clId="{4AFD2F5F-7525-41FA-A56F-E2F7417B1E4E}" dt="2023-07-30T14:39:14.167" v="250" actId="478"/>
-          <ac:picMkLst>
-            <pc:docMk/>
-            <pc:sldMk cId="2758265812" sldId="290"/>
-            <ac:picMk id="12" creationId="{79DA2371-DABA-4861-B594-21B7FB6FD6AC}"/>
-          </ac:picMkLst>
-        </pc:picChg>
-        <pc:picChg chg="add mod">
-          <ac:chgData name="El Bach" userId="fcdc1bb3b617d7e4" providerId="LiveId" clId="{4AFD2F5F-7525-41FA-A56F-E2F7417B1E4E}" dt="2023-07-30T14:39:32.774" v="258" actId="1076"/>
-          <ac:picMkLst>
-            <pc:docMk/>
-            <pc:sldMk cId="2758265812" sldId="290"/>
-            <ac:picMk id="16" creationId="{BAA5E789-D2E2-DB20-9156-7C8A0ADDF321}"/>
-          </ac:picMkLst>
-        </pc:picChg>
-        <pc:picChg chg="add mod">
-          <ac:chgData name="El Bach" userId="fcdc1bb3b617d7e4" providerId="LiveId" clId="{4AFD2F5F-7525-41FA-A56F-E2F7417B1E4E}" dt="2023-07-30T14:39:23.349" v="255" actId="1076"/>
-          <ac:picMkLst>
-            <pc:docMk/>
-            <pc:sldMk cId="2758265812" sldId="290"/>
-            <ac:picMk id="18" creationId="{82EA2F3A-8A6B-6CF2-F0DE-77EBAF3CB307}"/>
-          </ac:picMkLst>
-        </pc:picChg>
-      </pc:sldChg>
-      <pc:sldChg chg="addSp delSp modSp mod">
-        <pc:chgData name="El Bach" userId="fcdc1bb3b617d7e4" providerId="LiveId" clId="{4AFD2F5F-7525-41FA-A56F-E2F7417B1E4E}" dt="2023-07-30T16:35:49.096" v="783"/>
-        <pc:sldMkLst>
-          <pc:docMk/>
-          <pc:sldMk cId="2185092362" sldId="291"/>
-        </pc:sldMkLst>
-        <pc:spChg chg="mod">
-          <ac:chgData name="El Bach" userId="fcdc1bb3b617d7e4" providerId="LiveId" clId="{4AFD2F5F-7525-41FA-A56F-E2F7417B1E4E}" dt="2023-07-30T16:35:49.096" v="783"/>
-          <ac:spMkLst>
-            <pc:docMk/>
-            <pc:sldMk cId="2185092362" sldId="291"/>
-            <ac:spMk id="2" creationId="{5B040558-A365-4CCE-92FA-5A48CD98F9C9}"/>
-          </ac:spMkLst>
-        </pc:spChg>
-        <pc:spChg chg="mod">
-          <ac:chgData name="El Bach" userId="fcdc1bb3b617d7e4" providerId="LiveId" clId="{4AFD2F5F-7525-41FA-A56F-E2F7417B1E4E}" dt="2023-07-30T16:35:49.096" v="783"/>
-          <ac:spMkLst>
-            <pc:docMk/>
-            <pc:sldMk cId="2185092362" sldId="291"/>
-            <ac:spMk id="3" creationId="{05CDF783-BFB3-273E-4B55-8D6D0A151BB8}"/>
-          </ac:spMkLst>
-        </pc:spChg>
-        <pc:picChg chg="add mod">
-          <ac:chgData name="El Bach" userId="fcdc1bb3b617d7e4" providerId="LiveId" clId="{4AFD2F5F-7525-41FA-A56F-E2F7417B1E4E}" dt="2023-07-30T14:33:58.441" v="242" actId="1076"/>
-          <ac:picMkLst>
-            <pc:docMk/>
-            <pc:sldMk cId="2185092362" sldId="291"/>
-            <ac:picMk id="6" creationId="{4D9BDD3B-6C3A-C80B-4E76-BEDBB92A3521}"/>
-          </ac:picMkLst>
-        </pc:picChg>
-        <pc:picChg chg="del">
-          <ac:chgData name="El Bach" userId="fcdc1bb3b617d7e4" providerId="LiveId" clId="{4AFD2F5F-7525-41FA-A56F-E2F7417B1E4E}" dt="2023-07-30T14:41:37.269" v="261" actId="478"/>
-          <ac:picMkLst>
-            <pc:docMk/>
-            <pc:sldMk cId="2185092362" sldId="291"/>
-            <ac:picMk id="7" creationId="{A7F10299-63E5-3F78-86A7-067E683222DC}"/>
-          </ac:picMkLst>
-        </pc:picChg>
-        <pc:picChg chg="add del mod">
-          <ac:chgData name="El Bach" userId="fcdc1bb3b617d7e4" providerId="LiveId" clId="{4AFD2F5F-7525-41FA-A56F-E2F7417B1E4E}" dt="2023-07-30T14:42:05.060" v="265" actId="478"/>
-          <ac:picMkLst>
-            <pc:docMk/>
-            <pc:sldMk cId="2185092362" sldId="291"/>
-            <ac:picMk id="10" creationId="{C434BB2E-968C-28A8-95EE-F731333018F0}"/>
-          </ac:picMkLst>
-        </pc:picChg>
-        <pc:picChg chg="add mod">
-          <ac:chgData name="El Bach" userId="fcdc1bb3b617d7e4" providerId="LiveId" clId="{4AFD2F5F-7525-41FA-A56F-E2F7417B1E4E}" dt="2023-07-30T14:42:11.596" v="268" actId="14100"/>
-          <ac:picMkLst>
-            <pc:docMk/>
-            <pc:sldMk cId="2185092362" sldId="291"/>
-            <ac:picMk id="12" creationId="{1B7AD04E-053C-20BC-0D63-769353396995}"/>
-          </ac:picMkLst>
-        </pc:picChg>
-        <pc:picChg chg="del">
-          <ac:chgData name="El Bach" userId="fcdc1bb3b617d7e4" providerId="LiveId" clId="{4AFD2F5F-7525-41FA-A56F-E2F7417B1E4E}" dt="2023-07-30T14:33:50.969" v="239" actId="478"/>
-          <ac:picMkLst>
-            <pc:docMk/>
-            <pc:sldMk cId="2185092362" sldId="291"/>
-            <ac:picMk id="2050" creationId="{AF5C6560-2739-5C09-56D4-43CB7716FF62}"/>
-          </ac:picMkLst>
-        </pc:picChg>
-      </pc:sldChg>
-      <pc:sldChg chg="addSp delSp modSp mod">
-        <pc:chgData name="El Bach" userId="fcdc1bb3b617d7e4" providerId="LiveId" clId="{4AFD2F5F-7525-41FA-A56F-E2F7417B1E4E}" dt="2023-07-30T16:35:49.096" v="783"/>
-        <pc:sldMkLst>
-          <pc:docMk/>
-          <pc:sldMk cId="3524330697" sldId="292"/>
-        </pc:sldMkLst>
-        <pc:spChg chg="mod">
-          <ac:chgData name="El Bach" userId="fcdc1bb3b617d7e4" providerId="LiveId" clId="{4AFD2F5F-7525-41FA-A56F-E2F7417B1E4E}" dt="2023-07-30T16:35:49.096" v="783"/>
-          <ac:spMkLst>
-            <pc:docMk/>
-            <pc:sldMk cId="3524330697" sldId="292"/>
-            <ac:spMk id="2" creationId="{5B040558-A365-4CCE-92FA-5A48CD98F9C9}"/>
-          </ac:spMkLst>
-        </pc:spChg>
-        <pc:spChg chg="mod">
-          <ac:chgData name="El Bach" userId="fcdc1bb3b617d7e4" providerId="LiveId" clId="{4AFD2F5F-7525-41FA-A56F-E2F7417B1E4E}" dt="2023-07-30T16:35:49.096" v="783"/>
-          <ac:spMkLst>
-            <pc:docMk/>
-            <pc:sldMk cId="3524330697" sldId="292"/>
-            <ac:spMk id="3" creationId="{05CDF783-BFB3-273E-4B55-8D6D0A151BB8}"/>
-          </ac:spMkLst>
-        </pc:spChg>
-        <pc:spChg chg="mod">
-          <ac:chgData name="El Bach" userId="fcdc1bb3b617d7e4" providerId="LiveId" clId="{4AFD2F5F-7525-41FA-A56F-E2F7417B1E4E}" dt="2023-07-30T14:53:09.252" v="369" actId="1076"/>
-          <ac:spMkLst>
-            <pc:docMk/>
-            <pc:sldMk cId="3524330697" sldId="292"/>
-            <ac:spMk id="4" creationId="{5B53080F-F30B-6651-54D5-2AEAA98B8A00}"/>
-          </ac:spMkLst>
-        </pc:spChg>
-        <pc:spChg chg="mod">
-          <ac:chgData name="El Bach" userId="fcdc1bb3b617d7e4" providerId="LiveId" clId="{4AFD2F5F-7525-41FA-A56F-E2F7417B1E4E}" dt="2023-07-30T14:53:06.285" v="368" actId="1076"/>
-          <ac:spMkLst>
-            <pc:docMk/>
-            <pc:sldMk cId="3524330697" sldId="292"/>
-            <ac:spMk id="5" creationId="{352FB4C8-B60C-D271-688C-05F1190BC6A0}"/>
-          </ac:spMkLst>
-        </pc:spChg>
-        <pc:spChg chg="mod">
-          <ac:chgData name="El Bach" userId="fcdc1bb3b617d7e4" providerId="LiveId" clId="{4AFD2F5F-7525-41FA-A56F-E2F7417B1E4E}" dt="2023-07-30T14:51:36.630" v="315" actId="20577"/>
-          <ac:spMkLst>
-            <pc:docMk/>
-            <pc:sldMk cId="3524330697" sldId="292"/>
-            <ac:spMk id="6" creationId="{3183E336-EB32-EB4F-0AC7-6636E3C6D387}"/>
-          </ac:spMkLst>
-        </pc:spChg>
-        <pc:spChg chg="mod">
-          <ac:chgData name="El Bach" userId="fcdc1bb3b617d7e4" providerId="LiveId" clId="{4AFD2F5F-7525-41FA-A56F-E2F7417B1E4E}" dt="2023-07-30T14:52:55.022" v="366" actId="1076"/>
-          <ac:spMkLst>
-            <pc:docMk/>
-            <pc:sldMk cId="3524330697" sldId="292"/>
-            <ac:spMk id="8" creationId="{FD2F1BA4-36CA-DC07-713D-C105770BC872}"/>
-          </ac:spMkLst>
-        </pc:spChg>
-        <pc:grpChg chg="del mod">
-          <ac:chgData name="El Bach" userId="fcdc1bb3b617d7e4" providerId="LiveId" clId="{4AFD2F5F-7525-41FA-A56F-E2F7417B1E4E}" dt="2023-07-30T14:49:33.160" v="269" actId="478"/>
-          <ac:grpSpMkLst>
-            <pc:docMk/>
-            <pc:sldMk cId="3524330697" sldId="292"/>
-            <ac:grpSpMk id="7" creationId="{2AA09370-65E7-C83B-9D1C-D328D008DC29}"/>
-          </ac:grpSpMkLst>
-        </pc:grpChg>
-        <pc:grpChg chg="del mod">
-          <ac:chgData name="El Bach" userId="fcdc1bb3b617d7e4" providerId="LiveId" clId="{4AFD2F5F-7525-41FA-A56F-E2F7417B1E4E}" dt="2023-07-30T14:50:36.614" v="272" actId="478"/>
-          <ac:grpSpMkLst>
-            <pc:docMk/>
-            <pc:sldMk cId="3524330697" sldId="292"/>
-            <ac:grpSpMk id="9" creationId="{144BB778-42AA-F2A2-D002-C7966CCED4E3}"/>
-          </ac:grpSpMkLst>
-        </pc:grpChg>
-        <pc:picChg chg="add mod">
-          <ac:chgData name="El Bach" userId="fcdc1bb3b617d7e4" providerId="LiveId" clId="{4AFD2F5F-7525-41FA-A56F-E2F7417B1E4E}" dt="2023-07-30T14:50:46.031" v="277" actId="1076"/>
-          <ac:picMkLst>
-            <pc:docMk/>
-            <pc:sldMk cId="3524330697" sldId="292"/>
-            <ac:picMk id="11" creationId="{C7FEF379-A273-DF38-B2F6-22F239449B07}"/>
-          </ac:picMkLst>
-        </pc:picChg>
-        <pc:picChg chg="add mod">
-          <ac:chgData name="El Bach" userId="fcdc1bb3b617d7e4" providerId="LiveId" clId="{4AFD2F5F-7525-41FA-A56F-E2F7417B1E4E}" dt="2023-07-30T14:53:01.941" v="367" actId="1076"/>
-          <ac:picMkLst>
-            <pc:docMk/>
-            <pc:sldMk cId="3524330697" sldId="292"/>
-            <ac:picMk id="13" creationId="{FA2205CA-4294-BA5C-7E33-7D59A3971520}"/>
-          </ac:picMkLst>
-        </pc:picChg>
-        <pc:picChg chg="del">
-          <ac:chgData name="El Bach" userId="fcdc1bb3b617d7e4" providerId="LiveId" clId="{4AFD2F5F-7525-41FA-A56F-E2F7417B1E4E}" dt="2023-07-30T14:49:33.160" v="269" actId="478"/>
-          <ac:picMkLst>
-            <pc:docMk/>
-            <pc:sldMk cId="3524330697" sldId="292"/>
-            <ac:picMk id="1026" creationId="{CF44E695-49BC-60F2-59E2-38B23BBA381A}"/>
-          </ac:picMkLst>
-        </pc:picChg>
-        <pc:picChg chg="del">
-          <ac:chgData name="El Bach" userId="fcdc1bb3b617d7e4" providerId="LiveId" clId="{4AFD2F5F-7525-41FA-A56F-E2F7417B1E4E}" dt="2023-07-30T14:50:36.614" v="272" actId="478"/>
-          <ac:picMkLst>
-            <pc:docMk/>
-            <pc:sldMk cId="3524330697" sldId="292"/>
-            <ac:picMk id="1028" creationId="{28C7A328-195C-CF4B-5913-53F9EEF0BEE8}"/>
-          </ac:picMkLst>
-        </pc:picChg>
-      </pc:sldChg>
-      <pc:sldChg chg="addSp delSp modSp mod">
-        <pc:chgData name="El Bach" userId="fcdc1bb3b617d7e4" providerId="LiveId" clId="{4AFD2F5F-7525-41FA-A56F-E2F7417B1E4E}" dt="2023-07-30T16:35:49.096" v="783"/>
-        <pc:sldMkLst>
-          <pc:docMk/>
-          <pc:sldMk cId="2950648358" sldId="293"/>
-        </pc:sldMkLst>
-        <pc:spChg chg="mod">
-          <ac:chgData name="El Bach" userId="fcdc1bb3b617d7e4" providerId="LiveId" clId="{4AFD2F5F-7525-41FA-A56F-E2F7417B1E4E}" dt="2023-07-30T16:35:49.096" v="783"/>
-          <ac:spMkLst>
-            <pc:docMk/>
-            <pc:sldMk cId="2950648358" sldId="293"/>
-            <ac:spMk id="2" creationId="{5B040558-A365-4CCE-92FA-5A48CD98F9C9}"/>
-          </ac:spMkLst>
-        </pc:spChg>
-        <pc:spChg chg="mod">
-          <ac:chgData name="El Bach" userId="fcdc1bb3b617d7e4" providerId="LiveId" clId="{4AFD2F5F-7525-41FA-A56F-E2F7417B1E4E}" dt="2023-07-30T16:35:49.096" v="783"/>
-          <ac:spMkLst>
-            <pc:docMk/>
-            <pc:sldMk cId="2950648358" sldId="293"/>
-            <ac:spMk id="3" creationId="{9FA0E552-B77F-3D79-39DE-812D63F1F2D3}"/>
-          </ac:spMkLst>
-        </pc:spChg>
-        <pc:picChg chg="del">
-          <ac:chgData name="El Bach" userId="fcdc1bb3b617d7e4" providerId="LiveId" clId="{4AFD2F5F-7525-41FA-A56F-E2F7417B1E4E}" dt="2023-07-30T15:09:36.404" v="460" actId="478"/>
-          <ac:picMkLst>
-            <pc:docMk/>
-            <pc:sldMk cId="2950648358" sldId="293"/>
-            <ac:picMk id="5" creationId="{D19CBDC1-A4A4-8C6B-1C83-B258A0071A06}"/>
-          </ac:picMkLst>
-        </pc:picChg>
-        <pc:picChg chg="add mod">
-          <ac:chgData name="El Bach" userId="fcdc1bb3b617d7e4" providerId="LiveId" clId="{4AFD2F5F-7525-41FA-A56F-E2F7417B1E4E}" dt="2023-07-30T15:10:18.489" v="468" actId="14100"/>
-          <ac:picMkLst>
-            <pc:docMk/>
-            <pc:sldMk cId="2950648358" sldId="293"/>
-            <ac:picMk id="7" creationId="{097D2EF7-DC00-F611-2447-826C4B92D50D}"/>
-          </ac:picMkLst>
-        </pc:picChg>
-        <pc:picChg chg="del">
-          <ac:chgData name="El Bach" userId="fcdc1bb3b617d7e4" providerId="LiveId" clId="{4AFD2F5F-7525-41FA-A56F-E2F7417B1E4E}" dt="2023-07-30T15:09:37.058" v="461" actId="478"/>
-          <ac:picMkLst>
-            <pc:docMk/>
-            <pc:sldMk cId="2950648358" sldId="293"/>
-            <ac:picMk id="8" creationId="{EFCFA05B-826F-C063-11B5-C0D49E38CA9D}"/>
-          </ac:picMkLst>
-        </pc:picChg>
-      </pc:sldChg>
-      <pc:sldChg chg="addSp delSp modSp mod">
-        <pc:chgData name="El Bach" userId="fcdc1bb3b617d7e4" providerId="LiveId" clId="{4AFD2F5F-7525-41FA-A56F-E2F7417B1E4E}" dt="2023-07-30T16:35:49.096" v="783"/>
-        <pc:sldMkLst>
-          <pc:docMk/>
-          <pc:sldMk cId="2963956531" sldId="295"/>
-        </pc:sldMkLst>
-        <pc:spChg chg="mod">
-          <ac:chgData name="El Bach" userId="fcdc1bb3b617d7e4" providerId="LiveId" clId="{4AFD2F5F-7525-41FA-A56F-E2F7417B1E4E}" dt="2023-07-30T16:35:49.096" v="783"/>
-          <ac:spMkLst>
-            <pc:docMk/>
-            <pc:sldMk cId="2963956531" sldId="295"/>
-            <ac:spMk id="2" creationId="{5B040558-A365-4CCE-92FA-5A48CD98F9C9}"/>
-          </ac:spMkLst>
-        </pc:spChg>
-        <pc:spChg chg="mod">
-          <ac:chgData name="El Bach" userId="fcdc1bb3b617d7e4" providerId="LiveId" clId="{4AFD2F5F-7525-41FA-A56F-E2F7417B1E4E}" dt="2023-07-30T14:59:56.433" v="440" actId="122"/>
-          <ac:spMkLst>
-            <pc:docMk/>
-            <pc:sldMk cId="2963956531" sldId="295"/>
-            <ac:spMk id="6" creationId="{EED82273-6B76-EF6C-6BD7-E688D9F342EF}"/>
-          </ac:spMkLst>
-        </pc:spChg>
-        <pc:spChg chg="del mod">
-          <ac:chgData name="El Bach" userId="fcdc1bb3b617d7e4" providerId="LiveId" clId="{4AFD2F5F-7525-41FA-A56F-E2F7417B1E4E}" dt="2023-07-30T14:56:34.860" v="410" actId="478"/>
-          <ac:spMkLst>
-            <pc:docMk/>
-            <pc:sldMk cId="2963956531" sldId="295"/>
-            <ac:spMk id="9" creationId="{9126FF2D-B827-FBC1-8F50-50322CE80F75}"/>
-          </ac:spMkLst>
-        </pc:spChg>
-        <pc:spChg chg="del mod">
-          <ac:chgData name="El Bach" userId="fcdc1bb3b617d7e4" providerId="LiveId" clId="{4AFD2F5F-7525-41FA-A56F-E2F7417B1E4E}" dt="2023-07-30T14:58:09.011" v="427" actId="478"/>
-          <ac:spMkLst>
-            <pc:docMk/>
-            <pc:sldMk cId="2963956531" sldId="295"/>
-            <ac:spMk id="10" creationId="{D767CEFD-8ABC-E414-A2F4-2337090702CC}"/>
-          </ac:spMkLst>
-        </pc:spChg>
-        <pc:spChg chg="del mod">
-          <ac:chgData name="El Bach" userId="fcdc1bb3b617d7e4" providerId="LiveId" clId="{4AFD2F5F-7525-41FA-A56F-E2F7417B1E4E}" dt="2023-07-30T14:57:12.932" v="419" actId="478"/>
-          <ac:spMkLst>
-            <pc:docMk/>
-            <pc:sldMk cId="2963956531" sldId="295"/>
-            <ac:spMk id="11" creationId="{AFFFCCF0-77F2-CF42-859F-A4C7B8AB2035}"/>
-          </ac:spMkLst>
-        </pc:spChg>
-        <pc:spChg chg="add del">
-          <ac:chgData name="El Bach" userId="fcdc1bb3b617d7e4" providerId="LiveId" clId="{4AFD2F5F-7525-41FA-A56F-E2F7417B1E4E}" dt="2023-07-30T14:56:39.167" v="412" actId="22"/>
-          <ac:spMkLst>
-            <pc:docMk/>
-            <pc:sldMk cId="2963956531" sldId="295"/>
-            <ac:spMk id="12" creationId="{8F070FBF-1EA2-CDCC-FB31-CF97F39156D3}"/>
-          </ac:spMkLst>
-        </pc:spChg>
-        <pc:spChg chg="add mod">
-          <ac:chgData name="El Bach" userId="fcdc1bb3b617d7e4" providerId="LiveId" clId="{4AFD2F5F-7525-41FA-A56F-E2F7417B1E4E}" dt="2023-07-30T14:59:51.049" v="438" actId="122"/>
-          <ac:spMkLst>
-            <pc:docMk/>
-            <pc:sldMk cId="2963956531" sldId="295"/>
-            <ac:spMk id="13" creationId="{6DE95B43-CD80-32F0-4BDF-07AE715D60FA}"/>
-          </ac:spMkLst>
-        </pc:spChg>
-        <pc:spChg chg="add mod">
-          <ac:chgData name="El Bach" userId="fcdc1bb3b617d7e4" providerId="LiveId" clId="{4AFD2F5F-7525-41FA-A56F-E2F7417B1E4E}" dt="2023-07-30T15:00:02.081" v="442" actId="122"/>
-          <ac:spMkLst>
-            <pc:docMk/>
-            <pc:sldMk cId="2963956531" sldId="295"/>
-            <ac:spMk id="14" creationId="{E65C1371-17EC-E682-6089-37153FF459A5}"/>
-          </ac:spMkLst>
-        </pc:spChg>
-        <pc:spChg chg="add mod">
-          <ac:chgData name="El Bach" userId="fcdc1bb3b617d7e4" providerId="LiveId" clId="{4AFD2F5F-7525-41FA-A56F-E2F7417B1E4E}" dt="2023-07-30T14:59:48.098" v="437" actId="122"/>
-          <ac:spMkLst>
-            <pc:docMk/>
-            <pc:sldMk cId="2963956531" sldId="295"/>
-            <ac:spMk id="15" creationId="{0EA363A6-C22B-3EE5-EB87-DFB35D669EFF}"/>
-          </ac:spMkLst>
-        </pc:spChg>
-        <pc:picChg chg="del">
-          <ac:chgData name="El Bach" userId="fcdc1bb3b617d7e4" providerId="LiveId" clId="{4AFD2F5F-7525-41FA-A56F-E2F7417B1E4E}" dt="2023-07-30T14:53:45.884" v="370" actId="478"/>
-          <ac:picMkLst>
-            <pc:docMk/>
-            <pc:sldMk cId="2963956531" sldId="295"/>
-            <ac:picMk id="5" creationId="{484FAD70-0713-11A8-30A0-13B5CD37CA10}"/>
-          </ac:picMkLst>
-        </pc:picChg>
-        <pc:picChg chg="del">
-          <ac:chgData name="El Bach" userId="fcdc1bb3b617d7e4" providerId="LiveId" clId="{4AFD2F5F-7525-41FA-A56F-E2F7417B1E4E}" dt="2023-07-30T14:53:47.108" v="371" actId="478"/>
-          <ac:picMkLst>
-            <pc:docMk/>
-            <pc:sldMk cId="2963956531" sldId="295"/>
-            <ac:picMk id="4098" creationId="{18C60382-FABC-5484-5D1B-6CF17A7CFF96}"/>
-          </ac:picMkLst>
-        </pc:picChg>
-        <pc:picChg chg="del">
-          <ac:chgData name="El Bach" userId="fcdc1bb3b617d7e4" providerId="LiveId" clId="{4AFD2F5F-7525-41FA-A56F-E2F7417B1E4E}" dt="2023-07-30T14:53:47.780" v="372" actId="478"/>
-          <ac:picMkLst>
-            <pc:docMk/>
-            <pc:sldMk cId="2963956531" sldId="295"/>
-            <ac:picMk id="4100" creationId="{9E810B96-A25F-63DA-575C-40C68BEE80F2}"/>
-          </ac:picMkLst>
-        </pc:picChg>
-        <pc:picChg chg="del">
-          <ac:chgData name="El Bach" userId="fcdc1bb3b617d7e4" providerId="LiveId" clId="{4AFD2F5F-7525-41FA-A56F-E2F7417B1E4E}" dt="2023-07-30T14:53:48.340" v="373" actId="478"/>
-          <ac:picMkLst>
-            <pc:docMk/>
-            <pc:sldMk cId="2963956531" sldId="295"/>
-            <ac:picMk id="4102" creationId="{9F15A09D-CDFA-6983-B66F-EA96F6FAC649}"/>
-          </ac:picMkLst>
-        </pc:picChg>
-      </pc:sldChg>
-      <pc:sldChg chg="addSp delSp modSp mod">
-        <pc:chgData name="El Bach" userId="fcdc1bb3b617d7e4" providerId="LiveId" clId="{4AFD2F5F-7525-41FA-A56F-E2F7417B1E4E}" dt="2023-07-30T16:35:49.096" v="783"/>
-        <pc:sldMkLst>
-          <pc:docMk/>
-          <pc:sldMk cId="2379676307" sldId="296"/>
-        </pc:sldMkLst>
-        <pc:spChg chg="mod">
-          <ac:chgData name="El Bach" userId="fcdc1bb3b617d7e4" providerId="LiveId" clId="{4AFD2F5F-7525-41FA-A56F-E2F7417B1E4E}" dt="2023-07-30T16:35:49.096" v="783"/>
-          <ac:spMkLst>
-            <pc:docMk/>
-            <pc:sldMk cId="2379676307" sldId="296"/>
-            <ac:spMk id="2" creationId="{5B040558-A365-4CCE-92FA-5A48CD98F9C9}"/>
-          </ac:spMkLst>
-        </pc:spChg>
-        <pc:spChg chg="mod">
-          <ac:chgData name="El Bach" userId="fcdc1bb3b617d7e4" providerId="LiveId" clId="{4AFD2F5F-7525-41FA-A56F-E2F7417B1E4E}" dt="2023-07-30T16:35:49.096" v="783"/>
-          <ac:spMkLst>
-            <pc:docMk/>
-            <pc:sldMk cId="2379676307" sldId="296"/>
-            <ac:spMk id="3" creationId="{9FA0E552-B77F-3D79-39DE-812D63F1F2D3}"/>
-          </ac:spMkLst>
-        </pc:spChg>
-        <pc:picChg chg="del mod">
-          <ac:chgData name="El Bach" userId="fcdc1bb3b617d7e4" providerId="LiveId" clId="{4AFD2F5F-7525-41FA-A56F-E2F7417B1E4E}" dt="2023-07-30T15:01:51.584" v="454" actId="478"/>
-          <ac:picMkLst>
-            <pc:docMk/>
-            <pc:sldMk cId="2379676307" sldId="296"/>
-            <ac:picMk id="7" creationId="{6BAC9D09-685A-A9D3-41FE-3D3DDDC7EF75}"/>
-          </ac:picMkLst>
-        </pc:picChg>
-        <pc:picChg chg="add mod">
-          <ac:chgData name="El Bach" userId="fcdc1bb3b617d7e4" providerId="LiveId" clId="{4AFD2F5F-7525-41FA-A56F-E2F7417B1E4E}" dt="2023-07-30T15:02:07.367" v="459" actId="14100"/>
-          <ac:picMkLst>
-            <pc:docMk/>
-            <pc:sldMk cId="2379676307" sldId="296"/>
-            <ac:picMk id="8" creationId="{1E07813F-4186-2570-ECFC-EED23E9DBBE2}"/>
-          </ac:picMkLst>
-        </pc:picChg>
-      </pc:sldChg>
-      <pc:sldChg chg="addSp delSp modSp mod">
-        <pc:chgData name="El Bach" userId="fcdc1bb3b617d7e4" providerId="LiveId" clId="{4AFD2F5F-7525-41FA-A56F-E2F7417B1E4E}" dt="2023-07-30T16:35:49.096" v="783"/>
-        <pc:sldMkLst>
-          <pc:docMk/>
-          <pc:sldMk cId="1455177520" sldId="297"/>
-        </pc:sldMkLst>
-        <pc:spChg chg="mod">
-          <ac:chgData name="El Bach" userId="fcdc1bb3b617d7e4" providerId="LiveId" clId="{4AFD2F5F-7525-41FA-A56F-E2F7417B1E4E}" dt="2023-07-30T16:35:49.096" v="783"/>
-          <ac:spMkLst>
-            <pc:docMk/>
-            <pc:sldMk cId="1455177520" sldId="297"/>
-            <ac:spMk id="2" creationId="{5B040558-A365-4CCE-92FA-5A48CD98F9C9}"/>
-          </ac:spMkLst>
-        </pc:spChg>
-        <pc:spChg chg="mod">
-          <ac:chgData name="El Bach" userId="fcdc1bb3b617d7e4" providerId="LiveId" clId="{4AFD2F5F-7525-41FA-A56F-E2F7417B1E4E}" dt="2023-07-30T16:35:49.096" v="783"/>
-          <ac:spMkLst>
-            <pc:docMk/>
-            <pc:sldMk cId="1455177520" sldId="297"/>
-            <ac:spMk id="3" creationId="{ACF70E5E-1076-94AD-5E11-F292199DD68E}"/>
-          </ac:spMkLst>
-        </pc:spChg>
-        <pc:spChg chg="add mod">
-          <ac:chgData name="El Bach" userId="fcdc1bb3b617d7e4" providerId="LiveId" clId="{4AFD2F5F-7525-41FA-A56F-E2F7417B1E4E}" dt="2023-07-30T15:25:19.520" v="765" actId="1076"/>
-          <ac:spMkLst>
-            <pc:docMk/>
-            <pc:sldMk cId="1455177520" sldId="297"/>
-            <ac:spMk id="8" creationId="{DEDAFA83-AA02-74C0-2BCC-DEA8C2B6A103}"/>
-          </ac:spMkLst>
-        </pc:spChg>
-        <pc:graphicFrameChg chg="mod">
-          <ac:chgData name="El Bach" userId="fcdc1bb3b617d7e4" providerId="LiveId" clId="{4AFD2F5F-7525-41FA-A56F-E2F7417B1E4E}" dt="2023-07-30T15:17:49.221" v="557" actId="20577"/>
-          <ac:graphicFrameMkLst>
-            <pc:docMk/>
-            <pc:sldMk cId="1455177520" sldId="297"/>
-            <ac:graphicFrameMk id="11" creationId="{6D77C248-9325-5FEF-72C7-F630112B538E}"/>
-          </ac:graphicFrameMkLst>
-        </pc:graphicFrameChg>
-        <pc:picChg chg="add del mod">
-          <ac:chgData name="El Bach" userId="fcdc1bb3b617d7e4" providerId="LiveId" clId="{4AFD2F5F-7525-41FA-A56F-E2F7417B1E4E}" dt="2023-07-30T15:16:43.393" v="517" actId="22"/>
-          <ac:picMkLst>
-            <pc:docMk/>
-            <pc:sldMk cId="1455177520" sldId="297"/>
-            <ac:picMk id="5" creationId="{1A38DDBF-7FE2-B5AF-2A65-8D60750ABEFC}"/>
-          </ac:picMkLst>
-        </pc:picChg>
-        <pc:picChg chg="add del">
-          <ac:chgData name="El Bach" userId="fcdc1bb3b617d7e4" providerId="LiveId" clId="{4AFD2F5F-7525-41FA-A56F-E2F7417B1E4E}" dt="2023-07-30T15:17:03.007" v="520" actId="478"/>
-          <ac:picMkLst>
-            <pc:docMk/>
-            <pc:sldMk cId="1455177520" sldId="297"/>
-            <ac:picMk id="6" creationId="{52E84957-06C9-95A3-D0BA-3283B90C38F0}"/>
-          </ac:picMkLst>
-        </pc:picChg>
-        <pc:picChg chg="add mod">
-          <ac:chgData name="El Bach" userId="fcdc1bb3b617d7e4" providerId="LiveId" clId="{4AFD2F5F-7525-41FA-A56F-E2F7417B1E4E}" dt="2023-07-30T15:25:09.224" v="761" actId="1076"/>
-          <ac:picMkLst>
-            <pc:docMk/>
-            <pc:sldMk cId="1455177520" sldId="297"/>
-            <ac:picMk id="7" creationId="{27DC4435-1B7F-0222-C6B9-19E7FE4FE50C}"/>
-          </ac:picMkLst>
-        </pc:picChg>
-        <pc:picChg chg="add del">
-          <ac:chgData name="El Bach" userId="fcdc1bb3b617d7e4" providerId="LiveId" clId="{4AFD2F5F-7525-41FA-A56F-E2F7417B1E4E}" dt="2023-07-30T15:17:04.206" v="521" actId="478"/>
-          <ac:picMkLst>
-            <pc:docMk/>
-            <pc:sldMk cId="1455177520" sldId="297"/>
-            <ac:picMk id="10" creationId="{312B47D7-CC60-693A-CAAC-16F10C6ABB50}"/>
-          </ac:picMkLst>
-        </pc:picChg>
-      </pc:sldChg>
-      <pc:sldChg chg="modSp">
-        <pc:chgData name="El Bach" userId="fcdc1bb3b617d7e4" providerId="LiveId" clId="{4AFD2F5F-7525-41FA-A56F-E2F7417B1E4E}" dt="2023-07-30T16:35:49.096" v="783"/>
-        <pc:sldMkLst>
-          <pc:docMk/>
-          <pc:sldMk cId="3945536907" sldId="298"/>
-        </pc:sldMkLst>
-        <pc:spChg chg="mod">
-          <ac:chgData name="El Bach" userId="fcdc1bb3b617d7e4" providerId="LiveId" clId="{4AFD2F5F-7525-41FA-A56F-E2F7417B1E4E}" dt="2023-07-30T16:35:49.096" v="783"/>
-          <ac:spMkLst>
-            <pc:docMk/>
-            <pc:sldMk cId="3945536907" sldId="298"/>
-            <ac:spMk id="2" creationId="{5B040558-A365-4CCE-92FA-5A48CD98F9C9}"/>
-          </ac:spMkLst>
-        </pc:spChg>
-        <pc:spChg chg="mod">
-          <ac:chgData name="El Bach" userId="fcdc1bb3b617d7e4" providerId="LiveId" clId="{4AFD2F5F-7525-41FA-A56F-E2F7417B1E4E}" dt="2023-07-30T16:35:49.096" v="783"/>
-          <ac:spMkLst>
-            <pc:docMk/>
-            <pc:sldMk cId="3945536907" sldId="298"/>
-            <ac:spMk id="3" creationId="{ACF70E5E-1076-94AD-5E11-F292199DD68E}"/>
-          </ac:spMkLst>
-        </pc:spChg>
-      </pc:sldChg>
-      <pc:sldChg chg="addSp delSp modSp new mod ord">
-        <pc:chgData name="El Bach" userId="fcdc1bb3b617d7e4" providerId="LiveId" clId="{4AFD2F5F-7525-41FA-A56F-E2F7417B1E4E}" dt="2023-07-30T16:35:49.096" v="783"/>
-        <pc:sldMkLst>
-          <pc:docMk/>
-          <pc:sldMk cId="3901320852" sldId="299"/>
-        </pc:sldMkLst>
-        <pc:spChg chg="mod">
-          <ac:chgData name="El Bach" userId="fcdc1bb3b617d7e4" providerId="LiveId" clId="{4AFD2F5F-7525-41FA-A56F-E2F7417B1E4E}" dt="2023-07-30T16:35:49.096" v="783"/>
-          <ac:spMkLst>
-            <pc:docMk/>
-            <pc:sldMk cId="3901320852" sldId="299"/>
-            <ac:spMk id="2" creationId="{B9DFE88D-87F1-41D3-E70D-5419CEF4C74C}"/>
-          </ac:spMkLst>
-        </pc:spChg>
-        <pc:spChg chg="del">
-          <ac:chgData name="El Bach" userId="fcdc1bb3b617d7e4" providerId="LiveId" clId="{4AFD2F5F-7525-41FA-A56F-E2F7417B1E4E}" dt="2023-07-30T15:22:55.579" v="741" actId="478"/>
-          <ac:spMkLst>
-            <pc:docMk/>
-            <pc:sldMk cId="3901320852" sldId="299"/>
-            <ac:spMk id="3" creationId="{6B21CBA3-4751-3D16-5545-51C7BA40CFA0}"/>
-          </ac:spMkLst>
-        </pc:spChg>
-        <pc:spChg chg="mod">
-          <ac:chgData name="El Bach" userId="fcdc1bb3b617d7e4" providerId="LiveId" clId="{4AFD2F5F-7525-41FA-A56F-E2F7417B1E4E}" dt="2023-07-30T16:35:49.096" v="783"/>
-          <ac:spMkLst>
-            <pc:docMk/>
-            <pc:sldMk cId="3901320852" sldId="299"/>
-            <ac:spMk id="4" creationId="{EBEFEF44-7C50-9BD5-3752-2308BB16D71B}"/>
-          </ac:spMkLst>
-        </pc:spChg>
-        <pc:spChg chg="mod">
-          <ac:chgData name="El Bach" userId="fcdc1bb3b617d7e4" providerId="LiveId" clId="{4AFD2F5F-7525-41FA-A56F-E2F7417B1E4E}" dt="2023-07-30T15:22:56.652" v="742"/>
-          <ac:spMkLst>
-            <pc:docMk/>
-            <pc:sldMk cId="3901320852" sldId="299"/>
-            <ac:spMk id="6" creationId="{0A766BC1-CC33-B5E3-8A00-C7E8C351F264}"/>
-          </ac:spMkLst>
-        </pc:spChg>
-        <pc:spChg chg="mod">
-          <ac:chgData name="El Bach" userId="fcdc1bb3b617d7e4" providerId="LiveId" clId="{4AFD2F5F-7525-41FA-A56F-E2F7417B1E4E}" dt="2023-07-30T15:22:56.652" v="742"/>
-          <ac:spMkLst>
-            <pc:docMk/>
-            <pc:sldMk cId="3901320852" sldId="299"/>
-            <ac:spMk id="7" creationId="{05711B7E-70F6-6514-1651-AA07DD0B93ED}"/>
-          </ac:spMkLst>
-        </pc:spChg>
-        <pc:spChg chg="mod">
-          <ac:chgData name="El Bach" userId="fcdc1bb3b617d7e4" providerId="LiveId" clId="{4AFD2F5F-7525-41FA-A56F-E2F7417B1E4E}" dt="2023-07-30T15:22:56.652" v="742"/>
-          <ac:spMkLst>
-            <pc:docMk/>
-            <pc:sldMk cId="3901320852" sldId="299"/>
-            <ac:spMk id="8" creationId="{0E97CCD2-3A7F-95E4-76D7-7709DEBEBC79}"/>
-          </ac:spMkLst>
-        </pc:spChg>
-        <pc:spChg chg="mod">
-          <ac:chgData name="El Bach" userId="fcdc1bb3b617d7e4" providerId="LiveId" clId="{4AFD2F5F-7525-41FA-A56F-E2F7417B1E4E}" dt="2023-07-30T15:22:56.652" v="742"/>
-          <ac:spMkLst>
-            <pc:docMk/>
-            <pc:sldMk cId="3901320852" sldId="299"/>
-            <ac:spMk id="9" creationId="{1364A165-95D9-C99D-C9C6-CF25CE3A3D83}"/>
-          </ac:spMkLst>
-        </pc:spChg>
-        <pc:spChg chg="mod">
-          <ac:chgData name="El Bach" userId="fcdc1bb3b617d7e4" providerId="LiveId" clId="{4AFD2F5F-7525-41FA-A56F-E2F7417B1E4E}" dt="2023-07-30T15:22:56.652" v="742"/>
-          <ac:spMkLst>
-            <pc:docMk/>
-            <pc:sldMk cId="3901320852" sldId="299"/>
-            <ac:spMk id="10" creationId="{B0A075A1-04DC-676E-4AE8-C1F0D05AF5E8}"/>
-          </ac:spMkLst>
-        </pc:spChg>
-        <pc:spChg chg="mod">
-          <ac:chgData name="El Bach" userId="fcdc1bb3b617d7e4" providerId="LiveId" clId="{4AFD2F5F-7525-41FA-A56F-E2F7417B1E4E}" dt="2023-07-30T15:22:56.652" v="742"/>
-          <ac:spMkLst>
-            <pc:docMk/>
-            <pc:sldMk cId="3901320852" sldId="299"/>
-            <ac:spMk id="11" creationId="{A45642B7-D8D4-1E8C-C6A7-75B13CBC0AAD}"/>
-          </ac:spMkLst>
-        </pc:spChg>
-        <pc:spChg chg="mod">
-          <ac:chgData name="El Bach" userId="fcdc1bb3b617d7e4" providerId="LiveId" clId="{4AFD2F5F-7525-41FA-A56F-E2F7417B1E4E}" dt="2023-07-30T15:22:56.652" v="742"/>
-          <ac:spMkLst>
-            <pc:docMk/>
-            <pc:sldMk cId="3901320852" sldId="299"/>
-            <ac:spMk id="12" creationId="{F1AC4314-AD73-21A2-28B0-62A5B498533A}"/>
-          </ac:spMkLst>
-        </pc:spChg>
-        <pc:spChg chg="mod">
-          <ac:chgData name="El Bach" userId="fcdc1bb3b617d7e4" providerId="LiveId" clId="{4AFD2F5F-7525-41FA-A56F-E2F7417B1E4E}" dt="2023-07-30T15:22:56.652" v="742"/>
-          <ac:spMkLst>
-            <pc:docMk/>
-            <pc:sldMk cId="3901320852" sldId="299"/>
-            <ac:spMk id="13" creationId="{296BC699-BCE5-6001-67C4-BEAA6B9C1C28}"/>
-          </ac:spMkLst>
-        </pc:spChg>
-        <pc:spChg chg="mod">
-          <ac:chgData name="El Bach" userId="fcdc1bb3b617d7e4" providerId="LiveId" clId="{4AFD2F5F-7525-41FA-A56F-E2F7417B1E4E}" dt="2023-07-30T15:22:56.652" v="742"/>
-          <ac:spMkLst>
-            <pc:docMk/>
-            <pc:sldMk cId="3901320852" sldId="299"/>
-            <ac:spMk id="14" creationId="{B0E44891-32D1-7DCF-8521-1B39C2789FAB}"/>
-          </ac:spMkLst>
-        </pc:spChg>
-        <pc:spChg chg="mod">
-          <ac:chgData name="El Bach" userId="fcdc1bb3b617d7e4" providerId="LiveId" clId="{4AFD2F5F-7525-41FA-A56F-E2F7417B1E4E}" dt="2023-07-30T15:22:56.652" v="742"/>
-          <ac:spMkLst>
-            <pc:docMk/>
-            <pc:sldMk cId="3901320852" sldId="299"/>
-            <ac:spMk id="15" creationId="{B12317C2-486D-6BD0-D0C2-ABE2CA9B2B9C}"/>
-          </ac:spMkLst>
-        </pc:spChg>
-        <pc:spChg chg="mod">
-          <ac:chgData name="El Bach" userId="fcdc1bb3b617d7e4" providerId="LiveId" clId="{4AFD2F5F-7525-41FA-A56F-E2F7417B1E4E}" dt="2023-07-30T15:22:56.652" v="742"/>
-          <ac:spMkLst>
-            <pc:docMk/>
-            <pc:sldMk cId="3901320852" sldId="299"/>
-            <ac:spMk id="16" creationId="{A2AB4B85-C271-DA0A-48D5-4CAB98107C80}"/>
-          </ac:spMkLst>
-        </pc:spChg>
-        <pc:spChg chg="mod">
-          <ac:chgData name="El Bach" userId="fcdc1bb3b617d7e4" providerId="LiveId" clId="{4AFD2F5F-7525-41FA-A56F-E2F7417B1E4E}" dt="2023-07-30T15:22:56.652" v="742"/>
-          <ac:spMkLst>
-            <pc:docMk/>
-            <pc:sldMk cId="3901320852" sldId="299"/>
-            <ac:spMk id="17" creationId="{9AE09B31-AA22-1254-319C-126205A56C57}"/>
-          </ac:spMkLst>
-        </pc:spChg>
-        <pc:spChg chg="mod">
-          <ac:chgData name="El Bach" userId="fcdc1bb3b617d7e4" providerId="LiveId" clId="{4AFD2F5F-7525-41FA-A56F-E2F7417B1E4E}" dt="2023-07-30T15:22:56.652" v="742"/>
-          <ac:spMkLst>
-            <pc:docMk/>
-            <pc:sldMk cId="3901320852" sldId="299"/>
-            <ac:spMk id="18" creationId="{EA61478F-D081-396D-7EFE-2C4BA87483A4}"/>
-          </ac:spMkLst>
-        </pc:spChg>
-        <pc:spChg chg="mod">
-          <ac:chgData name="El Bach" userId="fcdc1bb3b617d7e4" providerId="LiveId" clId="{4AFD2F5F-7525-41FA-A56F-E2F7417B1E4E}" dt="2023-07-30T15:22:56.652" v="742"/>
-          <ac:spMkLst>
-            <pc:docMk/>
-            <pc:sldMk cId="3901320852" sldId="299"/>
-            <ac:spMk id="19" creationId="{653AA4B8-7AE5-85B8-939B-7FDDF0BE982B}"/>
-          </ac:spMkLst>
-        </pc:spChg>
-        <pc:spChg chg="mod">
-          <ac:chgData name="El Bach" userId="fcdc1bb3b617d7e4" providerId="LiveId" clId="{4AFD2F5F-7525-41FA-A56F-E2F7417B1E4E}" dt="2023-07-30T15:22:56.652" v="742"/>
-          <ac:spMkLst>
-            <pc:docMk/>
-            <pc:sldMk cId="3901320852" sldId="299"/>
-            <ac:spMk id="20" creationId="{1C862B7F-C80E-4153-7865-9E5472AAB2F4}"/>
-          </ac:spMkLst>
-        </pc:spChg>
-        <pc:spChg chg="mod">
-          <ac:chgData name="El Bach" userId="fcdc1bb3b617d7e4" providerId="LiveId" clId="{4AFD2F5F-7525-41FA-A56F-E2F7417B1E4E}" dt="2023-07-30T15:22:56.652" v="742"/>
-          <ac:spMkLst>
-            <pc:docMk/>
-            <pc:sldMk cId="3901320852" sldId="299"/>
-            <ac:spMk id="21" creationId="{BFF5D429-C9BA-05DC-5151-BA02F40DF147}"/>
-          </ac:spMkLst>
-        </pc:spChg>
-        <pc:spChg chg="mod">
-          <ac:chgData name="El Bach" userId="fcdc1bb3b617d7e4" providerId="LiveId" clId="{4AFD2F5F-7525-41FA-A56F-E2F7417B1E4E}" dt="2023-07-30T15:22:56.652" v="742"/>
-          <ac:spMkLst>
-            <pc:docMk/>
-            <pc:sldMk cId="3901320852" sldId="299"/>
-            <ac:spMk id="22" creationId="{431CE704-74D2-F489-398F-6D30D18732A3}"/>
-          </ac:spMkLst>
-        </pc:spChg>
-        <pc:spChg chg="mod">
-          <ac:chgData name="El Bach" userId="fcdc1bb3b617d7e4" providerId="LiveId" clId="{4AFD2F5F-7525-41FA-A56F-E2F7417B1E4E}" dt="2023-07-30T15:22:56.652" v="742"/>
-          <ac:spMkLst>
-            <pc:docMk/>
-            <pc:sldMk cId="3901320852" sldId="299"/>
-            <ac:spMk id="23" creationId="{94F50846-E985-1F2F-56C5-BA09E5A3B637}"/>
-          </ac:spMkLst>
-        </pc:spChg>
-        <pc:spChg chg="mod">
-          <ac:chgData name="El Bach" userId="fcdc1bb3b617d7e4" providerId="LiveId" clId="{4AFD2F5F-7525-41FA-A56F-E2F7417B1E4E}" dt="2023-07-30T15:22:56.652" v="742"/>
-          <ac:spMkLst>
-            <pc:docMk/>
-            <pc:sldMk cId="3901320852" sldId="299"/>
-            <ac:spMk id="24" creationId="{F61A2C5B-1899-A99D-5225-20F4C9AE8B12}"/>
-          </ac:spMkLst>
-        </pc:spChg>
-        <pc:spChg chg="mod">
-          <ac:chgData name="El Bach" userId="fcdc1bb3b617d7e4" providerId="LiveId" clId="{4AFD2F5F-7525-41FA-A56F-E2F7417B1E4E}" dt="2023-07-30T15:22:56.652" v="742"/>
-          <ac:spMkLst>
-            <pc:docMk/>
-            <pc:sldMk cId="3901320852" sldId="299"/>
-            <ac:spMk id="25" creationId="{4589A335-85C0-B1C2-64DF-C8963E124A64}"/>
-          </ac:spMkLst>
-        </pc:spChg>
-        <pc:spChg chg="mod">
-          <ac:chgData name="El Bach" userId="fcdc1bb3b617d7e4" providerId="LiveId" clId="{4AFD2F5F-7525-41FA-A56F-E2F7417B1E4E}" dt="2023-07-30T15:23:03.378" v="743"/>
-          <ac:spMkLst>
-            <pc:docMk/>
-            <pc:sldMk cId="3901320852" sldId="299"/>
-            <ac:spMk id="27" creationId="{C2095EF1-AEB7-C004-4D84-988DD2005F86}"/>
-          </ac:spMkLst>
-        </pc:spChg>
-        <pc:spChg chg="mod">
-          <ac:chgData name="El Bach" userId="fcdc1bb3b617d7e4" providerId="LiveId" clId="{4AFD2F5F-7525-41FA-A56F-E2F7417B1E4E}" dt="2023-07-30T15:23:03.378" v="743"/>
-          <ac:spMkLst>
-            <pc:docMk/>
-            <pc:sldMk cId="3901320852" sldId="299"/>
-            <ac:spMk id="28" creationId="{D4DDD3F6-7ED7-E025-3C25-34B82399A41C}"/>
-          </ac:spMkLst>
-        </pc:spChg>
-        <pc:spChg chg="mod">
-          <ac:chgData name="El Bach" userId="fcdc1bb3b617d7e4" providerId="LiveId" clId="{4AFD2F5F-7525-41FA-A56F-E2F7417B1E4E}" dt="2023-07-30T15:23:03.378" v="743"/>
-          <ac:spMkLst>
-            <pc:docMk/>
-            <pc:sldMk cId="3901320852" sldId="299"/>
-            <ac:spMk id="29" creationId="{E355DC4D-2673-C226-8824-7912B28F6350}"/>
-          </ac:spMkLst>
-        </pc:spChg>
-        <pc:spChg chg="mod">
-          <ac:chgData name="El Bach" userId="fcdc1bb3b617d7e4" providerId="LiveId" clId="{4AFD2F5F-7525-41FA-A56F-E2F7417B1E4E}" dt="2023-07-30T15:23:03.378" v="743"/>
-          <ac:spMkLst>
-            <pc:docMk/>
-            <pc:sldMk cId="3901320852" sldId="299"/>
-            <ac:spMk id="30" creationId="{6EEC8E6F-317D-6A09-0A74-8A28E8112875}"/>
-          </ac:spMkLst>
-        </pc:spChg>
-        <pc:spChg chg="mod">
-          <ac:chgData name="El Bach" userId="fcdc1bb3b617d7e4" providerId="LiveId" clId="{4AFD2F5F-7525-41FA-A56F-E2F7417B1E4E}" dt="2023-07-30T15:23:03.378" v="743"/>
-          <ac:spMkLst>
-            <pc:docMk/>
-            <pc:sldMk cId="3901320852" sldId="299"/>
-            <ac:spMk id="31" creationId="{6686435A-638D-AA02-5459-070373731B61}"/>
-          </ac:spMkLst>
-        </pc:spChg>
-        <pc:spChg chg="mod">
-          <ac:chgData name="El Bach" userId="fcdc1bb3b617d7e4" providerId="LiveId" clId="{4AFD2F5F-7525-41FA-A56F-E2F7417B1E4E}" dt="2023-07-30T15:23:03.378" v="743"/>
-          <ac:spMkLst>
-            <pc:docMk/>
-            <pc:sldMk cId="3901320852" sldId="299"/>
-            <ac:spMk id="32" creationId="{974C6389-BD01-2261-2BFF-9D823BE1C038}"/>
-          </ac:spMkLst>
-        </pc:spChg>
-        <pc:spChg chg="mod">
-          <ac:chgData name="El Bach" userId="fcdc1bb3b617d7e4" providerId="LiveId" clId="{4AFD2F5F-7525-41FA-A56F-E2F7417B1E4E}" dt="2023-07-30T15:23:03.378" v="743"/>
-          <ac:spMkLst>
-            <pc:docMk/>
-            <pc:sldMk cId="3901320852" sldId="299"/>
-            <ac:spMk id="34" creationId="{6249F497-90BC-66AF-AABF-EFA1F69944CE}"/>
-          </ac:spMkLst>
-        </pc:spChg>
-        <pc:spChg chg="mod">
-          <ac:chgData name="El Bach" userId="fcdc1bb3b617d7e4" providerId="LiveId" clId="{4AFD2F5F-7525-41FA-A56F-E2F7417B1E4E}" dt="2023-07-30T15:23:03.378" v="743"/>
-          <ac:spMkLst>
-            <pc:docMk/>
-            <pc:sldMk cId="3901320852" sldId="299"/>
-            <ac:spMk id="35" creationId="{00AB73B0-05D6-174A-3402-998F834B15C0}"/>
-          </ac:spMkLst>
-        </pc:spChg>
-        <pc:spChg chg="mod">
-          <ac:chgData name="El Bach" userId="fcdc1bb3b617d7e4" providerId="LiveId" clId="{4AFD2F5F-7525-41FA-A56F-E2F7417B1E4E}" dt="2023-07-30T15:23:03.378" v="743"/>
-          <ac:spMkLst>
-            <pc:docMk/>
-            <pc:sldMk cId="3901320852" sldId="299"/>
-            <ac:spMk id="36" creationId="{3E00A13D-B623-AB15-E30F-795BCDC30AC9}"/>
-          </ac:spMkLst>
-        </pc:spChg>
-        <pc:spChg chg="mod">
-          <ac:chgData name="El Bach" userId="fcdc1bb3b617d7e4" providerId="LiveId" clId="{4AFD2F5F-7525-41FA-A56F-E2F7417B1E4E}" dt="2023-07-30T15:23:03.378" v="743"/>
-          <ac:spMkLst>
-            <pc:docMk/>
-            <pc:sldMk cId="3901320852" sldId="299"/>
-            <ac:spMk id="37" creationId="{63C8DA08-A843-9F0B-7024-68FCC49E0E1F}"/>
-          </ac:spMkLst>
-        </pc:spChg>
-        <pc:spChg chg="mod">
-          <ac:chgData name="El Bach" userId="fcdc1bb3b617d7e4" providerId="LiveId" clId="{4AFD2F5F-7525-41FA-A56F-E2F7417B1E4E}" dt="2023-07-30T15:23:03.378" v="743"/>
-          <ac:spMkLst>
-            <pc:docMk/>
-            <pc:sldMk cId="3901320852" sldId="299"/>
-            <ac:spMk id="38" creationId="{4BE049F2-6714-E3D1-0F8B-F3A39C40AF64}"/>
-          </ac:spMkLst>
-        </pc:spChg>
-        <pc:spChg chg="mod">
-          <ac:chgData name="El Bach" userId="fcdc1bb3b617d7e4" providerId="LiveId" clId="{4AFD2F5F-7525-41FA-A56F-E2F7417B1E4E}" dt="2023-07-30T15:23:03.378" v="743"/>
-          <ac:spMkLst>
-            <pc:docMk/>
-            <pc:sldMk cId="3901320852" sldId="299"/>
-            <ac:spMk id="39" creationId="{EB2A36C8-E7AC-AB3A-92A1-A4A51DF30F55}"/>
-          </ac:spMkLst>
-        </pc:spChg>
-        <pc:spChg chg="mod">
-          <ac:chgData name="El Bach" userId="fcdc1bb3b617d7e4" providerId="LiveId" clId="{4AFD2F5F-7525-41FA-A56F-E2F7417B1E4E}" dt="2023-07-30T15:23:03.378" v="743"/>
-          <ac:spMkLst>
-            <pc:docMk/>
-            <pc:sldMk cId="3901320852" sldId="299"/>
-            <ac:spMk id="41" creationId="{6CAEE010-798F-28B7-5BE4-FEB4E4966B40}"/>
-          </ac:spMkLst>
-        </pc:spChg>
-        <pc:spChg chg="mod">
-          <ac:chgData name="El Bach" userId="fcdc1bb3b617d7e4" providerId="LiveId" clId="{4AFD2F5F-7525-41FA-A56F-E2F7417B1E4E}" dt="2023-07-30T15:23:03.378" v="743"/>
-          <ac:spMkLst>
-            <pc:docMk/>
-            <pc:sldMk cId="3901320852" sldId="299"/>
-            <ac:spMk id="42" creationId="{8140BABB-7C3B-0D01-816E-8839975F8C9E}"/>
-          </ac:spMkLst>
-        </pc:spChg>
-        <pc:spChg chg="mod">
-          <ac:chgData name="El Bach" userId="fcdc1bb3b617d7e4" providerId="LiveId" clId="{4AFD2F5F-7525-41FA-A56F-E2F7417B1E4E}" dt="2023-07-30T15:23:03.378" v="743"/>
-          <ac:spMkLst>
-            <pc:docMk/>
-            <pc:sldMk cId="3901320852" sldId="299"/>
-            <ac:spMk id="43" creationId="{D1DF88F2-12BF-5BD3-6C80-1C37D0C4E8F9}"/>
-          </ac:spMkLst>
-        </pc:spChg>
-        <pc:spChg chg="mod">
-          <ac:chgData name="El Bach" userId="fcdc1bb3b617d7e4" providerId="LiveId" clId="{4AFD2F5F-7525-41FA-A56F-E2F7417B1E4E}" dt="2023-07-30T15:23:03.378" v="743"/>
-          <ac:spMkLst>
-            <pc:docMk/>
-            <pc:sldMk cId="3901320852" sldId="299"/>
-            <ac:spMk id="44" creationId="{A6209384-153A-FBA7-64F7-B140B485D649}"/>
-          </ac:spMkLst>
-        </pc:spChg>
-        <pc:spChg chg="mod">
-          <ac:chgData name="El Bach" userId="fcdc1bb3b617d7e4" providerId="LiveId" clId="{4AFD2F5F-7525-41FA-A56F-E2F7417B1E4E}" dt="2023-07-30T15:23:03.378" v="743"/>
-          <ac:spMkLst>
-            <pc:docMk/>
-            <pc:sldMk cId="3901320852" sldId="299"/>
-            <ac:spMk id="45" creationId="{53BA0755-64C1-44A4-2F69-59EA74D83102}"/>
-          </ac:spMkLst>
-        </pc:spChg>
-        <pc:spChg chg="mod">
-          <ac:chgData name="El Bach" userId="fcdc1bb3b617d7e4" providerId="LiveId" clId="{4AFD2F5F-7525-41FA-A56F-E2F7417B1E4E}" dt="2023-07-30T15:23:03.378" v="743"/>
-          <ac:spMkLst>
-            <pc:docMk/>
-            <pc:sldMk cId="3901320852" sldId="299"/>
-            <ac:spMk id="46" creationId="{BA234DB4-1B83-E46E-032C-52AA3E97A964}"/>
-          </ac:spMkLst>
-        </pc:spChg>
-        <pc:spChg chg="mod">
-          <ac:chgData name="El Bach" userId="fcdc1bb3b617d7e4" providerId="LiveId" clId="{4AFD2F5F-7525-41FA-A56F-E2F7417B1E4E}" dt="2023-07-30T15:23:03.378" v="743"/>
-          <ac:spMkLst>
-            <pc:docMk/>
-            <pc:sldMk cId="3901320852" sldId="299"/>
-            <ac:spMk id="48" creationId="{20A9679D-B52E-EF54-549A-CEF319E06C4D}"/>
-          </ac:spMkLst>
-        </pc:spChg>
-        <pc:spChg chg="mod">
-          <ac:chgData name="El Bach" userId="fcdc1bb3b617d7e4" providerId="LiveId" clId="{4AFD2F5F-7525-41FA-A56F-E2F7417B1E4E}" dt="2023-07-30T15:23:03.378" v="743"/>
-          <ac:spMkLst>
-            <pc:docMk/>
-            <pc:sldMk cId="3901320852" sldId="299"/>
-            <ac:spMk id="49" creationId="{57CDD5DF-DCEB-07C1-7107-5A6D32CE3DC3}"/>
-          </ac:spMkLst>
-        </pc:spChg>
-        <pc:spChg chg="mod">
-          <ac:chgData name="El Bach" userId="fcdc1bb3b617d7e4" providerId="LiveId" clId="{4AFD2F5F-7525-41FA-A56F-E2F7417B1E4E}" dt="2023-07-30T15:23:03.378" v="743"/>
-          <ac:spMkLst>
-            <pc:docMk/>
-            <pc:sldMk cId="3901320852" sldId="299"/>
-            <ac:spMk id="50" creationId="{D128A7DD-6617-9B7E-8A6B-24D4B57A4EA8}"/>
-          </ac:spMkLst>
-        </pc:spChg>
-        <pc:spChg chg="mod">
-          <ac:chgData name="El Bach" userId="fcdc1bb3b617d7e4" providerId="LiveId" clId="{4AFD2F5F-7525-41FA-A56F-E2F7417B1E4E}" dt="2023-07-30T15:23:03.378" v="743"/>
-          <ac:spMkLst>
-            <pc:docMk/>
-            <pc:sldMk cId="3901320852" sldId="299"/>
-            <ac:spMk id="51" creationId="{90DBF2BE-7FD4-8B9D-9CBE-FF7A2E32A58B}"/>
-          </ac:spMkLst>
-        </pc:spChg>
-        <pc:spChg chg="mod">
-          <ac:chgData name="El Bach" userId="fcdc1bb3b617d7e4" providerId="LiveId" clId="{4AFD2F5F-7525-41FA-A56F-E2F7417B1E4E}" dt="2023-07-30T15:23:03.378" v="743"/>
-          <ac:spMkLst>
-            <pc:docMk/>
-            <pc:sldMk cId="3901320852" sldId="299"/>
-            <ac:spMk id="52" creationId="{443D9F9A-89B7-81F3-5ABE-714B84CFE026}"/>
-          </ac:spMkLst>
-        </pc:spChg>
-        <pc:spChg chg="mod">
-          <ac:chgData name="El Bach" userId="fcdc1bb3b617d7e4" providerId="LiveId" clId="{4AFD2F5F-7525-41FA-A56F-E2F7417B1E4E}" dt="2023-07-30T15:23:03.378" v="743"/>
-          <ac:spMkLst>
-            <pc:docMk/>
-            <pc:sldMk cId="3901320852" sldId="299"/>
-            <ac:spMk id="53" creationId="{468C4AB1-7A9D-C9D0-3A85-C8219EAE578F}"/>
-          </ac:spMkLst>
-        </pc:spChg>
-        <pc:spChg chg="mod">
-          <ac:chgData name="El Bach" userId="fcdc1bb3b617d7e4" providerId="LiveId" clId="{4AFD2F5F-7525-41FA-A56F-E2F7417B1E4E}" dt="2023-07-30T15:23:03.378" v="743"/>
-          <ac:spMkLst>
-            <pc:docMk/>
-            <pc:sldMk cId="3901320852" sldId="299"/>
-            <ac:spMk id="55" creationId="{EA01BF48-D3BC-7942-338B-9614C7F65B8C}"/>
-          </ac:spMkLst>
-        </pc:spChg>
-        <pc:spChg chg="mod">
-          <ac:chgData name="El Bach" userId="fcdc1bb3b617d7e4" providerId="LiveId" clId="{4AFD2F5F-7525-41FA-A56F-E2F7417B1E4E}" dt="2023-07-30T15:23:03.378" v="743"/>
-          <ac:spMkLst>
-            <pc:docMk/>
-            <pc:sldMk cId="3901320852" sldId="299"/>
-            <ac:spMk id="56" creationId="{4FB1B3EC-3C69-66B8-90CD-6B2B546DF71A}"/>
-          </ac:spMkLst>
-        </pc:spChg>
-        <pc:spChg chg="mod">
-          <ac:chgData name="El Bach" userId="fcdc1bb3b617d7e4" providerId="LiveId" clId="{4AFD2F5F-7525-41FA-A56F-E2F7417B1E4E}" dt="2023-07-30T15:23:03.378" v="743"/>
-          <ac:spMkLst>
-            <pc:docMk/>
-            <pc:sldMk cId="3901320852" sldId="299"/>
-            <ac:spMk id="57" creationId="{D7570E49-F816-C38A-2C13-7F92E42A4CD3}"/>
-          </ac:spMkLst>
-        </pc:spChg>
-        <pc:spChg chg="mod">
-          <ac:chgData name="El Bach" userId="fcdc1bb3b617d7e4" providerId="LiveId" clId="{4AFD2F5F-7525-41FA-A56F-E2F7417B1E4E}" dt="2023-07-30T15:23:03.378" v="743"/>
-          <ac:spMkLst>
-            <pc:docMk/>
-            <pc:sldMk cId="3901320852" sldId="299"/>
-            <ac:spMk id="58" creationId="{01F3E5DB-518B-3754-38A4-87E483266C1E}"/>
-          </ac:spMkLst>
-        </pc:spChg>
-        <pc:spChg chg="mod">
-          <ac:chgData name="El Bach" userId="fcdc1bb3b617d7e4" providerId="LiveId" clId="{4AFD2F5F-7525-41FA-A56F-E2F7417B1E4E}" dt="2023-07-30T15:23:03.378" v="743"/>
-          <ac:spMkLst>
-            <pc:docMk/>
-            <pc:sldMk cId="3901320852" sldId="299"/>
-            <ac:spMk id="59" creationId="{3B718031-2A33-F0E6-0015-BF8E9B8034D9}"/>
-          </ac:spMkLst>
-        </pc:spChg>
-        <pc:spChg chg="mod">
-          <ac:chgData name="El Bach" userId="fcdc1bb3b617d7e4" providerId="LiveId" clId="{4AFD2F5F-7525-41FA-A56F-E2F7417B1E4E}" dt="2023-07-30T15:23:03.378" v="743"/>
-          <ac:spMkLst>
-            <pc:docMk/>
-            <pc:sldMk cId="3901320852" sldId="299"/>
-            <ac:spMk id="60" creationId="{0B23B895-B98A-C157-FC72-08D1121FC5E9}"/>
-          </ac:spMkLst>
-        </pc:spChg>
-        <pc:spChg chg="mod">
-          <ac:chgData name="El Bach" userId="fcdc1bb3b617d7e4" providerId="LiveId" clId="{4AFD2F5F-7525-41FA-A56F-E2F7417B1E4E}" dt="2023-07-30T15:23:03.378" v="743"/>
-          <ac:spMkLst>
-            <pc:docMk/>
-            <pc:sldMk cId="3901320852" sldId="299"/>
-            <ac:spMk id="62" creationId="{6D544D14-C6BD-8CD1-4FB9-E9F635CAB4C2}"/>
-          </ac:spMkLst>
-        </pc:spChg>
-        <pc:spChg chg="mod">
-          <ac:chgData name="El Bach" userId="fcdc1bb3b617d7e4" providerId="LiveId" clId="{4AFD2F5F-7525-41FA-A56F-E2F7417B1E4E}" dt="2023-07-30T15:23:03.378" v="743"/>
-          <ac:spMkLst>
-            <pc:docMk/>
-            <pc:sldMk cId="3901320852" sldId="299"/>
-            <ac:spMk id="63" creationId="{190090C9-D296-C206-C6A7-02FDCAEBC8C8}"/>
-          </ac:spMkLst>
-        </pc:spChg>
-        <pc:spChg chg="mod">
-          <ac:chgData name="El Bach" userId="fcdc1bb3b617d7e4" providerId="LiveId" clId="{4AFD2F5F-7525-41FA-A56F-E2F7417B1E4E}" dt="2023-07-30T15:23:03.378" v="743"/>
-          <ac:spMkLst>
-            <pc:docMk/>
-            <pc:sldMk cId="3901320852" sldId="299"/>
-            <ac:spMk id="64" creationId="{2586DF06-53C8-6C3C-94B8-CFC9054DD8B7}"/>
-          </ac:spMkLst>
-        </pc:spChg>
-        <pc:spChg chg="mod">
-          <ac:chgData name="El Bach" userId="fcdc1bb3b617d7e4" providerId="LiveId" clId="{4AFD2F5F-7525-41FA-A56F-E2F7417B1E4E}" dt="2023-07-30T15:23:03.378" v="743"/>
-          <ac:spMkLst>
-            <pc:docMk/>
-            <pc:sldMk cId="3901320852" sldId="299"/>
-            <ac:spMk id="65" creationId="{EC1C639B-34E3-8B22-2167-2283782B86E9}"/>
-          </ac:spMkLst>
-        </pc:spChg>
-        <pc:spChg chg="mod">
-          <ac:chgData name="El Bach" userId="fcdc1bb3b617d7e4" providerId="LiveId" clId="{4AFD2F5F-7525-41FA-A56F-E2F7417B1E4E}" dt="2023-07-30T15:23:03.378" v="743"/>
-          <ac:spMkLst>
-            <pc:docMk/>
-            <pc:sldMk cId="3901320852" sldId="299"/>
-            <ac:spMk id="66" creationId="{800CA56C-4AD6-71EA-C22B-B90F86E39ACA}"/>
-          </ac:spMkLst>
-        </pc:spChg>
-        <pc:spChg chg="mod">
-          <ac:chgData name="El Bach" userId="fcdc1bb3b617d7e4" providerId="LiveId" clId="{4AFD2F5F-7525-41FA-A56F-E2F7417B1E4E}" dt="2023-07-30T15:23:03.378" v="743"/>
-          <ac:spMkLst>
-            <pc:docMk/>
-            <pc:sldMk cId="3901320852" sldId="299"/>
-            <ac:spMk id="67" creationId="{E4D49614-6736-6806-156A-39FD391FB046}"/>
-          </ac:spMkLst>
-        </pc:spChg>
-        <pc:spChg chg="add mod">
-          <ac:chgData name="El Bach" userId="fcdc1bb3b617d7e4" providerId="LiveId" clId="{4AFD2F5F-7525-41FA-A56F-E2F7417B1E4E}" dt="2023-07-30T15:24:06.794" v="755" actId="14100"/>
-          <ac:spMkLst>
-            <pc:docMk/>
-            <pc:sldMk cId="3901320852" sldId="299"/>
-            <ac:spMk id="68" creationId="{39E6CACC-649A-A651-1C65-0273574B0F69}"/>
-          </ac:spMkLst>
-        </pc:spChg>
-        <pc:grpChg chg="add mod">
-          <ac:chgData name="El Bach" userId="fcdc1bb3b617d7e4" providerId="LiveId" clId="{4AFD2F5F-7525-41FA-A56F-E2F7417B1E4E}" dt="2023-07-30T15:22:56.652" v="742"/>
-          <ac:grpSpMkLst>
-            <pc:docMk/>
-            <pc:sldMk cId="3901320852" sldId="299"/>
-            <ac:grpSpMk id="5" creationId="{AAE2F4B9-A510-897D-1F85-A7354BF3C5B9}"/>
-          </ac:grpSpMkLst>
-        </pc:grpChg>
-        <pc:grpChg chg="add mod">
-          <ac:chgData name="El Bach" userId="fcdc1bb3b617d7e4" providerId="LiveId" clId="{4AFD2F5F-7525-41FA-A56F-E2F7417B1E4E}" dt="2023-07-30T15:23:54.458" v="751" actId="1076"/>
-          <ac:grpSpMkLst>
-            <pc:docMk/>
-            <pc:sldMk cId="3901320852" sldId="299"/>
-            <ac:grpSpMk id="26" creationId="{0BB29E5F-9BE7-0851-DC50-9690715D417F}"/>
-          </ac:grpSpMkLst>
-        </pc:grpChg>
-        <pc:grpChg chg="add mod">
-          <ac:chgData name="El Bach" userId="fcdc1bb3b617d7e4" providerId="LiveId" clId="{4AFD2F5F-7525-41FA-A56F-E2F7417B1E4E}" dt="2023-07-30T15:23:54.458" v="751" actId="1076"/>
-          <ac:grpSpMkLst>
-            <pc:docMk/>
-            <pc:sldMk cId="3901320852" sldId="299"/>
-            <ac:grpSpMk id="33" creationId="{CB0F8DFD-C85F-A896-7604-D3F05F878A51}"/>
-          </ac:grpSpMkLst>
-        </pc:grpChg>
-        <pc:grpChg chg="add mod">
-          <ac:chgData name="El Bach" userId="fcdc1bb3b617d7e4" providerId="LiveId" clId="{4AFD2F5F-7525-41FA-A56F-E2F7417B1E4E}" dt="2023-07-30T15:23:54.458" v="751" actId="1076"/>
-          <ac:grpSpMkLst>
-            <pc:docMk/>
-            <pc:sldMk cId="3901320852" sldId="299"/>
-            <ac:grpSpMk id="40" creationId="{EC638849-110C-65E2-6D8C-C8FD4DB2A38B}"/>
-          </ac:grpSpMkLst>
-        </pc:grpChg>
-        <pc:grpChg chg="add mod">
-          <ac:chgData name="El Bach" userId="fcdc1bb3b617d7e4" providerId="LiveId" clId="{4AFD2F5F-7525-41FA-A56F-E2F7417B1E4E}" dt="2023-07-30T15:23:54.458" v="751" actId="1076"/>
-          <ac:grpSpMkLst>
-            <pc:docMk/>
-            <pc:sldMk cId="3901320852" sldId="299"/>
-            <ac:grpSpMk id="47" creationId="{94C9B669-250D-1FFB-9A53-479C7CF01B5E}"/>
-          </ac:grpSpMkLst>
-        </pc:grpChg>
-        <pc:grpChg chg="add mod">
-          <ac:chgData name="El Bach" userId="fcdc1bb3b617d7e4" providerId="LiveId" clId="{4AFD2F5F-7525-41FA-A56F-E2F7417B1E4E}" dt="2023-07-30T15:23:54.458" v="751" actId="1076"/>
-          <ac:grpSpMkLst>
-            <pc:docMk/>
-            <pc:sldMk cId="3901320852" sldId="299"/>
-            <ac:grpSpMk id="54" creationId="{35EFA6CA-8DB4-9D75-85CA-7787B2C5C45A}"/>
-          </ac:grpSpMkLst>
-        </pc:grpChg>
-        <pc:grpChg chg="add mod">
-          <ac:chgData name="El Bach" userId="fcdc1bb3b617d7e4" providerId="LiveId" clId="{4AFD2F5F-7525-41FA-A56F-E2F7417B1E4E}" dt="2023-07-30T15:23:54.458" v="751" actId="1076"/>
-          <ac:grpSpMkLst>
-            <pc:docMk/>
-            <pc:sldMk cId="3901320852" sldId="299"/>
-            <ac:grpSpMk id="61" creationId="{0CF40B37-2C9E-7087-26BC-D7A7275FDA9E}"/>
-          </ac:grpSpMkLst>
-        </pc:grpChg>
-      </pc:sldChg>
-    </pc:docChg>
-  </pc:docChgLst>
-  <pc:docChgLst>
-    <pc:chgData name="Belal ABDOUHOU" userId="4de1732a-4a9e-4560-9e35-a8a47c9e13b8" providerId="ADAL" clId="{05C04619-6CA6-4106-888F-5687BCAFE519}"/>
-    <pc:docChg chg="undo redo custSel addSld delSld modSld sldOrd">
-      <pc:chgData name="Belal ABDOUHOU" userId="4de1732a-4a9e-4560-9e35-a8a47c9e13b8" providerId="ADAL" clId="{05C04619-6CA6-4106-888F-5687BCAFE519}" dt="2023-01-13T09:46:10.323" v="1646" actId="1076"/>
-      <pc:docMkLst>
-        <pc:docMk/>
-      </pc:docMkLst>
-      <pc:sldChg chg="addSp delSp modSp mod">
-        <pc:chgData name="Belal ABDOUHOU" userId="4de1732a-4a9e-4560-9e35-a8a47c9e13b8" providerId="ADAL" clId="{05C04619-6CA6-4106-888F-5687BCAFE519}" dt="2023-01-12T12:55:26.361" v="1286" actId="21"/>
-        <pc:sldMkLst>
-          <pc:docMk/>
-          <pc:sldMk cId="1703342593" sldId="261"/>
-        </pc:sldMkLst>
-        <pc:spChg chg="add del mod">
-          <ac:chgData name="Belal ABDOUHOU" userId="4de1732a-4a9e-4560-9e35-a8a47c9e13b8" providerId="ADAL" clId="{05C04619-6CA6-4106-888F-5687BCAFE519}" dt="2023-01-12T12:55:26.361" v="1286" actId="21"/>
-          <ac:spMkLst>
-            <pc:docMk/>
-            <pc:sldMk cId="1703342593" sldId="261"/>
-            <ac:spMk id="3" creationId="{9C6EE980-E75B-81AD-6415-9ACC0FE3510D}"/>
-          </ac:spMkLst>
-        </pc:spChg>
-      </pc:sldChg>
-      <pc:sldChg chg="addSp delSp modSp mod">
-        <pc:chgData name="Belal ABDOUHOU" userId="4de1732a-4a9e-4560-9e35-a8a47c9e13b8" providerId="ADAL" clId="{05C04619-6CA6-4106-888F-5687BCAFE519}" dt="2023-01-12T13:08:08.384" v="1565" actId="164"/>
-        <pc:sldMkLst>
-          <pc:docMk/>
-          <pc:sldMk cId="1793949734" sldId="286"/>
-        </pc:sldMkLst>
-        <pc:spChg chg="add del mod">
-          <ac:chgData name="Belal ABDOUHOU" userId="4de1732a-4a9e-4560-9e35-a8a47c9e13b8" providerId="ADAL" clId="{05C04619-6CA6-4106-888F-5687BCAFE519}" dt="2023-01-12T12:59:35.985" v="1475" actId="478"/>
-          <ac:spMkLst>
-            <pc:docMk/>
-            <pc:sldMk cId="1793949734" sldId="286"/>
-            <ac:spMk id="2" creationId="{345C5720-51D4-4632-91CD-936B8AB96750}"/>
-          </ac:spMkLst>
-        </pc:spChg>
-        <pc:spChg chg="add del mod">
-          <ac:chgData name="Belal ABDOUHOU" userId="4de1732a-4a9e-4560-9e35-a8a47c9e13b8" providerId="ADAL" clId="{05C04619-6CA6-4106-888F-5687BCAFE519}" dt="2023-01-12T12:58:39.208" v="1467" actId="478"/>
-          <ac:spMkLst>
-            <pc:docMk/>
-            <pc:sldMk cId="1793949734" sldId="286"/>
-            <ac:spMk id="5" creationId="{57D34826-40E4-1BA4-5AFC-1A395A87BE8B}"/>
-          </ac:spMkLst>
-        </pc:spChg>
-        <pc:spChg chg="del">
-          <ac:chgData name="Belal ABDOUHOU" userId="4de1732a-4a9e-4560-9e35-a8a47c9e13b8" providerId="ADAL" clId="{05C04619-6CA6-4106-888F-5687BCAFE519}" dt="2023-01-12T13:00:05.252" v="1482" actId="478"/>
-          <ac:spMkLst>
-            <pc:docMk/>
-            <pc:sldMk cId="1793949734" sldId="286"/>
-            <ac:spMk id="9" creationId="{E7A818AB-B120-41D5-88A6-933AB9CAAE68}"/>
-          </ac:spMkLst>
-        </pc:spChg>
-        <pc:spChg chg="del">
-          <ac:chgData name="Belal ABDOUHOU" userId="4de1732a-4a9e-4560-9e35-a8a47c9e13b8" providerId="ADAL" clId="{05C04619-6CA6-4106-888F-5687BCAFE519}" dt="2023-01-12T12:56:33.235" v="1297" actId="478"/>
-          <ac:spMkLst>
-            <pc:docMk/>
-            <pc:sldMk cId="1793949734" sldId="286"/>
-            <ac:spMk id="10" creationId="{DF22B963-F122-4502-CFF2-E7E7E3056C31}"/>
-          </ac:spMkLst>
-        </pc:spChg>
-        <pc:spChg chg="add del mod">
-          <ac:chgData name="Belal ABDOUHOU" userId="4de1732a-4a9e-4560-9e35-a8a47c9e13b8" providerId="ADAL" clId="{05C04619-6CA6-4106-888F-5687BCAFE519}" dt="2023-01-12T12:59:31.723" v="1473" actId="478"/>
-          <ac:spMkLst>
-            <pc:docMk/>
-            <pc:sldMk cId="1793949734" sldId="286"/>
-            <ac:spMk id="12" creationId="{29D5E75B-0505-50FE-4790-24A1D93BF22A}"/>
-          </ac:spMkLst>
-        </pc:spChg>
-        <pc:spChg chg="add del mod">
-          <ac:chgData name="Belal ABDOUHOU" userId="4de1732a-4a9e-4560-9e35-a8a47c9e13b8" providerId="ADAL" clId="{05C04619-6CA6-4106-888F-5687BCAFE519}" dt="2023-01-12T12:59:51.093" v="1480" actId="21"/>
-          <ac:spMkLst>
-            <pc:docMk/>
-            <pc:sldMk cId="1793949734" sldId="286"/>
-            <ac:spMk id="14" creationId="{140EDBC7-36DB-704D-7A7C-2876B9A1B99C}"/>
-          </ac:spMkLst>
-        </pc:spChg>
-        <pc:spChg chg="add del mod">
-          <ac:chgData name="Belal ABDOUHOU" userId="4de1732a-4a9e-4560-9e35-a8a47c9e13b8" providerId="ADAL" clId="{05C04619-6CA6-4106-888F-5687BCAFE519}" dt="2023-01-12T12:59:55.647" v="1481" actId="478"/>
-          <ac:spMkLst>
-            <pc:docMk/>
-            <pc:sldMk cId="1793949734" sldId="286"/>
-            <ac:spMk id="16" creationId="{E90CB7BC-CBE7-9800-7C04-A99CC11DE0EA}"/>
-          </ac:spMkLst>
-        </pc:spChg>
-        <pc:spChg chg="add mod">
-          <ac:chgData name="Belal ABDOUHOU" userId="4de1732a-4a9e-4560-9e35-a8a47c9e13b8" providerId="ADAL" clId="{05C04619-6CA6-4106-888F-5687BCAFE519}" dt="2023-01-12T13:08:08.384" v="1565" actId="164"/>
-          <ac:spMkLst>
-            <pc:docMk/>
-            <pc:sldMk cId="1793949734" sldId="286"/>
-            <ac:spMk id="17" creationId="{0DF7F6EB-E3E5-028D-077B-8EB879CBE73C}"/>
-          </ac:spMkLst>
-        </pc:spChg>
-        <pc:spChg chg="add mod">
-          <ac:chgData name="Belal ABDOUHOU" userId="4de1732a-4a9e-4560-9e35-a8a47c9e13b8" providerId="ADAL" clId="{05C04619-6CA6-4106-888F-5687BCAFE519}" dt="2023-01-12T13:01:45.476" v="1492"/>
-          <ac:spMkLst>
-            <pc:docMk/>
-            <pc:sldMk cId="1793949734" sldId="286"/>
-            <ac:spMk id="18" creationId="{44B1C755-C7ED-37AE-190E-769AB854746A}"/>
-          </ac:spMkLst>
-        </pc:spChg>
-        <pc:spChg chg="add del mod">
-          <ac:chgData name="Belal ABDOUHOU" userId="4de1732a-4a9e-4560-9e35-a8a47c9e13b8" providerId="ADAL" clId="{05C04619-6CA6-4106-888F-5687BCAFE519}" dt="2023-01-12T13:02:16.223" v="1496" actId="478"/>
-          <ac:spMkLst>
-            <pc:docMk/>
-            <pc:sldMk cId="1793949734" sldId="286"/>
-            <ac:spMk id="20" creationId="{4F770022-D2A6-1DEF-A18B-45E827B816D1}"/>
-          </ac:spMkLst>
-        </pc:spChg>
-        <pc:spChg chg="add mod">
-          <ac:chgData name="Belal ABDOUHOU" userId="4de1732a-4a9e-4560-9e35-a8a47c9e13b8" providerId="ADAL" clId="{05C04619-6CA6-4106-888F-5687BCAFE519}" dt="2023-01-12T13:08:08.384" v="1565" actId="164"/>
-          <ac:spMkLst>
-            <pc:docMk/>
-            <pc:sldMk cId="1793949734" sldId="286"/>
-            <ac:spMk id="21" creationId="{29DDB5C6-D89E-4E99-A63D-98C2D30D1033}"/>
-          </ac:spMkLst>
-        </pc:spChg>
-        <pc:spChg chg="add del mod">
-          <ac:chgData name="Belal ABDOUHOU" userId="4de1732a-4a9e-4560-9e35-a8a47c9e13b8" providerId="ADAL" clId="{05C04619-6CA6-4106-888F-5687BCAFE519}" dt="2023-01-12T13:03:00.605" v="1511" actId="478"/>
-          <ac:spMkLst>
-            <pc:docMk/>
-            <pc:sldMk cId="1793949734" sldId="286"/>
-            <ac:spMk id="22" creationId="{BA426AE0-6EF0-0492-C0D4-41481735618B}"/>
-          </ac:spMkLst>
-        </pc:spChg>
-        <pc:spChg chg="add del mod">
-          <ac:chgData name="Belal ABDOUHOU" userId="4de1732a-4a9e-4560-9e35-a8a47c9e13b8" providerId="ADAL" clId="{05C04619-6CA6-4106-888F-5687BCAFE519}" dt="2023-01-12T13:02:56.398" v="1509" actId="478"/>
-          <ac:spMkLst>
-            <pc:docMk/>
-            <pc:sldMk cId="1793949734" sldId="286"/>
-            <ac:spMk id="23" creationId="{FAF15B17-3900-FE95-FF88-51AF509A5E0F}"/>
-          </ac:spMkLst>
-        </pc:spChg>
-        <pc:spChg chg="add del mod">
-          <ac:chgData name="Belal ABDOUHOU" userId="4de1732a-4a9e-4560-9e35-a8a47c9e13b8" providerId="ADAL" clId="{05C04619-6CA6-4106-888F-5687BCAFE519}" dt="2023-01-12T13:02:53.151" v="1505" actId="478"/>
-          <ac:spMkLst>
-            <pc:docMk/>
-            <pc:sldMk cId="1793949734" sldId="286"/>
-            <ac:spMk id="24" creationId="{48DD3F5B-2173-B9D0-CE53-EB27B47787B3}"/>
-          </ac:spMkLst>
-        </pc:spChg>
-        <pc:spChg chg="add del mod">
-          <ac:chgData name="Belal ABDOUHOU" userId="4de1732a-4a9e-4560-9e35-a8a47c9e13b8" providerId="ADAL" clId="{05C04619-6CA6-4106-888F-5687BCAFE519}" dt="2023-01-12T13:02:53.152" v="1507"/>
-          <ac:spMkLst>
-            <pc:docMk/>
-            <pc:sldMk cId="1793949734" sldId="286"/>
-            <ac:spMk id="25" creationId="{B0DE884E-42AC-DF05-953F-B3DA477A483E}"/>
-          </ac:spMkLst>
-        </pc:spChg>
-        <pc:spChg chg="add del mod">
-          <ac:chgData name="Belal ABDOUHOU" userId="4de1732a-4a9e-4560-9e35-a8a47c9e13b8" providerId="ADAL" clId="{05C04619-6CA6-4106-888F-5687BCAFE519}" dt="2023-01-12T13:04:29.826" v="1530" actId="478"/>
-          <ac:spMkLst>
-            <pc:docMk/>
-            <pc:sldMk cId="1793949734" sldId="286"/>
-            <ac:spMk id="26" creationId="{9154D315-3C87-FFD6-7585-609A8925EC34}"/>
-          </ac:spMkLst>
-        </pc:spChg>
-        <pc:spChg chg="add mod">
-          <ac:chgData name="Belal ABDOUHOU" userId="4de1732a-4a9e-4560-9e35-a8a47c9e13b8" providerId="ADAL" clId="{05C04619-6CA6-4106-888F-5687BCAFE519}" dt="2023-01-12T13:08:08.384" v="1565" actId="164"/>
-          <ac:spMkLst>
-            <pc:docMk/>
-            <pc:sldMk cId="1793949734" sldId="286"/>
-            <ac:spMk id="27" creationId="{9FB6E096-44BD-2505-9520-C0EF58A66B1D}"/>
-          </ac:spMkLst>
-        </pc:spChg>
-        <pc:spChg chg="add mod">
-          <ac:chgData name="Belal ABDOUHOU" userId="4de1732a-4a9e-4560-9e35-a8a47c9e13b8" providerId="ADAL" clId="{05C04619-6CA6-4106-888F-5687BCAFE519}" dt="2023-01-12T13:08:08.384" v="1565" actId="164"/>
-          <ac:spMkLst>
-            <pc:docMk/>
-            <pc:sldMk cId="1793949734" sldId="286"/>
-            <ac:spMk id="28" creationId="{77BF6B59-7ED7-82EF-C666-269701C72EB7}"/>
-          </ac:spMkLst>
-        </pc:spChg>
-        <pc:spChg chg="add mod">
-          <ac:chgData name="Belal ABDOUHOU" userId="4de1732a-4a9e-4560-9e35-a8a47c9e13b8" providerId="ADAL" clId="{05C04619-6CA6-4106-888F-5687BCAFE519}" dt="2023-01-12T13:08:08.384" v="1565" actId="164"/>
-          <ac:spMkLst>
-            <pc:docMk/>
-            <pc:sldMk cId="1793949734" sldId="286"/>
-            <ac:spMk id="29" creationId="{F4CB7347-0F0E-12A1-3EE1-EF69BE4CCB86}"/>
-          </ac:spMkLst>
-        </pc:spChg>
-        <pc:spChg chg="add mod">
-          <ac:chgData name="Belal ABDOUHOU" userId="4de1732a-4a9e-4560-9e35-a8a47c9e13b8" providerId="ADAL" clId="{05C04619-6CA6-4106-888F-5687BCAFE519}" dt="2023-01-12T13:08:08.384" v="1565" actId="164"/>
-          <ac:spMkLst>
-            <pc:docMk/>
-            <pc:sldMk cId="1793949734" sldId="286"/>
-            <ac:spMk id="30" creationId="{717C7F60-FAC2-6B1C-4088-EED2BCFC32E9}"/>
-          </ac:spMkLst>
-        </pc:spChg>
-        <pc:spChg chg="add mod">
-          <ac:chgData name="Belal ABDOUHOU" userId="4de1732a-4a9e-4560-9e35-a8a47c9e13b8" providerId="ADAL" clId="{05C04619-6CA6-4106-888F-5687BCAFE519}" dt="2023-01-12T13:08:08.384" v="1565" actId="164"/>
-          <ac:spMkLst>
-            <pc:docMk/>
-            <pc:sldMk cId="1793949734" sldId="286"/>
-            <ac:spMk id="31" creationId="{26F73372-6803-4C4E-4A03-96D9341297E7}"/>
-          </ac:spMkLst>
-        </pc:spChg>
-        <pc:grpChg chg="add mod">
-          <ac:chgData name="Belal ABDOUHOU" userId="4de1732a-4a9e-4560-9e35-a8a47c9e13b8" providerId="ADAL" clId="{05C04619-6CA6-4106-888F-5687BCAFE519}" dt="2023-01-12T13:08:08.384" v="1565" actId="164"/>
-          <ac:grpSpMkLst>
-            <pc:docMk/>
-            <pc:sldMk cId="1793949734" sldId="286"/>
-            <ac:grpSpMk id="32" creationId="{771644D2-914D-FC12-E7D6-D82791F0043B}"/>
-          </ac:grpSpMkLst>
-        </pc:grpChg>
-        <pc:graphicFrameChg chg="add del mod modGraphic">
-          <ac:chgData name="Belal ABDOUHOU" userId="4de1732a-4a9e-4560-9e35-a8a47c9e13b8" providerId="ADAL" clId="{05C04619-6CA6-4106-888F-5687BCAFE519}" dt="2023-01-12T12:56:25.233" v="1295" actId="21"/>
-          <ac:graphicFrameMkLst>
-            <pc:docMk/>
-            <pc:sldMk cId="1793949734" sldId="286"/>
-            <ac:graphicFrameMk id="6" creationId="{A92C7230-5C56-19F3-1EAF-8E92FBA2C9F0}"/>
-          </ac:graphicFrameMkLst>
-        </pc:graphicFrameChg>
-        <pc:graphicFrameChg chg="add mod">
-          <ac:chgData name="Belal ABDOUHOU" userId="4de1732a-4a9e-4560-9e35-a8a47c9e13b8" providerId="ADAL" clId="{05C04619-6CA6-4106-888F-5687BCAFE519}" dt="2023-01-12T13:08:08.384" v="1565" actId="164"/>
-          <ac:graphicFrameMkLst>
-            <pc:docMk/>
-            <pc:sldMk cId="1793949734" sldId="286"/>
-            <ac:graphicFrameMk id="7" creationId="{8764E26D-BFBF-0677-D67F-26F9B37EA771}"/>
-          </ac:graphicFrameMkLst>
-        </pc:graphicFrameChg>
-        <pc:graphicFrameChg chg="del">
-          <ac:chgData name="Belal ABDOUHOU" userId="4de1732a-4a9e-4560-9e35-a8a47c9e13b8" providerId="ADAL" clId="{05C04619-6CA6-4106-888F-5687BCAFE519}" dt="2023-01-12T12:55:39.272" v="1289" actId="478"/>
-          <ac:graphicFrameMkLst>
-            <pc:docMk/>
-            <pc:sldMk cId="1793949734" sldId="286"/>
-            <ac:graphicFrameMk id="8" creationId="{AC122EE9-F2CF-F774-8F17-9D0B51385A9E}"/>
-          </ac:graphicFrameMkLst>
-        </pc:graphicFrameChg>
-      </pc:sldChg>
-      <pc:sldChg chg="modSp mod">
-        <pc:chgData name="Belal ABDOUHOU" userId="4de1732a-4a9e-4560-9e35-a8a47c9e13b8" providerId="ADAL" clId="{05C04619-6CA6-4106-888F-5687BCAFE519}" dt="2023-01-12T11:32:24.312" v="52" actId="1076"/>
-        <pc:sldMkLst>
-          <pc:docMk/>
-          <pc:sldMk cId="1505601179" sldId="287"/>
-        </pc:sldMkLst>
-        <pc:spChg chg="mod">
-          <ac:chgData name="Belal ABDOUHOU" userId="4de1732a-4a9e-4560-9e35-a8a47c9e13b8" providerId="ADAL" clId="{05C04619-6CA6-4106-888F-5687BCAFE519}" dt="2023-01-12T11:31:43.722" v="45" actId="313"/>
-          <ac:spMkLst>
-            <pc:docMk/>
-            <pc:sldMk cId="1505601179" sldId="287"/>
-            <ac:spMk id="2" creationId="{5B040558-A365-4CCE-92FA-5A48CD98F9C9}"/>
-          </ac:spMkLst>
-        </pc:spChg>
-        <pc:picChg chg="mod">
-          <ac:chgData name="Belal ABDOUHOU" userId="4de1732a-4a9e-4560-9e35-a8a47c9e13b8" providerId="ADAL" clId="{05C04619-6CA6-4106-888F-5687BCAFE519}" dt="2023-01-12T11:32:19.576" v="51" actId="14100"/>
-          <ac:picMkLst>
-            <pc:docMk/>
-            <pc:sldMk cId="1505601179" sldId="287"/>
-            <ac:picMk id="5" creationId="{5B892810-3333-27F1-CB9D-E19429448B25}"/>
-          </ac:picMkLst>
-        </pc:picChg>
-        <pc:picChg chg="mod">
-          <ac:chgData name="Belal ABDOUHOU" userId="4de1732a-4a9e-4560-9e35-a8a47c9e13b8" providerId="ADAL" clId="{05C04619-6CA6-4106-888F-5687BCAFE519}" dt="2023-01-12T11:32:24.312" v="52" actId="1076"/>
-          <ac:picMkLst>
-            <pc:docMk/>
-            <pc:sldMk cId="1505601179" sldId="287"/>
-            <ac:picMk id="8" creationId="{7F7CD2CC-368E-49E6-213D-1E7F47E1AC86}"/>
-          </ac:picMkLst>
-        </pc:picChg>
-      </pc:sldChg>
-      <pc:sldChg chg="addSp delSp modSp mod ord modNotesTx">
-        <pc:chgData name="Belal ABDOUHOU" userId="4de1732a-4a9e-4560-9e35-a8a47c9e13b8" providerId="ADAL" clId="{05C04619-6CA6-4106-888F-5687BCAFE519}" dt="2023-01-12T21:03:35.733" v="1612"/>
-        <pc:sldMkLst>
-          <pc:docMk/>
-          <pc:sldMk cId="1477731620" sldId="288"/>
-        </pc:sldMkLst>
-        <pc:spChg chg="add del">
-          <ac:chgData name="Belal ABDOUHOU" userId="4de1732a-4a9e-4560-9e35-a8a47c9e13b8" providerId="ADAL" clId="{05C04619-6CA6-4106-888F-5687BCAFE519}" dt="2023-01-12T20:16:38.805" v="1601"/>
-          <ac:spMkLst>
-            <pc:docMk/>
-            <pc:sldMk cId="1477731620" sldId="288"/>
-            <ac:spMk id="4" creationId="{839C5ACD-F85C-3CE8-C744-520C19C4BFF6}"/>
-          </ac:spMkLst>
-        </pc:spChg>
-        <pc:spChg chg="mod">
-          <ac:chgData name="Belal ABDOUHOU" userId="4de1732a-4a9e-4560-9e35-a8a47c9e13b8" providerId="ADAL" clId="{05C04619-6CA6-4106-888F-5687BCAFE519}" dt="2023-01-12T20:17:26.066" v="1606" actId="1076"/>
-          <ac:spMkLst>
-            <pc:docMk/>
-            <pc:sldMk cId="1477731620" sldId="288"/>
-            <ac:spMk id="6" creationId="{44A2DDFB-ACA9-0A58-CA06-2FF6495DB3AF}"/>
-          </ac:spMkLst>
-        </pc:spChg>
-        <pc:graphicFrameChg chg="add del mod">
-          <ac:chgData name="Belal ABDOUHOU" userId="4de1732a-4a9e-4560-9e35-a8a47c9e13b8" providerId="ADAL" clId="{05C04619-6CA6-4106-888F-5687BCAFE519}" dt="2023-01-12T20:16:38.805" v="1601"/>
-          <ac:graphicFrameMkLst>
-            <pc:docMk/>
-            <pc:sldMk cId="1477731620" sldId="288"/>
-            <ac:graphicFrameMk id="5" creationId="{48A6F18D-D841-3750-0E13-7D5BB34F7D5C}"/>
-          </ac:graphicFrameMkLst>
-        </pc:graphicFrameChg>
-        <pc:picChg chg="del">
-          <ac:chgData name="Belal ABDOUHOU" userId="4de1732a-4a9e-4560-9e35-a8a47c9e13b8" providerId="ADAL" clId="{05C04619-6CA6-4106-888F-5687BCAFE519}" dt="2023-01-12T20:16:41.198" v="1602" actId="478"/>
-          <ac:picMkLst>
-            <pc:docMk/>
-            <pc:sldMk cId="1477731620" sldId="288"/>
-            <ac:picMk id="8" creationId="{9ECEA63F-58A1-20EC-D5B0-16DDB7B04DCD}"/>
-          </ac:picMkLst>
-        </pc:picChg>
-        <pc:picChg chg="del">
-          <ac:chgData name="Belal ABDOUHOU" userId="4de1732a-4a9e-4560-9e35-a8a47c9e13b8" providerId="ADAL" clId="{05C04619-6CA6-4106-888F-5687BCAFE519}" dt="2023-01-12T20:16:34.301" v="1598" actId="478"/>
-          <ac:picMkLst>
-            <pc:docMk/>
-            <pc:sldMk cId="1477731620" sldId="288"/>
-            <ac:picMk id="6146" creationId="{DB9B9189-A4A8-F8E6-CE35-3DC3F2F1CBDD}"/>
-          </ac:picMkLst>
-        </pc:picChg>
-        <pc:picChg chg="add mod">
-          <ac:chgData name="Belal ABDOUHOU" userId="4de1732a-4a9e-4560-9e35-a8a47c9e13b8" providerId="ADAL" clId="{05C04619-6CA6-4106-888F-5687BCAFE519}" dt="2023-01-12T20:21:03.349" v="1609" actId="1076"/>
-          <ac:picMkLst>
-            <pc:docMk/>
-            <pc:sldMk cId="1477731620" sldId="288"/>
-            <ac:picMk id="6148" creationId="{4E4CB3E1-3BBD-BA3C-97E9-2164C30E64E0}"/>
-          </ac:picMkLst>
-        </pc:picChg>
-      </pc:sldChg>
-      <pc:sldChg chg="delSp mod">
-        <pc:chgData name="Belal ABDOUHOU" userId="4de1732a-4a9e-4560-9e35-a8a47c9e13b8" providerId="ADAL" clId="{05C04619-6CA6-4106-888F-5687BCAFE519}" dt="2023-01-12T13:52:00.642" v="1572" actId="478"/>
-        <pc:sldMkLst>
-          <pc:docMk/>
-          <pc:sldMk cId="2995501100" sldId="289"/>
-        </pc:sldMkLst>
-        <pc:spChg chg="del">
-          <ac:chgData name="Belal ABDOUHOU" userId="4de1732a-4a9e-4560-9e35-a8a47c9e13b8" providerId="ADAL" clId="{05C04619-6CA6-4106-888F-5687BCAFE519}" dt="2023-01-12T13:52:00.642" v="1572" actId="478"/>
-          <ac:spMkLst>
-            <pc:docMk/>
-            <pc:sldMk cId="2995501100" sldId="289"/>
-            <ac:spMk id="6" creationId="{CA897629-732C-0F89-2C4E-F1114E824950}"/>
-          </ac:spMkLst>
-        </pc:spChg>
-        <pc:picChg chg="del">
-          <ac:chgData name="Belal ABDOUHOU" userId="4de1732a-4a9e-4560-9e35-a8a47c9e13b8" providerId="ADAL" clId="{05C04619-6CA6-4106-888F-5687BCAFE519}" dt="2023-01-12T13:51:57.828" v="1571" actId="478"/>
-          <ac:picMkLst>
-            <pc:docMk/>
-            <pc:sldMk cId="2995501100" sldId="289"/>
-            <ac:picMk id="5" creationId="{4941265D-D679-51C0-6462-FF4D95246C29}"/>
-          </ac:picMkLst>
-        </pc:picChg>
-      </pc:sldChg>
-      <pc:sldChg chg="addSp delSp modSp mod ord">
-        <pc:chgData name="Belal ABDOUHOU" userId="4de1732a-4a9e-4560-9e35-a8a47c9e13b8" providerId="ADAL" clId="{05C04619-6CA6-4106-888F-5687BCAFE519}" dt="2023-01-12T11:46:25.702" v="203" actId="1076"/>
-        <pc:sldMkLst>
-          <pc:docMk/>
-          <pc:sldMk cId="2758265812" sldId="290"/>
-        </pc:sldMkLst>
-        <pc:spChg chg="mod">
-          <ac:chgData name="Belal ABDOUHOU" userId="4de1732a-4a9e-4560-9e35-a8a47c9e13b8" providerId="ADAL" clId="{05C04619-6CA6-4106-888F-5687BCAFE519}" dt="2023-01-12T11:32:39.927" v="53" actId="6549"/>
-          <ac:spMkLst>
-            <pc:docMk/>
-            <pc:sldMk cId="2758265812" sldId="290"/>
-            <ac:spMk id="2" creationId="{5B040558-A365-4CCE-92FA-5A48CD98F9C9}"/>
-          </ac:spMkLst>
-        </pc:spChg>
-        <pc:spChg chg="add del mod">
-          <ac:chgData name="Belal ABDOUHOU" userId="4de1732a-4a9e-4560-9e35-a8a47c9e13b8" providerId="ADAL" clId="{05C04619-6CA6-4106-888F-5687BCAFE519}" dt="2023-01-12T11:44:09.703" v="184" actId="478"/>
-          <ac:spMkLst>
-            <pc:docMk/>
-            <pc:sldMk cId="2758265812" sldId="290"/>
-            <ac:spMk id="9" creationId="{CFFA3947-01A6-1C07-C534-302D4D55C75B}"/>
-          </ac:spMkLst>
-        </pc:spChg>
-        <pc:spChg chg="add mod">
-          <ac:chgData name="Belal ABDOUHOU" userId="4de1732a-4a9e-4560-9e35-a8a47c9e13b8" providerId="ADAL" clId="{05C04619-6CA6-4106-888F-5687BCAFE519}" dt="2023-01-12T11:44:47.453" v="188" actId="255"/>
-          <ac:spMkLst>
-            <pc:docMk/>
-            <pc:sldMk cId="2758265812" sldId="290"/>
-            <ac:spMk id="10" creationId="{C3E9D298-24F6-5BF6-82A8-119C8541B934}"/>
-          </ac:spMkLst>
-        </pc:spChg>
-        <pc:spChg chg="add mod">
-          <ac:chgData name="Belal ABDOUHOU" userId="4de1732a-4a9e-4560-9e35-a8a47c9e13b8" providerId="ADAL" clId="{05C04619-6CA6-4106-888F-5687BCAFE519}" dt="2023-01-12T11:46:25.702" v="203" actId="1076"/>
-          <ac:spMkLst>
-            <pc:docMk/>
-            <pc:sldMk cId="2758265812" sldId="290"/>
-            <ac:spMk id="11" creationId="{3B83914A-D595-B9DE-BC5D-BD2C0DC77645}"/>
-          </ac:spMkLst>
-        </pc:spChg>
-        <pc:graphicFrameChg chg="mod">
-          <ac:chgData name="Belal ABDOUHOU" userId="4de1732a-4a9e-4560-9e35-a8a47c9e13b8" providerId="ADAL" clId="{05C04619-6CA6-4106-888F-5687BCAFE519}" dt="2023-01-12T11:42:56.657" v="173" actId="1035"/>
-          <ac:graphicFrameMkLst>
-            <pc:docMk/>
-            <pc:sldMk cId="2758265812" sldId="290"/>
-            <ac:graphicFrameMk id="4" creationId="{C55FA4A3-32B4-A236-57CB-AE41CAD3B1A1}"/>
-          </ac:graphicFrameMkLst>
-        </pc:graphicFrameChg>
-        <pc:picChg chg="add mod">
-          <ac:chgData name="Belal ABDOUHOU" userId="4de1732a-4a9e-4560-9e35-a8a47c9e13b8" providerId="ADAL" clId="{05C04619-6CA6-4106-888F-5687BCAFE519}" dt="2023-01-12T11:45:03.774" v="191" actId="1076"/>
-          <ac:picMkLst>
-            <pc:docMk/>
-            <pc:sldMk cId="2758265812" sldId="290"/>
-            <ac:picMk id="6" creationId="{D4ECECC7-924D-F059-483F-845608910681}"/>
-          </ac:picMkLst>
-        </pc:picChg>
-        <pc:picChg chg="add mod">
-          <ac:chgData name="Belal ABDOUHOU" userId="4de1732a-4a9e-4560-9e35-a8a47c9e13b8" providerId="ADAL" clId="{05C04619-6CA6-4106-888F-5687BCAFE519}" dt="2023-01-12T11:46:17.886" v="202" actId="1076"/>
-          <ac:picMkLst>
-            <pc:docMk/>
-            <pc:sldMk cId="2758265812" sldId="290"/>
-            <ac:picMk id="8" creationId="{940EE403-271E-7BD0-8CD2-F9EA5EF9C8D9}"/>
-          </ac:picMkLst>
-        </pc:picChg>
-      </pc:sldChg>
-      <pc:sldChg chg="addSp delSp modSp mod modNotesTx">
-        <pc:chgData name="Belal ABDOUHOU" userId="4de1732a-4a9e-4560-9e35-a8a47c9e13b8" providerId="ADAL" clId="{05C04619-6CA6-4106-888F-5687BCAFE519}" dt="2023-01-12T12:02:45.471" v="608" actId="6549"/>
-        <pc:sldMkLst>
-          <pc:docMk/>
-          <pc:sldMk cId="2185092362" sldId="291"/>
-        </pc:sldMkLst>
-        <pc:spChg chg="add mod">
-          <ac:chgData name="Belal ABDOUHOU" userId="4de1732a-4a9e-4560-9e35-a8a47c9e13b8" providerId="ADAL" clId="{05C04619-6CA6-4106-888F-5687BCAFE519}" dt="2023-01-12T11:59:59.920" v="543" actId="1076"/>
-          <ac:spMkLst>
-            <pc:docMk/>
-            <pc:sldMk cId="2185092362" sldId="291"/>
-            <ac:spMk id="5" creationId="{64320FEE-AEBF-9B29-AF9C-4E4F91BC6FD6}"/>
-          </ac:spMkLst>
-        </pc:spChg>
-        <pc:spChg chg="add mod">
-          <ac:chgData name="Belal ABDOUHOU" userId="4de1732a-4a9e-4560-9e35-a8a47c9e13b8" providerId="ADAL" clId="{05C04619-6CA6-4106-888F-5687BCAFE519}" dt="2023-01-12T12:02:02.852" v="606" actId="1076"/>
-          <ac:spMkLst>
-            <pc:docMk/>
-            <pc:sldMk cId="2185092362" sldId="291"/>
-            <ac:spMk id="8" creationId="{9079DD9A-74E4-0107-9DA2-47BEBAA31CA2}"/>
-          </ac:spMkLst>
-        </pc:spChg>
-        <pc:graphicFrameChg chg="add del mod modGraphic">
-          <ac:chgData name="Belal ABDOUHOU" userId="4de1732a-4a9e-4560-9e35-a8a47c9e13b8" providerId="ADAL" clId="{05C04619-6CA6-4106-888F-5687BCAFE519}" dt="2023-01-12T11:56:29.718" v="423" actId="478"/>
-          <ac:graphicFrameMkLst>
-            <pc:docMk/>
-            <pc:sldMk cId="2185092362" sldId="291"/>
-            <ac:graphicFrameMk id="4" creationId="{D794F032-D550-8967-FF45-D0984DE8CE49}"/>
-          </ac:graphicFrameMkLst>
-        </pc:graphicFrameChg>
-        <pc:picChg chg="add mod">
-          <ac:chgData name="Belal ABDOUHOU" userId="4de1732a-4a9e-4560-9e35-a8a47c9e13b8" providerId="ADAL" clId="{05C04619-6CA6-4106-888F-5687BCAFE519}" dt="2023-01-12T11:59:20.117" v="539" actId="1076"/>
-          <ac:picMkLst>
-            <pc:docMk/>
-            <pc:sldMk cId="2185092362" sldId="291"/>
-            <ac:picMk id="7" creationId="{A7F10299-63E5-3F78-86A7-067E683222DC}"/>
-          </ac:picMkLst>
-        </pc:picChg>
-        <pc:picChg chg="add mod">
-          <ac:chgData name="Belal ABDOUHOU" userId="4de1732a-4a9e-4560-9e35-a8a47c9e13b8" providerId="ADAL" clId="{05C04619-6CA6-4106-888F-5687BCAFE519}" dt="2023-01-12T11:58:06.171" v="479" actId="1076"/>
-          <ac:picMkLst>
-            <pc:docMk/>
-            <pc:sldMk cId="2185092362" sldId="291"/>
-            <ac:picMk id="2050" creationId="{AF5C6560-2739-5C09-56D4-43CB7716FF62}"/>
-          </ac:picMkLst>
-        </pc:picChg>
-        <pc:picChg chg="del">
-          <ac:chgData name="Belal ABDOUHOU" userId="4de1732a-4a9e-4560-9e35-a8a47c9e13b8" providerId="ADAL" clId="{05C04619-6CA6-4106-888F-5687BCAFE519}" dt="2023-01-12T11:31:13.052" v="5" actId="478"/>
-          <ac:picMkLst>
-            <pc:docMk/>
-            <pc:sldMk cId="2185092362" sldId="291"/>
-            <ac:picMk id="3074" creationId="{E7B7C13E-C534-8008-D621-F2534778E56B}"/>
-          </ac:picMkLst>
-        </pc:picChg>
-        <pc:picChg chg="del">
-          <ac:chgData name="Belal ABDOUHOU" userId="4de1732a-4a9e-4560-9e35-a8a47c9e13b8" providerId="ADAL" clId="{05C04619-6CA6-4106-888F-5687BCAFE519}" dt="2023-01-12T11:31:13.759" v="6" actId="478"/>
-          <ac:picMkLst>
-            <pc:docMk/>
-            <pc:sldMk cId="2185092362" sldId="291"/>
-            <ac:picMk id="3076" creationId="{1603F4DD-BC83-1639-6138-8087B0CF050B}"/>
-          </ac:picMkLst>
-        </pc:picChg>
-      </pc:sldChg>
-      <pc:sldChg chg="addSp delSp modSp mod modNotesTx">
-        <pc:chgData name="Belal ABDOUHOU" userId="4de1732a-4a9e-4560-9e35-a8a47c9e13b8" providerId="ADAL" clId="{05C04619-6CA6-4106-888F-5687BCAFE519}" dt="2023-01-12T12:02:17.205" v="607" actId="6549"/>
-        <pc:sldMkLst>
-          <pc:docMk/>
-          <pc:sldMk cId="3524330697" sldId="292"/>
-        </pc:sldMkLst>
-        <pc:spChg chg="mod">
-          <ac:chgData name="Belal ABDOUHOU" userId="4de1732a-4a9e-4560-9e35-a8a47c9e13b8" providerId="ADAL" clId="{05C04619-6CA6-4106-888F-5687BCAFE519}" dt="2023-01-12T11:49:11.318" v="216" actId="1076"/>
-          <ac:spMkLst>
-            <pc:docMk/>
-            <pc:sldMk cId="3524330697" sldId="292"/>
-            <ac:spMk id="4" creationId="{5B53080F-F30B-6651-54D5-2AEAA98B8A00}"/>
-          </ac:spMkLst>
-        </pc:spChg>
-        <pc:spChg chg="add mod">
-          <ac:chgData name="Belal ABDOUHOU" userId="4de1732a-4a9e-4560-9e35-a8a47c9e13b8" providerId="ADAL" clId="{05C04619-6CA6-4106-888F-5687BCAFE519}" dt="2023-01-12T11:51:33.168" v="311" actId="20577"/>
-          <ac:spMkLst>
-            <pc:docMk/>
-            <pc:sldMk cId="3524330697" sldId="292"/>
-            <ac:spMk id="6" creationId="{3183E336-EB32-EB4F-0AC7-6636E3C6D387}"/>
-          </ac:spMkLst>
-        </pc:spChg>
-        <pc:spChg chg="add mod">
-          <ac:chgData name="Belal ABDOUHOU" userId="4de1732a-4a9e-4560-9e35-a8a47c9e13b8" providerId="ADAL" clId="{05C04619-6CA6-4106-888F-5687BCAFE519}" dt="2023-01-12T11:53:55.559" v="384" actId="164"/>
-          <ac:spMkLst>
-            <pc:docMk/>
-            <pc:sldMk cId="3524330697" sldId="292"/>
-            <ac:spMk id="8" creationId="{FD2F1BA4-36CA-DC07-713D-C105770BC872}"/>
-          </ac:spMkLst>
-        </pc:spChg>
-        <pc:grpChg chg="add mod">
-          <ac:chgData name="Belal ABDOUHOU" userId="4de1732a-4a9e-4560-9e35-a8a47c9e13b8" providerId="ADAL" clId="{05C04619-6CA6-4106-888F-5687BCAFE519}" dt="2023-01-12T11:51:09.637" v="295" actId="1076"/>
-          <ac:grpSpMkLst>
-            <pc:docMk/>
-            <pc:sldMk cId="3524330697" sldId="292"/>
-            <ac:grpSpMk id="7" creationId="{2AA09370-65E7-C83B-9D1C-D328D008DC29}"/>
-          </ac:grpSpMkLst>
-        </pc:grpChg>
-        <pc:grpChg chg="add mod">
-          <ac:chgData name="Belal ABDOUHOU" userId="4de1732a-4a9e-4560-9e35-a8a47c9e13b8" providerId="ADAL" clId="{05C04619-6CA6-4106-888F-5687BCAFE519}" dt="2023-01-12T11:53:55.559" v="384" actId="164"/>
-          <ac:grpSpMkLst>
-            <pc:docMk/>
-            <pc:sldMk cId="3524330697" sldId="292"/>
-            <ac:grpSpMk id="9" creationId="{144BB778-42AA-F2A2-D002-C7966CCED4E3}"/>
-          </ac:grpSpMkLst>
-        </pc:grpChg>
-        <pc:picChg chg="add mod">
-          <ac:chgData name="Belal ABDOUHOU" userId="4de1732a-4a9e-4560-9e35-a8a47c9e13b8" providerId="ADAL" clId="{05C04619-6CA6-4106-888F-5687BCAFE519}" dt="2023-01-12T11:51:09.637" v="295" actId="1076"/>
-          <ac:picMkLst>
-            <pc:docMk/>
-            <pc:sldMk cId="3524330697" sldId="292"/>
-            <ac:picMk id="1026" creationId="{CF44E695-49BC-60F2-59E2-38B23BBA381A}"/>
-          </ac:picMkLst>
-        </pc:picChg>
-        <pc:picChg chg="add mod">
-          <ac:chgData name="Belal ABDOUHOU" userId="4de1732a-4a9e-4560-9e35-a8a47c9e13b8" providerId="ADAL" clId="{05C04619-6CA6-4106-888F-5687BCAFE519}" dt="2023-01-12T11:53:55.559" v="384" actId="164"/>
-          <ac:picMkLst>
-            <pc:docMk/>
-            <pc:sldMk cId="3524330697" sldId="292"/>
-            <ac:picMk id="1028" creationId="{28C7A328-195C-CF4B-5913-53F9EEF0BEE8}"/>
-          </ac:picMkLst>
-        </pc:picChg>
-        <pc:picChg chg="del">
-          <ac:chgData name="Belal ABDOUHOU" userId="4de1732a-4a9e-4560-9e35-a8a47c9e13b8" providerId="ADAL" clId="{05C04619-6CA6-4106-888F-5687BCAFE519}" dt="2023-01-12T11:47:25.437" v="205" actId="478"/>
-          <ac:picMkLst>
-            <pc:docMk/>
-            <pc:sldMk cId="3524330697" sldId="292"/>
-            <ac:picMk id="9218" creationId="{B3D587A9-CC19-EA3E-934A-2561A2C0F8D7}"/>
-          </ac:picMkLst>
-        </pc:picChg>
-        <pc:picChg chg="del">
-          <ac:chgData name="Belal ABDOUHOU" userId="4de1732a-4a9e-4560-9e35-a8a47c9e13b8" providerId="ADAL" clId="{05C04619-6CA6-4106-888F-5687BCAFE519}" dt="2023-01-12T11:47:27.266" v="206" actId="478"/>
-          <ac:picMkLst>
-            <pc:docMk/>
-            <pc:sldMk cId="3524330697" sldId="292"/>
-            <ac:picMk id="9220" creationId="{1583AFE9-1436-64A3-FA7F-24DF04646ACE}"/>
-          </ac:picMkLst>
-        </pc:picChg>
-      </pc:sldChg>
-      <pc:sldChg chg="addSp delSp modSp mod">
-        <pc:chgData name="Belal ABDOUHOU" userId="4de1732a-4a9e-4560-9e35-a8a47c9e13b8" providerId="ADAL" clId="{05C04619-6CA6-4106-888F-5687BCAFE519}" dt="2023-01-12T19:48:50.187" v="1597" actId="1076"/>
-        <pc:sldMkLst>
-          <pc:docMk/>
-          <pc:sldMk cId="2950648358" sldId="293"/>
-        </pc:sldMkLst>
-        <pc:spChg chg="mod">
-          <ac:chgData name="Belal ABDOUHOU" userId="4de1732a-4a9e-4560-9e35-a8a47c9e13b8" providerId="ADAL" clId="{05C04619-6CA6-4106-888F-5687BCAFE519}" dt="2023-01-12T19:48:50.187" v="1597" actId="1076"/>
-          <ac:spMkLst>
-            <pc:docMk/>
-            <pc:sldMk cId="2950648358" sldId="293"/>
-            <ac:spMk id="6" creationId="{44A2DDFB-ACA9-0A58-CA06-2FF6495DB3AF}"/>
-          </ac:spMkLst>
-        </pc:spChg>
-        <pc:picChg chg="add mod">
-          <ac:chgData name="Belal ABDOUHOU" userId="4de1732a-4a9e-4560-9e35-a8a47c9e13b8" providerId="ADAL" clId="{05C04619-6CA6-4106-888F-5687BCAFE519}" dt="2023-01-12T19:48:38.327" v="1594" actId="1076"/>
-          <ac:picMkLst>
-            <pc:docMk/>
-            <pc:sldMk cId="2950648358" sldId="293"/>
-            <ac:picMk id="5" creationId="{D19CBDC1-A4A4-8C6B-1C83-B258A0071A06}"/>
-          </ac:picMkLst>
-        </pc:picChg>
-        <pc:picChg chg="add mod">
-          <ac:chgData name="Belal ABDOUHOU" userId="4de1732a-4a9e-4560-9e35-a8a47c9e13b8" providerId="ADAL" clId="{05C04619-6CA6-4106-888F-5687BCAFE519}" dt="2023-01-12T19:48:45.259" v="1596" actId="1076"/>
-          <ac:picMkLst>
-            <pc:docMk/>
-            <pc:sldMk cId="2950648358" sldId="293"/>
-            <ac:picMk id="8" creationId="{EFCFA05B-826F-C063-11B5-C0D49E38CA9D}"/>
-          </ac:picMkLst>
-        </pc:picChg>
-        <pc:picChg chg="add del">
-          <ac:chgData name="Belal ABDOUHOU" userId="4de1732a-4a9e-4560-9e35-a8a47c9e13b8" providerId="ADAL" clId="{05C04619-6CA6-4106-888F-5687BCAFE519}" dt="2023-01-12T19:45:09.282" v="1575"/>
-          <ac:picMkLst>
-            <pc:docMk/>
-            <pc:sldMk cId="2950648358" sldId="293"/>
-            <ac:picMk id="5122" creationId="{8156A52D-DFE9-3D6E-A4AE-4330DE797340}"/>
-          </ac:picMkLst>
-        </pc:picChg>
-        <pc:picChg chg="del">
-          <ac:chgData name="Belal ABDOUHOU" userId="4de1732a-4a9e-4560-9e35-a8a47c9e13b8" providerId="ADAL" clId="{05C04619-6CA6-4106-888F-5687BCAFE519}" dt="2023-01-12T19:45:04.342" v="1573" actId="478"/>
-          <ac:picMkLst>
-            <pc:docMk/>
-            <pc:sldMk cId="2950648358" sldId="293"/>
-            <ac:picMk id="10242" creationId="{97B66E73-0632-8891-794F-BD1A07DDE744}"/>
-          </ac:picMkLst>
-        </pc:picChg>
-      </pc:sldChg>
-      <pc:sldChg chg="addSp delSp modSp add del mod ord">
-        <pc:chgData name="Belal ABDOUHOU" userId="4de1732a-4a9e-4560-9e35-a8a47c9e13b8" providerId="ADAL" clId="{05C04619-6CA6-4106-888F-5687BCAFE519}" dt="2023-01-12T12:52:30.494" v="1106" actId="47"/>
-        <pc:sldMkLst>
-          <pc:docMk/>
-          <pc:sldMk cId="3036919181" sldId="294"/>
-        </pc:sldMkLst>
-        <pc:spChg chg="mod">
-          <ac:chgData name="Belal ABDOUHOU" userId="4de1732a-4a9e-4560-9e35-a8a47c9e13b8" providerId="ADAL" clId="{05C04619-6CA6-4106-888F-5687BCAFE519}" dt="2023-01-12T12:03:01.809" v="623" actId="20577"/>
-          <ac:spMkLst>
-            <pc:docMk/>
-            <pc:sldMk cId="3036919181" sldId="294"/>
-            <ac:spMk id="2" creationId="{5B040558-A365-4CCE-92FA-5A48CD98F9C9}"/>
-          </ac:spMkLst>
-        </pc:spChg>
-        <pc:spChg chg="add mod">
-          <ac:chgData name="Belal ABDOUHOU" userId="4de1732a-4a9e-4560-9e35-a8a47c9e13b8" providerId="ADAL" clId="{05C04619-6CA6-4106-888F-5687BCAFE519}" dt="2023-01-12T12:24:21.481" v="846" actId="1076"/>
-          <ac:spMkLst>
-            <pc:docMk/>
-            <pc:sldMk cId="3036919181" sldId="294"/>
-            <ac:spMk id="7" creationId="{1A9437C7-9D5E-46D5-C493-0CD3A3F0DFD3}"/>
-          </ac:spMkLst>
-        </pc:spChg>
-        <pc:spChg chg="add del mod">
-          <ac:chgData name="Belal ABDOUHOU" userId="4de1732a-4a9e-4560-9e35-a8a47c9e13b8" providerId="ADAL" clId="{05C04619-6CA6-4106-888F-5687BCAFE519}" dt="2023-01-12T12:25:31.197" v="849" actId="478"/>
-          <ac:spMkLst>
-            <pc:docMk/>
-            <pc:sldMk cId="3036919181" sldId="294"/>
-            <ac:spMk id="10" creationId="{BA3D3EA4-A8A0-28A4-9404-569052705EEA}"/>
-          </ac:spMkLst>
-        </pc:spChg>
-        <pc:spChg chg="add del mod">
-          <ac:chgData name="Belal ABDOUHOU" userId="4de1732a-4a9e-4560-9e35-a8a47c9e13b8" providerId="ADAL" clId="{05C04619-6CA6-4106-888F-5687BCAFE519}" dt="2023-01-12T12:25:29.380" v="848" actId="478"/>
-          <ac:spMkLst>
-            <pc:docMk/>
-            <pc:sldMk cId="3036919181" sldId="294"/>
-            <ac:spMk id="11" creationId="{BB776EB4-7E43-47BC-F021-BB527DE9D386}"/>
-          </ac:spMkLst>
-        </pc:spChg>
-        <pc:graphicFrameChg chg="add mod modGraphic">
-          <ac:chgData name="Belal ABDOUHOU" userId="4de1732a-4a9e-4560-9e35-a8a47c9e13b8" providerId="ADAL" clId="{05C04619-6CA6-4106-888F-5687BCAFE519}" dt="2023-01-12T12:24:24.961" v="847" actId="1076"/>
-          <ac:graphicFrameMkLst>
-            <pc:docMk/>
-            <pc:sldMk cId="3036919181" sldId="294"/>
-            <ac:graphicFrameMk id="4" creationId="{7E8C6C28-6388-AF1A-FB82-4453B526E84F}"/>
-          </ac:graphicFrameMkLst>
-        </pc:graphicFrameChg>
-        <pc:graphicFrameChg chg="del mod">
-          <ac:chgData name="Belal ABDOUHOU" userId="4de1732a-4a9e-4560-9e35-a8a47c9e13b8" providerId="ADAL" clId="{05C04619-6CA6-4106-888F-5687BCAFE519}" dt="2023-01-12T11:29:30.740" v="4" actId="478"/>
-          <ac:graphicFrameMkLst>
-            <pc:docMk/>
-            <pc:sldMk cId="3036919181" sldId="294"/>
-            <ac:graphicFrameMk id="6" creationId="{D7AF6DFA-B9D5-9C33-0916-2FCDF160B3AA}"/>
-          </ac:graphicFrameMkLst>
-        </pc:graphicFrameChg>
-        <pc:picChg chg="del">
-          <ac:chgData name="Belal ABDOUHOU" userId="4de1732a-4a9e-4560-9e35-a8a47c9e13b8" providerId="ADAL" clId="{05C04619-6CA6-4106-888F-5687BCAFE519}" dt="2023-01-12T11:29:26.799" v="2" actId="478"/>
-          <ac:picMkLst>
-            <pc:docMk/>
-            <pc:sldMk cId="3036919181" sldId="294"/>
-            <ac:picMk id="5" creationId="{5B892810-3333-27F1-CB9D-E19429448B25}"/>
-          </ac:picMkLst>
-        </pc:picChg>
-        <pc:picChg chg="del">
-          <ac:chgData name="Belal ABDOUHOU" userId="4de1732a-4a9e-4560-9e35-a8a47c9e13b8" providerId="ADAL" clId="{05C04619-6CA6-4106-888F-5687BCAFE519}" dt="2023-01-12T11:29:25.993" v="1" actId="478"/>
-          <ac:picMkLst>
-            <pc:docMk/>
-            <pc:sldMk cId="3036919181" sldId="294"/>
-            <ac:picMk id="8" creationId="{7F7CD2CC-368E-49E6-213D-1E7F47E1AC86}"/>
-          </ac:picMkLst>
-        </pc:picChg>
-        <pc:picChg chg="add mod">
-          <ac:chgData name="Belal ABDOUHOU" userId="4de1732a-4a9e-4560-9e35-a8a47c9e13b8" providerId="ADAL" clId="{05C04619-6CA6-4106-888F-5687BCAFE519}" dt="2023-01-12T12:25:35.097" v="851" actId="1076"/>
-          <ac:picMkLst>
-            <pc:docMk/>
-            <pc:sldMk cId="3036919181" sldId="294"/>
-            <ac:picMk id="13" creationId="{28D9482E-59BA-F038-50A6-FEF6C7927803}"/>
-          </ac:picMkLst>
-        </pc:picChg>
-      </pc:sldChg>
-      <pc:sldChg chg="addSp delSp modSp add mod">
-        <pc:chgData name="Belal ABDOUHOU" userId="4de1732a-4a9e-4560-9e35-a8a47c9e13b8" providerId="ADAL" clId="{05C04619-6CA6-4106-888F-5687BCAFE519}" dt="2023-01-13T09:45:34.194" v="1614" actId="1076"/>
-        <pc:sldMkLst>
-          <pc:docMk/>
-          <pc:sldMk cId="2963956531" sldId="295"/>
-        </pc:sldMkLst>
-        <pc:spChg chg="add mod">
-          <ac:chgData name="Belal ABDOUHOU" userId="4de1732a-4a9e-4560-9e35-a8a47c9e13b8" providerId="ADAL" clId="{05C04619-6CA6-4106-888F-5687BCAFE519}" dt="2023-01-12T13:10:13.132" v="1570" actId="1076"/>
-          <ac:spMkLst>
-            <pc:docMk/>
-            <pc:sldMk cId="2963956531" sldId="295"/>
-            <ac:spMk id="6" creationId="{EED82273-6B76-EF6C-6BD7-E688D9F342EF}"/>
-          </ac:spMkLst>
-        </pc:spChg>
-        <pc:spChg chg="mod">
-          <ac:chgData name="Belal ABDOUHOU" userId="4de1732a-4a9e-4560-9e35-a8a47c9e13b8" providerId="ADAL" clId="{05C04619-6CA6-4106-888F-5687BCAFE519}" dt="2023-01-13T09:45:34.194" v="1614" actId="1076"/>
-          <ac:spMkLst>
-            <pc:docMk/>
-            <pc:sldMk cId="2963956531" sldId="295"/>
-            <ac:spMk id="7" creationId="{1A9437C7-9D5E-46D5-C493-0CD3A3F0DFD3}"/>
-          </ac:spMkLst>
-        </pc:spChg>
-        <pc:spChg chg="add del mod">
-          <ac:chgData name="Belal ABDOUHOU" userId="4de1732a-4a9e-4560-9e35-a8a47c9e13b8" providerId="ADAL" clId="{05C04619-6CA6-4106-888F-5687BCAFE519}" dt="2023-01-12T12:37:15.845" v="1058"/>
-          <ac:spMkLst>
-            <pc:docMk/>
-            <pc:sldMk cId="2963956531" sldId="295"/>
-            <ac:spMk id="8" creationId="{DCF46402-0BDD-AB5B-F1CC-5D03BA963AA1}"/>
-          </ac:spMkLst>
-        </pc:spChg>
-        <pc:spChg chg="add mod">
-          <ac:chgData name="Belal ABDOUHOU" userId="4de1732a-4a9e-4560-9e35-a8a47c9e13b8" providerId="ADAL" clId="{05C04619-6CA6-4106-888F-5687BCAFE519}" dt="2023-01-12T13:10:10.581" v="1569" actId="1076"/>
-          <ac:spMkLst>
-            <pc:docMk/>
-            <pc:sldMk cId="2963956531" sldId="295"/>
-            <ac:spMk id="9" creationId="{9126FF2D-B827-FBC1-8F50-50322CE80F75}"/>
-          </ac:spMkLst>
-        </pc:spChg>
-        <pc:spChg chg="add mod">
-          <ac:chgData name="Belal ABDOUHOU" userId="4de1732a-4a9e-4560-9e35-a8a47c9e13b8" providerId="ADAL" clId="{05C04619-6CA6-4106-888F-5687BCAFE519}" dt="2023-01-12T12:42:41.006" v="1102" actId="20577"/>
-          <ac:spMkLst>
-            <pc:docMk/>
-            <pc:sldMk cId="2963956531" sldId="295"/>
-            <ac:spMk id="10" creationId="{D767CEFD-8ABC-E414-A2F4-2337090702CC}"/>
-          </ac:spMkLst>
-        </pc:spChg>
-        <pc:spChg chg="add mod">
-          <ac:chgData name="Belal ABDOUHOU" userId="4de1732a-4a9e-4560-9e35-a8a47c9e13b8" providerId="ADAL" clId="{05C04619-6CA6-4106-888F-5687BCAFE519}" dt="2023-01-12T13:09:56.014" v="1568" actId="20577"/>
-          <ac:spMkLst>
-            <pc:docMk/>
-            <pc:sldMk cId="2963956531" sldId="295"/>
-            <ac:spMk id="11" creationId="{AFFFCCF0-77F2-CF42-859F-A4C7B8AB2035}"/>
-          </ac:spMkLst>
-        </pc:spChg>
-        <pc:graphicFrameChg chg="mod modGraphic">
-          <ac:chgData name="Belal ABDOUHOU" userId="4de1732a-4a9e-4560-9e35-a8a47c9e13b8" providerId="ADAL" clId="{05C04619-6CA6-4106-888F-5687BCAFE519}" dt="2023-01-12T12:32:50.017" v="896" actId="1076"/>
-          <ac:graphicFrameMkLst>
-            <pc:docMk/>
-            <pc:sldMk cId="2963956531" sldId="295"/>
-            <ac:graphicFrameMk id="4" creationId="{7E8C6C28-6388-AF1A-FB82-4453B526E84F}"/>
-          </ac:graphicFrameMkLst>
-        </pc:graphicFrameChg>
-        <pc:picChg chg="add mod">
-          <ac:chgData name="Belal ABDOUHOU" userId="4de1732a-4a9e-4560-9e35-a8a47c9e13b8" providerId="ADAL" clId="{05C04619-6CA6-4106-888F-5687BCAFE519}" dt="2023-01-12T12:32:31.458" v="895" actId="1076"/>
-          <ac:picMkLst>
-            <pc:docMk/>
-            <pc:sldMk cId="2963956531" sldId="295"/>
-            <ac:picMk id="5" creationId="{484FAD70-0713-11A8-30A0-13B5CD37CA10}"/>
-          </ac:picMkLst>
-        </pc:picChg>
-        <pc:picChg chg="del">
-          <ac:chgData name="Belal ABDOUHOU" userId="4de1732a-4a9e-4560-9e35-a8a47c9e13b8" providerId="ADAL" clId="{05C04619-6CA6-4106-888F-5687BCAFE519}" dt="2023-01-12T12:25:52.750" v="853" actId="478"/>
-          <ac:picMkLst>
-            <pc:docMk/>
-            <pc:sldMk cId="2963956531" sldId="295"/>
-            <ac:picMk id="13" creationId="{28D9482E-59BA-F038-50A6-FEF6C7927803}"/>
-          </ac:picMkLst>
-        </pc:picChg>
-        <pc:picChg chg="add mod">
-          <ac:chgData name="Belal ABDOUHOU" userId="4de1732a-4a9e-4560-9e35-a8a47c9e13b8" providerId="ADAL" clId="{05C04619-6CA6-4106-888F-5687BCAFE519}" dt="2023-01-12T12:32:12.977" v="894" actId="1076"/>
-          <ac:picMkLst>
-            <pc:docMk/>
-            <pc:sldMk cId="2963956531" sldId="295"/>
-            <ac:picMk id="4098" creationId="{18C60382-FABC-5484-5D1B-6CF17A7CFF96}"/>
-          </ac:picMkLst>
-        </pc:picChg>
-        <pc:picChg chg="add mod">
-          <ac:chgData name="Belal ABDOUHOU" userId="4de1732a-4a9e-4560-9e35-a8a47c9e13b8" providerId="ADAL" clId="{05C04619-6CA6-4106-888F-5687BCAFE519}" dt="2023-01-12T12:32:01.608" v="893" actId="1076"/>
-          <ac:picMkLst>
-            <pc:docMk/>
-            <pc:sldMk cId="2963956531" sldId="295"/>
-            <ac:picMk id="4100" creationId="{9E810B96-A25F-63DA-575C-40C68BEE80F2}"/>
-          </ac:picMkLst>
-        </pc:picChg>
-        <pc:picChg chg="add mod">
-          <ac:chgData name="Belal ABDOUHOU" userId="4de1732a-4a9e-4560-9e35-a8a47c9e13b8" providerId="ADAL" clId="{05C04619-6CA6-4106-888F-5687BCAFE519}" dt="2023-01-12T12:31:56.528" v="892" actId="1076"/>
-          <ac:picMkLst>
-            <pc:docMk/>
-            <pc:sldMk cId="2963956531" sldId="295"/>
-            <ac:picMk id="4102" creationId="{9F15A09D-CDFA-6983-B66F-EA96F6FAC649}"/>
-          </ac:picMkLst>
-        </pc:picChg>
-      </pc:sldChg>
-      <pc:sldChg chg="addSp delSp modSp add del mod">
-        <pc:chgData name="Belal ABDOUHOU" userId="4de1732a-4a9e-4560-9e35-a8a47c9e13b8" providerId="ADAL" clId="{05C04619-6CA6-4106-888F-5687BCAFE519}" dt="2023-01-12T12:33:23.391" v="902" actId="47"/>
-        <pc:sldMkLst>
-          <pc:docMk/>
-          <pc:sldMk cId="506333772" sldId="296"/>
-        </pc:sldMkLst>
-        <pc:spChg chg="add del">
-          <ac:chgData name="Belal ABDOUHOU" userId="4de1732a-4a9e-4560-9e35-a8a47c9e13b8" providerId="ADAL" clId="{05C04619-6CA6-4106-888F-5687BCAFE519}" dt="2023-01-12T12:26:20.172" v="858"/>
-          <ac:spMkLst>
-            <pc:docMk/>
-            <pc:sldMk cId="506333772" sldId="296"/>
-            <ac:spMk id="5" creationId="{E8EFAA7A-7418-6C1A-9679-BC76F2FCBC2A}"/>
-          </ac:spMkLst>
-        </pc:spChg>
-        <pc:spChg chg="del">
-          <ac:chgData name="Belal ABDOUHOU" userId="4de1732a-4a9e-4560-9e35-a8a47c9e13b8" providerId="ADAL" clId="{05C04619-6CA6-4106-888F-5687BCAFE519}" dt="2023-01-12T12:27:45.677" v="862" actId="478"/>
-          <ac:spMkLst>
-            <pc:docMk/>
-            <pc:sldMk cId="506333772" sldId="296"/>
-            <ac:spMk id="7" creationId="{1A9437C7-9D5E-46D5-C493-0CD3A3F0DFD3}"/>
-          </ac:spMkLst>
-        </pc:spChg>
-        <pc:graphicFrameChg chg="mod">
-          <ac:chgData name="Belal ABDOUHOU" userId="4de1732a-4a9e-4560-9e35-a8a47c9e13b8" providerId="ADAL" clId="{05C04619-6CA6-4106-888F-5687BCAFE519}" dt="2023-01-12T12:27:50.225" v="863" actId="1076"/>
-          <ac:graphicFrameMkLst>
-            <pc:docMk/>
-            <pc:sldMk cId="506333772" sldId="296"/>
-            <ac:graphicFrameMk id="4" creationId="{7E8C6C28-6388-AF1A-FB82-4453B526E84F}"/>
-          </ac:graphicFrameMkLst>
-        </pc:graphicFrameChg>
-        <pc:picChg chg="del mod">
-          <ac:chgData name="Belal ABDOUHOU" userId="4de1732a-4a9e-4560-9e35-a8a47c9e13b8" providerId="ADAL" clId="{05C04619-6CA6-4106-888F-5687BCAFE519}" dt="2023-01-12T12:33:21.582" v="901" actId="478"/>
-          <ac:picMkLst>
-            <pc:docMk/>
-            <pc:sldMk cId="506333772" sldId="296"/>
-            <ac:picMk id="13" creationId="{28D9482E-59BA-F038-50A6-FEF6C7927803}"/>
-          </ac:picMkLst>
-        </pc:picChg>
-        <pc:picChg chg="add del mod">
-          <ac:chgData name="Belal ABDOUHOU" userId="4de1732a-4a9e-4560-9e35-a8a47c9e13b8" providerId="ADAL" clId="{05C04619-6CA6-4106-888F-5687BCAFE519}" dt="2023-01-12T12:27:53.373" v="864" actId="21"/>
-          <ac:picMkLst>
-            <pc:docMk/>
-            <pc:sldMk cId="506333772" sldId="296"/>
-            <ac:picMk id="3075" creationId="{617F99DF-79A4-7F78-38B9-02A6DA8CB83D}"/>
-          </ac:picMkLst>
-        </pc:picChg>
-      </pc:sldChg>
-      <pc:sldChg chg="addSp delSp modSp add mod ord modNotesTx">
-        <pc:chgData name="Belal ABDOUHOU" userId="4de1732a-4a9e-4560-9e35-a8a47c9e13b8" providerId="ADAL" clId="{05C04619-6CA6-4106-888F-5687BCAFE519}" dt="2023-01-13T09:46:10.323" v="1646" actId="1076"/>
-        <pc:sldMkLst>
-          <pc:docMk/>
-          <pc:sldMk cId="2379676307" sldId="296"/>
-        </pc:sldMkLst>
-        <pc:spChg chg="add mod">
-          <ac:chgData name="Belal ABDOUHOU" userId="4de1732a-4a9e-4560-9e35-a8a47c9e13b8" providerId="ADAL" clId="{05C04619-6CA6-4106-888F-5687BCAFE519}" dt="2023-01-13T09:46:10.323" v="1646" actId="1076"/>
-          <ac:spMkLst>
-            <pc:docMk/>
-            <pc:sldMk cId="2379676307" sldId="296"/>
-            <ac:spMk id="4" creationId="{E7EB93A3-000F-72E2-5929-D427A4F6F6ED}"/>
-          </ac:spMkLst>
-        </pc:spChg>
-        <pc:spChg chg="mod">
-          <ac:chgData name="Belal ABDOUHOU" userId="4de1732a-4a9e-4560-9e35-a8a47c9e13b8" providerId="ADAL" clId="{05C04619-6CA6-4106-888F-5687BCAFE519}" dt="2023-01-12T19:46:24.013" v="1584" actId="1076"/>
-          <ac:spMkLst>
-            <pc:docMk/>
-            <pc:sldMk cId="2379676307" sldId="296"/>
-            <ac:spMk id="6" creationId="{44A2DDFB-ACA9-0A58-CA06-2FF6495DB3AF}"/>
-          </ac:spMkLst>
-        </pc:spChg>
-        <pc:picChg chg="del">
-          <ac:chgData name="Belal ABDOUHOU" userId="4de1732a-4a9e-4560-9e35-a8a47c9e13b8" providerId="ADAL" clId="{05C04619-6CA6-4106-888F-5687BCAFE519}" dt="2023-01-12T19:46:16.936" v="1583" actId="478"/>
-          <ac:picMkLst>
-            <pc:docMk/>
-            <pc:sldMk cId="2379676307" sldId="296"/>
-            <ac:picMk id="8" creationId="{9ECEA63F-58A1-20EC-D5B0-16DDB7B04DCD}"/>
-          </ac:picMkLst>
-        </pc:picChg>
-        <pc:picChg chg="del">
-          <ac:chgData name="Belal ABDOUHOU" userId="4de1732a-4a9e-4560-9e35-a8a47c9e13b8" providerId="ADAL" clId="{05C04619-6CA6-4106-888F-5687BCAFE519}" dt="2023-01-12T19:46:15.701" v="1582" actId="478"/>
-          <ac:picMkLst>
-            <pc:docMk/>
-            <pc:sldMk cId="2379676307" sldId="296"/>
-            <ac:picMk id="6146" creationId="{DB9B9189-A4A8-F8E6-CE35-3DC3F2F1CBDD}"/>
-          </ac:picMkLst>
-        </pc:picChg>
-      </pc:sldChg>
-    </pc:docChg>
-  </pc:docChgLst>
   <pc:docChgLst>
     <pc:chgData name="Belal ABDOUHOU" userId="4de1732a-4a9e-4560-9e35-a8a47c9e13b8" providerId="ADAL" clId="{E24792C6-283C-48AA-83F3-0930EA9AD199}"/>
     <pc:docChg chg="custSel addSld delSld modSld">
@@ -4181,6 +1800,2387 @@
       </pc:sldChg>
     </pc:docChg>
   </pc:docChgLst>
+  <pc:docChgLst>
+    <pc:chgData name="Belal ABDOUHOU" userId="4de1732a-4a9e-4560-9e35-a8a47c9e13b8" providerId="ADAL" clId="{05C04619-6CA6-4106-888F-5687BCAFE519}"/>
+    <pc:docChg chg="undo redo custSel addSld delSld modSld sldOrd">
+      <pc:chgData name="Belal ABDOUHOU" userId="4de1732a-4a9e-4560-9e35-a8a47c9e13b8" providerId="ADAL" clId="{05C04619-6CA6-4106-888F-5687BCAFE519}" dt="2023-01-13T09:46:10.323" v="1646" actId="1076"/>
+      <pc:docMkLst>
+        <pc:docMk/>
+      </pc:docMkLst>
+      <pc:sldChg chg="addSp delSp modSp mod">
+        <pc:chgData name="Belal ABDOUHOU" userId="4de1732a-4a9e-4560-9e35-a8a47c9e13b8" providerId="ADAL" clId="{05C04619-6CA6-4106-888F-5687BCAFE519}" dt="2023-01-12T12:55:26.361" v="1286" actId="21"/>
+        <pc:sldMkLst>
+          <pc:docMk/>
+          <pc:sldMk cId="1703342593" sldId="261"/>
+        </pc:sldMkLst>
+        <pc:spChg chg="add del mod">
+          <ac:chgData name="Belal ABDOUHOU" userId="4de1732a-4a9e-4560-9e35-a8a47c9e13b8" providerId="ADAL" clId="{05C04619-6CA6-4106-888F-5687BCAFE519}" dt="2023-01-12T12:55:26.361" v="1286" actId="21"/>
+          <ac:spMkLst>
+            <pc:docMk/>
+            <pc:sldMk cId="1703342593" sldId="261"/>
+            <ac:spMk id="3" creationId="{9C6EE980-E75B-81AD-6415-9ACC0FE3510D}"/>
+          </ac:spMkLst>
+        </pc:spChg>
+      </pc:sldChg>
+      <pc:sldChg chg="addSp delSp modSp mod">
+        <pc:chgData name="Belal ABDOUHOU" userId="4de1732a-4a9e-4560-9e35-a8a47c9e13b8" providerId="ADAL" clId="{05C04619-6CA6-4106-888F-5687BCAFE519}" dt="2023-01-12T13:08:08.384" v="1565" actId="164"/>
+        <pc:sldMkLst>
+          <pc:docMk/>
+          <pc:sldMk cId="1793949734" sldId="286"/>
+        </pc:sldMkLst>
+        <pc:spChg chg="add del mod">
+          <ac:chgData name="Belal ABDOUHOU" userId="4de1732a-4a9e-4560-9e35-a8a47c9e13b8" providerId="ADAL" clId="{05C04619-6CA6-4106-888F-5687BCAFE519}" dt="2023-01-12T12:59:35.985" v="1475" actId="478"/>
+          <ac:spMkLst>
+            <pc:docMk/>
+            <pc:sldMk cId="1793949734" sldId="286"/>
+            <ac:spMk id="2" creationId="{345C5720-51D4-4632-91CD-936B8AB96750}"/>
+          </ac:spMkLst>
+        </pc:spChg>
+        <pc:spChg chg="add del mod">
+          <ac:chgData name="Belal ABDOUHOU" userId="4de1732a-4a9e-4560-9e35-a8a47c9e13b8" providerId="ADAL" clId="{05C04619-6CA6-4106-888F-5687BCAFE519}" dt="2023-01-12T12:58:39.208" v="1467" actId="478"/>
+          <ac:spMkLst>
+            <pc:docMk/>
+            <pc:sldMk cId="1793949734" sldId="286"/>
+            <ac:spMk id="5" creationId="{57D34826-40E4-1BA4-5AFC-1A395A87BE8B}"/>
+          </ac:spMkLst>
+        </pc:spChg>
+        <pc:spChg chg="del">
+          <ac:chgData name="Belal ABDOUHOU" userId="4de1732a-4a9e-4560-9e35-a8a47c9e13b8" providerId="ADAL" clId="{05C04619-6CA6-4106-888F-5687BCAFE519}" dt="2023-01-12T13:00:05.252" v="1482" actId="478"/>
+          <ac:spMkLst>
+            <pc:docMk/>
+            <pc:sldMk cId="1793949734" sldId="286"/>
+            <ac:spMk id="9" creationId="{E7A818AB-B120-41D5-88A6-933AB9CAAE68}"/>
+          </ac:spMkLst>
+        </pc:spChg>
+        <pc:spChg chg="del">
+          <ac:chgData name="Belal ABDOUHOU" userId="4de1732a-4a9e-4560-9e35-a8a47c9e13b8" providerId="ADAL" clId="{05C04619-6CA6-4106-888F-5687BCAFE519}" dt="2023-01-12T12:56:33.235" v="1297" actId="478"/>
+          <ac:spMkLst>
+            <pc:docMk/>
+            <pc:sldMk cId="1793949734" sldId="286"/>
+            <ac:spMk id="10" creationId="{DF22B963-F122-4502-CFF2-E7E7E3056C31}"/>
+          </ac:spMkLst>
+        </pc:spChg>
+        <pc:spChg chg="add del mod">
+          <ac:chgData name="Belal ABDOUHOU" userId="4de1732a-4a9e-4560-9e35-a8a47c9e13b8" providerId="ADAL" clId="{05C04619-6CA6-4106-888F-5687BCAFE519}" dt="2023-01-12T12:59:31.723" v="1473" actId="478"/>
+          <ac:spMkLst>
+            <pc:docMk/>
+            <pc:sldMk cId="1793949734" sldId="286"/>
+            <ac:spMk id="12" creationId="{29D5E75B-0505-50FE-4790-24A1D93BF22A}"/>
+          </ac:spMkLst>
+        </pc:spChg>
+        <pc:spChg chg="add del mod">
+          <ac:chgData name="Belal ABDOUHOU" userId="4de1732a-4a9e-4560-9e35-a8a47c9e13b8" providerId="ADAL" clId="{05C04619-6CA6-4106-888F-5687BCAFE519}" dt="2023-01-12T12:59:51.093" v="1480" actId="21"/>
+          <ac:spMkLst>
+            <pc:docMk/>
+            <pc:sldMk cId="1793949734" sldId="286"/>
+            <ac:spMk id="14" creationId="{140EDBC7-36DB-704D-7A7C-2876B9A1B99C}"/>
+          </ac:spMkLst>
+        </pc:spChg>
+        <pc:spChg chg="add del mod">
+          <ac:chgData name="Belal ABDOUHOU" userId="4de1732a-4a9e-4560-9e35-a8a47c9e13b8" providerId="ADAL" clId="{05C04619-6CA6-4106-888F-5687BCAFE519}" dt="2023-01-12T12:59:55.647" v="1481" actId="478"/>
+          <ac:spMkLst>
+            <pc:docMk/>
+            <pc:sldMk cId="1793949734" sldId="286"/>
+            <ac:spMk id="16" creationId="{E90CB7BC-CBE7-9800-7C04-A99CC11DE0EA}"/>
+          </ac:spMkLst>
+        </pc:spChg>
+        <pc:spChg chg="add mod">
+          <ac:chgData name="Belal ABDOUHOU" userId="4de1732a-4a9e-4560-9e35-a8a47c9e13b8" providerId="ADAL" clId="{05C04619-6CA6-4106-888F-5687BCAFE519}" dt="2023-01-12T13:08:08.384" v="1565" actId="164"/>
+          <ac:spMkLst>
+            <pc:docMk/>
+            <pc:sldMk cId="1793949734" sldId="286"/>
+            <ac:spMk id="17" creationId="{0DF7F6EB-E3E5-028D-077B-8EB879CBE73C}"/>
+          </ac:spMkLst>
+        </pc:spChg>
+        <pc:spChg chg="add mod">
+          <ac:chgData name="Belal ABDOUHOU" userId="4de1732a-4a9e-4560-9e35-a8a47c9e13b8" providerId="ADAL" clId="{05C04619-6CA6-4106-888F-5687BCAFE519}" dt="2023-01-12T13:01:45.476" v="1492"/>
+          <ac:spMkLst>
+            <pc:docMk/>
+            <pc:sldMk cId="1793949734" sldId="286"/>
+            <ac:spMk id="18" creationId="{44B1C755-C7ED-37AE-190E-769AB854746A}"/>
+          </ac:spMkLst>
+        </pc:spChg>
+        <pc:spChg chg="add del mod">
+          <ac:chgData name="Belal ABDOUHOU" userId="4de1732a-4a9e-4560-9e35-a8a47c9e13b8" providerId="ADAL" clId="{05C04619-6CA6-4106-888F-5687BCAFE519}" dt="2023-01-12T13:02:16.223" v="1496" actId="478"/>
+          <ac:spMkLst>
+            <pc:docMk/>
+            <pc:sldMk cId="1793949734" sldId="286"/>
+            <ac:spMk id="20" creationId="{4F770022-D2A6-1DEF-A18B-45E827B816D1}"/>
+          </ac:spMkLst>
+        </pc:spChg>
+        <pc:spChg chg="add mod">
+          <ac:chgData name="Belal ABDOUHOU" userId="4de1732a-4a9e-4560-9e35-a8a47c9e13b8" providerId="ADAL" clId="{05C04619-6CA6-4106-888F-5687BCAFE519}" dt="2023-01-12T13:08:08.384" v="1565" actId="164"/>
+          <ac:spMkLst>
+            <pc:docMk/>
+            <pc:sldMk cId="1793949734" sldId="286"/>
+            <ac:spMk id="21" creationId="{29DDB5C6-D89E-4E99-A63D-98C2D30D1033}"/>
+          </ac:spMkLst>
+        </pc:spChg>
+        <pc:spChg chg="add del mod">
+          <ac:chgData name="Belal ABDOUHOU" userId="4de1732a-4a9e-4560-9e35-a8a47c9e13b8" providerId="ADAL" clId="{05C04619-6CA6-4106-888F-5687BCAFE519}" dt="2023-01-12T13:03:00.605" v="1511" actId="478"/>
+          <ac:spMkLst>
+            <pc:docMk/>
+            <pc:sldMk cId="1793949734" sldId="286"/>
+            <ac:spMk id="22" creationId="{BA426AE0-6EF0-0492-C0D4-41481735618B}"/>
+          </ac:spMkLst>
+        </pc:spChg>
+        <pc:spChg chg="add del mod">
+          <ac:chgData name="Belal ABDOUHOU" userId="4de1732a-4a9e-4560-9e35-a8a47c9e13b8" providerId="ADAL" clId="{05C04619-6CA6-4106-888F-5687BCAFE519}" dt="2023-01-12T13:02:56.398" v="1509" actId="478"/>
+          <ac:spMkLst>
+            <pc:docMk/>
+            <pc:sldMk cId="1793949734" sldId="286"/>
+            <ac:spMk id="23" creationId="{FAF15B17-3900-FE95-FF88-51AF509A5E0F}"/>
+          </ac:spMkLst>
+        </pc:spChg>
+        <pc:spChg chg="add del mod">
+          <ac:chgData name="Belal ABDOUHOU" userId="4de1732a-4a9e-4560-9e35-a8a47c9e13b8" providerId="ADAL" clId="{05C04619-6CA6-4106-888F-5687BCAFE519}" dt="2023-01-12T13:02:53.151" v="1505" actId="478"/>
+          <ac:spMkLst>
+            <pc:docMk/>
+            <pc:sldMk cId="1793949734" sldId="286"/>
+            <ac:spMk id="24" creationId="{48DD3F5B-2173-B9D0-CE53-EB27B47787B3}"/>
+          </ac:spMkLst>
+        </pc:spChg>
+        <pc:spChg chg="add del mod">
+          <ac:chgData name="Belal ABDOUHOU" userId="4de1732a-4a9e-4560-9e35-a8a47c9e13b8" providerId="ADAL" clId="{05C04619-6CA6-4106-888F-5687BCAFE519}" dt="2023-01-12T13:02:53.152" v="1507"/>
+          <ac:spMkLst>
+            <pc:docMk/>
+            <pc:sldMk cId="1793949734" sldId="286"/>
+            <ac:spMk id="25" creationId="{B0DE884E-42AC-DF05-953F-B3DA477A483E}"/>
+          </ac:spMkLst>
+        </pc:spChg>
+        <pc:spChg chg="add del mod">
+          <ac:chgData name="Belal ABDOUHOU" userId="4de1732a-4a9e-4560-9e35-a8a47c9e13b8" providerId="ADAL" clId="{05C04619-6CA6-4106-888F-5687BCAFE519}" dt="2023-01-12T13:04:29.826" v="1530" actId="478"/>
+          <ac:spMkLst>
+            <pc:docMk/>
+            <pc:sldMk cId="1793949734" sldId="286"/>
+            <ac:spMk id="26" creationId="{9154D315-3C87-FFD6-7585-609A8925EC34}"/>
+          </ac:spMkLst>
+        </pc:spChg>
+        <pc:spChg chg="add mod">
+          <ac:chgData name="Belal ABDOUHOU" userId="4de1732a-4a9e-4560-9e35-a8a47c9e13b8" providerId="ADAL" clId="{05C04619-6CA6-4106-888F-5687BCAFE519}" dt="2023-01-12T13:08:08.384" v="1565" actId="164"/>
+          <ac:spMkLst>
+            <pc:docMk/>
+            <pc:sldMk cId="1793949734" sldId="286"/>
+            <ac:spMk id="27" creationId="{9FB6E096-44BD-2505-9520-C0EF58A66B1D}"/>
+          </ac:spMkLst>
+        </pc:spChg>
+        <pc:spChg chg="add mod">
+          <ac:chgData name="Belal ABDOUHOU" userId="4de1732a-4a9e-4560-9e35-a8a47c9e13b8" providerId="ADAL" clId="{05C04619-6CA6-4106-888F-5687BCAFE519}" dt="2023-01-12T13:08:08.384" v="1565" actId="164"/>
+          <ac:spMkLst>
+            <pc:docMk/>
+            <pc:sldMk cId="1793949734" sldId="286"/>
+            <ac:spMk id="28" creationId="{77BF6B59-7ED7-82EF-C666-269701C72EB7}"/>
+          </ac:spMkLst>
+        </pc:spChg>
+        <pc:spChg chg="add mod">
+          <ac:chgData name="Belal ABDOUHOU" userId="4de1732a-4a9e-4560-9e35-a8a47c9e13b8" providerId="ADAL" clId="{05C04619-6CA6-4106-888F-5687BCAFE519}" dt="2023-01-12T13:08:08.384" v="1565" actId="164"/>
+          <ac:spMkLst>
+            <pc:docMk/>
+            <pc:sldMk cId="1793949734" sldId="286"/>
+            <ac:spMk id="29" creationId="{F4CB7347-0F0E-12A1-3EE1-EF69BE4CCB86}"/>
+          </ac:spMkLst>
+        </pc:spChg>
+        <pc:spChg chg="add mod">
+          <ac:chgData name="Belal ABDOUHOU" userId="4de1732a-4a9e-4560-9e35-a8a47c9e13b8" providerId="ADAL" clId="{05C04619-6CA6-4106-888F-5687BCAFE519}" dt="2023-01-12T13:08:08.384" v="1565" actId="164"/>
+          <ac:spMkLst>
+            <pc:docMk/>
+            <pc:sldMk cId="1793949734" sldId="286"/>
+            <ac:spMk id="30" creationId="{717C7F60-FAC2-6B1C-4088-EED2BCFC32E9}"/>
+          </ac:spMkLst>
+        </pc:spChg>
+        <pc:spChg chg="add mod">
+          <ac:chgData name="Belal ABDOUHOU" userId="4de1732a-4a9e-4560-9e35-a8a47c9e13b8" providerId="ADAL" clId="{05C04619-6CA6-4106-888F-5687BCAFE519}" dt="2023-01-12T13:08:08.384" v="1565" actId="164"/>
+          <ac:spMkLst>
+            <pc:docMk/>
+            <pc:sldMk cId="1793949734" sldId="286"/>
+            <ac:spMk id="31" creationId="{26F73372-6803-4C4E-4A03-96D9341297E7}"/>
+          </ac:spMkLst>
+        </pc:spChg>
+        <pc:grpChg chg="add mod">
+          <ac:chgData name="Belal ABDOUHOU" userId="4de1732a-4a9e-4560-9e35-a8a47c9e13b8" providerId="ADAL" clId="{05C04619-6CA6-4106-888F-5687BCAFE519}" dt="2023-01-12T13:08:08.384" v="1565" actId="164"/>
+          <ac:grpSpMkLst>
+            <pc:docMk/>
+            <pc:sldMk cId="1793949734" sldId="286"/>
+            <ac:grpSpMk id="32" creationId="{771644D2-914D-FC12-E7D6-D82791F0043B}"/>
+          </ac:grpSpMkLst>
+        </pc:grpChg>
+        <pc:graphicFrameChg chg="add del mod modGraphic">
+          <ac:chgData name="Belal ABDOUHOU" userId="4de1732a-4a9e-4560-9e35-a8a47c9e13b8" providerId="ADAL" clId="{05C04619-6CA6-4106-888F-5687BCAFE519}" dt="2023-01-12T12:56:25.233" v="1295" actId="21"/>
+          <ac:graphicFrameMkLst>
+            <pc:docMk/>
+            <pc:sldMk cId="1793949734" sldId="286"/>
+            <ac:graphicFrameMk id="6" creationId="{A92C7230-5C56-19F3-1EAF-8E92FBA2C9F0}"/>
+          </ac:graphicFrameMkLst>
+        </pc:graphicFrameChg>
+        <pc:graphicFrameChg chg="add mod">
+          <ac:chgData name="Belal ABDOUHOU" userId="4de1732a-4a9e-4560-9e35-a8a47c9e13b8" providerId="ADAL" clId="{05C04619-6CA6-4106-888F-5687BCAFE519}" dt="2023-01-12T13:08:08.384" v="1565" actId="164"/>
+          <ac:graphicFrameMkLst>
+            <pc:docMk/>
+            <pc:sldMk cId="1793949734" sldId="286"/>
+            <ac:graphicFrameMk id="7" creationId="{8764E26D-BFBF-0677-D67F-26F9B37EA771}"/>
+          </ac:graphicFrameMkLst>
+        </pc:graphicFrameChg>
+        <pc:graphicFrameChg chg="del">
+          <ac:chgData name="Belal ABDOUHOU" userId="4de1732a-4a9e-4560-9e35-a8a47c9e13b8" providerId="ADAL" clId="{05C04619-6CA6-4106-888F-5687BCAFE519}" dt="2023-01-12T12:55:39.272" v="1289" actId="478"/>
+          <ac:graphicFrameMkLst>
+            <pc:docMk/>
+            <pc:sldMk cId="1793949734" sldId="286"/>
+            <ac:graphicFrameMk id="8" creationId="{AC122EE9-F2CF-F774-8F17-9D0B51385A9E}"/>
+          </ac:graphicFrameMkLst>
+        </pc:graphicFrameChg>
+      </pc:sldChg>
+      <pc:sldChg chg="modSp mod">
+        <pc:chgData name="Belal ABDOUHOU" userId="4de1732a-4a9e-4560-9e35-a8a47c9e13b8" providerId="ADAL" clId="{05C04619-6CA6-4106-888F-5687BCAFE519}" dt="2023-01-12T11:32:24.312" v="52" actId="1076"/>
+        <pc:sldMkLst>
+          <pc:docMk/>
+          <pc:sldMk cId="1505601179" sldId="287"/>
+        </pc:sldMkLst>
+        <pc:spChg chg="mod">
+          <ac:chgData name="Belal ABDOUHOU" userId="4de1732a-4a9e-4560-9e35-a8a47c9e13b8" providerId="ADAL" clId="{05C04619-6CA6-4106-888F-5687BCAFE519}" dt="2023-01-12T11:31:43.722" v="45" actId="313"/>
+          <ac:spMkLst>
+            <pc:docMk/>
+            <pc:sldMk cId="1505601179" sldId="287"/>
+            <ac:spMk id="2" creationId="{5B040558-A365-4CCE-92FA-5A48CD98F9C9}"/>
+          </ac:spMkLst>
+        </pc:spChg>
+        <pc:picChg chg="mod">
+          <ac:chgData name="Belal ABDOUHOU" userId="4de1732a-4a9e-4560-9e35-a8a47c9e13b8" providerId="ADAL" clId="{05C04619-6CA6-4106-888F-5687BCAFE519}" dt="2023-01-12T11:32:19.576" v="51" actId="14100"/>
+          <ac:picMkLst>
+            <pc:docMk/>
+            <pc:sldMk cId="1505601179" sldId="287"/>
+            <ac:picMk id="5" creationId="{5B892810-3333-27F1-CB9D-E19429448B25}"/>
+          </ac:picMkLst>
+        </pc:picChg>
+        <pc:picChg chg="mod">
+          <ac:chgData name="Belal ABDOUHOU" userId="4de1732a-4a9e-4560-9e35-a8a47c9e13b8" providerId="ADAL" clId="{05C04619-6CA6-4106-888F-5687BCAFE519}" dt="2023-01-12T11:32:24.312" v="52" actId="1076"/>
+          <ac:picMkLst>
+            <pc:docMk/>
+            <pc:sldMk cId="1505601179" sldId="287"/>
+            <ac:picMk id="8" creationId="{7F7CD2CC-368E-49E6-213D-1E7F47E1AC86}"/>
+          </ac:picMkLst>
+        </pc:picChg>
+      </pc:sldChg>
+      <pc:sldChg chg="addSp delSp modSp mod ord modNotesTx">
+        <pc:chgData name="Belal ABDOUHOU" userId="4de1732a-4a9e-4560-9e35-a8a47c9e13b8" providerId="ADAL" clId="{05C04619-6CA6-4106-888F-5687BCAFE519}" dt="2023-01-12T21:03:35.733" v="1612"/>
+        <pc:sldMkLst>
+          <pc:docMk/>
+          <pc:sldMk cId="1477731620" sldId="288"/>
+        </pc:sldMkLst>
+        <pc:spChg chg="add del">
+          <ac:chgData name="Belal ABDOUHOU" userId="4de1732a-4a9e-4560-9e35-a8a47c9e13b8" providerId="ADAL" clId="{05C04619-6CA6-4106-888F-5687BCAFE519}" dt="2023-01-12T20:16:38.805" v="1601"/>
+          <ac:spMkLst>
+            <pc:docMk/>
+            <pc:sldMk cId="1477731620" sldId="288"/>
+            <ac:spMk id="4" creationId="{839C5ACD-F85C-3CE8-C744-520C19C4BFF6}"/>
+          </ac:spMkLst>
+        </pc:spChg>
+        <pc:spChg chg="mod">
+          <ac:chgData name="Belal ABDOUHOU" userId="4de1732a-4a9e-4560-9e35-a8a47c9e13b8" providerId="ADAL" clId="{05C04619-6CA6-4106-888F-5687BCAFE519}" dt="2023-01-12T20:17:26.066" v="1606" actId="1076"/>
+          <ac:spMkLst>
+            <pc:docMk/>
+            <pc:sldMk cId="1477731620" sldId="288"/>
+            <ac:spMk id="6" creationId="{44A2DDFB-ACA9-0A58-CA06-2FF6495DB3AF}"/>
+          </ac:spMkLst>
+        </pc:spChg>
+        <pc:graphicFrameChg chg="add del mod">
+          <ac:chgData name="Belal ABDOUHOU" userId="4de1732a-4a9e-4560-9e35-a8a47c9e13b8" providerId="ADAL" clId="{05C04619-6CA6-4106-888F-5687BCAFE519}" dt="2023-01-12T20:16:38.805" v="1601"/>
+          <ac:graphicFrameMkLst>
+            <pc:docMk/>
+            <pc:sldMk cId="1477731620" sldId="288"/>
+            <ac:graphicFrameMk id="5" creationId="{48A6F18D-D841-3750-0E13-7D5BB34F7D5C}"/>
+          </ac:graphicFrameMkLst>
+        </pc:graphicFrameChg>
+        <pc:picChg chg="del">
+          <ac:chgData name="Belal ABDOUHOU" userId="4de1732a-4a9e-4560-9e35-a8a47c9e13b8" providerId="ADAL" clId="{05C04619-6CA6-4106-888F-5687BCAFE519}" dt="2023-01-12T20:16:41.198" v="1602" actId="478"/>
+          <ac:picMkLst>
+            <pc:docMk/>
+            <pc:sldMk cId="1477731620" sldId="288"/>
+            <ac:picMk id="8" creationId="{9ECEA63F-58A1-20EC-D5B0-16DDB7B04DCD}"/>
+          </ac:picMkLst>
+        </pc:picChg>
+        <pc:picChg chg="del">
+          <ac:chgData name="Belal ABDOUHOU" userId="4de1732a-4a9e-4560-9e35-a8a47c9e13b8" providerId="ADAL" clId="{05C04619-6CA6-4106-888F-5687BCAFE519}" dt="2023-01-12T20:16:34.301" v="1598" actId="478"/>
+          <ac:picMkLst>
+            <pc:docMk/>
+            <pc:sldMk cId="1477731620" sldId="288"/>
+            <ac:picMk id="6146" creationId="{DB9B9189-A4A8-F8E6-CE35-3DC3F2F1CBDD}"/>
+          </ac:picMkLst>
+        </pc:picChg>
+        <pc:picChg chg="add mod">
+          <ac:chgData name="Belal ABDOUHOU" userId="4de1732a-4a9e-4560-9e35-a8a47c9e13b8" providerId="ADAL" clId="{05C04619-6CA6-4106-888F-5687BCAFE519}" dt="2023-01-12T20:21:03.349" v="1609" actId="1076"/>
+          <ac:picMkLst>
+            <pc:docMk/>
+            <pc:sldMk cId="1477731620" sldId="288"/>
+            <ac:picMk id="6148" creationId="{4E4CB3E1-3BBD-BA3C-97E9-2164C30E64E0}"/>
+          </ac:picMkLst>
+        </pc:picChg>
+      </pc:sldChg>
+      <pc:sldChg chg="delSp mod">
+        <pc:chgData name="Belal ABDOUHOU" userId="4de1732a-4a9e-4560-9e35-a8a47c9e13b8" providerId="ADAL" clId="{05C04619-6CA6-4106-888F-5687BCAFE519}" dt="2023-01-12T13:52:00.642" v="1572" actId="478"/>
+        <pc:sldMkLst>
+          <pc:docMk/>
+          <pc:sldMk cId="2995501100" sldId="289"/>
+        </pc:sldMkLst>
+        <pc:spChg chg="del">
+          <ac:chgData name="Belal ABDOUHOU" userId="4de1732a-4a9e-4560-9e35-a8a47c9e13b8" providerId="ADAL" clId="{05C04619-6CA6-4106-888F-5687BCAFE519}" dt="2023-01-12T13:52:00.642" v="1572" actId="478"/>
+          <ac:spMkLst>
+            <pc:docMk/>
+            <pc:sldMk cId="2995501100" sldId="289"/>
+            <ac:spMk id="6" creationId="{CA897629-732C-0F89-2C4E-F1114E824950}"/>
+          </ac:spMkLst>
+        </pc:spChg>
+        <pc:picChg chg="del">
+          <ac:chgData name="Belal ABDOUHOU" userId="4de1732a-4a9e-4560-9e35-a8a47c9e13b8" providerId="ADAL" clId="{05C04619-6CA6-4106-888F-5687BCAFE519}" dt="2023-01-12T13:51:57.828" v="1571" actId="478"/>
+          <ac:picMkLst>
+            <pc:docMk/>
+            <pc:sldMk cId="2995501100" sldId="289"/>
+            <ac:picMk id="5" creationId="{4941265D-D679-51C0-6462-FF4D95246C29}"/>
+          </ac:picMkLst>
+        </pc:picChg>
+      </pc:sldChg>
+      <pc:sldChg chg="addSp delSp modSp mod ord">
+        <pc:chgData name="Belal ABDOUHOU" userId="4de1732a-4a9e-4560-9e35-a8a47c9e13b8" providerId="ADAL" clId="{05C04619-6CA6-4106-888F-5687BCAFE519}" dt="2023-01-12T11:46:25.702" v="203" actId="1076"/>
+        <pc:sldMkLst>
+          <pc:docMk/>
+          <pc:sldMk cId="2758265812" sldId="290"/>
+        </pc:sldMkLst>
+        <pc:spChg chg="mod">
+          <ac:chgData name="Belal ABDOUHOU" userId="4de1732a-4a9e-4560-9e35-a8a47c9e13b8" providerId="ADAL" clId="{05C04619-6CA6-4106-888F-5687BCAFE519}" dt="2023-01-12T11:32:39.927" v="53" actId="6549"/>
+          <ac:spMkLst>
+            <pc:docMk/>
+            <pc:sldMk cId="2758265812" sldId="290"/>
+            <ac:spMk id="2" creationId="{5B040558-A365-4CCE-92FA-5A48CD98F9C9}"/>
+          </ac:spMkLst>
+        </pc:spChg>
+        <pc:spChg chg="add del mod">
+          <ac:chgData name="Belal ABDOUHOU" userId="4de1732a-4a9e-4560-9e35-a8a47c9e13b8" providerId="ADAL" clId="{05C04619-6CA6-4106-888F-5687BCAFE519}" dt="2023-01-12T11:44:09.703" v="184" actId="478"/>
+          <ac:spMkLst>
+            <pc:docMk/>
+            <pc:sldMk cId="2758265812" sldId="290"/>
+            <ac:spMk id="9" creationId="{CFFA3947-01A6-1C07-C534-302D4D55C75B}"/>
+          </ac:spMkLst>
+        </pc:spChg>
+        <pc:spChg chg="add mod">
+          <ac:chgData name="Belal ABDOUHOU" userId="4de1732a-4a9e-4560-9e35-a8a47c9e13b8" providerId="ADAL" clId="{05C04619-6CA6-4106-888F-5687BCAFE519}" dt="2023-01-12T11:44:47.453" v="188" actId="255"/>
+          <ac:spMkLst>
+            <pc:docMk/>
+            <pc:sldMk cId="2758265812" sldId="290"/>
+            <ac:spMk id="10" creationId="{C3E9D298-24F6-5BF6-82A8-119C8541B934}"/>
+          </ac:spMkLst>
+        </pc:spChg>
+        <pc:spChg chg="add mod">
+          <ac:chgData name="Belal ABDOUHOU" userId="4de1732a-4a9e-4560-9e35-a8a47c9e13b8" providerId="ADAL" clId="{05C04619-6CA6-4106-888F-5687BCAFE519}" dt="2023-01-12T11:46:25.702" v="203" actId="1076"/>
+          <ac:spMkLst>
+            <pc:docMk/>
+            <pc:sldMk cId="2758265812" sldId="290"/>
+            <ac:spMk id="11" creationId="{3B83914A-D595-B9DE-BC5D-BD2C0DC77645}"/>
+          </ac:spMkLst>
+        </pc:spChg>
+        <pc:graphicFrameChg chg="mod">
+          <ac:chgData name="Belal ABDOUHOU" userId="4de1732a-4a9e-4560-9e35-a8a47c9e13b8" providerId="ADAL" clId="{05C04619-6CA6-4106-888F-5687BCAFE519}" dt="2023-01-12T11:42:56.657" v="173" actId="1035"/>
+          <ac:graphicFrameMkLst>
+            <pc:docMk/>
+            <pc:sldMk cId="2758265812" sldId="290"/>
+            <ac:graphicFrameMk id="4" creationId="{C55FA4A3-32B4-A236-57CB-AE41CAD3B1A1}"/>
+          </ac:graphicFrameMkLst>
+        </pc:graphicFrameChg>
+        <pc:picChg chg="add mod">
+          <ac:chgData name="Belal ABDOUHOU" userId="4de1732a-4a9e-4560-9e35-a8a47c9e13b8" providerId="ADAL" clId="{05C04619-6CA6-4106-888F-5687BCAFE519}" dt="2023-01-12T11:45:03.774" v="191" actId="1076"/>
+          <ac:picMkLst>
+            <pc:docMk/>
+            <pc:sldMk cId="2758265812" sldId="290"/>
+            <ac:picMk id="6" creationId="{D4ECECC7-924D-F059-483F-845608910681}"/>
+          </ac:picMkLst>
+        </pc:picChg>
+        <pc:picChg chg="add mod">
+          <ac:chgData name="Belal ABDOUHOU" userId="4de1732a-4a9e-4560-9e35-a8a47c9e13b8" providerId="ADAL" clId="{05C04619-6CA6-4106-888F-5687BCAFE519}" dt="2023-01-12T11:46:17.886" v="202" actId="1076"/>
+          <ac:picMkLst>
+            <pc:docMk/>
+            <pc:sldMk cId="2758265812" sldId="290"/>
+            <ac:picMk id="8" creationId="{940EE403-271E-7BD0-8CD2-F9EA5EF9C8D9}"/>
+          </ac:picMkLst>
+        </pc:picChg>
+      </pc:sldChg>
+      <pc:sldChg chg="addSp delSp modSp mod modNotesTx">
+        <pc:chgData name="Belal ABDOUHOU" userId="4de1732a-4a9e-4560-9e35-a8a47c9e13b8" providerId="ADAL" clId="{05C04619-6CA6-4106-888F-5687BCAFE519}" dt="2023-01-12T12:02:45.471" v="608" actId="6549"/>
+        <pc:sldMkLst>
+          <pc:docMk/>
+          <pc:sldMk cId="2185092362" sldId="291"/>
+        </pc:sldMkLst>
+        <pc:spChg chg="add mod">
+          <ac:chgData name="Belal ABDOUHOU" userId="4de1732a-4a9e-4560-9e35-a8a47c9e13b8" providerId="ADAL" clId="{05C04619-6CA6-4106-888F-5687BCAFE519}" dt="2023-01-12T11:59:59.920" v="543" actId="1076"/>
+          <ac:spMkLst>
+            <pc:docMk/>
+            <pc:sldMk cId="2185092362" sldId="291"/>
+            <ac:spMk id="5" creationId="{64320FEE-AEBF-9B29-AF9C-4E4F91BC6FD6}"/>
+          </ac:spMkLst>
+        </pc:spChg>
+        <pc:spChg chg="add mod">
+          <ac:chgData name="Belal ABDOUHOU" userId="4de1732a-4a9e-4560-9e35-a8a47c9e13b8" providerId="ADAL" clId="{05C04619-6CA6-4106-888F-5687BCAFE519}" dt="2023-01-12T12:02:02.852" v="606" actId="1076"/>
+          <ac:spMkLst>
+            <pc:docMk/>
+            <pc:sldMk cId="2185092362" sldId="291"/>
+            <ac:spMk id="8" creationId="{9079DD9A-74E4-0107-9DA2-47BEBAA31CA2}"/>
+          </ac:spMkLst>
+        </pc:spChg>
+        <pc:graphicFrameChg chg="add del mod modGraphic">
+          <ac:chgData name="Belal ABDOUHOU" userId="4de1732a-4a9e-4560-9e35-a8a47c9e13b8" providerId="ADAL" clId="{05C04619-6CA6-4106-888F-5687BCAFE519}" dt="2023-01-12T11:56:29.718" v="423" actId="478"/>
+          <ac:graphicFrameMkLst>
+            <pc:docMk/>
+            <pc:sldMk cId="2185092362" sldId="291"/>
+            <ac:graphicFrameMk id="4" creationId="{D794F032-D550-8967-FF45-D0984DE8CE49}"/>
+          </ac:graphicFrameMkLst>
+        </pc:graphicFrameChg>
+        <pc:picChg chg="add mod">
+          <ac:chgData name="Belal ABDOUHOU" userId="4de1732a-4a9e-4560-9e35-a8a47c9e13b8" providerId="ADAL" clId="{05C04619-6CA6-4106-888F-5687BCAFE519}" dt="2023-01-12T11:59:20.117" v="539" actId="1076"/>
+          <ac:picMkLst>
+            <pc:docMk/>
+            <pc:sldMk cId="2185092362" sldId="291"/>
+            <ac:picMk id="7" creationId="{A7F10299-63E5-3F78-86A7-067E683222DC}"/>
+          </ac:picMkLst>
+        </pc:picChg>
+        <pc:picChg chg="add mod">
+          <ac:chgData name="Belal ABDOUHOU" userId="4de1732a-4a9e-4560-9e35-a8a47c9e13b8" providerId="ADAL" clId="{05C04619-6CA6-4106-888F-5687BCAFE519}" dt="2023-01-12T11:58:06.171" v="479" actId="1076"/>
+          <ac:picMkLst>
+            <pc:docMk/>
+            <pc:sldMk cId="2185092362" sldId="291"/>
+            <ac:picMk id="2050" creationId="{AF5C6560-2739-5C09-56D4-43CB7716FF62}"/>
+          </ac:picMkLst>
+        </pc:picChg>
+        <pc:picChg chg="del">
+          <ac:chgData name="Belal ABDOUHOU" userId="4de1732a-4a9e-4560-9e35-a8a47c9e13b8" providerId="ADAL" clId="{05C04619-6CA6-4106-888F-5687BCAFE519}" dt="2023-01-12T11:31:13.052" v="5" actId="478"/>
+          <ac:picMkLst>
+            <pc:docMk/>
+            <pc:sldMk cId="2185092362" sldId="291"/>
+            <ac:picMk id="3074" creationId="{E7B7C13E-C534-8008-D621-F2534778E56B}"/>
+          </ac:picMkLst>
+        </pc:picChg>
+        <pc:picChg chg="del">
+          <ac:chgData name="Belal ABDOUHOU" userId="4de1732a-4a9e-4560-9e35-a8a47c9e13b8" providerId="ADAL" clId="{05C04619-6CA6-4106-888F-5687BCAFE519}" dt="2023-01-12T11:31:13.759" v="6" actId="478"/>
+          <ac:picMkLst>
+            <pc:docMk/>
+            <pc:sldMk cId="2185092362" sldId="291"/>
+            <ac:picMk id="3076" creationId="{1603F4DD-BC83-1639-6138-8087B0CF050B}"/>
+          </ac:picMkLst>
+        </pc:picChg>
+      </pc:sldChg>
+      <pc:sldChg chg="addSp delSp modSp mod modNotesTx">
+        <pc:chgData name="Belal ABDOUHOU" userId="4de1732a-4a9e-4560-9e35-a8a47c9e13b8" providerId="ADAL" clId="{05C04619-6CA6-4106-888F-5687BCAFE519}" dt="2023-01-12T12:02:17.205" v="607" actId="6549"/>
+        <pc:sldMkLst>
+          <pc:docMk/>
+          <pc:sldMk cId="3524330697" sldId="292"/>
+        </pc:sldMkLst>
+        <pc:spChg chg="mod">
+          <ac:chgData name="Belal ABDOUHOU" userId="4de1732a-4a9e-4560-9e35-a8a47c9e13b8" providerId="ADAL" clId="{05C04619-6CA6-4106-888F-5687BCAFE519}" dt="2023-01-12T11:49:11.318" v="216" actId="1076"/>
+          <ac:spMkLst>
+            <pc:docMk/>
+            <pc:sldMk cId="3524330697" sldId="292"/>
+            <ac:spMk id="4" creationId="{5B53080F-F30B-6651-54D5-2AEAA98B8A00}"/>
+          </ac:spMkLst>
+        </pc:spChg>
+        <pc:spChg chg="add mod">
+          <ac:chgData name="Belal ABDOUHOU" userId="4de1732a-4a9e-4560-9e35-a8a47c9e13b8" providerId="ADAL" clId="{05C04619-6CA6-4106-888F-5687BCAFE519}" dt="2023-01-12T11:51:33.168" v="311" actId="20577"/>
+          <ac:spMkLst>
+            <pc:docMk/>
+            <pc:sldMk cId="3524330697" sldId="292"/>
+            <ac:spMk id="6" creationId="{3183E336-EB32-EB4F-0AC7-6636E3C6D387}"/>
+          </ac:spMkLst>
+        </pc:spChg>
+        <pc:spChg chg="add mod">
+          <ac:chgData name="Belal ABDOUHOU" userId="4de1732a-4a9e-4560-9e35-a8a47c9e13b8" providerId="ADAL" clId="{05C04619-6CA6-4106-888F-5687BCAFE519}" dt="2023-01-12T11:53:55.559" v="384" actId="164"/>
+          <ac:spMkLst>
+            <pc:docMk/>
+            <pc:sldMk cId="3524330697" sldId="292"/>
+            <ac:spMk id="8" creationId="{FD2F1BA4-36CA-DC07-713D-C105770BC872}"/>
+          </ac:spMkLst>
+        </pc:spChg>
+        <pc:grpChg chg="add mod">
+          <ac:chgData name="Belal ABDOUHOU" userId="4de1732a-4a9e-4560-9e35-a8a47c9e13b8" providerId="ADAL" clId="{05C04619-6CA6-4106-888F-5687BCAFE519}" dt="2023-01-12T11:51:09.637" v="295" actId="1076"/>
+          <ac:grpSpMkLst>
+            <pc:docMk/>
+            <pc:sldMk cId="3524330697" sldId="292"/>
+            <ac:grpSpMk id="7" creationId="{2AA09370-65E7-C83B-9D1C-D328D008DC29}"/>
+          </ac:grpSpMkLst>
+        </pc:grpChg>
+        <pc:grpChg chg="add mod">
+          <ac:chgData name="Belal ABDOUHOU" userId="4de1732a-4a9e-4560-9e35-a8a47c9e13b8" providerId="ADAL" clId="{05C04619-6CA6-4106-888F-5687BCAFE519}" dt="2023-01-12T11:53:55.559" v="384" actId="164"/>
+          <ac:grpSpMkLst>
+            <pc:docMk/>
+            <pc:sldMk cId="3524330697" sldId="292"/>
+            <ac:grpSpMk id="9" creationId="{144BB778-42AA-F2A2-D002-C7966CCED4E3}"/>
+          </ac:grpSpMkLst>
+        </pc:grpChg>
+        <pc:picChg chg="add mod">
+          <ac:chgData name="Belal ABDOUHOU" userId="4de1732a-4a9e-4560-9e35-a8a47c9e13b8" providerId="ADAL" clId="{05C04619-6CA6-4106-888F-5687BCAFE519}" dt="2023-01-12T11:51:09.637" v="295" actId="1076"/>
+          <ac:picMkLst>
+            <pc:docMk/>
+            <pc:sldMk cId="3524330697" sldId="292"/>
+            <ac:picMk id="1026" creationId="{CF44E695-49BC-60F2-59E2-38B23BBA381A}"/>
+          </ac:picMkLst>
+        </pc:picChg>
+        <pc:picChg chg="add mod">
+          <ac:chgData name="Belal ABDOUHOU" userId="4de1732a-4a9e-4560-9e35-a8a47c9e13b8" providerId="ADAL" clId="{05C04619-6CA6-4106-888F-5687BCAFE519}" dt="2023-01-12T11:53:55.559" v="384" actId="164"/>
+          <ac:picMkLst>
+            <pc:docMk/>
+            <pc:sldMk cId="3524330697" sldId="292"/>
+            <ac:picMk id="1028" creationId="{28C7A328-195C-CF4B-5913-53F9EEF0BEE8}"/>
+          </ac:picMkLst>
+        </pc:picChg>
+        <pc:picChg chg="del">
+          <ac:chgData name="Belal ABDOUHOU" userId="4de1732a-4a9e-4560-9e35-a8a47c9e13b8" providerId="ADAL" clId="{05C04619-6CA6-4106-888F-5687BCAFE519}" dt="2023-01-12T11:47:25.437" v="205" actId="478"/>
+          <ac:picMkLst>
+            <pc:docMk/>
+            <pc:sldMk cId="3524330697" sldId="292"/>
+            <ac:picMk id="9218" creationId="{B3D587A9-CC19-EA3E-934A-2561A2C0F8D7}"/>
+          </ac:picMkLst>
+        </pc:picChg>
+        <pc:picChg chg="del">
+          <ac:chgData name="Belal ABDOUHOU" userId="4de1732a-4a9e-4560-9e35-a8a47c9e13b8" providerId="ADAL" clId="{05C04619-6CA6-4106-888F-5687BCAFE519}" dt="2023-01-12T11:47:27.266" v="206" actId="478"/>
+          <ac:picMkLst>
+            <pc:docMk/>
+            <pc:sldMk cId="3524330697" sldId="292"/>
+            <ac:picMk id="9220" creationId="{1583AFE9-1436-64A3-FA7F-24DF04646ACE}"/>
+          </ac:picMkLst>
+        </pc:picChg>
+      </pc:sldChg>
+      <pc:sldChg chg="addSp delSp modSp mod">
+        <pc:chgData name="Belal ABDOUHOU" userId="4de1732a-4a9e-4560-9e35-a8a47c9e13b8" providerId="ADAL" clId="{05C04619-6CA6-4106-888F-5687BCAFE519}" dt="2023-01-12T19:48:50.187" v="1597" actId="1076"/>
+        <pc:sldMkLst>
+          <pc:docMk/>
+          <pc:sldMk cId="2950648358" sldId="293"/>
+        </pc:sldMkLst>
+        <pc:spChg chg="mod">
+          <ac:chgData name="Belal ABDOUHOU" userId="4de1732a-4a9e-4560-9e35-a8a47c9e13b8" providerId="ADAL" clId="{05C04619-6CA6-4106-888F-5687BCAFE519}" dt="2023-01-12T19:48:50.187" v="1597" actId="1076"/>
+          <ac:spMkLst>
+            <pc:docMk/>
+            <pc:sldMk cId="2950648358" sldId="293"/>
+            <ac:spMk id="6" creationId="{44A2DDFB-ACA9-0A58-CA06-2FF6495DB3AF}"/>
+          </ac:spMkLst>
+        </pc:spChg>
+        <pc:picChg chg="add mod">
+          <ac:chgData name="Belal ABDOUHOU" userId="4de1732a-4a9e-4560-9e35-a8a47c9e13b8" providerId="ADAL" clId="{05C04619-6CA6-4106-888F-5687BCAFE519}" dt="2023-01-12T19:48:38.327" v="1594" actId="1076"/>
+          <ac:picMkLst>
+            <pc:docMk/>
+            <pc:sldMk cId="2950648358" sldId="293"/>
+            <ac:picMk id="5" creationId="{D19CBDC1-A4A4-8C6B-1C83-B258A0071A06}"/>
+          </ac:picMkLst>
+        </pc:picChg>
+        <pc:picChg chg="add mod">
+          <ac:chgData name="Belal ABDOUHOU" userId="4de1732a-4a9e-4560-9e35-a8a47c9e13b8" providerId="ADAL" clId="{05C04619-6CA6-4106-888F-5687BCAFE519}" dt="2023-01-12T19:48:45.259" v="1596" actId="1076"/>
+          <ac:picMkLst>
+            <pc:docMk/>
+            <pc:sldMk cId="2950648358" sldId="293"/>
+            <ac:picMk id="8" creationId="{EFCFA05B-826F-C063-11B5-C0D49E38CA9D}"/>
+          </ac:picMkLst>
+        </pc:picChg>
+        <pc:picChg chg="add del">
+          <ac:chgData name="Belal ABDOUHOU" userId="4de1732a-4a9e-4560-9e35-a8a47c9e13b8" providerId="ADAL" clId="{05C04619-6CA6-4106-888F-5687BCAFE519}" dt="2023-01-12T19:45:09.282" v="1575"/>
+          <ac:picMkLst>
+            <pc:docMk/>
+            <pc:sldMk cId="2950648358" sldId="293"/>
+            <ac:picMk id="5122" creationId="{8156A52D-DFE9-3D6E-A4AE-4330DE797340}"/>
+          </ac:picMkLst>
+        </pc:picChg>
+        <pc:picChg chg="del">
+          <ac:chgData name="Belal ABDOUHOU" userId="4de1732a-4a9e-4560-9e35-a8a47c9e13b8" providerId="ADAL" clId="{05C04619-6CA6-4106-888F-5687BCAFE519}" dt="2023-01-12T19:45:04.342" v="1573" actId="478"/>
+          <ac:picMkLst>
+            <pc:docMk/>
+            <pc:sldMk cId="2950648358" sldId="293"/>
+            <ac:picMk id="10242" creationId="{97B66E73-0632-8891-794F-BD1A07DDE744}"/>
+          </ac:picMkLst>
+        </pc:picChg>
+      </pc:sldChg>
+      <pc:sldChg chg="addSp delSp modSp add del mod ord">
+        <pc:chgData name="Belal ABDOUHOU" userId="4de1732a-4a9e-4560-9e35-a8a47c9e13b8" providerId="ADAL" clId="{05C04619-6CA6-4106-888F-5687BCAFE519}" dt="2023-01-12T12:52:30.494" v="1106" actId="47"/>
+        <pc:sldMkLst>
+          <pc:docMk/>
+          <pc:sldMk cId="3036919181" sldId="294"/>
+        </pc:sldMkLst>
+        <pc:spChg chg="mod">
+          <ac:chgData name="Belal ABDOUHOU" userId="4de1732a-4a9e-4560-9e35-a8a47c9e13b8" providerId="ADAL" clId="{05C04619-6CA6-4106-888F-5687BCAFE519}" dt="2023-01-12T12:03:01.809" v="623" actId="20577"/>
+          <ac:spMkLst>
+            <pc:docMk/>
+            <pc:sldMk cId="3036919181" sldId="294"/>
+            <ac:spMk id="2" creationId="{5B040558-A365-4CCE-92FA-5A48CD98F9C9}"/>
+          </ac:spMkLst>
+        </pc:spChg>
+        <pc:spChg chg="add mod">
+          <ac:chgData name="Belal ABDOUHOU" userId="4de1732a-4a9e-4560-9e35-a8a47c9e13b8" providerId="ADAL" clId="{05C04619-6CA6-4106-888F-5687BCAFE519}" dt="2023-01-12T12:24:21.481" v="846" actId="1076"/>
+          <ac:spMkLst>
+            <pc:docMk/>
+            <pc:sldMk cId="3036919181" sldId="294"/>
+            <ac:spMk id="7" creationId="{1A9437C7-9D5E-46D5-C493-0CD3A3F0DFD3}"/>
+          </ac:spMkLst>
+        </pc:spChg>
+        <pc:spChg chg="add del mod">
+          <ac:chgData name="Belal ABDOUHOU" userId="4de1732a-4a9e-4560-9e35-a8a47c9e13b8" providerId="ADAL" clId="{05C04619-6CA6-4106-888F-5687BCAFE519}" dt="2023-01-12T12:25:31.197" v="849" actId="478"/>
+          <ac:spMkLst>
+            <pc:docMk/>
+            <pc:sldMk cId="3036919181" sldId="294"/>
+            <ac:spMk id="10" creationId="{BA3D3EA4-A8A0-28A4-9404-569052705EEA}"/>
+          </ac:spMkLst>
+        </pc:spChg>
+        <pc:spChg chg="add del mod">
+          <ac:chgData name="Belal ABDOUHOU" userId="4de1732a-4a9e-4560-9e35-a8a47c9e13b8" providerId="ADAL" clId="{05C04619-6CA6-4106-888F-5687BCAFE519}" dt="2023-01-12T12:25:29.380" v="848" actId="478"/>
+          <ac:spMkLst>
+            <pc:docMk/>
+            <pc:sldMk cId="3036919181" sldId="294"/>
+            <ac:spMk id="11" creationId="{BB776EB4-7E43-47BC-F021-BB527DE9D386}"/>
+          </ac:spMkLst>
+        </pc:spChg>
+        <pc:graphicFrameChg chg="add mod modGraphic">
+          <ac:chgData name="Belal ABDOUHOU" userId="4de1732a-4a9e-4560-9e35-a8a47c9e13b8" providerId="ADAL" clId="{05C04619-6CA6-4106-888F-5687BCAFE519}" dt="2023-01-12T12:24:24.961" v="847" actId="1076"/>
+          <ac:graphicFrameMkLst>
+            <pc:docMk/>
+            <pc:sldMk cId="3036919181" sldId="294"/>
+            <ac:graphicFrameMk id="4" creationId="{7E8C6C28-6388-AF1A-FB82-4453B526E84F}"/>
+          </ac:graphicFrameMkLst>
+        </pc:graphicFrameChg>
+        <pc:graphicFrameChg chg="del mod">
+          <ac:chgData name="Belal ABDOUHOU" userId="4de1732a-4a9e-4560-9e35-a8a47c9e13b8" providerId="ADAL" clId="{05C04619-6CA6-4106-888F-5687BCAFE519}" dt="2023-01-12T11:29:30.740" v="4" actId="478"/>
+          <ac:graphicFrameMkLst>
+            <pc:docMk/>
+            <pc:sldMk cId="3036919181" sldId="294"/>
+            <ac:graphicFrameMk id="6" creationId="{D7AF6DFA-B9D5-9C33-0916-2FCDF160B3AA}"/>
+          </ac:graphicFrameMkLst>
+        </pc:graphicFrameChg>
+        <pc:picChg chg="del">
+          <ac:chgData name="Belal ABDOUHOU" userId="4de1732a-4a9e-4560-9e35-a8a47c9e13b8" providerId="ADAL" clId="{05C04619-6CA6-4106-888F-5687BCAFE519}" dt="2023-01-12T11:29:26.799" v="2" actId="478"/>
+          <ac:picMkLst>
+            <pc:docMk/>
+            <pc:sldMk cId="3036919181" sldId="294"/>
+            <ac:picMk id="5" creationId="{5B892810-3333-27F1-CB9D-E19429448B25}"/>
+          </ac:picMkLst>
+        </pc:picChg>
+        <pc:picChg chg="del">
+          <ac:chgData name="Belal ABDOUHOU" userId="4de1732a-4a9e-4560-9e35-a8a47c9e13b8" providerId="ADAL" clId="{05C04619-6CA6-4106-888F-5687BCAFE519}" dt="2023-01-12T11:29:25.993" v="1" actId="478"/>
+          <ac:picMkLst>
+            <pc:docMk/>
+            <pc:sldMk cId="3036919181" sldId="294"/>
+            <ac:picMk id="8" creationId="{7F7CD2CC-368E-49E6-213D-1E7F47E1AC86}"/>
+          </ac:picMkLst>
+        </pc:picChg>
+        <pc:picChg chg="add mod">
+          <ac:chgData name="Belal ABDOUHOU" userId="4de1732a-4a9e-4560-9e35-a8a47c9e13b8" providerId="ADAL" clId="{05C04619-6CA6-4106-888F-5687BCAFE519}" dt="2023-01-12T12:25:35.097" v="851" actId="1076"/>
+          <ac:picMkLst>
+            <pc:docMk/>
+            <pc:sldMk cId="3036919181" sldId="294"/>
+            <ac:picMk id="13" creationId="{28D9482E-59BA-F038-50A6-FEF6C7927803}"/>
+          </ac:picMkLst>
+        </pc:picChg>
+      </pc:sldChg>
+      <pc:sldChg chg="addSp delSp modSp add mod">
+        <pc:chgData name="Belal ABDOUHOU" userId="4de1732a-4a9e-4560-9e35-a8a47c9e13b8" providerId="ADAL" clId="{05C04619-6CA6-4106-888F-5687BCAFE519}" dt="2023-01-13T09:45:34.194" v="1614" actId="1076"/>
+        <pc:sldMkLst>
+          <pc:docMk/>
+          <pc:sldMk cId="2963956531" sldId="295"/>
+        </pc:sldMkLst>
+        <pc:spChg chg="add mod">
+          <ac:chgData name="Belal ABDOUHOU" userId="4de1732a-4a9e-4560-9e35-a8a47c9e13b8" providerId="ADAL" clId="{05C04619-6CA6-4106-888F-5687BCAFE519}" dt="2023-01-12T13:10:13.132" v="1570" actId="1076"/>
+          <ac:spMkLst>
+            <pc:docMk/>
+            <pc:sldMk cId="2963956531" sldId="295"/>
+            <ac:spMk id="6" creationId="{EED82273-6B76-EF6C-6BD7-E688D9F342EF}"/>
+          </ac:spMkLst>
+        </pc:spChg>
+        <pc:spChg chg="mod">
+          <ac:chgData name="Belal ABDOUHOU" userId="4de1732a-4a9e-4560-9e35-a8a47c9e13b8" providerId="ADAL" clId="{05C04619-6CA6-4106-888F-5687BCAFE519}" dt="2023-01-13T09:45:34.194" v="1614" actId="1076"/>
+          <ac:spMkLst>
+            <pc:docMk/>
+            <pc:sldMk cId="2963956531" sldId="295"/>
+            <ac:spMk id="7" creationId="{1A9437C7-9D5E-46D5-C493-0CD3A3F0DFD3}"/>
+          </ac:spMkLst>
+        </pc:spChg>
+        <pc:spChg chg="add del mod">
+          <ac:chgData name="Belal ABDOUHOU" userId="4de1732a-4a9e-4560-9e35-a8a47c9e13b8" providerId="ADAL" clId="{05C04619-6CA6-4106-888F-5687BCAFE519}" dt="2023-01-12T12:37:15.845" v="1058"/>
+          <ac:spMkLst>
+            <pc:docMk/>
+            <pc:sldMk cId="2963956531" sldId="295"/>
+            <ac:spMk id="8" creationId="{DCF46402-0BDD-AB5B-F1CC-5D03BA963AA1}"/>
+          </ac:spMkLst>
+        </pc:spChg>
+        <pc:spChg chg="add mod">
+          <ac:chgData name="Belal ABDOUHOU" userId="4de1732a-4a9e-4560-9e35-a8a47c9e13b8" providerId="ADAL" clId="{05C04619-6CA6-4106-888F-5687BCAFE519}" dt="2023-01-12T13:10:10.581" v="1569" actId="1076"/>
+          <ac:spMkLst>
+            <pc:docMk/>
+            <pc:sldMk cId="2963956531" sldId="295"/>
+            <ac:spMk id="9" creationId="{9126FF2D-B827-FBC1-8F50-50322CE80F75}"/>
+          </ac:spMkLst>
+        </pc:spChg>
+        <pc:spChg chg="add mod">
+          <ac:chgData name="Belal ABDOUHOU" userId="4de1732a-4a9e-4560-9e35-a8a47c9e13b8" providerId="ADAL" clId="{05C04619-6CA6-4106-888F-5687BCAFE519}" dt="2023-01-12T12:42:41.006" v="1102" actId="20577"/>
+          <ac:spMkLst>
+            <pc:docMk/>
+            <pc:sldMk cId="2963956531" sldId="295"/>
+            <ac:spMk id="10" creationId="{D767CEFD-8ABC-E414-A2F4-2337090702CC}"/>
+          </ac:spMkLst>
+        </pc:spChg>
+        <pc:spChg chg="add mod">
+          <ac:chgData name="Belal ABDOUHOU" userId="4de1732a-4a9e-4560-9e35-a8a47c9e13b8" providerId="ADAL" clId="{05C04619-6CA6-4106-888F-5687BCAFE519}" dt="2023-01-12T13:09:56.014" v="1568" actId="20577"/>
+          <ac:spMkLst>
+            <pc:docMk/>
+            <pc:sldMk cId="2963956531" sldId="295"/>
+            <ac:spMk id="11" creationId="{AFFFCCF0-77F2-CF42-859F-A4C7B8AB2035}"/>
+          </ac:spMkLst>
+        </pc:spChg>
+        <pc:graphicFrameChg chg="mod modGraphic">
+          <ac:chgData name="Belal ABDOUHOU" userId="4de1732a-4a9e-4560-9e35-a8a47c9e13b8" providerId="ADAL" clId="{05C04619-6CA6-4106-888F-5687BCAFE519}" dt="2023-01-12T12:32:50.017" v="896" actId="1076"/>
+          <ac:graphicFrameMkLst>
+            <pc:docMk/>
+            <pc:sldMk cId="2963956531" sldId="295"/>
+            <ac:graphicFrameMk id="4" creationId="{7E8C6C28-6388-AF1A-FB82-4453B526E84F}"/>
+          </ac:graphicFrameMkLst>
+        </pc:graphicFrameChg>
+        <pc:picChg chg="add mod">
+          <ac:chgData name="Belal ABDOUHOU" userId="4de1732a-4a9e-4560-9e35-a8a47c9e13b8" providerId="ADAL" clId="{05C04619-6CA6-4106-888F-5687BCAFE519}" dt="2023-01-12T12:32:31.458" v="895" actId="1076"/>
+          <ac:picMkLst>
+            <pc:docMk/>
+            <pc:sldMk cId="2963956531" sldId="295"/>
+            <ac:picMk id="5" creationId="{484FAD70-0713-11A8-30A0-13B5CD37CA10}"/>
+          </ac:picMkLst>
+        </pc:picChg>
+        <pc:picChg chg="del">
+          <ac:chgData name="Belal ABDOUHOU" userId="4de1732a-4a9e-4560-9e35-a8a47c9e13b8" providerId="ADAL" clId="{05C04619-6CA6-4106-888F-5687BCAFE519}" dt="2023-01-12T12:25:52.750" v="853" actId="478"/>
+          <ac:picMkLst>
+            <pc:docMk/>
+            <pc:sldMk cId="2963956531" sldId="295"/>
+            <ac:picMk id="13" creationId="{28D9482E-59BA-F038-50A6-FEF6C7927803}"/>
+          </ac:picMkLst>
+        </pc:picChg>
+        <pc:picChg chg="add mod">
+          <ac:chgData name="Belal ABDOUHOU" userId="4de1732a-4a9e-4560-9e35-a8a47c9e13b8" providerId="ADAL" clId="{05C04619-6CA6-4106-888F-5687BCAFE519}" dt="2023-01-12T12:32:12.977" v="894" actId="1076"/>
+          <ac:picMkLst>
+            <pc:docMk/>
+            <pc:sldMk cId="2963956531" sldId="295"/>
+            <ac:picMk id="4098" creationId="{18C60382-FABC-5484-5D1B-6CF17A7CFF96}"/>
+          </ac:picMkLst>
+        </pc:picChg>
+        <pc:picChg chg="add mod">
+          <ac:chgData name="Belal ABDOUHOU" userId="4de1732a-4a9e-4560-9e35-a8a47c9e13b8" providerId="ADAL" clId="{05C04619-6CA6-4106-888F-5687BCAFE519}" dt="2023-01-12T12:32:01.608" v="893" actId="1076"/>
+          <ac:picMkLst>
+            <pc:docMk/>
+            <pc:sldMk cId="2963956531" sldId="295"/>
+            <ac:picMk id="4100" creationId="{9E810B96-A25F-63DA-575C-40C68BEE80F2}"/>
+          </ac:picMkLst>
+        </pc:picChg>
+        <pc:picChg chg="add mod">
+          <ac:chgData name="Belal ABDOUHOU" userId="4de1732a-4a9e-4560-9e35-a8a47c9e13b8" providerId="ADAL" clId="{05C04619-6CA6-4106-888F-5687BCAFE519}" dt="2023-01-12T12:31:56.528" v="892" actId="1076"/>
+          <ac:picMkLst>
+            <pc:docMk/>
+            <pc:sldMk cId="2963956531" sldId="295"/>
+            <ac:picMk id="4102" creationId="{9F15A09D-CDFA-6983-B66F-EA96F6FAC649}"/>
+          </ac:picMkLst>
+        </pc:picChg>
+      </pc:sldChg>
+      <pc:sldChg chg="addSp delSp modSp add del mod">
+        <pc:chgData name="Belal ABDOUHOU" userId="4de1732a-4a9e-4560-9e35-a8a47c9e13b8" providerId="ADAL" clId="{05C04619-6CA6-4106-888F-5687BCAFE519}" dt="2023-01-12T12:33:23.391" v="902" actId="47"/>
+        <pc:sldMkLst>
+          <pc:docMk/>
+          <pc:sldMk cId="506333772" sldId="296"/>
+        </pc:sldMkLst>
+        <pc:spChg chg="add del">
+          <ac:chgData name="Belal ABDOUHOU" userId="4de1732a-4a9e-4560-9e35-a8a47c9e13b8" providerId="ADAL" clId="{05C04619-6CA6-4106-888F-5687BCAFE519}" dt="2023-01-12T12:26:20.172" v="858"/>
+          <ac:spMkLst>
+            <pc:docMk/>
+            <pc:sldMk cId="506333772" sldId="296"/>
+            <ac:spMk id="5" creationId="{E8EFAA7A-7418-6C1A-9679-BC76F2FCBC2A}"/>
+          </ac:spMkLst>
+        </pc:spChg>
+        <pc:spChg chg="del">
+          <ac:chgData name="Belal ABDOUHOU" userId="4de1732a-4a9e-4560-9e35-a8a47c9e13b8" providerId="ADAL" clId="{05C04619-6CA6-4106-888F-5687BCAFE519}" dt="2023-01-12T12:27:45.677" v="862" actId="478"/>
+          <ac:spMkLst>
+            <pc:docMk/>
+            <pc:sldMk cId="506333772" sldId="296"/>
+            <ac:spMk id="7" creationId="{1A9437C7-9D5E-46D5-C493-0CD3A3F0DFD3}"/>
+          </ac:spMkLst>
+        </pc:spChg>
+        <pc:graphicFrameChg chg="mod">
+          <ac:chgData name="Belal ABDOUHOU" userId="4de1732a-4a9e-4560-9e35-a8a47c9e13b8" providerId="ADAL" clId="{05C04619-6CA6-4106-888F-5687BCAFE519}" dt="2023-01-12T12:27:50.225" v="863" actId="1076"/>
+          <ac:graphicFrameMkLst>
+            <pc:docMk/>
+            <pc:sldMk cId="506333772" sldId="296"/>
+            <ac:graphicFrameMk id="4" creationId="{7E8C6C28-6388-AF1A-FB82-4453B526E84F}"/>
+          </ac:graphicFrameMkLst>
+        </pc:graphicFrameChg>
+        <pc:picChg chg="del mod">
+          <ac:chgData name="Belal ABDOUHOU" userId="4de1732a-4a9e-4560-9e35-a8a47c9e13b8" providerId="ADAL" clId="{05C04619-6CA6-4106-888F-5687BCAFE519}" dt="2023-01-12T12:33:21.582" v="901" actId="478"/>
+          <ac:picMkLst>
+            <pc:docMk/>
+            <pc:sldMk cId="506333772" sldId="296"/>
+            <ac:picMk id="13" creationId="{28D9482E-59BA-F038-50A6-FEF6C7927803}"/>
+          </ac:picMkLst>
+        </pc:picChg>
+        <pc:picChg chg="add del mod">
+          <ac:chgData name="Belal ABDOUHOU" userId="4de1732a-4a9e-4560-9e35-a8a47c9e13b8" providerId="ADAL" clId="{05C04619-6CA6-4106-888F-5687BCAFE519}" dt="2023-01-12T12:27:53.373" v="864" actId="21"/>
+          <ac:picMkLst>
+            <pc:docMk/>
+            <pc:sldMk cId="506333772" sldId="296"/>
+            <ac:picMk id="3075" creationId="{617F99DF-79A4-7F78-38B9-02A6DA8CB83D}"/>
+          </ac:picMkLst>
+        </pc:picChg>
+      </pc:sldChg>
+      <pc:sldChg chg="addSp delSp modSp add mod ord modNotesTx">
+        <pc:chgData name="Belal ABDOUHOU" userId="4de1732a-4a9e-4560-9e35-a8a47c9e13b8" providerId="ADAL" clId="{05C04619-6CA6-4106-888F-5687BCAFE519}" dt="2023-01-13T09:46:10.323" v="1646" actId="1076"/>
+        <pc:sldMkLst>
+          <pc:docMk/>
+          <pc:sldMk cId="2379676307" sldId="296"/>
+        </pc:sldMkLst>
+        <pc:spChg chg="add mod">
+          <ac:chgData name="Belal ABDOUHOU" userId="4de1732a-4a9e-4560-9e35-a8a47c9e13b8" providerId="ADAL" clId="{05C04619-6CA6-4106-888F-5687BCAFE519}" dt="2023-01-13T09:46:10.323" v="1646" actId="1076"/>
+          <ac:spMkLst>
+            <pc:docMk/>
+            <pc:sldMk cId="2379676307" sldId="296"/>
+            <ac:spMk id="4" creationId="{E7EB93A3-000F-72E2-5929-D427A4F6F6ED}"/>
+          </ac:spMkLst>
+        </pc:spChg>
+        <pc:spChg chg="mod">
+          <ac:chgData name="Belal ABDOUHOU" userId="4de1732a-4a9e-4560-9e35-a8a47c9e13b8" providerId="ADAL" clId="{05C04619-6CA6-4106-888F-5687BCAFE519}" dt="2023-01-12T19:46:24.013" v="1584" actId="1076"/>
+          <ac:spMkLst>
+            <pc:docMk/>
+            <pc:sldMk cId="2379676307" sldId="296"/>
+            <ac:spMk id="6" creationId="{44A2DDFB-ACA9-0A58-CA06-2FF6495DB3AF}"/>
+          </ac:spMkLst>
+        </pc:spChg>
+        <pc:picChg chg="del">
+          <ac:chgData name="Belal ABDOUHOU" userId="4de1732a-4a9e-4560-9e35-a8a47c9e13b8" providerId="ADAL" clId="{05C04619-6CA6-4106-888F-5687BCAFE519}" dt="2023-01-12T19:46:16.936" v="1583" actId="478"/>
+          <ac:picMkLst>
+            <pc:docMk/>
+            <pc:sldMk cId="2379676307" sldId="296"/>
+            <ac:picMk id="8" creationId="{9ECEA63F-58A1-20EC-D5B0-16DDB7B04DCD}"/>
+          </ac:picMkLst>
+        </pc:picChg>
+        <pc:picChg chg="del">
+          <ac:chgData name="Belal ABDOUHOU" userId="4de1732a-4a9e-4560-9e35-a8a47c9e13b8" providerId="ADAL" clId="{05C04619-6CA6-4106-888F-5687BCAFE519}" dt="2023-01-12T19:46:15.701" v="1582" actId="478"/>
+          <ac:picMkLst>
+            <pc:docMk/>
+            <pc:sldMk cId="2379676307" sldId="296"/>
+            <ac:picMk id="6146" creationId="{DB9B9189-A4A8-F8E6-CE35-3DC3F2F1CBDD}"/>
+          </ac:picMkLst>
+        </pc:picChg>
+      </pc:sldChg>
+    </pc:docChg>
+  </pc:docChgLst>
+  <pc:docChgLst>
+    <pc:chgData name="El Bach" userId="fcdc1bb3b617d7e4" providerId="LiveId" clId="{4AFD2F5F-7525-41FA-A56F-E2F7417B1E4E}"/>
+    <pc:docChg chg="undo custSel addSld modSld sldOrd">
+      <pc:chgData name="El Bach" userId="fcdc1bb3b617d7e4" providerId="LiveId" clId="{4AFD2F5F-7525-41FA-A56F-E2F7417B1E4E}" dt="2023-07-30T16:35:49.096" v="783"/>
+      <pc:docMkLst>
+        <pc:docMk/>
+      </pc:docMkLst>
+      <pc:sldChg chg="addSp delSp modSp mod delDesignElem">
+        <pc:chgData name="El Bach" userId="fcdc1bb3b617d7e4" providerId="LiveId" clId="{4AFD2F5F-7525-41FA-A56F-E2F7417B1E4E}" dt="2023-07-30T16:35:49.096" v="783"/>
+        <pc:sldMkLst>
+          <pc:docMk/>
+          <pc:sldMk cId="1487700712" sldId="256"/>
+        </pc:sldMkLst>
+        <pc:spChg chg="mod">
+          <ac:chgData name="El Bach" userId="fcdc1bb3b617d7e4" providerId="LiveId" clId="{4AFD2F5F-7525-41FA-A56F-E2F7417B1E4E}" dt="2023-07-30T14:11:33.607" v="34" actId="20577"/>
+          <ac:spMkLst>
+            <pc:docMk/>
+            <pc:sldMk cId="1487700712" sldId="256"/>
+            <ac:spMk id="6" creationId="{A80B3B15-F709-ADBF-A530-D8664BD208A8}"/>
+          </ac:spMkLst>
+        </pc:spChg>
+        <pc:spChg chg="mod">
+          <ac:chgData name="El Bach" userId="fcdc1bb3b617d7e4" providerId="LiveId" clId="{4AFD2F5F-7525-41FA-A56F-E2F7417B1E4E}" dt="2023-07-30T14:11:21.218" v="21" actId="20577"/>
+          <ac:spMkLst>
+            <pc:docMk/>
+            <pc:sldMk cId="1487700712" sldId="256"/>
+            <ac:spMk id="8" creationId="{63D011E0-F3F9-4506-5C97-5E12F9329902}"/>
+          </ac:spMkLst>
+        </pc:spChg>
+        <pc:spChg chg="add del">
+          <ac:chgData name="El Bach" userId="fcdc1bb3b617d7e4" providerId="LiveId" clId="{4AFD2F5F-7525-41FA-A56F-E2F7417B1E4E}" dt="2023-07-30T16:35:49.096" v="783"/>
+          <ac:spMkLst>
+            <pc:docMk/>
+            <pc:sldMk cId="1487700712" sldId="256"/>
+            <ac:spMk id="15" creationId="{493D4EDA-58E0-40CC-B3CA-14CDEB349D24}"/>
+          </ac:spMkLst>
+        </pc:spChg>
+        <pc:spChg chg="add del">
+          <ac:chgData name="El Bach" userId="fcdc1bb3b617d7e4" providerId="LiveId" clId="{4AFD2F5F-7525-41FA-A56F-E2F7417B1E4E}" dt="2023-07-30T16:35:49.096" v="783"/>
+          <ac:spMkLst>
+            <pc:docMk/>
+            <pc:sldMk cId="1487700712" sldId="256"/>
+            <ac:spMk id="22" creationId="{4A2E7EC3-E07C-46CE-9B25-41865A50681C}"/>
+          </ac:spMkLst>
+        </pc:spChg>
+        <pc:grpChg chg="add del">
+          <ac:chgData name="El Bach" userId="fcdc1bb3b617d7e4" providerId="LiveId" clId="{4AFD2F5F-7525-41FA-A56F-E2F7417B1E4E}" dt="2023-07-30T16:35:49.096" v="783"/>
+          <ac:grpSpMkLst>
+            <pc:docMk/>
+            <pc:sldMk cId="1487700712" sldId="256"/>
+            <ac:grpSpMk id="17" creationId="{AA9EB0BC-A85E-4C26-B355-5DFCEF6CCB49}"/>
+          </ac:grpSpMkLst>
+        </pc:grpChg>
+      </pc:sldChg>
+      <pc:sldChg chg="addSp delSp modSp mod delDesignElem">
+        <pc:chgData name="El Bach" userId="fcdc1bb3b617d7e4" providerId="LiveId" clId="{4AFD2F5F-7525-41FA-A56F-E2F7417B1E4E}" dt="2023-07-30T16:35:49.096" v="783"/>
+        <pc:sldMkLst>
+          <pc:docMk/>
+          <pc:sldMk cId="3501347425" sldId="260"/>
+        </pc:sldMkLst>
+        <pc:spChg chg="mod">
+          <ac:chgData name="El Bach" userId="fcdc1bb3b617d7e4" providerId="LiveId" clId="{4AFD2F5F-7525-41FA-A56F-E2F7417B1E4E}" dt="2023-07-30T16:35:49.096" v="783"/>
+          <ac:spMkLst>
+            <pc:docMk/>
+            <pc:sldMk cId="3501347425" sldId="260"/>
+            <ac:spMk id="2" creationId="{0F87E73C-2B1A-4602-BFBE-CFE1E55D9B38}"/>
+          </ac:spMkLst>
+        </pc:spChg>
+        <pc:spChg chg="add del">
+          <ac:chgData name="El Bach" userId="fcdc1bb3b617d7e4" providerId="LiveId" clId="{4AFD2F5F-7525-41FA-A56F-E2F7417B1E4E}" dt="2023-07-30T16:35:49.096" v="783"/>
+          <ac:spMkLst>
+            <pc:docMk/>
+            <pc:sldMk cId="3501347425" sldId="260"/>
+            <ac:spMk id="10" creationId="{379F11E2-8BA5-4C5C-AE7C-361E5EA011FF}"/>
+          </ac:spMkLst>
+        </pc:spChg>
+        <pc:spChg chg="add del">
+          <ac:chgData name="El Bach" userId="fcdc1bb3b617d7e4" providerId="LiveId" clId="{4AFD2F5F-7525-41FA-A56F-E2F7417B1E4E}" dt="2023-07-30T16:35:49.096" v="783"/>
+          <ac:spMkLst>
+            <pc:docMk/>
+            <pc:sldMk cId="3501347425" sldId="260"/>
+            <ac:spMk id="12" creationId="{7C00E1DA-EC7C-40FC-95E3-11FDCD2E4291}"/>
+          </ac:spMkLst>
+        </pc:spChg>
+        <pc:grpChg chg="add del">
+          <ac:chgData name="El Bach" userId="fcdc1bb3b617d7e4" providerId="LiveId" clId="{4AFD2F5F-7525-41FA-A56F-E2F7417B1E4E}" dt="2023-07-30T16:35:49.096" v="783"/>
+          <ac:grpSpMkLst>
+            <pc:docMk/>
+            <pc:sldMk cId="3501347425" sldId="260"/>
+            <ac:grpSpMk id="14" creationId="{9A421166-2996-41A7-B094-AE5316F347DD}"/>
+          </ac:grpSpMkLst>
+        </pc:grpChg>
+      </pc:sldChg>
+      <pc:sldChg chg="modSp">
+        <pc:chgData name="El Bach" userId="fcdc1bb3b617d7e4" providerId="LiveId" clId="{4AFD2F5F-7525-41FA-A56F-E2F7417B1E4E}" dt="2023-07-30T16:35:49.096" v="783"/>
+        <pc:sldMkLst>
+          <pc:docMk/>
+          <pc:sldMk cId="1703342593" sldId="261"/>
+        </pc:sldMkLst>
+        <pc:spChg chg="mod">
+          <ac:chgData name="El Bach" userId="fcdc1bb3b617d7e4" providerId="LiveId" clId="{4AFD2F5F-7525-41FA-A56F-E2F7417B1E4E}" dt="2023-07-30T16:35:49.096" v="783"/>
+          <ac:spMkLst>
+            <pc:docMk/>
+            <pc:sldMk cId="1703342593" sldId="261"/>
+            <ac:spMk id="2" creationId="{5B040558-A365-4CCE-92FA-5A48CD98F9C9}"/>
+          </ac:spMkLst>
+        </pc:spChg>
+        <pc:spChg chg="mod">
+          <ac:chgData name="El Bach" userId="fcdc1bb3b617d7e4" providerId="LiveId" clId="{4AFD2F5F-7525-41FA-A56F-E2F7417B1E4E}" dt="2023-07-30T16:35:49.096" v="783"/>
+          <ac:spMkLst>
+            <pc:docMk/>
+            <pc:sldMk cId="1703342593" sldId="261"/>
+            <ac:spMk id="8" creationId="{F6154852-AF05-9FED-CE11-D1A5EBB83736}"/>
+          </ac:spMkLst>
+        </pc:spChg>
+      </pc:sldChg>
+      <pc:sldChg chg="modSp">
+        <pc:chgData name="El Bach" userId="fcdc1bb3b617d7e4" providerId="LiveId" clId="{4AFD2F5F-7525-41FA-A56F-E2F7417B1E4E}" dt="2023-07-30T16:35:49.096" v="783"/>
+        <pc:sldMkLst>
+          <pc:docMk/>
+          <pc:sldMk cId="1793949734" sldId="286"/>
+        </pc:sldMkLst>
+        <pc:spChg chg="mod">
+          <ac:chgData name="El Bach" userId="fcdc1bb3b617d7e4" providerId="LiveId" clId="{4AFD2F5F-7525-41FA-A56F-E2F7417B1E4E}" dt="2023-07-30T16:35:49.096" v="783"/>
+          <ac:spMkLst>
+            <pc:docMk/>
+            <pc:sldMk cId="1793949734" sldId="286"/>
+            <ac:spMk id="3" creationId="{24D506CC-0185-443E-82C7-1600C21D6E91}"/>
+          </ac:spMkLst>
+        </pc:spChg>
+      </pc:sldChg>
+      <pc:sldChg chg="addSp delSp modSp mod">
+        <pc:chgData name="El Bach" userId="fcdc1bb3b617d7e4" providerId="LiveId" clId="{4AFD2F5F-7525-41FA-A56F-E2F7417B1E4E}" dt="2023-07-30T16:35:49.096" v="783"/>
+        <pc:sldMkLst>
+          <pc:docMk/>
+          <pc:sldMk cId="1505601179" sldId="287"/>
+        </pc:sldMkLst>
+        <pc:spChg chg="mod">
+          <ac:chgData name="El Bach" userId="fcdc1bb3b617d7e4" providerId="LiveId" clId="{4AFD2F5F-7525-41FA-A56F-E2F7417B1E4E}" dt="2023-07-30T16:35:49.096" v="783"/>
+          <ac:spMkLst>
+            <pc:docMk/>
+            <pc:sldMk cId="1505601179" sldId="287"/>
+            <ac:spMk id="2" creationId="{5B040558-A365-4CCE-92FA-5A48CD98F9C9}"/>
+          </ac:spMkLst>
+        </pc:spChg>
+        <pc:graphicFrameChg chg="mod">
+          <ac:chgData name="El Bach" userId="fcdc1bb3b617d7e4" providerId="LiveId" clId="{4AFD2F5F-7525-41FA-A56F-E2F7417B1E4E}" dt="2023-07-30T14:19:04.142" v="70" actId="20577"/>
+          <ac:graphicFrameMkLst>
+            <pc:docMk/>
+            <pc:sldMk cId="1505601179" sldId="287"/>
+            <ac:graphicFrameMk id="6" creationId="{D7AF6DFA-B9D5-9C33-0916-2FCDF160B3AA}"/>
+          </ac:graphicFrameMkLst>
+        </pc:graphicFrameChg>
+        <pc:picChg chg="add del">
+          <ac:chgData name="El Bach" userId="fcdc1bb3b617d7e4" providerId="LiveId" clId="{4AFD2F5F-7525-41FA-A56F-E2F7417B1E4E}" dt="2023-07-30T14:18:17.316" v="43" actId="478"/>
+          <ac:picMkLst>
+            <pc:docMk/>
+            <pc:sldMk cId="1505601179" sldId="287"/>
+            <ac:picMk id="5" creationId="{5B892810-3333-27F1-CB9D-E19429448B25}"/>
+          </ac:picMkLst>
+        </pc:picChg>
+        <pc:picChg chg="add del mod">
+          <ac:chgData name="El Bach" userId="fcdc1bb3b617d7e4" providerId="LiveId" clId="{4AFD2F5F-7525-41FA-A56F-E2F7417B1E4E}" dt="2023-07-30T14:18:09.445" v="41" actId="22"/>
+          <ac:picMkLst>
+            <pc:docMk/>
+            <pc:sldMk cId="1505601179" sldId="287"/>
+            <ac:picMk id="7" creationId="{BB879B59-AB9C-0F7E-89ED-295BF1A52B94}"/>
+          </ac:picMkLst>
+        </pc:picChg>
+        <pc:picChg chg="del">
+          <ac:chgData name="El Bach" userId="fcdc1bb3b617d7e4" providerId="LiveId" clId="{4AFD2F5F-7525-41FA-A56F-E2F7417B1E4E}" dt="2023-07-30T14:18:42.061" v="47" actId="478"/>
+          <ac:picMkLst>
+            <pc:docMk/>
+            <pc:sldMk cId="1505601179" sldId="287"/>
+            <ac:picMk id="8" creationId="{7F7CD2CC-368E-49E6-213D-1E7F47E1AC86}"/>
+          </ac:picMkLst>
+        </pc:picChg>
+        <pc:picChg chg="add mod">
+          <ac:chgData name="El Bach" userId="fcdc1bb3b617d7e4" providerId="LiveId" clId="{4AFD2F5F-7525-41FA-A56F-E2F7417B1E4E}" dt="2023-07-30T14:18:23.027" v="46" actId="1076"/>
+          <ac:picMkLst>
+            <pc:docMk/>
+            <pc:sldMk cId="1505601179" sldId="287"/>
+            <ac:picMk id="10" creationId="{A7E8806D-1203-6ED7-4D26-5428C76B4A93}"/>
+          </ac:picMkLst>
+        </pc:picChg>
+        <pc:picChg chg="add mod">
+          <ac:chgData name="El Bach" userId="fcdc1bb3b617d7e4" providerId="LiveId" clId="{4AFD2F5F-7525-41FA-A56F-E2F7417B1E4E}" dt="2023-07-30T14:18:52.291" v="53" actId="1076"/>
+          <ac:picMkLst>
+            <pc:docMk/>
+            <pc:sldMk cId="1505601179" sldId="287"/>
+            <ac:picMk id="12" creationId="{4575B480-E267-95BE-61DE-57CB8DA5BA96}"/>
+          </ac:picMkLst>
+        </pc:picChg>
+      </pc:sldChg>
+      <pc:sldChg chg="addSp delSp modSp mod">
+        <pc:chgData name="El Bach" userId="fcdc1bb3b617d7e4" providerId="LiveId" clId="{4AFD2F5F-7525-41FA-A56F-E2F7417B1E4E}" dt="2023-07-30T16:35:49.096" v="783"/>
+        <pc:sldMkLst>
+          <pc:docMk/>
+          <pc:sldMk cId="1477731620" sldId="288"/>
+        </pc:sldMkLst>
+        <pc:spChg chg="mod">
+          <ac:chgData name="El Bach" userId="fcdc1bb3b617d7e4" providerId="LiveId" clId="{4AFD2F5F-7525-41FA-A56F-E2F7417B1E4E}" dt="2023-07-30T16:35:49.096" v="783"/>
+          <ac:spMkLst>
+            <pc:docMk/>
+            <pc:sldMk cId="1477731620" sldId="288"/>
+            <ac:spMk id="2" creationId="{5B040558-A365-4CCE-92FA-5A48CD98F9C9}"/>
+          </ac:spMkLst>
+        </pc:spChg>
+        <pc:spChg chg="mod">
+          <ac:chgData name="El Bach" userId="fcdc1bb3b617d7e4" providerId="LiveId" clId="{4AFD2F5F-7525-41FA-A56F-E2F7417B1E4E}" dt="2023-07-30T16:35:49.096" v="783"/>
+          <ac:spMkLst>
+            <pc:docMk/>
+            <pc:sldMk cId="1477731620" sldId="288"/>
+            <ac:spMk id="3" creationId="{9FA0E552-B77F-3D79-39DE-812D63F1F2D3}"/>
+          </ac:spMkLst>
+        </pc:spChg>
+        <pc:spChg chg="mod">
+          <ac:chgData name="El Bach" userId="fcdc1bb3b617d7e4" providerId="LiveId" clId="{4AFD2F5F-7525-41FA-A56F-E2F7417B1E4E}" dt="2023-07-30T15:00:44.288" v="451" actId="20577"/>
+          <ac:spMkLst>
+            <pc:docMk/>
+            <pc:sldMk cId="1477731620" sldId="288"/>
+            <ac:spMk id="5" creationId="{92F30392-AE08-A482-CDA9-CDD4D1B27BAE}"/>
+          </ac:spMkLst>
+        </pc:spChg>
+        <pc:picChg chg="add mod">
+          <ac:chgData name="El Bach" userId="fcdc1bb3b617d7e4" providerId="LiveId" clId="{4AFD2F5F-7525-41FA-A56F-E2F7417B1E4E}" dt="2023-07-30T15:00:48.296" v="453" actId="14100"/>
+          <ac:picMkLst>
+            <pc:docMk/>
+            <pc:sldMk cId="1477731620" sldId="288"/>
+            <ac:picMk id="8" creationId="{86014213-E37E-0410-6A81-382738ED6A29}"/>
+          </ac:picMkLst>
+        </pc:picChg>
+        <pc:picChg chg="del">
+          <ac:chgData name="El Bach" userId="fcdc1bb3b617d7e4" providerId="LiveId" clId="{4AFD2F5F-7525-41FA-A56F-E2F7417B1E4E}" dt="2023-07-30T15:00:33.936" v="443" actId="478"/>
+          <ac:picMkLst>
+            <pc:docMk/>
+            <pc:sldMk cId="1477731620" sldId="288"/>
+            <ac:picMk id="6148" creationId="{4E4CB3E1-3BBD-BA3C-97E9-2164C30E64E0}"/>
+          </ac:picMkLst>
+        </pc:picChg>
+      </pc:sldChg>
+      <pc:sldChg chg="addSp delSp modSp mod">
+        <pc:chgData name="El Bach" userId="fcdc1bb3b617d7e4" providerId="LiveId" clId="{4AFD2F5F-7525-41FA-A56F-E2F7417B1E4E}" dt="2023-07-30T16:35:49.096" v="783"/>
+        <pc:sldMkLst>
+          <pc:docMk/>
+          <pc:sldMk cId="2995501100" sldId="289"/>
+        </pc:sldMkLst>
+        <pc:spChg chg="mod">
+          <ac:chgData name="El Bach" userId="fcdc1bb3b617d7e4" providerId="LiveId" clId="{4AFD2F5F-7525-41FA-A56F-E2F7417B1E4E}" dt="2023-07-30T16:35:49.096" v="783"/>
+          <ac:spMkLst>
+            <pc:docMk/>
+            <pc:sldMk cId="2995501100" sldId="289"/>
+            <ac:spMk id="2" creationId="{5B040558-A365-4CCE-92FA-5A48CD98F9C9}"/>
+          </ac:spMkLst>
+        </pc:spChg>
+        <pc:spChg chg="mod">
+          <ac:chgData name="El Bach" userId="fcdc1bb3b617d7e4" providerId="LiveId" clId="{4AFD2F5F-7525-41FA-A56F-E2F7417B1E4E}" dt="2023-07-30T16:35:49.096" v="783"/>
+          <ac:spMkLst>
+            <pc:docMk/>
+            <pc:sldMk cId="2995501100" sldId="289"/>
+            <ac:spMk id="3" creationId="{ACF70E5E-1076-94AD-5E11-F292199DD68E}"/>
+          </ac:spMkLst>
+        </pc:spChg>
+        <pc:spChg chg="add del">
+          <ac:chgData name="El Bach" userId="fcdc1bb3b617d7e4" providerId="LiveId" clId="{4AFD2F5F-7525-41FA-A56F-E2F7417B1E4E}" dt="2023-07-30T15:12:15.042" v="483" actId="478"/>
+          <ac:spMkLst>
+            <pc:docMk/>
+            <pc:sldMk cId="2995501100" sldId="289"/>
+            <ac:spMk id="6" creationId="{29B12031-4A43-EC59-72FE-A61A234CA7B1}"/>
+          </ac:spMkLst>
+        </pc:spChg>
+        <pc:spChg chg="add mod">
+          <ac:chgData name="El Bach" userId="fcdc1bb3b617d7e4" providerId="LiveId" clId="{4AFD2F5F-7525-41FA-A56F-E2F7417B1E4E}" dt="2023-07-30T15:21:53.227" v="737" actId="1076"/>
+          <ac:spMkLst>
+            <pc:docMk/>
+            <pc:sldMk cId="2995501100" sldId="289"/>
+            <ac:spMk id="7" creationId="{6744741C-B725-0909-DF7F-193265A61F3A}"/>
+          </ac:spMkLst>
+        </pc:spChg>
+        <pc:spChg chg="add mod">
+          <ac:chgData name="El Bach" userId="fcdc1bb3b617d7e4" providerId="LiveId" clId="{4AFD2F5F-7525-41FA-A56F-E2F7417B1E4E}" dt="2023-07-30T15:24:15.905" v="756" actId="1076"/>
+          <ac:spMkLst>
+            <pc:docMk/>
+            <pc:sldMk cId="2995501100" sldId="289"/>
+            <ac:spMk id="8" creationId="{19BA80BE-BCEA-98D8-2D8A-7E68674D1F1C}"/>
+          </ac:spMkLst>
+        </pc:spChg>
+        <pc:spChg chg="mod">
+          <ac:chgData name="El Bach" userId="fcdc1bb3b617d7e4" providerId="LiveId" clId="{4AFD2F5F-7525-41FA-A56F-E2F7417B1E4E}" dt="2023-07-30T15:21:53.227" v="737" actId="1076"/>
+          <ac:spMkLst>
+            <pc:docMk/>
+            <pc:sldMk cId="2995501100" sldId="289"/>
+            <ac:spMk id="11" creationId="{ACAA4E6B-73CD-62E7-D697-056A7CFCD87F}"/>
+          </ac:spMkLst>
+        </pc:spChg>
+        <pc:spChg chg="del">
+          <ac:chgData name="El Bach" userId="fcdc1bb3b617d7e4" providerId="LiveId" clId="{4AFD2F5F-7525-41FA-A56F-E2F7417B1E4E}" dt="2023-07-30T15:11:09.522" v="472" actId="478"/>
+          <ac:spMkLst>
+            <pc:docMk/>
+            <pc:sldMk cId="2995501100" sldId="289"/>
+            <ac:spMk id="12" creationId="{36179013-40C4-28A9-3DE6-DEE5DB7BD303}"/>
+          </ac:spMkLst>
+        </pc:spChg>
+        <pc:spChg chg="del mod">
+          <ac:chgData name="El Bach" userId="fcdc1bb3b617d7e4" providerId="LiveId" clId="{4AFD2F5F-7525-41FA-A56F-E2F7417B1E4E}" dt="2023-07-30T15:11:16.850" v="474" actId="478"/>
+          <ac:spMkLst>
+            <pc:docMk/>
+            <pc:sldMk cId="2995501100" sldId="289"/>
+            <ac:spMk id="13" creationId="{A1B1207D-D272-B35A-08DF-85208A0D6F86}"/>
+          </ac:spMkLst>
+        </pc:spChg>
+        <pc:spChg chg="add mod">
+          <ac:chgData name="El Bach" userId="fcdc1bb3b617d7e4" providerId="LiveId" clId="{4AFD2F5F-7525-41FA-A56F-E2F7417B1E4E}" dt="2023-07-30T15:21:53.227" v="737" actId="1076"/>
+          <ac:spMkLst>
+            <pc:docMk/>
+            <pc:sldMk cId="2995501100" sldId="289"/>
+            <ac:spMk id="14" creationId="{DFDCDF51-0742-743C-63D0-79407061E000}"/>
+          </ac:spMkLst>
+        </pc:spChg>
+        <pc:spChg chg="add del mod">
+          <ac:chgData name="El Bach" userId="fcdc1bb3b617d7e4" providerId="LiveId" clId="{4AFD2F5F-7525-41FA-A56F-E2F7417B1E4E}" dt="2023-07-30T15:23:10.455" v="744" actId="21"/>
+          <ac:spMkLst>
+            <pc:docMk/>
+            <pc:sldMk cId="2995501100" sldId="289"/>
+            <ac:spMk id="15" creationId="{A315AB89-1E30-D47A-ED37-7D6A783CC8E5}"/>
+          </ac:spMkLst>
+        </pc:spChg>
+        <pc:spChg chg="add mod">
+          <ac:chgData name="El Bach" userId="fcdc1bb3b617d7e4" providerId="LiveId" clId="{4AFD2F5F-7525-41FA-A56F-E2F7417B1E4E}" dt="2023-07-30T15:21:49.470" v="736" actId="571"/>
+          <ac:spMkLst>
+            <pc:docMk/>
+            <pc:sldMk cId="2995501100" sldId="289"/>
+            <ac:spMk id="16" creationId="{4FB1D949-6C2B-D3EE-3919-6C1C9AD42A6B}"/>
+          </ac:spMkLst>
+        </pc:spChg>
+        <pc:spChg chg="add mod">
+          <ac:chgData name="El Bach" userId="fcdc1bb3b617d7e4" providerId="LiveId" clId="{4AFD2F5F-7525-41FA-A56F-E2F7417B1E4E}" dt="2023-07-30T15:21:49.470" v="736" actId="571"/>
+          <ac:spMkLst>
+            <pc:docMk/>
+            <pc:sldMk cId="2995501100" sldId="289"/>
+            <ac:spMk id="18" creationId="{19BD6C17-A266-3224-3D59-9DB1B5BCAF8A}"/>
+          </ac:spMkLst>
+        </pc:spChg>
+        <pc:spChg chg="add mod">
+          <ac:chgData name="El Bach" userId="fcdc1bb3b617d7e4" providerId="LiveId" clId="{4AFD2F5F-7525-41FA-A56F-E2F7417B1E4E}" dt="2023-07-30T15:21:49.470" v="736" actId="571"/>
+          <ac:spMkLst>
+            <pc:docMk/>
+            <pc:sldMk cId="2995501100" sldId="289"/>
+            <ac:spMk id="19" creationId="{F6FF8622-A9C8-600A-0CA6-CA54C035EBBC}"/>
+          </ac:spMkLst>
+        </pc:spChg>
+        <pc:spChg chg="add mod">
+          <ac:chgData name="El Bach" userId="fcdc1bb3b617d7e4" providerId="LiveId" clId="{4AFD2F5F-7525-41FA-A56F-E2F7417B1E4E}" dt="2023-07-30T15:21:49.222" v="735" actId="571"/>
+          <ac:spMkLst>
+            <pc:docMk/>
+            <pc:sldMk cId="2995501100" sldId="289"/>
+            <ac:spMk id="20" creationId="{E8004923-3B31-65B1-2307-6C90E29C3AFC}"/>
+          </ac:spMkLst>
+        </pc:spChg>
+        <pc:spChg chg="add mod">
+          <ac:chgData name="El Bach" userId="fcdc1bb3b617d7e4" providerId="LiveId" clId="{4AFD2F5F-7525-41FA-A56F-E2F7417B1E4E}" dt="2023-07-30T15:21:49.222" v="735" actId="571"/>
+          <ac:spMkLst>
+            <pc:docMk/>
+            <pc:sldMk cId="2995501100" sldId="289"/>
+            <ac:spMk id="22" creationId="{8F6780C2-D5F1-8600-BF15-76553E3C86EB}"/>
+          </ac:spMkLst>
+        </pc:spChg>
+        <pc:spChg chg="add mod">
+          <ac:chgData name="El Bach" userId="fcdc1bb3b617d7e4" providerId="LiveId" clId="{4AFD2F5F-7525-41FA-A56F-E2F7417B1E4E}" dt="2023-07-30T15:21:49.222" v="735" actId="571"/>
+          <ac:spMkLst>
+            <pc:docMk/>
+            <pc:sldMk cId="2995501100" sldId="289"/>
+            <ac:spMk id="23" creationId="{A0AFFCFB-6CEB-EAFF-C451-15641E138198}"/>
+          </ac:spMkLst>
+        </pc:spChg>
+        <pc:picChg chg="add mod">
+          <ac:chgData name="El Bach" userId="fcdc1bb3b617d7e4" providerId="LiveId" clId="{4AFD2F5F-7525-41FA-A56F-E2F7417B1E4E}" dt="2023-07-30T15:21:53.227" v="737" actId="1076"/>
+          <ac:picMkLst>
+            <pc:docMk/>
+            <pc:sldMk cId="2995501100" sldId="289"/>
+            <ac:picMk id="5" creationId="{88424FDC-01FB-8699-1CE3-AF4BCE1C205C}"/>
+          </ac:picMkLst>
+        </pc:picChg>
+        <pc:picChg chg="del">
+          <ac:chgData name="El Bach" userId="fcdc1bb3b617d7e4" providerId="LiveId" clId="{4AFD2F5F-7525-41FA-A56F-E2F7417B1E4E}" dt="2023-07-30T15:11:00.539" v="469" actId="478"/>
+          <ac:picMkLst>
+            <pc:docMk/>
+            <pc:sldMk cId="2995501100" sldId="289"/>
+            <ac:picMk id="9" creationId="{292A08FB-BB32-8DDC-9811-CEF17FF88F7C}"/>
+          </ac:picMkLst>
+        </pc:picChg>
+        <pc:picChg chg="add mod">
+          <ac:chgData name="El Bach" userId="fcdc1bb3b617d7e4" providerId="LiveId" clId="{4AFD2F5F-7525-41FA-A56F-E2F7417B1E4E}" dt="2023-07-30T15:21:49.470" v="736" actId="571"/>
+          <ac:picMkLst>
+            <pc:docMk/>
+            <pc:sldMk cId="2995501100" sldId="289"/>
+            <ac:picMk id="17" creationId="{3E8F701C-2E61-F1AC-152E-8CB3333304C8}"/>
+          </ac:picMkLst>
+        </pc:picChg>
+        <pc:picChg chg="add mod">
+          <ac:chgData name="El Bach" userId="fcdc1bb3b617d7e4" providerId="LiveId" clId="{4AFD2F5F-7525-41FA-A56F-E2F7417B1E4E}" dt="2023-07-30T15:21:49.222" v="735" actId="571"/>
+          <ac:picMkLst>
+            <pc:docMk/>
+            <pc:sldMk cId="2995501100" sldId="289"/>
+            <ac:picMk id="21" creationId="{DBC508C4-CE05-200E-BA33-C1F30A0CCF42}"/>
+          </ac:picMkLst>
+        </pc:picChg>
+      </pc:sldChg>
+      <pc:sldChg chg="addSp delSp modSp mod">
+        <pc:chgData name="El Bach" userId="fcdc1bb3b617d7e4" providerId="LiveId" clId="{4AFD2F5F-7525-41FA-A56F-E2F7417B1E4E}" dt="2023-07-30T16:35:49.096" v="783"/>
+        <pc:sldMkLst>
+          <pc:docMk/>
+          <pc:sldMk cId="2758265812" sldId="290"/>
+        </pc:sldMkLst>
+        <pc:spChg chg="mod">
+          <ac:chgData name="El Bach" userId="fcdc1bb3b617d7e4" providerId="LiveId" clId="{4AFD2F5F-7525-41FA-A56F-E2F7417B1E4E}" dt="2023-07-30T16:35:49.096" v="783"/>
+          <ac:spMkLst>
+            <pc:docMk/>
+            <pc:sldMk cId="2758265812" sldId="290"/>
+            <ac:spMk id="2" creationId="{5B040558-A365-4CCE-92FA-5A48CD98F9C9}"/>
+          </ac:spMkLst>
+        </pc:spChg>
+        <pc:spChg chg="mod">
+          <ac:chgData name="El Bach" userId="fcdc1bb3b617d7e4" providerId="LiveId" clId="{4AFD2F5F-7525-41FA-A56F-E2F7417B1E4E}" dt="2023-07-30T16:35:49.096" v="783"/>
+          <ac:spMkLst>
+            <pc:docMk/>
+            <pc:sldMk cId="2758265812" sldId="290"/>
+            <ac:spMk id="3" creationId="{05CDF783-BFB3-273E-4B55-8D6D0A151BB8}"/>
+          </ac:spMkLst>
+        </pc:spChg>
+        <pc:spChg chg="mod">
+          <ac:chgData name="El Bach" userId="fcdc1bb3b617d7e4" providerId="LiveId" clId="{4AFD2F5F-7525-41FA-A56F-E2F7417B1E4E}" dt="2023-07-30T14:39:38.885" v="260" actId="1076"/>
+          <ac:spMkLst>
+            <pc:docMk/>
+            <pc:sldMk cId="2758265812" sldId="290"/>
+            <ac:spMk id="10" creationId="{C3E9D298-24F6-5BF6-82A8-119C8541B934}"/>
+          </ac:spMkLst>
+        </pc:spChg>
+        <pc:spChg chg="mod">
+          <ac:chgData name="El Bach" userId="fcdc1bb3b617d7e4" providerId="LiveId" clId="{4AFD2F5F-7525-41FA-A56F-E2F7417B1E4E}" dt="2023-07-30T14:33:09.897" v="238" actId="1076"/>
+          <ac:spMkLst>
+            <pc:docMk/>
+            <pc:sldMk cId="2758265812" sldId="290"/>
+            <ac:spMk id="11" creationId="{3B83914A-D595-B9DE-BC5D-BD2C0DC77645}"/>
+          </ac:spMkLst>
+        </pc:spChg>
+        <pc:spChg chg="add mod">
+          <ac:chgData name="El Bach" userId="fcdc1bb3b617d7e4" providerId="LiveId" clId="{4AFD2F5F-7525-41FA-A56F-E2F7417B1E4E}" dt="2023-07-30T14:39:36.117" v="259" actId="14100"/>
+          <ac:spMkLst>
+            <pc:docMk/>
+            <pc:sldMk cId="2758265812" sldId="290"/>
+            <ac:spMk id="13" creationId="{132A2461-B5C5-D2E3-75FD-DE379092673A}"/>
+          </ac:spMkLst>
+        </pc:spChg>
+        <pc:spChg chg="add mod">
+          <ac:chgData name="El Bach" userId="fcdc1bb3b617d7e4" providerId="LiveId" clId="{4AFD2F5F-7525-41FA-A56F-E2F7417B1E4E}" dt="2023-07-30T14:39:27.389" v="256" actId="14100"/>
+          <ac:spMkLst>
+            <pc:docMk/>
+            <pc:sldMk cId="2758265812" sldId="290"/>
+            <ac:spMk id="14" creationId="{CCF33C2A-0504-C436-A4AD-587C46A1C7E0}"/>
+          </ac:spMkLst>
+        </pc:spChg>
+        <pc:graphicFrameChg chg="mod">
+          <ac:chgData name="El Bach" userId="fcdc1bb3b617d7e4" providerId="LiveId" clId="{4AFD2F5F-7525-41FA-A56F-E2F7417B1E4E}" dt="2023-07-30T14:32:18.063" v="224" actId="14100"/>
+          <ac:graphicFrameMkLst>
+            <pc:docMk/>
+            <pc:sldMk cId="2758265812" sldId="290"/>
+            <ac:graphicFrameMk id="4" creationId="{C55FA4A3-32B4-A236-57CB-AE41CAD3B1A1}"/>
+          </ac:graphicFrameMkLst>
+        </pc:graphicFrameChg>
+        <pc:picChg chg="del">
+          <ac:chgData name="El Bach" userId="fcdc1bb3b617d7e4" providerId="LiveId" clId="{4AFD2F5F-7525-41FA-A56F-E2F7417B1E4E}" dt="2023-07-30T14:26:24.063" v="124" actId="478"/>
+          <ac:picMkLst>
+            <pc:docMk/>
+            <pc:sldMk cId="2758265812" sldId="290"/>
+            <ac:picMk id="6" creationId="{D4ECECC7-924D-F059-483F-845608910681}"/>
+          </ac:picMkLst>
+        </pc:picChg>
+        <pc:picChg chg="add del mod">
+          <ac:chgData name="El Bach" userId="fcdc1bb3b617d7e4" providerId="LiveId" clId="{4AFD2F5F-7525-41FA-A56F-E2F7417B1E4E}" dt="2023-07-30T14:38:12.935" v="243" actId="478"/>
+          <ac:picMkLst>
+            <pc:docMk/>
+            <pc:sldMk cId="2758265812" sldId="290"/>
+            <ac:picMk id="7" creationId="{B8F6C673-DF40-D02B-4F45-4A7A1C52B52E}"/>
+          </ac:picMkLst>
+        </pc:picChg>
+        <pc:picChg chg="del">
+          <ac:chgData name="El Bach" userId="fcdc1bb3b617d7e4" providerId="LiveId" clId="{4AFD2F5F-7525-41FA-A56F-E2F7417B1E4E}" dt="2023-07-30T14:26:32.399" v="128" actId="478"/>
+          <ac:picMkLst>
+            <pc:docMk/>
+            <pc:sldMk cId="2758265812" sldId="290"/>
+            <ac:picMk id="8" creationId="{940EE403-271E-7BD0-8CD2-F9EA5EF9C8D9}"/>
+          </ac:picMkLst>
+        </pc:picChg>
+        <pc:picChg chg="add del mod">
+          <ac:chgData name="El Bach" userId="fcdc1bb3b617d7e4" providerId="LiveId" clId="{4AFD2F5F-7525-41FA-A56F-E2F7417B1E4E}" dt="2023-07-30T14:39:14.167" v="250" actId="478"/>
+          <ac:picMkLst>
+            <pc:docMk/>
+            <pc:sldMk cId="2758265812" sldId="290"/>
+            <ac:picMk id="12" creationId="{79DA2371-DABA-4861-B594-21B7FB6FD6AC}"/>
+          </ac:picMkLst>
+        </pc:picChg>
+        <pc:picChg chg="add mod">
+          <ac:chgData name="El Bach" userId="fcdc1bb3b617d7e4" providerId="LiveId" clId="{4AFD2F5F-7525-41FA-A56F-E2F7417B1E4E}" dt="2023-07-30T14:39:32.774" v="258" actId="1076"/>
+          <ac:picMkLst>
+            <pc:docMk/>
+            <pc:sldMk cId="2758265812" sldId="290"/>
+            <ac:picMk id="16" creationId="{BAA5E789-D2E2-DB20-9156-7C8A0ADDF321}"/>
+          </ac:picMkLst>
+        </pc:picChg>
+        <pc:picChg chg="add mod">
+          <ac:chgData name="El Bach" userId="fcdc1bb3b617d7e4" providerId="LiveId" clId="{4AFD2F5F-7525-41FA-A56F-E2F7417B1E4E}" dt="2023-07-30T14:39:23.349" v="255" actId="1076"/>
+          <ac:picMkLst>
+            <pc:docMk/>
+            <pc:sldMk cId="2758265812" sldId="290"/>
+            <ac:picMk id="18" creationId="{82EA2F3A-8A6B-6CF2-F0DE-77EBAF3CB307}"/>
+          </ac:picMkLst>
+        </pc:picChg>
+      </pc:sldChg>
+      <pc:sldChg chg="addSp delSp modSp mod">
+        <pc:chgData name="El Bach" userId="fcdc1bb3b617d7e4" providerId="LiveId" clId="{4AFD2F5F-7525-41FA-A56F-E2F7417B1E4E}" dt="2023-07-30T16:35:49.096" v="783"/>
+        <pc:sldMkLst>
+          <pc:docMk/>
+          <pc:sldMk cId="2185092362" sldId="291"/>
+        </pc:sldMkLst>
+        <pc:spChg chg="mod">
+          <ac:chgData name="El Bach" userId="fcdc1bb3b617d7e4" providerId="LiveId" clId="{4AFD2F5F-7525-41FA-A56F-E2F7417B1E4E}" dt="2023-07-30T16:35:49.096" v="783"/>
+          <ac:spMkLst>
+            <pc:docMk/>
+            <pc:sldMk cId="2185092362" sldId="291"/>
+            <ac:spMk id="2" creationId="{5B040558-A365-4CCE-92FA-5A48CD98F9C9}"/>
+          </ac:spMkLst>
+        </pc:spChg>
+        <pc:spChg chg="mod">
+          <ac:chgData name="El Bach" userId="fcdc1bb3b617d7e4" providerId="LiveId" clId="{4AFD2F5F-7525-41FA-A56F-E2F7417B1E4E}" dt="2023-07-30T16:35:49.096" v="783"/>
+          <ac:spMkLst>
+            <pc:docMk/>
+            <pc:sldMk cId="2185092362" sldId="291"/>
+            <ac:spMk id="3" creationId="{05CDF783-BFB3-273E-4B55-8D6D0A151BB8}"/>
+          </ac:spMkLst>
+        </pc:spChg>
+        <pc:picChg chg="add mod">
+          <ac:chgData name="El Bach" userId="fcdc1bb3b617d7e4" providerId="LiveId" clId="{4AFD2F5F-7525-41FA-A56F-E2F7417B1E4E}" dt="2023-07-30T14:33:58.441" v="242" actId="1076"/>
+          <ac:picMkLst>
+            <pc:docMk/>
+            <pc:sldMk cId="2185092362" sldId="291"/>
+            <ac:picMk id="6" creationId="{4D9BDD3B-6C3A-C80B-4E76-BEDBB92A3521}"/>
+          </ac:picMkLst>
+        </pc:picChg>
+        <pc:picChg chg="del">
+          <ac:chgData name="El Bach" userId="fcdc1bb3b617d7e4" providerId="LiveId" clId="{4AFD2F5F-7525-41FA-A56F-E2F7417B1E4E}" dt="2023-07-30T14:41:37.269" v="261" actId="478"/>
+          <ac:picMkLst>
+            <pc:docMk/>
+            <pc:sldMk cId="2185092362" sldId="291"/>
+            <ac:picMk id="7" creationId="{A7F10299-63E5-3F78-86A7-067E683222DC}"/>
+          </ac:picMkLst>
+        </pc:picChg>
+        <pc:picChg chg="add del mod">
+          <ac:chgData name="El Bach" userId="fcdc1bb3b617d7e4" providerId="LiveId" clId="{4AFD2F5F-7525-41FA-A56F-E2F7417B1E4E}" dt="2023-07-30T14:42:05.060" v="265" actId="478"/>
+          <ac:picMkLst>
+            <pc:docMk/>
+            <pc:sldMk cId="2185092362" sldId="291"/>
+            <ac:picMk id="10" creationId="{C434BB2E-968C-28A8-95EE-F731333018F0}"/>
+          </ac:picMkLst>
+        </pc:picChg>
+        <pc:picChg chg="add mod">
+          <ac:chgData name="El Bach" userId="fcdc1bb3b617d7e4" providerId="LiveId" clId="{4AFD2F5F-7525-41FA-A56F-E2F7417B1E4E}" dt="2023-07-30T14:42:11.596" v="268" actId="14100"/>
+          <ac:picMkLst>
+            <pc:docMk/>
+            <pc:sldMk cId="2185092362" sldId="291"/>
+            <ac:picMk id="12" creationId="{1B7AD04E-053C-20BC-0D63-769353396995}"/>
+          </ac:picMkLst>
+        </pc:picChg>
+        <pc:picChg chg="del">
+          <ac:chgData name="El Bach" userId="fcdc1bb3b617d7e4" providerId="LiveId" clId="{4AFD2F5F-7525-41FA-A56F-E2F7417B1E4E}" dt="2023-07-30T14:33:50.969" v="239" actId="478"/>
+          <ac:picMkLst>
+            <pc:docMk/>
+            <pc:sldMk cId="2185092362" sldId="291"/>
+            <ac:picMk id="2050" creationId="{AF5C6560-2739-5C09-56D4-43CB7716FF62}"/>
+          </ac:picMkLst>
+        </pc:picChg>
+      </pc:sldChg>
+      <pc:sldChg chg="addSp delSp modSp mod">
+        <pc:chgData name="El Bach" userId="fcdc1bb3b617d7e4" providerId="LiveId" clId="{4AFD2F5F-7525-41FA-A56F-E2F7417B1E4E}" dt="2023-07-30T16:35:49.096" v="783"/>
+        <pc:sldMkLst>
+          <pc:docMk/>
+          <pc:sldMk cId="3524330697" sldId="292"/>
+        </pc:sldMkLst>
+        <pc:spChg chg="mod">
+          <ac:chgData name="El Bach" userId="fcdc1bb3b617d7e4" providerId="LiveId" clId="{4AFD2F5F-7525-41FA-A56F-E2F7417B1E4E}" dt="2023-07-30T16:35:49.096" v="783"/>
+          <ac:spMkLst>
+            <pc:docMk/>
+            <pc:sldMk cId="3524330697" sldId="292"/>
+            <ac:spMk id="2" creationId="{5B040558-A365-4CCE-92FA-5A48CD98F9C9}"/>
+          </ac:spMkLst>
+        </pc:spChg>
+        <pc:spChg chg="mod">
+          <ac:chgData name="El Bach" userId="fcdc1bb3b617d7e4" providerId="LiveId" clId="{4AFD2F5F-7525-41FA-A56F-E2F7417B1E4E}" dt="2023-07-30T16:35:49.096" v="783"/>
+          <ac:spMkLst>
+            <pc:docMk/>
+            <pc:sldMk cId="3524330697" sldId="292"/>
+            <ac:spMk id="3" creationId="{05CDF783-BFB3-273E-4B55-8D6D0A151BB8}"/>
+          </ac:spMkLst>
+        </pc:spChg>
+        <pc:spChg chg="mod">
+          <ac:chgData name="El Bach" userId="fcdc1bb3b617d7e4" providerId="LiveId" clId="{4AFD2F5F-7525-41FA-A56F-E2F7417B1E4E}" dt="2023-07-30T14:53:09.252" v="369" actId="1076"/>
+          <ac:spMkLst>
+            <pc:docMk/>
+            <pc:sldMk cId="3524330697" sldId="292"/>
+            <ac:spMk id="4" creationId="{5B53080F-F30B-6651-54D5-2AEAA98B8A00}"/>
+          </ac:spMkLst>
+        </pc:spChg>
+        <pc:spChg chg="mod">
+          <ac:chgData name="El Bach" userId="fcdc1bb3b617d7e4" providerId="LiveId" clId="{4AFD2F5F-7525-41FA-A56F-E2F7417B1E4E}" dt="2023-07-30T14:53:06.285" v="368" actId="1076"/>
+          <ac:spMkLst>
+            <pc:docMk/>
+            <pc:sldMk cId="3524330697" sldId="292"/>
+            <ac:spMk id="5" creationId="{352FB4C8-B60C-D271-688C-05F1190BC6A0}"/>
+          </ac:spMkLst>
+        </pc:spChg>
+        <pc:spChg chg="mod">
+          <ac:chgData name="El Bach" userId="fcdc1bb3b617d7e4" providerId="LiveId" clId="{4AFD2F5F-7525-41FA-A56F-E2F7417B1E4E}" dt="2023-07-30T14:51:36.630" v="315" actId="20577"/>
+          <ac:spMkLst>
+            <pc:docMk/>
+            <pc:sldMk cId="3524330697" sldId="292"/>
+            <ac:spMk id="6" creationId="{3183E336-EB32-EB4F-0AC7-6636E3C6D387}"/>
+          </ac:spMkLst>
+        </pc:spChg>
+        <pc:spChg chg="mod">
+          <ac:chgData name="El Bach" userId="fcdc1bb3b617d7e4" providerId="LiveId" clId="{4AFD2F5F-7525-41FA-A56F-E2F7417B1E4E}" dt="2023-07-30T14:52:55.022" v="366" actId="1076"/>
+          <ac:spMkLst>
+            <pc:docMk/>
+            <pc:sldMk cId="3524330697" sldId="292"/>
+            <ac:spMk id="8" creationId="{FD2F1BA4-36CA-DC07-713D-C105770BC872}"/>
+          </ac:spMkLst>
+        </pc:spChg>
+        <pc:grpChg chg="del mod">
+          <ac:chgData name="El Bach" userId="fcdc1bb3b617d7e4" providerId="LiveId" clId="{4AFD2F5F-7525-41FA-A56F-E2F7417B1E4E}" dt="2023-07-30T14:49:33.160" v="269" actId="478"/>
+          <ac:grpSpMkLst>
+            <pc:docMk/>
+            <pc:sldMk cId="3524330697" sldId="292"/>
+            <ac:grpSpMk id="7" creationId="{2AA09370-65E7-C83B-9D1C-D328D008DC29}"/>
+          </ac:grpSpMkLst>
+        </pc:grpChg>
+        <pc:grpChg chg="del mod">
+          <ac:chgData name="El Bach" userId="fcdc1bb3b617d7e4" providerId="LiveId" clId="{4AFD2F5F-7525-41FA-A56F-E2F7417B1E4E}" dt="2023-07-30T14:50:36.614" v="272" actId="478"/>
+          <ac:grpSpMkLst>
+            <pc:docMk/>
+            <pc:sldMk cId="3524330697" sldId="292"/>
+            <ac:grpSpMk id="9" creationId="{144BB778-42AA-F2A2-D002-C7966CCED4E3}"/>
+          </ac:grpSpMkLst>
+        </pc:grpChg>
+        <pc:picChg chg="add mod">
+          <ac:chgData name="El Bach" userId="fcdc1bb3b617d7e4" providerId="LiveId" clId="{4AFD2F5F-7525-41FA-A56F-E2F7417B1E4E}" dt="2023-07-30T14:50:46.031" v="277" actId="1076"/>
+          <ac:picMkLst>
+            <pc:docMk/>
+            <pc:sldMk cId="3524330697" sldId="292"/>
+            <ac:picMk id="11" creationId="{C7FEF379-A273-DF38-B2F6-22F239449B07}"/>
+          </ac:picMkLst>
+        </pc:picChg>
+        <pc:picChg chg="add mod">
+          <ac:chgData name="El Bach" userId="fcdc1bb3b617d7e4" providerId="LiveId" clId="{4AFD2F5F-7525-41FA-A56F-E2F7417B1E4E}" dt="2023-07-30T14:53:01.941" v="367" actId="1076"/>
+          <ac:picMkLst>
+            <pc:docMk/>
+            <pc:sldMk cId="3524330697" sldId="292"/>
+            <ac:picMk id="13" creationId="{FA2205CA-4294-BA5C-7E33-7D59A3971520}"/>
+          </ac:picMkLst>
+        </pc:picChg>
+        <pc:picChg chg="del">
+          <ac:chgData name="El Bach" userId="fcdc1bb3b617d7e4" providerId="LiveId" clId="{4AFD2F5F-7525-41FA-A56F-E2F7417B1E4E}" dt="2023-07-30T14:49:33.160" v="269" actId="478"/>
+          <ac:picMkLst>
+            <pc:docMk/>
+            <pc:sldMk cId="3524330697" sldId="292"/>
+            <ac:picMk id="1026" creationId="{CF44E695-49BC-60F2-59E2-38B23BBA381A}"/>
+          </ac:picMkLst>
+        </pc:picChg>
+        <pc:picChg chg="del">
+          <ac:chgData name="El Bach" userId="fcdc1bb3b617d7e4" providerId="LiveId" clId="{4AFD2F5F-7525-41FA-A56F-E2F7417B1E4E}" dt="2023-07-30T14:50:36.614" v="272" actId="478"/>
+          <ac:picMkLst>
+            <pc:docMk/>
+            <pc:sldMk cId="3524330697" sldId="292"/>
+            <ac:picMk id="1028" creationId="{28C7A328-195C-CF4B-5913-53F9EEF0BEE8}"/>
+          </ac:picMkLst>
+        </pc:picChg>
+      </pc:sldChg>
+      <pc:sldChg chg="addSp delSp modSp mod">
+        <pc:chgData name="El Bach" userId="fcdc1bb3b617d7e4" providerId="LiveId" clId="{4AFD2F5F-7525-41FA-A56F-E2F7417B1E4E}" dt="2023-07-30T16:35:49.096" v="783"/>
+        <pc:sldMkLst>
+          <pc:docMk/>
+          <pc:sldMk cId="2950648358" sldId="293"/>
+        </pc:sldMkLst>
+        <pc:spChg chg="mod">
+          <ac:chgData name="El Bach" userId="fcdc1bb3b617d7e4" providerId="LiveId" clId="{4AFD2F5F-7525-41FA-A56F-E2F7417B1E4E}" dt="2023-07-30T16:35:49.096" v="783"/>
+          <ac:spMkLst>
+            <pc:docMk/>
+            <pc:sldMk cId="2950648358" sldId="293"/>
+            <ac:spMk id="2" creationId="{5B040558-A365-4CCE-92FA-5A48CD98F9C9}"/>
+          </ac:spMkLst>
+        </pc:spChg>
+        <pc:spChg chg="mod">
+          <ac:chgData name="El Bach" userId="fcdc1bb3b617d7e4" providerId="LiveId" clId="{4AFD2F5F-7525-41FA-A56F-E2F7417B1E4E}" dt="2023-07-30T16:35:49.096" v="783"/>
+          <ac:spMkLst>
+            <pc:docMk/>
+            <pc:sldMk cId="2950648358" sldId="293"/>
+            <ac:spMk id="3" creationId="{9FA0E552-B77F-3D79-39DE-812D63F1F2D3}"/>
+          </ac:spMkLst>
+        </pc:spChg>
+        <pc:picChg chg="del">
+          <ac:chgData name="El Bach" userId="fcdc1bb3b617d7e4" providerId="LiveId" clId="{4AFD2F5F-7525-41FA-A56F-E2F7417B1E4E}" dt="2023-07-30T15:09:36.404" v="460" actId="478"/>
+          <ac:picMkLst>
+            <pc:docMk/>
+            <pc:sldMk cId="2950648358" sldId="293"/>
+            <ac:picMk id="5" creationId="{D19CBDC1-A4A4-8C6B-1C83-B258A0071A06}"/>
+          </ac:picMkLst>
+        </pc:picChg>
+        <pc:picChg chg="add mod">
+          <ac:chgData name="El Bach" userId="fcdc1bb3b617d7e4" providerId="LiveId" clId="{4AFD2F5F-7525-41FA-A56F-E2F7417B1E4E}" dt="2023-07-30T15:10:18.489" v="468" actId="14100"/>
+          <ac:picMkLst>
+            <pc:docMk/>
+            <pc:sldMk cId="2950648358" sldId="293"/>
+            <ac:picMk id="7" creationId="{097D2EF7-DC00-F611-2447-826C4B92D50D}"/>
+          </ac:picMkLst>
+        </pc:picChg>
+        <pc:picChg chg="del">
+          <ac:chgData name="El Bach" userId="fcdc1bb3b617d7e4" providerId="LiveId" clId="{4AFD2F5F-7525-41FA-A56F-E2F7417B1E4E}" dt="2023-07-30T15:09:37.058" v="461" actId="478"/>
+          <ac:picMkLst>
+            <pc:docMk/>
+            <pc:sldMk cId="2950648358" sldId="293"/>
+            <ac:picMk id="8" creationId="{EFCFA05B-826F-C063-11B5-C0D49E38CA9D}"/>
+          </ac:picMkLst>
+        </pc:picChg>
+      </pc:sldChg>
+      <pc:sldChg chg="addSp delSp modSp mod">
+        <pc:chgData name="El Bach" userId="fcdc1bb3b617d7e4" providerId="LiveId" clId="{4AFD2F5F-7525-41FA-A56F-E2F7417B1E4E}" dt="2023-07-30T16:35:49.096" v="783"/>
+        <pc:sldMkLst>
+          <pc:docMk/>
+          <pc:sldMk cId="2963956531" sldId="295"/>
+        </pc:sldMkLst>
+        <pc:spChg chg="mod">
+          <ac:chgData name="El Bach" userId="fcdc1bb3b617d7e4" providerId="LiveId" clId="{4AFD2F5F-7525-41FA-A56F-E2F7417B1E4E}" dt="2023-07-30T16:35:49.096" v="783"/>
+          <ac:spMkLst>
+            <pc:docMk/>
+            <pc:sldMk cId="2963956531" sldId="295"/>
+            <ac:spMk id="2" creationId="{5B040558-A365-4CCE-92FA-5A48CD98F9C9}"/>
+          </ac:spMkLst>
+        </pc:spChg>
+        <pc:spChg chg="mod">
+          <ac:chgData name="El Bach" userId="fcdc1bb3b617d7e4" providerId="LiveId" clId="{4AFD2F5F-7525-41FA-A56F-E2F7417B1E4E}" dt="2023-07-30T14:59:56.433" v="440" actId="122"/>
+          <ac:spMkLst>
+            <pc:docMk/>
+            <pc:sldMk cId="2963956531" sldId="295"/>
+            <ac:spMk id="6" creationId="{EED82273-6B76-EF6C-6BD7-E688D9F342EF}"/>
+          </ac:spMkLst>
+        </pc:spChg>
+        <pc:spChg chg="del mod">
+          <ac:chgData name="El Bach" userId="fcdc1bb3b617d7e4" providerId="LiveId" clId="{4AFD2F5F-7525-41FA-A56F-E2F7417B1E4E}" dt="2023-07-30T14:56:34.860" v="410" actId="478"/>
+          <ac:spMkLst>
+            <pc:docMk/>
+            <pc:sldMk cId="2963956531" sldId="295"/>
+            <ac:spMk id="9" creationId="{9126FF2D-B827-FBC1-8F50-50322CE80F75}"/>
+          </ac:spMkLst>
+        </pc:spChg>
+        <pc:spChg chg="del mod">
+          <ac:chgData name="El Bach" userId="fcdc1bb3b617d7e4" providerId="LiveId" clId="{4AFD2F5F-7525-41FA-A56F-E2F7417B1E4E}" dt="2023-07-30T14:58:09.011" v="427" actId="478"/>
+          <ac:spMkLst>
+            <pc:docMk/>
+            <pc:sldMk cId="2963956531" sldId="295"/>
+            <ac:spMk id="10" creationId="{D767CEFD-8ABC-E414-A2F4-2337090702CC}"/>
+          </ac:spMkLst>
+        </pc:spChg>
+        <pc:spChg chg="del mod">
+          <ac:chgData name="El Bach" userId="fcdc1bb3b617d7e4" providerId="LiveId" clId="{4AFD2F5F-7525-41FA-A56F-E2F7417B1E4E}" dt="2023-07-30T14:57:12.932" v="419" actId="478"/>
+          <ac:spMkLst>
+            <pc:docMk/>
+            <pc:sldMk cId="2963956531" sldId="295"/>
+            <ac:spMk id="11" creationId="{AFFFCCF0-77F2-CF42-859F-A4C7B8AB2035}"/>
+          </ac:spMkLst>
+        </pc:spChg>
+        <pc:spChg chg="add del">
+          <ac:chgData name="El Bach" userId="fcdc1bb3b617d7e4" providerId="LiveId" clId="{4AFD2F5F-7525-41FA-A56F-E2F7417B1E4E}" dt="2023-07-30T14:56:39.167" v="412" actId="22"/>
+          <ac:spMkLst>
+            <pc:docMk/>
+            <pc:sldMk cId="2963956531" sldId="295"/>
+            <ac:spMk id="12" creationId="{8F070FBF-1EA2-CDCC-FB31-CF97F39156D3}"/>
+          </ac:spMkLst>
+        </pc:spChg>
+        <pc:spChg chg="add mod">
+          <ac:chgData name="El Bach" userId="fcdc1bb3b617d7e4" providerId="LiveId" clId="{4AFD2F5F-7525-41FA-A56F-E2F7417B1E4E}" dt="2023-07-30T14:59:51.049" v="438" actId="122"/>
+          <ac:spMkLst>
+            <pc:docMk/>
+            <pc:sldMk cId="2963956531" sldId="295"/>
+            <ac:spMk id="13" creationId="{6DE95B43-CD80-32F0-4BDF-07AE715D60FA}"/>
+          </ac:spMkLst>
+        </pc:spChg>
+        <pc:spChg chg="add mod">
+          <ac:chgData name="El Bach" userId="fcdc1bb3b617d7e4" providerId="LiveId" clId="{4AFD2F5F-7525-41FA-A56F-E2F7417B1E4E}" dt="2023-07-30T15:00:02.081" v="442" actId="122"/>
+          <ac:spMkLst>
+            <pc:docMk/>
+            <pc:sldMk cId="2963956531" sldId="295"/>
+            <ac:spMk id="14" creationId="{E65C1371-17EC-E682-6089-37153FF459A5}"/>
+          </ac:spMkLst>
+        </pc:spChg>
+        <pc:spChg chg="add mod">
+          <ac:chgData name="El Bach" userId="fcdc1bb3b617d7e4" providerId="LiveId" clId="{4AFD2F5F-7525-41FA-A56F-E2F7417B1E4E}" dt="2023-07-30T14:59:48.098" v="437" actId="122"/>
+          <ac:spMkLst>
+            <pc:docMk/>
+            <pc:sldMk cId="2963956531" sldId="295"/>
+            <ac:spMk id="15" creationId="{0EA363A6-C22B-3EE5-EB87-DFB35D669EFF}"/>
+          </ac:spMkLst>
+        </pc:spChg>
+        <pc:picChg chg="del">
+          <ac:chgData name="El Bach" userId="fcdc1bb3b617d7e4" providerId="LiveId" clId="{4AFD2F5F-7525-41FA-A56F-E2F7417B1E4E}" dt="2023-07-30T14:53:45.884" v="370" actId="478"/>
+          <ac:picMkLst>
+            <pc:docMk/>
+            <pc:sldMk cId="2963956531" sldId="295"/>
+            <ac:picMk id="5" creationId="{484FAD70-0713-11A8-30A0-13B5CD37CA10}"/>
+          </ac:picMkLst>
+        </pc:picChg>
+        <pc:picChg chg="del">
+          <ac:chgData name="El Bach" userId="fcdc1bb3b617d7e4" providerId="LiveId" clId="{4AFD2F5F-7525-41FA-A56F-E2F7417B1E4E}" dt="2023-07-30T14:53:47.108" v="371" actId="478"/>
+          <ac:picMkLst>
+            <pc:docMk/>
+            <pc:sldMk cId="2963956531" sldId="295"/>
+            <ac:picMk id="4098" creationId="{18C60382-FABC-5484-5D1B-6CF17A7CFF96}"/>
+          </ac:picMkLst>
+        </pc:picChg>
+        <pc:picChg chg="del">
+          <ac:chgData name="El Bach" userId="fcdc1bb3b617d7e4" providerId="LiveId" clId="{4AFD2F5F-7525-41FA-A56F-E2F7417B1E4E}" dt="2023-07-30T14:53:47.780" v="372" actId="478"/>
+          <ac:picMkLst>
+            <pc:docMk/>
+            <pc:sldMk cId="2963956531" sldId="295"/>
+            <ac:picMk id="4100" creationId="{9E810B96-A25F-63DA-575C-40C68BEE80F2}"/>
+          </ac:picMkLst>
+        </pc:picChg>
+        <pc:picChg chg="del">
+          <ac:chgData name="El Bach" userId="fcdc1bb3b617d7e4" providerId="LiveId" clId="{4AFD2F5F-7525-41FA-A56F-E2F7417B1E4E}" dt="2023-07-30T14:53:48.340" v="373" actId="478"/>
+          <ac:picMkLst>
+            <pc:docMk/>
+            <pc:sldMk cId="2963956531" sldId="295"/>
+            <ac:picMk id="4102" creationId="{9F15A09D-CDFA-6983-B66F-EA96F6FAC649}"/>
+          </ac:picMkLst>
+        </pc:picChg>
+      </pc:sldChg>
+      <pc:sldChg chg="addSp delSp modSp mod">
+        <pc:chgData name="El Bach" userId="fcdc1bb3b617d7e4" providerId="LiveId" clId="{4AFD2F5F-7525-41FA-A56F-E2F7417B1E4E}" dt="2023-07-30T16:35:49.096" v="783"/>
+        <pc:sldMkLst>
+          <pc:docMk/>
+          <pc:sldMk cId="2379676307" sldId="296"/>
+        </pc:sldMkLst>
+        <pc:spChg chg="mod">
+          <ac:chgData name="El Bach" userId="fcdc1bb3b617d7e4" providerId="LiveId" clId="{4AFD2F5F-7525-41FA-A56F-E2F7417B1E4E}" dt="2023-07-30T16:35:49.096" v="783"/>
+          <ac:spMkLst>
+            <pc:docMk/>
+            <pc:sldMk cId="2379676307" sldId="296"/>
+            <ac:spMk id="2" creationId="{5B040558-A365-4CCE-92FA-5A48CD98F9C9}"/>
+          </ac:spMkLst>
+        </pc:spChg>
+        <pc:spChg chg="mod">
+          <ac:chgData name="El Bach" userId="fcdc1bb3b617d7e4" providerId="LiveId" clId="{4AFD2F5F-7525-41FA-A56F-E2F7417B1E4E}" dt="2023-07-30T16:35:49.096" v="783"/>
+          <ac:spMkLst>
+            <pc:docMk/>
+            <pc:sldMk cId="2379676307" sldId="296"/>
+            <ac:spMk id="3" creationId="{9FA0E552-B77F-3D79-39DE-812D63F1F2D3}"/>
+          </ac:spMkLst>
+        </pc:spChg>
+        <pc:picChg chg="del mod">
+          <ac:chgData name="El Bach" userId="fcdc1bb3b617d7e4" providerId="LiveId" clId="{4AFD2F5F-7525-41FA-A56F-E2F7417B1E4E}" dt="2023-07-30T15:01:51.584" v="454" actId="478"/>
+          <ac:picMkLst>
+            <pc:docMk/>
+            <pc:sldMk cId="2379676307" sldId="296"/>
+            <ac:picMk id="7" creationId="{6BAC9D09-685A-A9D3-41FE-3D3DDDC7EF75}"/>
+          </ac:picMkLst>
+        </pc:picChg>
+        <pc:picChg chg="add mod">
+          <ac:chgData name="El Bach" userId="fcdc1bb3b617d7e4" providerId="LiveId" clId="{4AFD2F5F-7525-41FA-A56F-E2F7417B1E4E}" dt="2023-07-30T15:02:07.367" v="459" actId="14100"/>
+          <ac:picMkLst>
+            <pc:docMk/>
+            <pc:sldMk cId="2379676307" sldId="296"/>
+            <ac:picMk id="8" creationId="{1E07813F-4186-2570-ECFC-EED23E9DBBE2}"/>
+          </ac:picMkLst>
+        </pc:picChg>
+      </pc:sldChg>
+      <pc:sldChg chg="addSp delSp modSp mod">
+        <pc:chgData name="El Bach" userId="fcdc1bb3b617d7e4" providerId="LiveId" clId="{4AFD2F5F-7525-41FA-A56F-E2F7417B1E4E}" dt="2023-07-30T16:35:49.096" v="783"/>
+        <pc:sldMkLst>
+          <pc:docMk/>
+          <pc:sldMk cId="1455177520" sldId="297"/>
+        </pc:sldMkLst>
+        <pc:spChg chg="mod">
+          <ac:chgData name="El Bach" userId="fcdc1bb3b617d7e4" providerId="LiveId" clId="{4AFD2F5F-7525-41FA-A56F-E2F7417B1E4E}" dt="2023-07-30T16:35:49.096" v="783"/>
+          <ac:spMkLst>
+            <pc:docMk/>
+            <pc:sldMk cId="1455177520" sldId="297"/>
+            <ac:spMk id="2" creationId="{5B040558-A365-4CCE-92FA-5A48CD98F9C9}"/>
+          </ac:spMkLst>
+        </pc:spChg>
+        <pc:spChg chg="mod">
+          <ac:chgData name="El Bach" userId="fcdc1bb3b617d7e4" providerId="LiveId" clId="{4AFD2F5F-7525-41FA-A56F-E2F7417B1E4E}" dt="2023-07-30T16:35:49.096" v="783"/>
+          <ac:spMkLst>
+            <pc:docMk/>
+            <pc:sldMk cId="1455177520" sldId="297"/>
+            <ac:spMk id="3" creationId="{ACF70E5E-1076-94AD-5E11-F292199DD68E}"/>
+          </ac:spMkLst>
+        </pc:spChg>
+        <pc:spChg chg="add mod">
+          <ac:chgData name="El Bach" userId="fcdc1bb3b617d7e4" providerId="LiveId" clId="{4AFD2F5F-7525-41FA-A56F-E2F7417B1E4E}" dt="2023-07-30T15:25:19.520" v="765" actId="1076"/>
+          <ac:spMkLst>
+            <pc:docMk/>
+            <pc:sldMk cId="1455177520" sldId="297"/>
+            <ac:spMk id="8" creationId="{DEDAFA83-AA02-74C0-2BCC-DEA8C2B6A103}"/>
+          </ac:spMkLst>
+        </pc:spChg>
+        <pc:graphicFrameChg chg="mod">
+          <ac:chgData name="El Bach" userId="fcdc1bb3b617d7e4" providerId="LiveId" clId="{4AFD2F5F-7525-41FA-A56F-E2F7417B1E4E}" dt="2023-07-30T15:17:49.221" v="557" actId="20577"/>
+          <ac:graphicFrameMkLst>
+            <pc:docMk/>
+            <pc:sldMk cId="1455177520" sldId="297"/>
+            <ac:graphicFrameMk id="11" creationId="{6D77C248-9325-5FEF-72C7-F630112B538E}"/>
+          </ac:graphicFrameMkLst>
+        </pc:graphicFrameChg>
+        <pc:picChg chg="add del mod">
+          <ac:chgData name="El Bach" userId="fcdc1bb3b617d7e4" providerId="LiveId" clId="{4AFD2F5F-7525-41FA-A56F-E2F7417B1E4E}" dt="2023-07-30T15:16:43.393" v="517" actId="22"/>
+          <ac:picMkLst>
+            <pc:docMk/>
+            <pc:sldMk cId="1455177520" sldId="297"/>
+            <ac:picMk id="5" creationId="{1A38DDBF-7FE2-B5AF-2A65-8D60750ABEFC}"/>
+          </ac:picMkLst>
+        </pc:picChg>
+        <pc:picChg chg="add del">
+          <ac:chgData name="El Bach" userId="fcdc1bb3b617d7e4" providerId="LiveId" clId="{4AFD2F5F-7525-41FA-A56F-E2F7417B1E4E}" dt="2023-07-30T15:17:03.007" v="520" actId="478"/>
+          <ac:picMkLst>
+            <pc:docMk/>
+            <pc:sldMk cId="1455177520" sldId="297"/>
+            <ac:picMk id="6" creationId="{52E84957-06C9-95A3-D0BA-3283B90C38F0}"/>
+          </ac:picMkLst>
+        </pc:picChg>
+        <pc:picChg chg="add mod">
+          <ac:chgData name="El Bach" userId="fcdc1bb3b617d7e4" providerId="LiveId" clId="{4AFD2F5F-7525-41FA-A56F-E2F7417B1E4E}" dt="2023-07-30T15:25:09.224" v="761" actId="1076"/>
+          <ac:picMkLst>
+            <pc:docMk/>
+            <pc:sldMk cId="1455177520" sldId="297"/>
+            <ac:picMk id="7" creationId="{27DC4435-1B7F-0222-C6B9-19E7FE4FE50C}"/>
+          </ac:picMkLst>
+        </pc:picChg>
+        <pc:picChg chg="add del">
+          <ac:chgData name="El Bach" userId="fcdc1bb3b617d7e4" providerId="LiveId" clId="{4AFD2F5F-7525-41FA-A56F-E2F7417B1E4E}" dt="2023-07-30T15:17:04.206" v="521" actId="478"/>
+          <ac:picMkLst>
+            <pc:docMk/>
+            <pc:sldMk cId="1455177520" sldId="297"/>
+            <ac:picMk id="10" creationId="{312B47D7-CC60-693A-CAAC-16F10C6ABB50}"/>
+          </ac:picMkLst>
+        </pc:picChg>
+      </pc:sldChg>
+      <pc:sldChg chg="modSp">
+        <pc:chgData name="El Bach" userId="fcdc1bb3b617d7e4" providerId="LiveId" clId="{4AFD2F5F-7525-41FA-A56F-E2F7417B1E4E}" dt="2023-07-30T16:35:49.096" v="783"/>
+        <pc:sldMkLst>
+          <pc:docMk/>
+          <pc:sldMk cId="3945536907" sldId="298"/>
+        </pc:sldMkLst>
+        <pc:spChg chg="mod">
+          <ac:chgData name="El Bach" userId="fcdc1bb3b617d7e4" providerId="LiveId" clId="{4AFD2F5F-7525-41FA-A56F-E2F7417B1E4E}" dt="2023-07-30T16:35:49.096" v="783"/>
+          <ac:spMkLst>
+            <pc:docMk/>
+            <pc:sldMk cId="3945536907" sldId="298"/>
+            <ac:spMk id="2" creationId="{5B040558-A365-4CCE-92FA-5A48CD98F9C9}"/>
+          </ac:spMkLst>
+        </pc:spChg>
+        <pc:spChg chg="mod">
+          <ac:chgData name="El Bach" userId="fcdc1bb3b617d7e4" providerId="LiveId" clId="{4AFD2F5F-7525-41FA-A56F-E2F7417B1E4E}" dt="2023-07-30T16:35:49.096" v="783"/>
+          <ac:spMkLst>
+            <pc:docMk/>
+            <pc:sldMk cId="3945536907" sldId="298"/>
+            <ac:spMk id="3" creationId="{ACF70E5E-1076-94AD-5E11-F292199DD68E}"/>
+          </ac:spMkLst>
+        </pc:spChg>
+      </pc:sldChg>
+      <pc:sldChg chg="addSp delSp modSp new mod ord">
+        <pc:chgData name="El Bach" userId="fcdc1bb3b617d7e4" providerId="LiveId" clId="{4AFD2F5F-7525-41FA-A56F-E2F7417B1E4E}" dt="2023-07-30T16:35:49.096" v="783"/>
+        <pc:sldMkLst>
+          <pc:docMk/>
+          <pc:sldMk cId="3901320852" sldId="299"/>
+        </pc:sldMkLst>
+        <pc:spChg chg="mod">
+          <ac:chgData name="El Bach" userId="fcdc1bb3b617d7e4" providerId="LiveId" clId="{4AFD2F5F-7525-41FA-A56F-E2F7417B1E4E}" dt="2023-07-30T16:35:49.096" v="783"/>
+          <ac:spMkLst>
+            <pc:docMk/>
+            <pc:sldMk cId="3901320852" sldId="299"/>
+            <ac:spMk id="2" creationId="{B9DFE88D-87F1-41D3-E70D-5419CEF4C74C}"/>
+          </ac:spMkLst>
+        </pc:spChg>
+        <pc:spChg chg="del">
+          <ac:chgData name="El Bach" userId="fcdc1bb3b617d7e4" providerId="LiveId" clId="{4AFD2F5F-7525-41FA-A56F-E2F7417B1E4E}" dt="2023-07-30T15:22:55.579" v="741" actId="478"/>
+          <ac:spMkLst>
+            <pc:docMk/>
+            <pc:sldMk cId="3901320852" sldId="299"/>
+            <ac:spMk id="3" creationId="{6B21CBA3-4751-3D16-5545-51C7BA40CFA0}"/>
+          </ac:spMkLst>
+        </pc:spChg>
+        <pc:spChg chg="mod">
+          <ac:chgData name="El Bach" userId="fcdc1bb3b617d7e4" providerId="LiveId" clId="{4AFD2F5F-7525-41FA-A56F-E2F7417B1E4E}" dt="2023-07-30T16:35:49.096" v="783"/>
+          <ac:spMkLst>
+            <pc:docMk/>
+            <pc:sldMk cId="3901320852" sldId="299"/>
+            <ac:spMk id="4" creationId="{EBEFEF44-7C50-9BD5-3752-2308BB16D71B}"/>
+          </ac:spMkLst>
+        </pc:spChg>
+        <pc:spChg chg="mod">
+          <ac:chgData name="El Bach" userId="fcdc1bb3b617d7e4" providerId="LiveId" clId="{4AFD2F5F-7525-41FA-A56F-E2F7417B1E4E}" dt="2023-07-30T15:22:56.652" v="742"/>
+          <ac:spMkLst>
+            <pc:docMk/>
+            <pc:sldMk cId="3901320852" sldId="299"/>
+            <ac:spMk id="6" creationId="{0A766BC1-CC33-B5E3-8A00-C7E8C351F264}"/>
+          </ac:spMkLst>
+        </pc:spChg>
+        <pc:spChg chg="mod">
+          <ac:chgData name="El Bach" userId="fcdc1bb3b617d7e4" providerId="LiveId" clId="{4AFD2F5F-7525-41FA-A56F-E2F7417B1E4E}" dt="2023-07-30T15:22:56.652" v="742"/>
+          <ac:spMkLst>
+            <pc:docMk/>
+            <pc:sldMk cId="3901320852" sldId="299"/>
+            <ac:spMk id="7" creationId="{05711B7E-70F6-6514-1651-AA07DD0B93ED}"/>
+          </ac:spMkLst>
+        </pc:spChg>
+        <pc:spChg chg="mod">
+          <ac:chgData name="El Bach" userId="fcdc1bb3b617d7e4" providerId="LiveId" clId="{4AFD2F5F-7525-41FA-A56F-E2F7417B1E4E}" dt="2023-07-30T15:22:56.652" v="742"/>
+          <ac:spMkLst>
+            <pc:docMk/>
+            <pc:sldMk cId="3901320852" sldId="299"/>
+            <ac:spMk id="8" creationId="{0E97CCD2-3A7F-95E4-76D7-7709DEBEBC79}"/>
+          </ac:spMkLst>
+        </pc:spChg>
+        <pc:spChg chg="mod">
+          <ac:chgData name="El Bach" userId="fcdc1bb3b617d7e4" providerId="LiveId" clId="{4AFD2F5F-7525-41FA-A56F-E2F7417B1E4E}" dt="2023-07-30T15:22:56.652" v="742"/>
+          <ac:spMkLst>
+            <pc:docMk/>
+            <pc:sldMk cId="3901320852" sldId="299"/>
+            <ac:spMk id="9" creationId="{1364A165-95D9-C99D-C9C6-CF25CE3A3D83}"/>
+          </ac:spMkLst>
+        </pc:spChg>
+        <pc:spChg chg="mod">
+          <ac:chgData name="El Bach" userId="fcdc1bb3b617d7e4" providerId="LiveId" clId="{4AFD2F5F-7525-41FA-A56F-E2F7417B1E4E}" dt="2023-07-30T15:22:56.652" v="742"/>
+          <ac:spMkLst>
+            <pc:docMk/>
+            <pc:sldMk cId="3901320852" sldId="299"/>
+            <ac:spMk id="10" creationId="{B0A075A1-04DC-676E-4AE8-C1F0D05AF5E8}"/>
+          </ac:spMkLst>
+        </pc:spChg>
+        <pc:spChg chg="mod">
+          <ac:chgData name="El Bach" userId="fcdc1bb3b617d7e4" providerId="LiveId" clId="{4AFD2F5F-7525-41FA-A56F-E2F7417B1E4E}" dt="2023-07-30T15:22:56.652" v="742"/>
+          <ac:spMkLst>
+            <pc:docMk/>
+            <pc:sldMk cId="3901320852" sldId="299"/>
+            <ac:spMk id="11" creationId="{A45642B7-D8D4-1E8C-C6A7-75B13CBC0AAD}"/>
+          </ac:spMkLst>
+        </pc:spChg>
+        <pc:spChg chg="mod">
+          <ac:chgData name="El Bach" userId="fcdc1bb3b617d7e4" providerId="LiveId" clId="{4AFD2F5F-7525-41FA-A56F-E2F7417B1E4E}" dt="2023-07-30T15:22:56.652" v="742"/>
+          <ac:spMkLst>
+            <pc:docMk/>
+            <pc:sldMk cId="3901320852" sldId="299"/>
+            <ac:spMk id="12" creationId="{F1AC4314-AD73-21A2-28B0-62A5B498533A}"/>
+          </ac:spMkLst>
+        </pc:spChg>
+        <pc:spChg chg="mod">
+          <ac:chgData name="El Bach" userId="fcdc1bb3b617d7e4" providerId="LiveId" clId="{4AFD2F5F-7525-41FA-A56F-E2F7417B1E4E}" dt="2023-07-30T15:22:56.652" v="742"/>
+          <ac:spMkLst>
+            <pc:docMk/>
+            <pc:sldMk cId="3901320852" sldId="299"/>
+            <ac:spMk id="13" creationId="{296BC699-BCE5-6001-67C4-BEAA6B9C1C28}"/>
+          </ac:spMkLst>
+        </pc:spChg>
+        <pc:spChg chg="mod">
+          <ac:chgData name="El Bach" userId="fcdc1bb3b617d7e4" providerId="LiveId" clId="{4AFD2F5F-7525-41FA-A56F-E2F7417B1E4E}" dt="2023-07-30T15:22:56.652" v="742"/>
+          <ac:spMkLst>
+            <pc:docMk/>
+            <pc:sldMk cId="3901320852" sldId="299"/>
+            <ac:spMk id="14" creationId="{B0E44891-32D1-7DCF-8521-1B39C2789FAB}"/>
+          </ac:spMkLst>
+        </pc:spChg>
+        <pc:spChg chg="mod">
+          <ac:chgData name="El Bach" userId="fcdc1bb3b617d7e4" providerId="LiveId" clId="{4AFD2F5F-7525-41FA-A56F-E2F7417B1E4E}" dt="2023-07-30T15:22:56.652" v="742"/>
+          <ac:spMkLst>
+            <pc:docMk/>
+            <pc:sldMk cId="3901320852" sldId="299"/>
+            <ac:spMk id="15" creationId="{B12317C2-486D-6BD0-D0C2-ABE2CA9B2B9C}"/>
+          </ac:spMkLst>
+        </pc:spChg>
+        <pc:spChg chg="mod">
+          <ac:chgData name="El Bach" userId="fcdc1bb3b617d7e4" providerId="LiveId" clId="{4AFD2F5F-7525-41FA-A56F-E2F7417B1E4E}" dt="2023-07-30T15:22:56.652" v="742"/>
+          <ac:spMkLst>
+            <pc:docMk/>
+            <pc:sldMk cId="3901320852" sldId="299"/>
+            <ac:spMk id="16" creationId="{A2AB4B85-C271-DA0A-48D5-4CAB98107C80}"/>
+          </ac:spMkLst>
+        </pc:spChg>
+        <pc:spChg chg="mod">
+          <ac:chgData name="El Bach" userId="fcdc1bb3b617d7e4" providerId="LiveId" clId="{4AFD2F5F-7525-41FA-A56F-E2F7417B1E4E}" dt="2023-07-30T15:22:56.652" v="742"/>
+          <ac:spMkLst>
+            <pc:docMk/>
+            <pc:sldMk cId="3901320852" sldId="299"/>
+            <ac:spMk id="17" creationId="{9AE09B31-AA22-1254-319C-126205A56C57}"/>
+          </ac:spMkLst>
+        </pc:spChg>
+        <pc:spChg chg="mod">
+          <ac:chgData name="El Bach" userId="fcdc1bb3b617d7e4" providerId="LiveId" clId="{4AFD2F5F-7525-41FA-A56F-E2F7417B1E4E}" dt="2023-07-30T15:22:56.652" v="742"/>
+          <ac:spMkLst>
+            <pc:docMk/>
+            <pc:sldMk cId="3901320852" sldId="299"/>
+            <ac:spMk id="18" creationId="{EA61478F-D081-396D-7EFE-2C4BA87483A4}"/>
+          </ac:spMkLst>
+        </pc:spChg>
+        <pc:spChg chg="mod">
+          <ac:chgData name="El Bach" userId="fcdc1bb3b617d7e4" providerId="LiveId" clId="{4AFD2F5F-7525-41FA-A56F-E2F7417B1E4E}" dt="2023-07-30T15:22:56.652" v="742"/>
+          <ac:spMkLst>
+            <pc:docMk/>
+            <pc:sldMk cId="3901320852" sldId="299"/>
+            <ac:spMk id="19" creationId="{653AA4B8-7AE5-85B8-939B-7FDDF0BE982B}"/>
+          </ac:spMkLst>
+        </pc:spChg>
+        <pc:spChg chg="mod">
+          <ac:chgData name="El Bach" userId="fcdc1bb3b617d7e4" providerId="LiveId" clId="{4AFD2F5F-7525-41FA-A56F-E2F7417B1E4E}" dt="2023-07-30T15:22:56.652" v="742"/>
+          <ac:spMkLst>
+            <pc:docMk/>
+            <pc:sldMk cId="3901320852" sldId="299"/>
+            <ac:spMk id="20" creationId="{1C862B7F-C80E-4153-7865-9E5472AAB2F4}"/>
+          </ac:spMkLst>
+        </pc:spChg>
+        <pc:spChg chg="mod">
+          <ac:chgData name="El Bach" userId="fcdc1bb3b617d7e4" providerId="LiveId" clId="{4AFD2F5F-7525-41FA-A56F-E2F7417B1E4E}" dt="2023-07-30T15:22:56.652" v="742"/>
+          <ac:spMkLst>
+            <pc:docMk/>
+            <pc:sldMk cId="3901320852" sldId="299"/>
+            <ac:spMk id="21" creationId="{BFF5D429-C9BA-05DC-5151-BA02F40DF147}"/>
+          </ac:spMkLst>
+        </pc:spChg>
+        <pc:spChg chg="mod">
+          <ac:chgData name="El Bach" userId="fcdc1bb3b617d7e4" providerId="LiveId" clId="{4AFD2F5F-7525-41FA-A56F-E2F7417B1E4E}" dt="2023-07-30T15:22:56.652" v="742"/>
+          <ac:spMkLst>
+            <pc:docMk/>
+            <pc:sldMk cId="3901320852" sldId="299"/>
+            <ac:spMk id="22" creationId="{431CE704-74D2-F489-398F-6D30D18732A3}"/>
+          </ac:spMkLst>
+        </pc:spChg>
+        <pc:spChg chg="mod">
+          <ac:chgData name="El Bach" userId="fcdc1bb3b617d7e4" providerId="LiveId" clId="{4AFD2F5F-7525-41FA-A56F-E2F7417B1E4E}" dt="2023-07-30T15:22:56.652" v="742"/>
+          <ac:spMkLst>
+            <pc:docMk/>
+            <pc:sldMk cId="3901320852" sldId="299"/>
+            <ac:spMk id="23" creationId="{94F50846-E985-1F2F-56C5-BA09E5A3B637}"/>
+          </ac:spMkLst>
+        </pc:spChg>
+        <pc:spChg chg="mod">
+          <ac:chgData name="El Bach" userId="fcdc1bb3b617d7e4" providerId="LiveId" clId="{4AFD2F5F-7525-41FA-A56F-E2F7417B1E4E}" dt="2023-07-30T15:22:56.652" v="742"/>
+          <ac:spMkLst>
+            <pc:docMk/>
+            <pc:sldMk cId="3901320852" sldId="299"/>
+            <ac:spMk id="24" creationId="{F61A2C5B-1899-A99D-5225-20F4C9AE8B12}"/>
+          </ac:spMkLst>
+        </pc:spChg>
+        <pc:spChg chg="mod">
+          <ac:chgData name="El Bach" userId="fcdc1bb3b617d7e4" providerId="LiveId" clId="{4AFD2F5F-7525-41FA-A56F-E2F7417B1E4E}" dt="2023-07-30T15:22:56.652" v="742"/>
+          <ac:spMkLst>
+            <pc:docMk/>
+            <pc:sldMk cId="3901320852" sldId="299"/>
+            <ac:spMk id="25" creationId="{4589A335-85C0-B1C2-64DF-C8963E124A64}"/>
+          </ac:spMkLst>
+        </pc:spChg>
+        <pc:spChg chg="mod">
+          <ac:chgData name="El Bach" userId="fcdc1bb3b617d7e4" providerId="LiveId" clId="{4AFD2F5F-7525-41FA-A56F-E2F7417B1E4E}" dt="2023-07-30T15:23:03.378" v="743"/>
+          <ac:spMkLst>
+            <pc:docMk/>
+            <pc:sldMk cId="3901320852" sldId="299"/>
+            <ac:spMk id="27" creationId="{C2095EF1-AEB7-C004-4D84-988DD2005F86}"/>
+          </ac:spMkLst>
+        </pc:spChg>
+        <pc:spChg chg="mod">
+          <ac:chgData name="El Bach" userId="fcdc1bb3b617d7e4" providerId="LiveId" clId="{4AFD2F5F-7525-41FA-A56F-E2F7417B1E4E}" dt="2023-07-30T15:23:03.378" v="743"/>
+          <ac:spMkLst>
+            <pc:docMk/>
+            <pc:sldMk cId="3901320852" sldId="299"/>
+            <ac:spMk id="28" creationId="{D4DDD3F6-7ED7-E025-3C25-34B82399A41C}"/>
+          </ac:spMkLst>
+        </pc:spChg>
+        <pc:spChg chg="mod">
+          <ac:chgData name="El Bach" userId="fcdc1bb3b617d7e4" providerId="LiveId" clId="{4AFD2F5F-7525-41FA-A56F-E2F7417B1E4E}" dt="2023-07-30T15:23:03.378" v="743"/>
+          <ac:spMkLst>
+            <pc:docMk/>
+            <pc:sldMk cId="3901320852" sldId="299"/>
+            <ac:spMk id="29" creationId="{E355DC4D-2673-C226-8824-7912B28F6350}"/>
+          </ac:spMkLst>
+        </pc:spChg>
+        <pc:spChg chg="mod">
+          <ac:chgData name="El Bach" userId="fcdc1bb3b617d7e4" providerId="LiveId" clId="{4AFD2F5F-7525-41FA-A56F-E2F7417B1E4E}" dt="2023-07-30T15:23:03.378" v="743"/>
+          <ac:spMkLst>
+            <pc:docMk/>
+            <pc:sldMk cId="3901320852" sldId="299"/>
+            <ac:spMk id="30" creationId="{6EEC8E6F-317D-6A09-0A74-8A28E8112875}"/>
+          </ac:spMkLst>
+        </pc:spChg>
+        <pc:spChg chg="mod">
+          <ac:chgData name="El Bach" userId="fcdc1bb3b617d7e4" providerId="LiveId" clId="{4AFD2F5F-7525-41FA-A56F-E2F7417B1E4E}" dt="2023-07-30T15:23:03.378" v="743"/>
+          <ac:spMkLst>
+            <pc:docMk/>
+            <pc:sldMk cId="3901320852" sldId="299"/>
+            <ac:spMk id="31" creationId="{6686435A-638D-AA02-5459-070373731B61}"/>
+          </ac:spMkLst>
+        </pc:spChg>
+        <pc:spChg chg="mod">
+          <ac:chgData name="El Bach" userId="fcdc1bb3b617d7e4" providerId="LiveId" clId="{4AFD2F5F-7525-41FA-A56F-E2F7417B1E4E}" dt="2023-07-30T15:23:03.378" v="743"/>
+          <ac:spMkLst>
+            <pc:docMk/>
+            <pc:sldMk cId="3901320852" sldId="299"/>
+            <ac:spMk id="32" creationId="{974C6389-BD01-2261-2BFF-9D823BE1C038}"/>
+          </ac:spMkLst>
+        </pc:spChg>
+        <pc:spChg chg="mod">
+          <ac:chgData name="El Bach" userId="fcdc1bb3b617d7e4" providerId="LiveId" clId="{4AFD2F5F-7525-41FA-A56F-E2F7417B1E4E}" dt="2023-07-30T15:23:03.378" v="743"/>
+          <ac:spMkLst>
+            <pc:docMk/>
+            <pc:sldMk cId="3901320852" sldId="299"/>
+            <ac:spMk id="34" creationId="{6249F497-90BC-66AF-AABF-EFA1F69944CE}"/>
+          </ac:spMkLst>
+        </pc:spChg>
+        <pc:spChg chg="mod">
+          <ac:chgData name="El Bach" userId="fcdc1bb3b617d7e4" providerId="LiveId" clId="{4AFD2F5F-7525-41FA-A56F-E2F7417B1E4E}" dt="2023-07-30T15:23:03.378" v="743"/>
+          <ac:spMkLst>
+            <pc:docMk/>
+            <pc:sldMk cId="3901320852" sldId="299"/>
+            <ac:spMk id="35" creationId="{00AB73B0-05D6-174A-3402-998F834B15C0}"/>
+          </ac:spMkLst>
+        </pc:spChg>
+        <pc:spChg chg="mod">
+          <ac:chgData name="El Bach" userId="fcdc1bb3b617d7e4" providerId="LiveId" clId="{4AFD2F5F-7525-41FA-A56F-E2F7417B1E4E}" dt="2023-07-30T15:23:03.378" v="743"/>
+          <ac:spMkLst>
+            <pc:docMk/>
+            <pc:sldMk cId="3901320852" sldId="299"/>
+            <ac:spMk id="36" creationId="{3E00A13D-B623-AB15-E30F-795BCDC30AC9}"/>
+          </ac:spMkLst>
+        </pc:spChg>
+        <pc:spChg chg="mod">
+          <ac:chgData name="El Bach" userId="fcdc1bb3b617d7e4" providerId="LiveId" clId="{4AFD2F5F-7525-41FA-A56F-E2F7417B1E4E}" dt="2023-07-30T15:23:03.378" v="743"/>
+          <ac:spMkLst>
+            <pc:docMk/>
+            <pc:sldMk cId="3901320852" sldId="299"/>
+            <ac:spMk id="37" creationId="{63C8DA08-A843-9F0B-7024-68FCC49E0E1F}"/>
+          </ac:spMkLst>
+        </pc:spChg>
+        <pc:spChg chg="mod">
+          <ac:chgData name="El Bach" userId="fcdc1bb3b617d7e4" providerId="LiveId" clId="{4AFD2F5F-7525-41FA-A56F-E2F7417B1E4E}" dt="2023-07-30T15:23:03.378" v="743"/>
+          <ac:spMkLst>
+            <pc:docMk/>
+            <pc:sldMk cId="3901320852" sldId="299"/>
+            <ac:spMk id="38" creationId="{4BE049F2-6714-E3D1-0F8B-F3A39C40AF64}"/>
+          </ac:spMkLst>
+        </pc:spChg>
+        <pc:spChg chg="mod">
+          <ac:chgData name="El Bach" userId="fcdc1bb3b617d7e4" providerId="LiveId" clId="{4AFD2F5F-7525-41FA-A56F-E2F7417B1E4E}" dt="2023-07-30T15:23:03.378" v="743"/>
+          <ac:spMkLst>
+            <pc:docMk/>
+            <pc:sldMk cId="3901320852" sldId="299"/>
+            <ac:spMk id="39" creationId="{EB2A36C8-E7AC-AB3A-92A1-A4A51DF30F55}"/>
+          </ac:spMkLst>
+        </pc:spChg>
+        <pc:spChg chg="mod">
+          <ac:chgData name="El Bach" userId="fcdc1bb3b617d7e4" providerId="LiveId" clId="{4AFD2F5F-7525-41FA-A56F-E2F7417B1E4E}" dt="2023-07-30T15:23:03.378" v="743"/>
+          <ac:spMkLst>
+            <pc:docMk/>
+            <pc:sldMk cId="3901320852" sldId="299"/>
+            <ac:spMk id="41" creationId="{6CAEE010-798F-28B7-5BE4-FEB4E4966B40}"/>
+          </ac:spMkLst>
+        </pc:spChg>
+        <pc:spChg chg="mod">
+          <ac:chgData name="El Bach" userId="fcdc1bb3b617d7e4" providerId="LiveId" clId="{4AFD2F5F-7525-41FA-A56F-E2F7417B1E4E}" dt="2023-07-30T15:23:03.378" v="743"/>
+          <ac:spMkLst>
+            <pc:docMk/>
+            <pc:sldMk cId="3901320852" sldId="299"/>
+            <ac:spMk id="42" creationId="{8140BABB-7C3B-0D01-816E-8839975F8C9E}"/>
+          </ac:spMkLst>
+        </pc:spChg>
+        <pc:spChg chg="mod">
+          <ac:chgData name="El Bach" userId="fcdc1bb3b617d7e4" providerId="LiveId" clId="{4AFD2F5F-7525-41FA-A56F-E2F7417B1E4E}" dt="2023-07-30T15:23:03.378" v="743"/>
+          <ac:spMkLst>
+            <pc:docMk/>
+            <pc:sldMk cId="3901320852" sldId="299"/>
+            <ac:spMk id="43" creationId="{D1DF88F2-12BF-5BD3-6C80-1C37D0C4E8F9}"/>
+          </ac:spMkLst>
+        </pc:spChg>
+        <pc:spChg chg="mod">
+          <ac:chgData name="El Bach" userId="fcdc1bb3b617d7e4" providerId="LiveId" clId="{4AFD2F5F-7525-41FA-A56F-E2F7417B1E4E}" dt="2023-07-30T15:23:03.378" v="743"/>
+          <ac:spMkLst>
+            <pc:docMk/>
+            <pc:sldMk cId="3901320852" sldId="299"/>
+            <ac:spMk id="44" creationId="{A6209384-153A-FBA7-64F7-B140B485D649}"/>
+          </ac:spMkLst>
+        </pc:spChg>
+        <pc:spChg chg="mod">
+          <ac:chgData name="El Bach" userId="fcdc1bb3b617d7e4" providerId="LiveId" clId="{4AFD2F5F-7525-41FA-A56F-E2F7417B1E4E}" dt="2023-07-30T15:23:03.378" v="743"/>
+          <ac:spMkLst>
+            <pc:docMk/>
+            <pc:sldMk cId="3901320852" sldId="299"/>
+            <ac:spMk id="45" creationId="{53BA0755-64C1-44A4-2F69-59EA74D83102}"/>
+          </ac:spMkLst>
+        </pc:spChg>
+        <pc:spChg chg="mod">
+          <ac:chgData name="El Bach" userId="fcdc1bb3b617d7e4" providerId="LiveId" clId="{4AFD2F5F-7525-41FA-A56F-E2F7417B1E4E}" dt="2023-07-30T15:23:03.378" v="743"/>
+          <ac:spMkLst>
+            <pc:docMk/>
+            <pc:sldMk cId="3901320852" sldId="299"/>
+            <ac:spMk id="46" creationId="{BA234DB4-1B83-E46E-032C-52AA3E97A964}"/>
+          </ac:spMkLst>
+        </pc:spChg>
+        <pc:spChg chg="mod">
+          <ac:chgData name="El Bach" userId="fcdc1bb3b617d7e4" providerId="LiveId" clId="{4AFD2F5F-7525-41FA-A56F-E2F7417B1E4E}" dt="2023-07-30T15:23:03.378" v="743"/>
+          <ac:spMkLst>
+            <pc:docMk/>
+            <pc:sldMk cId="3901320852" sldId="299"/>
+            <ac:spMk id="48" creationId="{20A9679D-B52E-EF54-549A-CEF319E06C4D}"/>
+          </ac:spMkLst>
+        </pc:spChg>
+        <pc:spChg chg="mod">
+          <ac:chgData name="El Bach" userId="fcdc1bb3b617d7e4" providerId="LiveId" clId="{4AFD2F5F-7525-41FA-A56F-E2F7417B1E4E}" dt="2023-07-30T15:23:03.378" v="743"/>
+          <ac:spMkLst>
+            <pc:docMk/>
+            <pc:sldMk cId="3901320852" sldId="299"/>
+            <ac:spMk id="49" creationId="{57CDD5DF-DCEB-07C1-7107-5A6D32CE3DC3}"/>
+          </ac:spMkLst>
+        </pc:spChg>
+        <pc:spChg chg="mod">
+          <ac:chgData name="El Bach" userId="fcdc1bb3b617d7e4" providerId="LiveId" clId="{4AFD2F5F-7525-41FA-A56F-E2F7417B1E4E}" dt="2023-07-30T15:23:03.378" v="743"/>
+          <ac:spMkLst>
+            <pc:docMk/>
+            <pc:sldMk cId="3901320852" sldId="299"/>
+            <ac:spMk id="50" creationId="{D128A7DD-6617-9B7E-8A6B-24D4B57A4EA8}"/>
+          </ac:spMkLst>
+        </pc:spChg>
+        <pc:spChg chg="mod">
+          <ac:chgData name="El Bach" userId="fcdc1bb3b617d7e4" providerId="LiveId" clId="{4AFD2F5F-7525-41FA-A56F-E2F7417B1E4E}" dt="2023-07-30T15:23:03.378" v="743"/>
+          <ac:spMkLst>
+            <pc:docMk/>
+            <pc:sldMk cId="3901320852" sldId="299"/>
+            <ac:spMk id="51" creationId="{90DBF2BE-7FD4-8B9D-9CBE-FF7A2E32A58B}"/>
+          </ac:spMkLst>
+        </pc:spChg>
+        <pc:spChg chg="mod">
+          <ac:chgData name="El Bach" userId="fcdc1bb3b617d7e4" providerId="LiveId" clId="{4AFD2F5F-7525-41FA-A56F-E2F7417B1E4E}" dt="2023-07-30T15:23:03.378" v="743"/>
+          <ac:spMkLst>
+            <pc:docMk/>
+            <pc:sldMk cId="3901320852" sldId="299"/>
+            <ac:spMk id="52" creationId="{443D9F9A-89B7-81F3-5ABE-714B84CFE026}"/>
+          </ac:spMkLst>
+        </pc:spChg>
+        <pc:spChg chg="mod">
+          <ac:chgData name="El Bach" userId="fcdc1bb3b617d7e4" providerId="LiveId" clId="{4AFD2F5F-7525-41FA-A56F-E2F7417B1E4E}" dt="2023-07-30T15:23:03.378" v="743"/>
+          <ac:spMkLst>
+            <pc:docMk/>
+            <pc:sldMk cId="3901320852" sldId="299"/>
+            <ac:spMk id="53" creationId="{468C4AB1-7A9D-C9D0-3A85-C8219EAE578F}"/>
+          </ac:spMkLst>
+        </pc:spChg>
+        <pc:spChg chg="mod">
+          <ac:chgData name="El Bach" userId="fcdc1bb3b617d7e4" providerId="LiveId" clId="{4AFD2F5F-7525-41FA-A56F-E2F7417B1E4E}" dt="2023-07-30T15:23:03.378" v="743"/>
+          <ac:spMkLst>
+            <pc:docMk/>
+            <pc:sldMk cId="3901320852" sldId="299"/>
+            <ac:spMk id="55" creationId="{EA01BF48-D3BC-7942-338B-9614C7F65B8C}"/>
+          </ac:spMkLst>
+        </pc:spChg>
+        <pc:spChg chg="mod">
+          <ac:chgData name="El Bach" userId="fcdc1bb3b617d7e4" providerId="LiveId" clId="{4AFD2F5F-7525-41FA-A56F-E2F7417B1E4E}" dt="2023-07-30T15:23:03.378" v="743"/>
+          <ac:spMkLst>
+            <pc:docMk/>
+            <pc:sldMk cId="3901320852" sldId="299"/>
+            <ac:spMk id="56" creationId="{4FB1B3EC-3C69-66B8-90CD-6B2B546DF71A}"/>
+          </ac:spMkLst>
+        </pc:spChg>
+        <pc:spChg chg="mod">
+          <ac:chgData name="El Bach" userId="fcdc1bb3b617d7e4" providerId="LiveId" clId="{4AFD2F5F-7525-41FA-A56F-E2F7417B1E4E}" dt="2023-07-30T15:23:03.378" v="743"/>
+          <ac:spMkLst>
+            <pc:docMk/>
+            <pc:sldMk cId="3901320852" sldId="299"/>
+            <ac:spMk id="57" creationId="{D7570E49-F816-C38A-2C13-7F92E42A4CD3}"/>
+          </ac:spMkLst>
+        </pc:spChg>
+        <pc:spChg chg="mod">
+          <ac:chgData name="El Bach" userId="fcdc1bb3b617d7e4" providerId="LiveId" clId="{4AFD2F5F-7525-41FA-A56F-E2F7417B1E4E}" dt="2023-07-30T15:23:03.378" v="743"/>
+          <ac:spMkLst>
+            <pc:docMk/>
+            <pc:sldMk cId="3901320852" sldId="299"/>
+            <ac:spMk id="58" creationId="{01F3E5DB-518B-3754-38A4-87E483266C1E}"/>
+          </ac:spMkLst>
+        </pc:spChg>
+        <pc:spChg chg="mod">
+          <ac:chgData name="El Bach" userId="fcdc1bb3b617d7e4" providerId="LiveId" clId="{4AFD2F5F-7525-41FA-A56F-E2F7417B1E4E}" dt="2023-07-30T15:23:03.378" v="743"/>
+          <ac:spMkLst>
+            <pc:docMk/>
+            <pc:sldMk cId="3901320852" sldId="299"/>
+            <ac:spMk id="59" creationId="{3B718031-2A33-F0E6-0015-BF8E9B8034D9}"/>
+          </ac:spMkLst>
+        </pc:spChg>
+        <pc:spChg chg="mod">
+          <ac:chgData name="El Bach" userId="fcdc1bb3b617d7e4" providerId="LiveId" clId="{4AFD2F5F-7525-41FA-A56F-E2F7417B1E4E}" dt="2023-07-30T15:23:03.378" v="743"/>
+          <ac:spMkLst>
+            <pc:docMk/>
+            <pc:sldMk cId="3901320852" sldId="299"/>
+            <ac:spMk id="60" creationId="{0B23B895-B98A-C157-FC72-08D1121FC5E9}"/>
+          </ac:spMkLst>
+        </pc:spChg>
+        <pc:spChg chg="mod">
+          <ac:chgData name="El Bach" userId="fcdc1bb3b617d7e4" providerId="LiveId" clId="{4AFD2F5F-7525-41FA-A56F-E2F7417B1E4E}" dt="2023-07-30T15:23:03.378" v="743"/>
+          <ac:spMkLst>
+            <pc:docMk/>
+            <pc:sldMk cId="3901320852" sldId="299"/>
+            <ac:spMk id="62" creationId="{6D544D14-C6BD-8CD1-4FB9-E9F635CAB4C2}"/>
+          </ac:spMkLst>
+        </pc:spChg>
+        <pc:spChg chg="mod">
+          <ac:chgData name="El Bach" userId="fcdc1bb3b617d7e4" providerId="LiveId" clId="{4AFD2F5F-7525-41FA-A56F-E2F7417B1E4E}" dt="2023-07-30T15:23:03.378" v="743"/>
+          <ac:spMkLst>
+            <pc:docMk/>
+            <pc:sldMk cId="3901320852" sldId="299"/>
+            <ac:spMk id="63" creationId="{190090C9-D296-C206-C6A7-02FDCAEBC8C8}"/>
+          </ac:spMkLst>
+        </pc:spChg>
+        <pc:spChg chg="mod">
+          <ac:chgData name="El Bach" userId="fcdc1bb3b617d7e4" providerId="LiveId" clId="{4AFD2F5F-7525-41FA-A56F-E2F7417B1E4E}" dt="2023-07-30T15:23:03.378" v="743"/>
+          <ac:spMkLst>
+            <pc:docMk/>
+            <pc:sldMk cId="3901320852" sldId="299"/>
+            <ac:spMk id="64" creationId="{2586DF06-53C8-6C3C-94B8-CFC9054DD8B7}"/>
+          </ac:spMkLst>
+        </pc:spChg>
+        <pc:spChg chg="mod">
+          <ac:chgData name="El Bach" userId="fcdc1bb3b617d7e4" providerId="LiveId" clId="{4AFD2F5F-7525-41FA-A56F-E2F7417B1E4E}" dt="2023-07-30T15:23:03.378" v="743"/>
+          <ac:spMkLst>
+            <pc:docMk/>
+            <pc:sldMk cId="3901320852" sldId="299"/>
+            <ac:spMk id="65" creationId="{EC1C639B-34E3-8B22-2167-2283782B86E9}"/>
+          </ac:spMkLst>
+        </pc:spChg>
+        <pc:spChg chg="mod">
+          <ac:chgData name="El Bach" userId="fcdc1bb3b617d7e4" providerId="LiveId" clId="{4AFD2F5F-7525-41FA-A56F-E2F7417B1E4E}" dt="2023-07-30T15:23:03.378" v="743"/>
+          <ac:spMkLst>
+            <pc:docMk/>
+            <pc:sldMk cId="3901320852" sldId="299"/>
+            <ac:spMk id="66" creationId="{800CA56C-4AD6-71EA-C22B-B90F86E39ACA}"/>
+          </ac:spMkLst>
+        </pc:spChg>
+        <pc:spChg chg="mod">
+          <ac:chgData name="El Bach" userId="fcdc1bb3b617d7e4" providerId="LiveId" clId="{4AFD2F5F-7525-41FA-A56F-E2F7417B1E4E}" dt="2023-07-30T15:23:03.378" v="743"/>
+          <ac:spMkLst>
+            <pc:docMk/>
+            <pc:sldMk cId="3901320852" sldId="299"/>
+            <ac:spMk id="67" creationId="{E4D49614-6736-6806-156A-39FD391FB046}"/>
+          </ac:spMkLst>
+        </pc:spChg>
+        <pc:spChg chg="add mod">
+          <ac:chgData name="El Bach" userId="fcdc1bb3b617d7e4" providerId="LiveId" clId="{4AFD2F5F-7525-41FA-A56F-E2F7417B1E4E}" dt="2023-07-30T15:24:06.794" v="755" actId="14100"/>
+          <ac:spMkLst>
+            <pc:docMk/>
+            <pc:sldMk cId="3901320852" sldId="299"/>
+            <ac:spMk id="68" creationId="{39E6CACC-649A-A651-1C65-0273574B0F69}"/>
+          </ac:spMkLst>
+        </pc:spChg>
+        <pc:grpChg chg="add mod">
+          <ac:chgData name="El Bach" userId="fcdc1bb3b617d7e4" providerId="LiveId" clId="{4AFD2F5F-7525-41FA-A56F-E2F7417B1E4E}" dt="2023-07-30T15:22:56.652" v="742"/>
+          <ac:grpSpMkLst>
+            <pc:docMk/>
+            <pc:sldMk cId="3901320852" sldId="299"/>
+            <ac:grpSpMk id="5" creationId="{AAE2F4B9-A510-897D-1F85-A7354BF3C5B9}"/>
+          </ac:grpSpMkLst>
+        </pc:grpChg>
+        <pc:grpChg chg="add mod">
+          <ac:chgData name="El Bach" userId="fcdc1bb3b617d7e4" providerId="LiveId" clId="{4AFD2F5F-7525-41FA-A56F-E2F7417B1E4E}" dt="2023-07-30T15:23:54.458" v="751" actId="1076"/>
+          <ac:grpSpMkLst>
+            <pc:docMk/>
+            <pc:sldMk cId="3901320852" sldId="299"/>
+            <ac:grpSpMk id="26" creationId="{0BB29E5F-9BE7-0851-DC50-9690715D417F}"/>
+          </ac:grpSpMkLst>
+        </pc:grpChg>
+        <pc:grpChg chg="add mod">
+          <ac:chgData name="El Bach" userId="fcdc1bb3b617d7e4" providerId="LiveId" clId="{4AFD2F5F-7525-41FA-A56F-E2F7417B1E4E}" dt="2023-07-30T15:23:54.458" v="751" actId="1076"/>
+          <ac:grpSpMkLst>
+            <pc:docMk/>
+            <pc:sldMk cId="3901320852" sldId="299"/>
+            <ac:grpSpMk id="33" creationId="{CB0F8DFD-C85F-A896-7604-D3F05F878A51}"/>
+          </ac:grpSpMkLst>
+        </pc:grpChg>
+        <pc:grpChg chg="add mod">
+          <ac:chgData name="El Bach" userId="fcdc1bb3b617d7e4" providerId="LiveId" clId="{4AFD2F5F-7525-41FA-A56F-E2F7417B1E4E}" dt="2023-07-30T15:23:54.458" v="751" actId="1076"/>
+          <ac:grpSpMkLst>
+            <pc:docMk/>
+            <pc:sldMk cId="3901320852" sldId="299"/>
+            <ac:grpSpMk id="40" creationId="{EC638849-110C-65E2-6D8C-C8FD4DB2A38B}"/>
+          </ac:grpSpMkLst>
+        </pc:grpChg>
+        <pc:grpChg chg="add mod">
+          <ac:chgData name="El Bach" userId="fcdc1bb3b617d7e4" providerId="LiveId" clId="{4AFD2F5F-7525-41FA-A56F-E2F7417B1E4E}" dt="2023-07-30T15:23:54.458" v="751" actId="1076"/>
+          <ac:grpSpMkLst>
+            <pc:docMk/>
+            <pc:sldMk cId="3901320852" sldId="299"/>
+            <ac:grpSpMk id="47" creationId="{94C9B669-250D-1FFB-9A53-479C7CF01B5E}"/>
+          </ac:grpSpMkLst>
+        </pc:grpChg>
+        <pc:grpChg chg="add mod">
+          <ac:chgData name="El Bach" userId="fcdc1bb3b617d7e4" providerId="LiveId" clId="{4AFD2F5F-7525-41FA-A56F-E2F7417B1E4E}" dt="2023-07-30T15:23:54.458" v="751" actId="1076"/>
+          <ac:grpSpMkLst>
+            <pc:docMk/>
+            <pc:sldMk cId="3901320852" sldId="299"/>
+            <ac:grpSpMk id="54" creationId="{35EFA6CA-8DB4-9D75-85CA-7787B2C5C45A}"/>
+          </ac:grpSpMkLst>
+        </pc:grpChg>
+        <pc:grpChg chg="add mod">
+          <ac:chgData name="El Bach" userId="fcdc1bb3b617d7e4" providerId="LiveId" clId="{4AFD2F5F-7525-41FA-A56F-E2F7417B1E4E}" dt="2023-07-30T15:23:54.458" v="751" actId="1076"/>
+          <ac:grpSpMkLst>
+            <pc:docMk/>
+            <pc:sldMk cId="3901320852" sldId="299"/>
+            <ac:grpSpMk id="61" creationId="{0CF40B37-2C9E-7087-26BC-D7A7275FDA9E}"/>
+          </ac:grpSpMkLst>
+        </pc:grpChg>
+      </pc:sldChg>
+    </pc:docChg>
+  </pc:docChgLst>
 </pc:chgInfo>
 </file>
 
@@ -10089,7 +10089,7 @@
       <dgm:spPr/>
     </dgm:pt>
     <dgm:pt modelId="{EC44B593-F133-4209-BC47-8578CA766E6A}" type="pres">
-      <dgm:prSet presAssocID="{74CA60B1-32E0-4966-89AD-C7061CDB7B40}" presName="node" presStyleLbl="node1" presStyleIdx="0" presStyleCnt="1">
+      <dgm:prSet presAssocID="{74CA60B1-32E0-4966-89AD-C7061CDB7B40}" presName="node" presStyleLbl="node1" presStyleIdx="0" presStyleCnt="1" custLinFactNeighborX="-7049" custLinFactNeighborY="-10845">
         <dgm:presLayoutVars>
           <dgm:bulletEnabled val="1"/>
         </dgm:presLayoutVars>
@@ -10177,7 +10177,7 @@
         <a:p>
           <a:r>
             <a:rPr lang="fr-FR" sz="1800" dirty="0"/>
-            <a:t>Normalisation</a:t>
+            <a:t>Normalisation </a:t>
           </a:r>
         </a:p>
       </dgm:t>
@@ -12264,7 +12264,7 @@
       </dsp:nvSpPr>
       <dsp:spPr>
         <a:xfrm>
-          <a:off x="0" y="403256"/>
+          <a:off x="0" y="325436"/>
           <a:ext cx="1195942" cy="717565"/>
         </a:xfrm>
         <a:prstGeom prst="rect">
@@ -12330,7 +12330,7 @@
         </a:p>
       </dsp:txBody>
       <dsp:txXfrm>
-        <a:off x="0" y="403256"/>
+        <a:off x="0" y="325436"/>
         <a:ext cx="1195942" cy="717565"/>
       </dsp:txXfrm>
     </dsp:sp>
@@ -12496,7 +12496,7 @@
           </a:pPr>
           <a:r>
             <a:rPr lang="fr-FR" sz="1800" kern="1200" dirty="0"/>
-            <a:t>Normalisation</a:t>
+            <a:t>Normalisation </a:t>
           </a:r>
         </a:p>
       </dsp:txBody>
@@ -23444,7 +23444,7 @@
             <a:pPr rtl="0"/>
             <a:fld id="{43367168-A7C3-4A51-ACFE-4D76B720982F}" type="datetime1">
               <a:rPr lang="fr-FR" smtClean="0"/>
-              <a:t>03/08/2023</a:t>
+              <a:t>04/08/2023</a:t>
             </a:fld>
             <a:endParaRPr lang="fr-FR"/>
           </a:p>
@@ -34402,7 +34402,7 @@
         </p:nvSpPr>
         <p:spPr>
           <a:xfrm>
-            <a:off x="6073009" y="4142654"/>
+            <a:off x="5795251" y="4119311"/>
             <a:ext cx="2629053" cy="307777"/>
           </a:xfrm>
           <a:prstGeom prst="rect">
@@ -34441,8 +34441,8 @@
         </p:nvSpPr>
         <p:spPr>
           <a:xfrm>
-            <a:off x="657330" y="5090451"/>
-            <a:ext cx="1770070" cy="1200329"/>
+            <a:off x="589896" y="4753440"/>
+            <a:ext cx="1770070" cy="2123658"/>
           </a:xfrm>
           <a:prstGeom prst="rect">
             <a:avLst/>
@@ -34493,49 +34493,21 @@
               </a:rPr>
               <a:t>es mots qui sont importants pour un document particulier tout en prenant en compte leur pertinence globale dans le corpus.</a:t>
             </a:r>
-            <a:endParaRPr lang="fr-FR" sz="1200" dirty="0"/>
           </a:p>
-        </p:txBody>
-      </p:sp>
-      <p:sp>
-        <p:nvSpPr>
-          <p:cNvPr id="8" name="ZoneTexte 7">
-            <a:extLst>
-              <a:ext uri="{FF2B5EF4-FFF2-40B4-BE49-F238E27FC236}">
-                <a16:creationId xmlns:a16="http://schemas.microsoft.com/office/drawing/2014/main" id="{53FBCA76-44D8-F034-5771-7ADFE08B2FDC}"/>
-              </a:ext>
-            </a:extLst>
-          </p:cNvPr>
-          <p:cNvSpPr txBox="1"/>
-          <p:nvPr/>
-        </p:nvSpPr>
-        <p:spPr>
-          <a:xfrm>
-            <a:off x="3326566" y="5090450"/>
-            <a:ext cx="1770070" cy="461665"/>
-          </a:xfrm>
-          <a:prstGeom prst="rect">
-            <a:avLst/>
-          </a:prstGeom>
-          <a:noFill/>
-        </p:spPr>
-        <p:txBody>
-          <a:bodyPr wrap="square" rtlCol="0">
-            <a:spAutoFit/>
-          </a:bodyPr>
-          <a:lstStyle/>
           <a:p>
+            <a:pPr marL="171450" indent="-171450">
+              <a:buFontTx/>
+              <a:buChar char="-"/>
+            </a:pPr>
             <a:r>
-              <a:rPr lang="fr-FR" sz="1200" b="0" i="0" dirty="0">
+              <a:rPr lang="fr-FR" sz="1200" dirty="0">
                 <a:solidFill>
                   <a:srgbClr val="D1D5DB"/>
                 </a:solidFill>
-                <a:effectLst/>
                 <a:latin typeface="Söhne"/>
               </a:rPr>
-              <a:t>Analyse du contexte de chaque mot.</a:t>
+              <a:t>Faiblesses : vecteur de très grande dimension, perte de l’information contextuelle</a:t>
             </a:r>
-            <a:endParaRPr lang="fr-FR" sz="1200" dirty="0"/>
           </a:p>
         </p:txBody>
       </p:sp>
@@ -34553,8 +34525,8 @@
         </p:nvSpPr>
         <p:spPr>
           <a:xfrm>
-            <a:off x="6486434" y="5090450"/>
-            <a:ext cx="1770070" cy="830997"/>
+            <a:off x="6443178" y="4759568"/>
+            <a:ext cx="1770070" cy="1200329"/>
           </a:xfrm>
           <a:prstGeom prst="rect">
             <a:avLst/>
@@ -34586,6 +34558,25 @@
               </a:rPr>
               <a:t>g contextuel permet de mieux capturer l’ambiguïté et la polysémie des mots.</a:t>
             </a:r>
+          </a:p>
+          <a:p>
+            <a:endParaRPr lang="fr-FR" sz="1200" dirty="0">
+              <a:solidFill>
+                <a:srgbClr val="D1D5DB"/>
+              </a:solidFill>
+              <a:latin typeface="Söhne"/>
+            </a:endParaRPr>
+          </a:p>
+          <a:p>
+            <a:r>
+              <a:rPr lang="fr-FR" sz="1200" dirty="0">
+                <a:solidFill>
+                  <a:srgbClr val="D1D5DB"/>
+                </a:solidFill>
+                <a:latin typeface="Söhne"/>
+              </a:rPr>
+              <a:t>Faiblesse : Lenteur</a:t>
+            </a:r>
             <a:endParaRPr lang="fr-FR" sz="1200" dirty="0"/>
           </a:p>
         </p:txBody>
@@ -34604,7 +34595,7 @@
         </p:nvSpPr>
         <p:spPr>
           <a:xfrm>
-            <a:off x="9646302" y="5013507"/>
+            <a:off x="9246223" y="4753440"/>
             <a:ext cx="1948762" cy="1277273"/>
           </a:xfrm>
           <a:prstGeom prst="rect">
@@ -34638,6 +34629,99 @@
               <a:t>ncodage de phrases ou de paragraphe complets en une seule représentation vectorielle. Cela permet de capturer la signification sémantique globale de toute la phrase.</a:t>
             </a:r>
             <a:endParaRPr lang="fr-FR" sz="1100" dirty="0"/>
+          </a:p>
+        </p:txBody>
+      </p:sp>
+      <p:sp>
+        <p:nvSpPr>
+          <p:cNvPr id="11" name="ZoneTexte 10">
+            <a:extLst>
+              <a:ext uri="{FF2B5EF4-FFF2-40B4-BE49-F238E27FC236}">
+                <a16:creationId xmlns:a16="http://schemas.microsoft.com/office/drawing/2014/main" id="{56CF8BFB-DB1E-A383-7139-BA4819D9C1C4}"/>
+              </a:ext>
+            </a:extLst>
+          </p:cNvPr>
+          <p:cNvSpPr txBox="1"/>
+          <p:nvPr/>
+        </p:nvSpPr>
+        <p:spPr>
+          <a:xfrm>
+            <a:off x="3212667" y="4753440"/>
+            <a:ext cx="1860311" cy="1384995"/>
+          </a:xfrm>
+          <a:prstGeom prst="rect">
+            <a:avLst/>
+          </a:prstGeom>
+          <a:noFill/>
+        </p:spPr>
+        <p:txBody>
+          <a:bodyPr wrap="square" rtlCol="0">
+            <a:spAutoFit/>
+          </a:bodyPr>
+          <a:lstStyle/>
+          <a:p>
+            <a:r>
+              <a:rPr lang="fr-FR" sz="1200" b="0" i="0" dirty="0">
+                <a:solidFill>
+                  <a:srgbClr val="D1D5DB"/>
+                </a:solidFill>
+                <a:effectLst/>
+                <a:latin typeface="Söhne"/>
+              </a:rPr>
+              <a:t>-Modèle basé sur des RN</a:t>
+            </a:r>
+          </a:p>
+          <a:p>
+            <a:r>
+              <a:rPr lang="fr-FR" sz="1200" dirty="0">
+                <a:solidFill>
+                  <a:srgbClr val="D1D5DB"/>
+                </a:solidFill>
+                <a:latin typeface="Söhne"/>
+              </a:rPr>
+              <a:t>-Construction de représentations vectorielles des mots</a:t>
+            </a:r>
+          </a:p>
+          <a:p>
+            <a:r>
+              <a:rPr lang="fr-FR" sz="1200" dirty="0">
+                <a:solidFill>
+                  <a:srgbClr val="D1D5DB"/>
+                </a:solidFill>
+                <a:latin typeface="Söhne"/>
+              </a:rPr>
+              <a:t>-Analyse du contexte</a:t>
+            </a:r>
+          </a:p>
+          <a:p>
+            <a:r>
+              <a:rPr lang="fr-FR" sz="1200" dirty="0">
+                <a:solidFill>
+                  <a:srgbClr val="D1D5DB"/>
+                </a:solidFill>
+                <a:latin typeface="Söhne"/>
+              </a:rPr>
+              <a:t>- Faiblesse : </a:t>
+            </a:r>
+            <a:r>
+              <a:rPr lang="fr-FR" sz="1200" dirty="0" err="1">
+                <a:solidFill>
+                  <a:srgbClr val="D1D5DB"/>
+                </a:solidFill>
+                <a:latin typeface="Söhne"/>
+              </a:rPr>
+              <a:t>embedding</a:t>
+            </a:r>
+            <a:r>
+              <a:rPr lang="fr-FR" sz="1200" dirty="0">
+                <a:solidFill>
+                  <a:srgbClr val="D1D5DB"/>
+                </a:solidFill>
+                <a:latin typeface="Söhne"/>
+              </a:rPr>
+              <a:t> statique pour chaque mot</a:t>
+            </a:r>
+            <a:endParaRPr lang="fr-FR" sz="1200" dirty="0"/>
           </a:p>
         </p:txBody>
       </p:sp>
@@ -35282,7 +35366,7 @@
         </p:nvSpPr>
         <p:spPr>
           <a:xfrm>
-            <a:off x="131899" y="3860713"/>
+            <a:off x="131899" y="3880169"/>
             <a:ext cx="1667701" cy="923330"/>
           </a:xfrm>
           <a:prstGeom prst="rect">
@@ -35332,7 +35416,7 @@
         </p:nvSpPr>
         <p:spPr>
           <a:xfrm>
-            <a:off x="9819931" y="4029991"/>
+            <a:off x="196033" y="4983302"/>
             <a:ext cx="1691490" cy="584775"/>
           </a:xfrm>
           <a:prstGeom prst="rect">
@@ -35450,6 +35534,1473 @@
           </a:prstGeom>
         </p:spPr>
       </p:pic>
+      <p:sp>
+        <p:nvSpPr>
+          <p:cNvPr id="4" name="ZoneTexte 3">
+            <a:extLst>
+              <a:ext uri="{FF2B5EF4-FFF2-40B4-BE49-F238E27FC236}">
+                <a16:creationId xmlns:a16="http://schemas.microsoft.com/office/drawing/2014/main" id="{8533FD41-DDBB-CD8C-E8DB-47B96FA49333}"/>
+              </a:ext>
+            </a:extLst>
+          </p:cNvPr>
+          <p:cNvSpPr txBox="1"/>
+          <p:nvPr/>
+        </p:nvSpPr>
+        <p:spPr>
+          <a:xfrm>
+            <a:off x="8852170" y="2361532"/>
+            <a:ext cx="2756170" cy="1200329"/>
+          </a:xfrm>
+          <a:prstGeom prst="rect">
+            <a:avLst/>
+          </a:prstGeom>
+          <a:noFill/>
+        </p:spPr>
+        <p:txBody>
+          <a:bodyPr wrap="square" rtlCol="0">
+            <a:spAutoFit/>
+          </a:bodyPr>
+          <a:lstStyle/>
+          <a:p>
+            <a:pPr rtl="0">
+              <a:spcBef>
+                <a:spcPts val="0"/>
+              </a:spcBef>
+              <a:spcAft>
+                <a:spcPts val="0"/>
+              </a:spcAft>
+            </a:pPr>
+            <a:r>
+              <a:rPr lang="fr-FR" sz="1800" b="0" i="0" u="none" strike="noStrike" dirty="0">
+                <a:effectLst/>
+                <a:latin typeface="Arial" panose="020B0604020202020204" pitchFamily="34" charset="0"/>
+              </a:rPr>
+              <a:t>-Topic modeling, des sujets latents </a:t>
+            </a:r>
+          </a:p>
+          <a:p>
+            <a:br>
+              <a:rPr lang="fr-FR" dirty="0"/>
+            </a:br>
+            <a:endParaRPr lang="fr-FR" dirty="0"/>
+          </a:p>
+        </p:txBody>
+      </p:sp>
+      <p:sp>
+        <p:nvSpPr>
+          <p:cNvPr id="8" name="ZoneTexte 7">
+            <a:extLst>
+              <a:ext uri="{FF2B5EF4-FFF2-40B4-BE49-F238E27FC236}">
+                <a16:creationId xmlns:a16="http://schemas.microsoft.com/office/drawing/2014/main" id="{B1CB60B6-C9F8-A368-6F54-F1FB99170C3E}"/>
+              </a:ext>
+            </a:extLst>
+          </p:cNvPr>
+          <p:cNvSpPr txBox="1"/>
+          <p:nvPr/>
+        </p:nvSpPr>
+        <p:spPr>
+          <a:xfrm>
+            <a:off x="8778852" y="3336085"/>
+            <a:ext cx="3030659" cy="1754326"/>
+          </a:xfrm>
+          <a:prstGeom prst="rect">
+            <a:avLst/>
+          </a:prstGeom>
+          <a:noFill/>
+        </p:spPr>
+        <p:txBody>
+          <a:bodyPr wrap="square" rtlCol="0">
+            <a:spAutoFit/>
+          </a:bodyPr>
+          <a:lstStyle/>
+          <a:p>
+            <a:pPr rtl="0">
+              <a:spcBef>
+                <a:spcPts val="0"/>
+              </a:spcBef>
+              <a:spcAft>
+                <a:spcPts val="0"/>
+              </a:spcAft>
+            </a:pPr>
+            <a:r>
+              <a:rPr lang="fr-FR" sz="1800" b="0" i="0" u="none" strike="noStrike" dirty="0">
+                <a:effectLst/>
+                <a:latin typeface="Arial" panose="020B0604020202020204" pitchFamily="34" charset="0"/>
+              </a:rPr>
+              <a:t>-</a:t>
+            </a:r>
+            <a:r>
+              <a:rPr lang="fr-FR" dirty="0">
+                <a:latin typeface="Arial" panose="020B0604020202020204" pitchFamily="34" charset="0"/>
+              </a:rPr>
+              <a:t>H</a:t>
+            </a:r>
+            <a:r>
+              <a:rPr lang="fr-FR" sz="1800" b="0" i="0" u="none" strike="noStrike" dirty="0">
+                <a:effectLst/>
+                <a:latin typeface="Arial" panose="020B0604020202020204" pitchFamily="34" charset="0"/>
+              </a:rPr>
+              <a:t>ypothèse : chaque document est un mélange de sujets, et chaque sujets est un mélange de mots.</a:t>
+            </a:r>
+            <a:endParaRPr lang="fr-FR" b="0" dirty="0">
+              <a:effectLst/>
+            </a:endParaRPr>
+          </a:p>
+          <a:p>
+            <a:br>
+              <a:rPr lang="fr-FR" dirty="0"/>
+            </a:br>
+            <a:endParaRPr lang="fr-FR" dirty="0"/>
+          </a:p>
+        </p:txBody>
+      </p:sp>
+      <p:sp>
+        <p:nvSpPr>
+          <p:cNvPr id="10" name="ZoneTexte 9">
+            <a:extLst>
+              <a:ext uri="{FF2B5EF4-FFF2-40B4-BE49-F238E27FC236}">
+                <a16:creationId xmlns:a16="http://schemas.microsoft.com/office/drawing/2014/main" id="{880EC5FB-B815-CC3A-D236-C875035AE4D1}"/>
+              </a:ext>
+            </a:extLst>
+          </p:cNvPr>
+          <p:cNvSpPr txBox="1"/>
+          <p:nvPr/>
+        </p:nvSpPr>
+        <p:spPr>
+          <a:xfrm>
+            <a:off x="8852170" y="4967912"/>
+            <a:ext cx="2756170" cy="1754326"/>
+          </a:xfrm>
+          <a:prstGeom prst="rect">
+            <a:avLst/>
+          </a:prstGeom>
+          <a:noFill/>
+        </p:spPr>
+        <p:txBody>
+          <a:bodyPr wrap="square" rtlCol="0">
+            <a:spAutoFit/>
+          </a:bodyPr>
+          <a:lstStyle/>
+          <a:p>
+            <a:pPr rtl="0">
+              <a:spcBef>
+                <a:spcPts val="0"/>
+              </a:spcBef>
+              <a:spcAft>
+                <a:spcPts val="0"/>
+              </a:spcAft>
+            </a:pPr>
+            <a:r>
+              <a:rPr lang="fr-FR" sz="1800" b="0" i="0" u="none" strike="noStrike" dirty="0" err="1">
+                <a:effectLst/>
+                <a:latin typeface="Arial" panose="020B0604020202020204" pitchFamily="34" charset="0"/>
+              </a:rPr>
+              <a:t>Metrics</a:t>
+            </a:r>
+            <a:r>
+              <a:rPr lang="fr-FR" sz="1800" b="0" i="0" u="none" strike="noStrike" dirty="0">
+                <a:effectLst/>
+                <a:latin typeface="Arial" panose="020B0604020202020204" pitchFamily="34" charset="0"/>
+              </a:rPr>
+              <a:t> :</a:t>
+            </a:r>
+          </a:p>
+          <a:p>
+            <a:pPr marL="285750" indent="-285750" rtl="0">
+              <a:spcBef>
+                <a:spcPts val="0"/>
+              </a:spcBef>
+              <a:spcAft>
+                <a:spcPts val="0"/>
+              </a:spcAft>
+              <a:buFontTx/>
+              <a:buChar char="-"/>
+            </a:pPr>
+            <a:r>
+              <a:rPr lang="fr-FR" dirty="0">
+                <a:latin typeface="Arial" panose="020B0604020202020204" pitchFamily="34" charset="0"/>
+              </a:rPr>
+              <a:t>Cohérence score</a:t>
+            </a:r>
+          </a:p>
+          <a:p>
+            <a:pPr marL="285750" indent="-285750" rtl="0">
+              <a:spcBef>
+                <a:spcPts val="0"/>
+              </a:spcBef>
+              <a:spcAft>
+                <a:spcPts val="0"/>
+              </a:spcAft>
+              <a:buFontTx/>
+              <a:buChar char="-"/>
+            </a:pPr>
+            <a:r>
+              <a:rPr lang="fr-FR" sz="1800" b="0" i="0" u="none" strike="noStrike" dirty="0">
+                <a:effectLst/>
+                <a:latin typeface="Arial" panose="020B0604020202020204" pitchFamily="34" charset="0"/>
+              </a:rPr>
+              <a:t>perplexité</a:t>
+            </a:r>
+          </a:p>
+          <a:p>
+            <a:pPr rtl="0">
+              <a:spcBef>
+                <a:spcPts val="0"/>
+              </a:spcBef>
+              <a:spcAft>
+                <a:spcPts val="0"/>
+              </a:spcAft>
+            </a:pPr>
+            <a:endParaRPr lang="fr-FR" sz="1800" b="0" i="0" u="none" strike="noStrike" dirty="0">
+              <a:effectLst/>
+              <a:latin typeface="Arial" panose="020B0604020202020204" pitchFamily="34" charset="0"/>
+            </a:endParaRPr>
+          </a:p>
+          <a:p>
+            <a:br>
+              <a:rPr lang="fr-FR" dirty="0"/>
+            </a:br>
+            <a:endParaRPr lang="fr-FR" dirty="0"/>
+          </a:p>
+        </p:txBody>
+      </p:sp>
+      <p:grpSp>
+        <p:nvGrpSpPr>
+          <p:cNvPr id="11" name="그룹 44">
+            <a:extLst>
+              <a:ext uri="{FF2B5EF4-FFF2-40B4-BE49-F238E27FC236}">
+                <a16:creationId xmlns:a16="http://schemas.microsoft.com/office/drawing/2014/main" id="{70B4A28E-5D15-C210-3D3B-B996AC4A8937}"/>
+              </a:ext>
+            </a:extLst>
+          </p:cNvPr>
+          <p:cNvGrpSpPr/>
+          <p:nvPr/>
+        </p:nvGrpSpPr>
+        <p:grpSpPr>
+          <a:xfrm>
+            <a:off x="11155833" y="5275689"/>
+            <a:ext cx="452507" cy="260522"/>
+            <a:chOff x="5891581" y="2362174"/>
+            <a:chExt cx="820573" cy="715636"/>
+          </a:xfrm>
+        </p:grpSpPr>
+        <p:sp>
+          <p:nvSpPr>
+            <p:cNvPr id="12" name="자유형: 도형 45">
+              <a:extLst>
+                <a:ext uri="{FF2B5EF4-FFF2-40B4-BE49-F238E27FC236}">
+                  <a16:creationId xmlns:a16="http://schemas.microsoft.com/office/drawing/2014/main" id="{6012A444-2D17-1224-9951-A5911BFCB2EF}"/>
+                </a:ext>
+              </a:extLst>
+            </p:cNvPr>
+            <p:cNvSpPr/>
+            <p:nvPr/>
+          </p:nvSpPr>
+          <p:spPr>
+            <a:xfrm rot="117423">
+              <a:off x="5891581" y="2362174"/>
+              <a:ext cx="591975" cy="701881"/>
+            </a:xfrm>
+            <a:custGeom>
+              <a:avLst/>
+              <a:gdLst>
+                <a:gd name="connsiteX0" fmla="*/ 591547 w 591975"/>
+                <a:gd name="connsiteY0" fmla="*/ 605108 h 701881"/>
+                <a:gd name="connsiteX1" fmla="*/ 591121 w 591975"/>
+                <a:gd name="connsiteY1" fmla="*/ 311262 h 701881"/>
+                <a:gd name="connsiteX2" fmla="*/ 582468 w 591975"/>
+                <a:gd name="connsiteY2" fmla="*/ 293555 h 701881"/>
+                <a:gd name="connsiteX3" fmla="*/ 543295 w 591975"/>
+                <a:gd name="connsiteY3" fmla="*/ 292568 h 701881"/>
+                <a:gd name="connsiteX4" fmla="*/ 500679 w 591975"/>
+                <a:gd name="connsiteY4" fmla="*/ 270004 h 701881"/>
+                <a:gd name="connsiteX5" fmla="*/ 349877 w 591975"/>
+                <a:gd name="connsiteY5" fmla="*/ 15956 h 701881"/>
+                <a:gd name="connsiteX6" fmla="*/ 322239 w 591975"/>
+                <a:gd name="connsiteY6" fmla="*/ 44 h 701881"/>
+                <a:gd name="connsiteX7" fmla="*/ 254713 w 591975"/>
+                <a:gd name="connsiteY7" fmla="*/ 325 h 701881"/>
+                <a:gd name="connsiteX8" fmla="*/ 235041 w 591975"/>
+                <a:gd name="connsiteY8" fmla="*/ 18239 h 701881"/>
+                <a:gd name="connsiteX9" fmla="*/ 235992 w 591975"/>
+                <a:gd name="connsiteY9" fmla="*/ 208613 h 701881"/>
+                <a:gd name="connsiteX10" fmla="*/ 211825 w 591975"/>
+                <a:gd name="connsiteY10" fmla="*/ 234293 h 701881"/>
+                <a:gd name="connsiteX11" fmla="*/ 25385 w 591975"/>
+                <a:gd name="connsiteY11" fmla="*/ 233378 h 701881"/>
+                <a:gd name="connsiteX12" fmla="*/ 1127 w 591975"/>
+                <a:gd name="connsiteY12" fmla="*/ 257780 h 701881"/>
+                <a:gd name="connsiteX13" fmla="*/ 185 w 591975"/>
+                <a:gd name="connsiteY13" fmla="*/ 572922 h 701881"/>
+                <a:gd name="connsiteX14" fmla="*/ 32027 w 591975"/>
+                <a:gd name="connsiteY14" fmla="*/ 660320 h 701881"/>
+                <a:gd name="connsiteX15" fmla="*/ 64721 w 591975"/>
+                <a:gd name="connsiteY15" fmla="*/ 688202 h 701881"/>
+                <a:gd name="connsiteX16" fmla="*/ 95666 w 591975"/>
+                <a:gd name="connsiteY16" fmla="*/ 701160 h 701881"/>
+                <a:gd name="connsiteX17" fmla="*/ 318742 w 591975"/>
+                <a:gd name="connsiteY17" fmla="*/ 701704 h 701881"/>
+                <a:gd name="connsiteX18" fmla="*/ 438055 w 591975"/>
+                <a:gd name="connsiteY18" fmla="*/ 656378 h 701881"/>
+                <a:gd name="connsiteX19" fmla="*/ 472398 w 591975"/>
+                <a:gd name="connsiteY19" fmla="*/ 642596 h 701881"/>
+                <a:gd name="connsiteX20" fmla="*/ 578508 w 591975"/>
+                <a:gd name="connsiteY20" fmla="*/ 642034 h 701881"/>
+                <a:gd name="connsiteX21" fmla="*/ 591547 w 591975"/>
+                <a:gd name="connsiteY21" fmla="*/ 605108 h 701881"/>
+              </a:gdLst>
+              <a:ahLst/>
+              <a:cxnLst>
+                <a:cxn ang="0">
+                  <a:pos x="connsiteX0" y="connsiteY0"/>
+                </a:cxn>
+                <a:cxn ang="0">
+                  <a:pos x="connsiteX1" y="connsiteY1"/>
+                </a:cxn>
+                <a:cxn ang="0">
+                  <a:pos x="connsiteX2" y="connsiteY2"/>
+                </a:cxn>
+                <a:cxn ang="0">
+                  <a:pos x="connsiteX3" y="connsiteY3"/>
+                </a:cxn>
+                <a:cxn ang="0">
+                  <a:pos x="connsiteX4" y="connsiteY4"/>
+                </a:cxn>
+                <a:cxn ang="0">
+                  <a:pos x="connsiteX5" y="connsiteY5"/>
+                </a:cxn>
+                <a:cxn ang="0">
+                  <a:pos x="connsiteX6" y="connsiteY6"/>
+                </a:cxn>
+                <a:cxn ang="0">
+                  <a:pos x="connsiteX7" y="connsiteY7"/>
+                </a:cxn>
+                <a:cxn ang="0">
+                  <a:pos x="connsiteX8" y="connsiteY8"/>
+                </a:cxn>
+                <a:cxn ang="0">
+                  <a:pos x="connsiteX9" y="connsiteY9"/>
+                </a:cxn>
+                <a:cxn ang="0">
+                  <a:pos x="connsiteX10" y="connsiteY10"/>
+                </a:cxn>
+                <a:cxn ang="0">
+                  <a:pos x="connsiteX11" y="connsiteY11"/>
+                </a:cxn>
+                <a:cxn ang="0">
+                  <a:pos x="connsiteX12" y="connsiteY12"/>
+                </a:cxn>
+                <a:cxn ang="0">
+                  <a:pos x="connsiteX13" y="connsiteY13"/>
+                </a:cxn>
+                <a:cxn ang="0">
+                  <a:pos x="connsiteX14" y="connsiteY14"/>
+                </a:cxn>
+                <a:cxn ang="0">
+                  <a:pos x="connsiteX15" y="connsiteY15"/>
+                </a:cxn>
+                <a:cxn ang="0">
+                  <a:pos x="connsiteX16" y="connsiteY16"/>
+                </a:cxn>
+                <a:cxn ang="0">
+                  <a:pos x="connsiteX17" y="connsiteY17"/>
+                </a:cxn>
+                <a:cxn ang="0">
+                  <a:pos x="connsiteX18" y="connsiteY18"/>
+                </a:cxn>
+                <a:cxn ang="0">
+                  <a:pos x="connsiteX19" y="connsiteY19"/>
+                </a:cxn>
+                <a:cxn ang="0">
+                  <a:pos x="connsiteX20" y="connsiteY20"/>
+                </a:cxn>
+                <a:cxn ang="0">
+                  <a:pos x="connsiteX21" y="connsiteY21"/>
+                </a:cxn>
+              </a:cxnLst>
+              <a:rect l="l" t="t" r="r" b="b"/>
+              <a:pathLst>
+                <a:path w="591975" h="701881">
+                  <a:moveTo>
+                    <a:pt x="591547" y="605108"/>
+                  </a:moveTo>
+                  <a:cubicBezTo>
+                    <a:pt x="591294" y="591570"/>
+                    <a:pt x="591294" y="313264"/>
+                    <a:pt x="591121" y="311262"/>
+                  </a:cubicBezTo>
+                  <a:cubicBezTo>
+                    <a:pt x="590079" y="299436"/>
+                    <a:pt x="593921" y="292975"/>
+                    <a:pt x="582468" y="293555"/>
+                  </a:cubicBezTo>
+                  <a:cubicBezTo>
+                    <a:pt x="569510" y="294217"/>
+                    <a:pt x="561019" y="292767"/>
+                    <a:pt x="543295" y="292568"/>
+                  </a:cubicBezTo>
+                  <a:cubicBezTo>
+                    <a:pt x="522635" y="292341"/>
+                    <a:pt x="509124" y="288671"/>
+                    <a:pt x="500679" y="270004"/>
+                  </a:cubicBezTo>
+                  <a:cubicBezTo>
+                    <a:pt x="498440" y="265057"/>
+                    <a:pt x="396897" y="96205"/>
+                    <a:pt x="349877" y="15956"/>
+                  </a:cubicBezTo>
+                  <a:cubicBezTo>
+                    <a:pt x="343126" y="4430"/>
+                    <a:pt x="335361" y="-482"/>
+                    <a:pt x="322239" y="44"/>
+                  </a:cubicBezTo>
+                  <a:cubicBezTo>
+                    <a:pt x="299740" y="941"/>
+                    <a:pt x="279895" y="1240"/>
+                    <a:pt x="254713" y="325"/>
+                  </a:cubicBezTo>
+                  <a:cubicBezTo>
+                    <a:pt x="238602" y="-1252"/>
+                    <a:pt x="234814" y="2626"/>
+                    <a:pt x="235041" y="18239"/>
+                  </a:cubicBezTo>
+                  <a:cubicBezTo>
+                    <a:pt x="235947" y="81688"/>
+                    <a:pt x="235294" y="145155"/>
+                    <a:pt x="235992" y="208613"/>
+                  </a:cubicBezTo>
+                  <a:cubicBezTo>
+                    <a:pt x="236182" y="226156"/>
+                    <a:pt x="233156" y="234864"/>
+                    <a:pt x="211825" y="234293"/>
+                  </a:cubicBezTo>
+                  <a:cubicBezTo>
+                    <a:pt x="149718" y="232617"/>
+                    <a:pt x="87528" y="234076"/>
+                    <a:pt x="25385" y="233378"/>
+                  </a:cubicBezTo>
+                  <a:cubicBezTo>
+                    <a:pt x="7389" y="233178"/>
+                    <a:pt x="-1419" y="237782"/>
+                    <a:pt x="1127" y="257780"/>
+                  </a:cubicBezTo>
+                  <a:cubicBezTo>
+                    <a:pt x="2912" y="271853"/>
+                    <a:pt x="2314" y="482207"/>
+                    <a:pt x="185" y="572922"/>
+                  </a:cubicBezTo>
+                  <a:cubicBezTo>
+                    <a:pt x="-667" y="609385"/>
+                    <a:pt x="130" y="636923"/>
+                    <a:pt x="32027" y="660320"/>
+                  </a:cubicBezTo>
+                  <a:cubicBezTo>
+                    <a:pt x="42792" y="668956"/>
+                    <a:pt x="54209" y="678053"/>
+                    <a:pt x="64721" y="688202"/>
+                  </a:cubicBezTo>
+                  <a:cubicBezTo>
+                    <a:pt x="75486" y="696838"/>
+                    <a:pt x="82925" y="701224"/>
+                    <a:pt x="95666" y="701160"/>
+                  </a:cubicBezTo>
+                  <a:cubicBezTo>
+                    <a:pt x="170024" y="700789"/>
+                    <a:pt x="244383" y="700979"/>
+                    <a:pt x="318742" y="701704"/>
+                  </a:cubicBezTo>
+                  <a:cubicBezTo>
+                    <a:pt x="392049" y="702420"/>
+                    <a:pt x="392421" y="703172"/>
+                    <a:pt x="438055" y="656378"/>
+                  </a:cubicBezTo>
+                  <a:cubicBezTo>
+                    <a:pt x="448222" y="645948"/>
+                    <a:pt x="458570" y="642451"/>
+                    <a:pt x="472398" y="642596"/>
+                  </a:cubicBezTo>
+                  <a:cubicBezTo>
+                    <a:pt x="507765" y="642967"/>
+                    <a:pt x="543132" y="642297"/>
+                    <a:pt x="578508" y="642034"/>
+                  </a:cubicBezTo>
+                  <a:cubicBezTo>
+                    <a:pt x="594782" y="633987"/>
+                    <a:pt x="591928" y="625333"/>
+                    <a:pt x="591547" y="605108"/>
+                  </a:cubicBezTo>
+                  <a:close/>
+                </a:path>
+              </a:pathLst>
+            </a:custGeom>
+            <a:solidFill>
+              <a:srgbClr val="020286"/>
+            </a:solidFill>
+            <a:ln w="904" cap="flat">
+              <a:noFill/>
+              <a:prstDash val="solid"/>
+              <a:miter/>
+            </a:ln>
+          </p:spPr>
+          <p:txBody>
+            <a:bodyPr rtlCol="0" anchor="ctr"/>
+            <a:lstStyle/>
+            <a:p>
+              <a:endParaRPr lang="ko-KR" altLang="en-US"/>
+            </a:p>
+          </p:txBody>
+        </p:sp>
+        <p:sp>
+          <p:nvSpPr>
+            <p:cNvPr id="13" name="자유형: 도형 46">
+              <a:extLst>
+                <a:ext uri="{FF2B5EF4-FFF2-40B4-BE49-F238E27FC236}">
+                  <a16:creationId xmlns:a16="http://schemas.microsoft.com/office/drawing/2014/main" id="{6DA5B273-D128-57C9-8905-796652DD08B2}"/>
+                </a:ext>
+              </a:extLst>
+            </p:cNvPr>
+            <p:cNvSpPr/>
+            <p:nvPr/>
+          </p:nvSpPr>
+          <p:spPr>
+            <a:xfrm rot="117423">
+              <a:off x="5891676" y="2365655"/>
+              <a:ext cx="820478" cy="702224"/>
+            </a:xfrm>
+            <a:custGeom>
+              <a:avLst/>
+              <a:gdLst>
+                <a:gd name="connsiteX0" fmla="*/ 820187 w 820478"/>
+                <a:gd name="connsiteY0" fmla="*/ 683789 h 702224"/>
+                <a:gd name="connsiteX1" fmla="*/ 820477 w 820478"/>
+                <a:gd name="connsiteY1" fmla="*/ 253739 h 702224"/>
+                <a:gd name="connsiteX2" fmla="*/ 801013 w 820478"/>
+                <a:gd name="connsiteY2" fmla="*/ 233994 h 702224"/>
+                <a:gd name="connsiteX3" fmla="*/ 622873 w 820478"/>
+                <a:gd name="connsiteY3" fmla="*/ 233894 h 702224"/>
+                <a:gd name="connsiteX4" fmla="*/ 585703 w 820478"/>
+                <a:gd name="connsiteY4" fmla="*/ 269905 h 702224"/>
+                <a:gd name="connsiteX5" fmla="*/ 578426 w 820478"/>
+                <a:gd name="connsiteY5" fmla="*/ 292631 h 702224"/>
+                <a:gd name="connsiteX6" fmla="*/ 543286 w 820478"/>
+                <a:gd name="connsiteY6" fmla="*/ 292568 h 702224"/>
+                <a:gd name="connsiteX7" fmla="*/ 500669 w 820478"/>
+                <a:gd name="connsiteY7" fmla="*/ 270004 h 702224"/>
+                <a:gd name="connsiteX8" fmla="*/ 349868 w 820478"/>
+                <a:gd name="connsiteY8" fmla="*/ 15956 h 702224"/>
+                <a:gd name="connsiteX9" fmla="*/ 322230 w 820478"/>
+                <a:gd name="connsiteY9" fmla="*/ 44 h 702224"/>
+                <a:gd name="connsiteX10" fmla="*/ 254704 w 820478"/>
+                <a:gd name="connsiteY10" fmla="*/ 325 h 702224"/>
+                <a:gd name="connsiteX11" fmla="*/ 235032 w 820478"/>
+                <a:gd name="connsiteY11" fmla="*/ 18239 h 702224"/>
+                <a:gd name="connsiteX12" fmla="*/ 235983 w 820478"/>
+                <a:gd name="connsiteY12" fmla="*/ 208613 h 702224"/>
+                <a:gd name="connsiteX13" fmla="*/ 211816 w 820478"/>
+                <a:gd name="connsiteY13" fmla="*/ 234293 h 702224"/>
+                <a:gd name="connsiteX14" fmla="*/ 25376 w 820478"/>
+                <a:gd name="connsiteY14" fmla="*/ 233378 h 702224"/>
+                <a:gd name="connsiteX15" fmla="*/ 1127 w 820478"/>
+                <a:gd name="connsiteY15" fmla="*/ 257790 h 702224"/>
+                <a:gd name="connsiteX16" fmla="*/ 185 w 820478"/>
+                <a:gd name="connsiteY16" fmla="*/ 572931 h 702224"/>
+                <a:gd name="connsiteX17" fmla="*/ 32027 w 820478"/>
+                <a:gd name="connsiteY17" fmla="*/ 660329 h 702224"/>
+                <a:gd name="connsiteX18" fmla="*/ 64721 w 820478"/>
+                <a:gd name="connsiteY18" fmla="*/ 688211 h 702224"/>
+                <a:gd name="connsiteX19" fmla="*/ 95666 w 820478"/>
+                <a:gd name="connsiteY19" fmla="*/ 701169 h 702224"/>
+                <a:gd name="connsiteX20" fmla="*/ 318742 w 820478"/>
+                <a:gd name="connsiteY20" fmla="*/ 701713 h 702224"/>
+                <a:gd name="connsiteX21" fmla="*/ 438055 w 820478"/>
+                <a:gd name="connsiteY21" fmla="*/ 656387 h 702224"/>
+                <a:gd name="connsiteX22" fmla="*/ 472398 w 820478"/>
+                <a:gd name="connsiteY22" fmla="*/ 642605 h 702224"/>
+                <a:gd name="connsiteX23" fmla="*/ 578508 w 820478"/>
+                <a:gd name="connsiteY23" fmla="*/ 642043 h 702224"/>
+                <a:gd name="connsiteX24" fmla="*/ 585086 w 820478"/>
+                <a:gd name="connsiteY24" fmla="*/ 684034 h 702224"/>
+                <a:gd name="connsiteX25" fmla="*/ 602720 w 820478"/>
+                <a:gd name="connsiteY25" fmla="*/ 702220 h 702224"/>
+                <a:gd name="connsiteX26" fmla="*/ 803351 w 820478"/>
+                <a:gd name="connsiteY26" fmla="*/ 701369 h 702224"/>
+                <a:gd name="connsiteX27" fmla="*/ 820187 w 820478"/>
+                <a:gd name="connsiteY27" fmla="*/ 683789 h 702224"/>
+              </a:gdLst>
+              <a:ahLst/>
+              <a:cxnLst>
+                <a:cxn ang="0">
+                  <a:pos x="connsiteX0" y="connsiteY0"/>
+                </a:cxn>
+                <a:cxn ang="0">
+                  <a:pos x="connsiteX1" y="connsiteY1"/>
+                </a:cxn>
+                <a:cxn ang="0">
+                  <a:pos x="connsiteX2" y="connsiteY2"/>
+                </a:cxn>
+                <a:cxn ang="0">
+                  <a:pos x="connsiteX3" y="connsiteY3"/>
+                </a:cxn>
+                <a:cxn ang="0">
+                  <a:pos x="connsiteX4" y="connsiteY4"/>
+                </a:cxn>
+                <a:cxn ang="0">
+                  <a:pos x="connsiteX5" y="connsiteY5"/>
+                </a:cxn>
+                <a:cxn ang="0">
+                  <a:pos x="connsiteX6" y="connsiteY6"/>
+                </a:cxn>
+                <a:cxn ang="0">
+                  <a:pos x="connsiteX7" y="connsiteY7"/>
+                </a:cxn>
+                <a:cxn ang="0">
+                  <a:pos x="connsiteX8" y="connsiteY8"/>
+                </a:cxn>
+                <a:cxn ang="0">
+                  <a:pos x="connsiteX9" y="connsiteY9"/>
+                </a:cxn>
+                <a:cxn ang="0">
+                  <a:pos x="connsiteX10" y="connsiteY10"/>
+                </a:cxn>
+                <a:cxn ang="0">
+                  <a:pos x="connsiteX11" y="connsiteY11"/>
+                </a:cxn>
+                <a:cxn ang="0">
+                  <a:pos x="connsiteX12" y="connsiteY12"/>
+                </a:cxn>
+                <a:cxn ang="0">
+                  <a:pos x="connsiteX13" y="connsiteY13"/>
+                </a:cxn>
+                <a:cxn ang="0">
+                  <a:pos x="connsiteX14" y="connsiteY14"/>
+                </a:cxn>
+                <a:cxn ang="0">
+                  <a:pos x="connsiteX15" y="connsiteY15"/>
+                </a:cxn>
+                <a:cxn ang="0">
+                  <a:pos x="connsiteX16" y="connsiteY16"/>
+                </a:cxn>
+                <a:cxn ang="0">
+                  <a:pos x="connsiteX17" y="connsiteY17"/>
+                </a:cxn>
+                <a:cxn ang="0">
+                  <a:pos x="connsiteX18" y="connsiteY18"/>
+                </a:cxn>
+                <a:cxn ang="0">
+                  <a:pos x="connsiteX19" y="connsiteY19"/>
+                </a:cxn>
+                <a:cxn ang="0">
+                  <a:pos x="connsiteX20" y="connsiteY20"/>
+                </a:cxn>
+                <a:cxn ang="0">
+                  <a:pos x="connsiteX21" y="connsiteY21"/>
+                </a:cxn>
+                <a:cxn ang="0">
+                  <a:pos x="connsiteX22" y="connsiteY22"/>
+                </a:cxn>
+                <a:cxn ang="0">
+                  <a:pos x="connsiteX23" y="connsiteY23"/>
+                </a:cxn>
+                <a:cxn ang="0">
+                  <a:pos x="connsiteX24" y="connsiteY24"/>
+                </a:cxn>
+                <a:cxn ang="0">
+                  <a:pos x="connsiteX25" y="connsiteY25"/>
+                </a:cxn>
+                <a:cxn ang="0">
+                  <a:pos x="connsiteX26" y="connsiteY26"/>
+                </a:cxn>
+                <a:cxn ang="0">
+                  <a:pos x="connsiteX27" y="connsiteY27"/>
+                </a:cxn>
+              </a:cxnLst>
+              <a:rect l="l" t="t" r="r" b="b"/>
+              <a:pathLst>
+                <a:path w="820478" h="702224">
+                  <a:moveTo>
+                    <a:pt x="820187" y="683789"/>
+                  </a:moveTo>
+                  <a:cubicBezTo>
+                    <a:pt x="819707" y="662631"/>
+                    <a:pt x="819825" y="375934"/>
+                    <a:pt x="820477" y="253739"/>
+                  </a:cubicBezTo>
+                  <a:cubicBezTo>
+                    <a:pt x="820559" y="239105"/>
+                    <a:pt x="816916" y="233758"/>
+                    <a:pt x="801013" y="233994"/>
+                  </a:cubicBezTo>
+                  <a:cubicBezTo>
+                    <a:pt x="741651" y="234864"/>
+                    <a:pt x="682253" y="234184"/>
+                    <a:pt x="622873" y="233894"/>
+                  </a:cubicBezTo>
+                  <a:cubicBezTo>
+                    <a:pt x="586065" y="233722"/>
+                    <a:pt x="586101" y="233568"/>
+                    <a:pt x="585703" y="269905"/>
+                  </a:cubicBezTo>
+                  <a:cubicBezTo>
+                    <a:pt x="585603" y="278758"/>
+                    <a:pt x="587225" y="288698"/>
+                    <a:pt x="578426" y="292631"/>
+                  </a:cubicBezTo>
+                  <a:cubicBezTo>
+                    <a:pt x="568096" y="293555"/>
+                    <a:pt x="558029" y="292731"/>
+                    <a:pt x="543286" y="292568"/>
+                  </a:cubicBezTo>
+                  <a:cubicBezTo>
+                    <a:pt x="522625" y="292341"/>
+                    <a:pt x="509115" y="288671"/>
+                    <a:pt x="500669" y="270004"/>
+                  </a:cubicBezTo>
+                  <a:cubicBezTo>
+                    <a:pt x="498431" y="265057"/>
+                    <a:pt x="396888" y="96205"/>
+                    <a:pt x="349868" y="15956"/>
+                  </a:cubicBezTo>
+                  <a:cubicBezTo>
+                    <a:pt x="343117" y="4430"/>
+                    <a:pt x="335351" y="-482"/>
+                    <a:pt x="322230" y="44"/>
+                  </a:cubicBezTo>
+                  <a:cubicBezTo>
+                    <a:pt x="299731" y="941"/>
+                    <a:pt x="279886" y="1240"/>
+                    <a:pt x="254704" y="325"/>
+                  </a:cubicBezTo>
+                  <a:cubicBezTo>
+                    <a:pt x="238593" y="-1252"/>
+                    <a:pt x="234805" y="2626"/>
+                    <a:pt x="235032" y="18239"/>
+                  </a:cubicBezTo>
+                  <a:cubicBezTo>
+                    <a:pt x="235938" y="81688"/>
+                    <a:pt x="235285" y="145155"/>
+                    <a:pt x="235983" y="208613"/>
+                  </a:cubicBezTo>
+                  <a:cubicBezTo>
+                    <a:pt x="236173" y="226156"/>
+                    <a:pt x="233147" y="234864"/>
+                    <a:pt x="211816" y="234293"/>
+                  </a:cubicBezTo>
+                  <a:cubicBezTo>
+                    <a:pt x="149708" y="232617"/>
+                    <a:pt x="87519" y="234076"/>
+                    <a:pt x="25376" y="233378"/>
+                  </a:cubicBezTo>
+                  <a:cubicBezTo>
+                    <a:pt x="7389" y="233188"/>
+                    <a:pt x="-1419" y="237791"/>
+                    <a:pt x="1127" y="257790"/>
+                  </a:cubicBezTo>
+                  <a:cubicBezTo>
+                    <a:pt x="2912" y="271862"/>
+                    <a:pt x="2314" y="482207"/>
+                    <a:pt x="185" y="572931"/>
+                  </a:cubicBezTo>
+                  <a:cubicBezTo>
+                    <a:pt x="-667" y="609394"/>
+                    <a:pt x="130" y="636932"/>
+                    <a:pt x="32027" y="660329"/>
+                  </a:cubicBezTo>
+                  <a:cubicBezTo>
+                    <a:pt x="42792" y="668965"/>
+                    <a:pt x="54209" y="678062"/>
+                    <a:pt x="64721" y="688211"/>
+                  </a:cubicBezTo>
+                  <a:cubicBezTo>
+                    <a:pt x="75486" y="696847"/>
+                    <a:pt x="82925" y="701233"/>
+                    <a:pt x="95666" y="701169"/>
+                  </a:cubicBezTo>
+                  <a:cubicBezTo>
+                    <a:pt x="170024" y="700798"/>
+                    <a:pt x="244383" y="700988"/>
+                    <a:pt x="318742" y="701713"/>
+                  </a:cubicBezTo>
+                  <a:cubicBezTo>
+                    <a:pt x="392049" y="702429"/>
+                    <a:pt x="392421" y="703181"/>
+                    <a:pt x="438055" y="656387"/>
+                  </a:cubicBezTo>
+                  <a:cubicBezTo>
+                    <a:pt x="448222" y="645957"/>
+                    <a:pt x="458570" y="642460"/>
+                    <a:pt x="472398" y="642605"/>
+                  </a:cubicBezTo>
+                  <a:cubicBezTo>
+                    <a:pt x="507765" y="642976"/>
+                    <a:pt x="543132" y="642306"/>
+                    <a:pt x="578508" y="642043"/>
+                  </a:cubicBezTo>
+                  <a:cubicBezTo>
+                    <a:pt x="593061" y="653968"/>
+                    <a:pt x="583954" y="670043"/>
+                    <a:pt x="585086" y="684034"/>
+                  </a:cubicBezTo>
+                  <a:cubicBezTo>
+                    <a:pt x="586110" y="696629"/>
+                    <a:pt x="588720" y="702411"/>
+                    <a:pt x="602720" y="702220"/>
+                  </a:cubicBezTo>
+                  <a:cubicBezTo>
+                    <a:pt x="669594" y="701287"/>
+                    <a:pt x="736486" y="700444"/>
+                    <a:pt x="803351" y="701369"/>
+                  </a:cubicBezTo>
+                  <a:cubicBezTo>
+                    <a:pt x="818828" y="701586"/>
+                    <a:pt x="820459" y="695687"/>
+                    <a:pt x="820187" y="683789"/>
+                  </a:cubicBezTo>
+                  <a:close/>
+                </a:path>
+              </a:pathLst>
+            </a:custGeom>
+            <a:solidFill>
+              <a:srgbClr val="37379A"/>
+            </a:solidFill>
+            <a:ln w="904" cap="flat">
+              <a:noFill/>
+              <a:prstDash val="solid"/>
+              <a:miter/>
+            </a:ln>
+          </p:spPr>
+          <p:txBody>
+            <a:bodyPr rtlCol="0" anchor="ctr"/>
+            <a:lstStyle/>
+            <a:p>
+              <a:endParaRPr lang="ko-KR" altLang="en-US"/>
+            </a:p>
+          </p:txBody>
+        </p:sp>
+        <p:sp>
+          <p:nvSpPr>
+            <p:cNvPr id="14" name="자유형: 도형 47">
+              <a:extLst>
+                <a:ext uri="{FF2B5EF4-FFF2-40B4-BE49-F238E27FC236}">
+                  <a16:creationId xmlns:a16="http://schemas.microsoft.com/office/drawing/2014/main" id="{07EDBCE7-809E-CDEA-E3E5-FDB049EF7BB1}"/>
+                </a:ext>
+              </a:extLst>
+            </p:cNvPr>
+            <p:cNvSpPr/>
+            <p:nvPr/>
+          </p:nvSpPr>
+          <p:spPr>
+            <a:xfrm rot="117423">
+              <a:off x="6472538" y="2609456"/>
+              <a:ext cx="235461" cy="468354"/>
+            </a:xfrm>
+            <a:custGeom>
+              <a:avLst/>
+              <a:gdLst>
+                <a:gd name="connsiteX0" fmla="*/ 686 w 235461"/>
+                <a:gd name="connsiteY0" fmla="*/ 36034 h 468354"/>
+                <a:gd name="connsiteX1" fmla="*/ 37856 w 235461"/>
+                <a:gd name="connsiteY1" fmla="*/ 23 h 468354"/>
+                <a:gd name="connsiteX2" fmla="*/ 215996 w 235461"/>
+                <a:gd name="connsiteY2" fmla="*/ 123 h 468354"/>
+                <a:gd name="connsiteX3" fmla="*/ 235460 w 235461"/>
+                <a:gd name="connsiteY3" fmla="*/ 19868 h 468354"/>
+                <a:gd name="connsiteX4" fmla="*/ 235170 w 235461"/>
+                <a:gd name="connsiteY4" fmla="*/ 449918 h 468354"/>
+                <a:gd name="connsiteX5" fmla="*/ 218334 w 235461"/>
+                <a:gd name="connsiteY5" fmla="*/ 467498 h 468354"/>
+                <a:gd name="connsiteX6" fmla="*/ 17703 w 235461"/>
+                <a:gd name="connsiteY6" fmla="*/ 468349 h 468354"/>
+                <a:gd name="connsiteX7" fmla="*/ 70 w 235461"/>
+                <a:gd name="connsiteY7" fmla="*/ 450163 h 468354"/>
+                <a:gd name="connsiteX8" fmla="*/ 686 w 235461"/>
+                <a:gd name="connsiteY8" fmla="*/ 36034 h 468354"/>
+              </a:gdLst>
+              <a:ahLst/>
+              <a:cxnLst>
+                <a:cxn ang="0">
+                  <a:pos x="connsiteX0" y="connsiteY0"/>
+                </a:cxn>
+                <a:cxn ang="0">
+                  <a:pos x="connsiteX1" y="connsiteY1"/>
+                </a:cxn>
+                <a:cxn ang="0">
+                  <a:pos x="connsiteX2" y="connsiteY2"/>
+                </a:cxn>
+                <a:cxn ang="0">
+                  <a:pos x="connsiteX3" y="connsiteY3"/>
+                </a:cxn>
+                <a:cxn ang="0">
+                  <a:pos x="connsiteX4" y="connsiteY4"/>
+                </a:cxn>
+                <a:cxn ang="0">
+                  <a:pos x="connsiteX5" y="connsiteY5"/>
+                </a:cxn>
+                <a:cxn ang="0">
+                  <a:pos x="connsiteX6" y="connsiteY6"/>
+                </a:cxn>
+                <a:cxn ang="0">
+                  <a:pos x="connsiteX7" y="connsiteY7"/>
+                </a:cxn>
+                <a:cxn ang="0">
+                  <a:pos x="connsiteX8" y="connsiteY8"/>
+                </a:cxn>
+              </a:cxnLst>
+              <a:rect l="l" t="t" r="r" b="b"/>
+              <a:pathLst>
+                <a:path w="235461" h="468354">
+                  <a:moveTo>
+                    <a:pt x="686" y="36034"/>
+                  </a:moveTo>
+                  <a:cubicBezTo>
+                    <a:pt x="1085" y="-303"/>
+                    <a:pt x="1057" y="-149"/>
+                    <a:pt x="37856" y="23"/>
+                  </a:cubicBezTo>
+                  <a:cubicBezTo>
+                    <a:pt x="97236" y="304"/>
+                    <a:pt x="156625" y="993"/>
+                    <a:pt x="215996" y="123"/>
+                  </a:cubicBezTo>
+                  <a:cubicBezTo>
+                    <a:pt x="231899" y="-113"/>
+                    <a:pt x="235533" y="5234"/>
+                    <a:pt x="235460" y="19868"/>
+                  </a:cubicBezTo>
+                  <a:cubicBezTo>
+                    <a:pt x="234808" y="142054"/>
+                    <a:pt x="234690" y="428760"/>
+                    <a:pt x="235170" y="449918"/>
+                  </a:cubicBezTo>
+                  <a:cubicBezTo>
+                    <a:pt x="235442" y="461807"/>
+                    <a:pt x="233811" y="467715"/>
+                    <a:pt x="218334" y="467498"/>
+                  </a:cubicBezTo>
+                  <a:cubicBezTo>
+                    <a:pt x="151469" y="466573"/>
+                    <a:pt x="84577" y="467416"/>
+                    <a:pt x="17703" y="468349"/>
+                  </a:cubicBezTo>
+                  <a:cubicBezTo>
+                    <a:pt x="3703" y="468549"/>
+                    <a:pt x="1094" y="462768"/>
+                    <a:pt x="70" y="450163"/>
+                  </a:cubicBezTo>
+                  <a:cubicBezTo>
+                    <a:pt x="-238" y="389940"/>
+                    <a:pt x="568" y="46672"/>
+                    <a:pt x="686" y="36034"/>
+                  </a:cubicBezTo>
+                  <a:close/>
+                </a:path>
+              </a:pathLst>
+            </a:custGeom>
+            <a:solidFill>
+              <a:srgbClr val="0B1862"/>
+            </a:solidFill>
+            <a:ln w="904" cap="flat">
+              <a:noFill/>
+              <a:prstDash val="solid"/>
+              <a:miter/>
+            </a:ln>
+          </p:spPr>
+          <p:txBody>
+            <a:bodyPr rtlCol="0" anchor="ctr"/>
+            <a:lstStyle/>
+            <a:p>
+              <a:endParaRPr lang="ko-KR" altLang="en-US"/>
+            </a:p>
+          </p:txBody>
+        </p:sp>
+        <p:sp>
+          <p:nvSpPr>
+            <p:cNvPr id="15" name="자유형: 도형 48">
+              <a:extLst>
+                <a:ext uri="{FF2B5EF4-FFF2-40B4-BE49-F238E27FC236}">
+                  <a16:creationId xmlns:a16="http://schemas.microsoft.com/office/drawing/2014/main" id="{2A289F8B-100D-D3B1-9AE7-1B10E86A5AAA}"/>
+                </a:ext>
+              </a:extLst>
+            </p:cNvPr>
+            <p:cNvSpPr/>
+            <p:nvPr/>
+          </p:nvSpPr>
+          <p:spPr>
+            <a:xfrm rot="117423">
+              <a:off x="6678436" y="2953027"/>
+              <a:ext cx="1736" cy="2230"/>
+            </a:xfrm>
+            <a:custGeom>
+              <a:avLst/>
+              <a:gdLst>
+                <a:gd name="connsiteX0" fmla="*/ 776 w 1736"/>
+                <a:gd name="connsiteY0" fmla="*/ 2218 h 2230"/>
+                <a:gd name="connsiteX1" fmla="*/ 6 w 1736"/>
+                <a:gd name="connsiteY1" fmla="*/ 849 h 2230"/>
+                <a:gd name="connsiteX2" fmla="*/ 894 w 1736"/>
+                <a:gd name="connsiteY2" fmla="*/ 25 h 2230"/>
+                <a:gd name="connsiteX3" fmla="*/ 1728 w 1736"/>
+                <a:gd name="connsiteY3" fmla="*/ 1393 h 2230"/>
+                <a:gd name="connsiteX4" fmla="*/ 776 w 1736"/>
+                <a:gd name="connsiteY4" fmla="*/ 2218 h 2230"/>
+              </a:gdLst>
+              <a:ahLst/>
+              <a:cxnLst>
+                <a:cxn ang="0">
+                  <a:pos x="connsiteX0" y="connsiteY0"/>
+                </a:cxn>
+                <a:cxn ang="0">
+                  <a:pos x="connsiteX1" y="connsiteY1"/>
+                </a:cxn>
+                <a:cxn ang="0">
+                  <a:pos x="connsiteX2" y="connsiteY2"/>
+                </a:cxn>
+                <a:cxn ang="0">
+                  <a:pos x="connsiteX3" y="connsiteY3"/>
+                </a:cxn>
+                <a:cxn ang="0">
+                  <a:pos x="connsiteX4" y="connsiteY4"/>
+                </a:cxn>
+              </a:cxnLst>
+              <a:rect l="l" t="t" r="r" b="b"/>
+              <a:pathLst>
+                <a:path w="1736" h="2230">
+                  <a:moveTo>
+                    <a:pt x="776" y="2218"/>
+                  </a:moveTo>
+                  <a:cubicBezTo>
+                    <a:pt x="169" y="2009"/>
+                    <a:pt x="-39" y="1484"/>
+                    <a:pt x="6" y="849"/>
+                  </a:cubicBezTo>
+                  <a:cubicBezTo>
+                    <a:pt x="42" y="333"/>
+                    <a:pt x="287" y="-111"/>
+                    <a:pt x="894" y="25"/>
+                  </a:cubicBezTo>
+                  <a:cubicBezTo>
+                    <a:pt x="1583" y="179"/>
+                    <a:pt x="1782" y="759"/>
+                    <a:pt x="1728" y="1393"/>
+                  </a:cubicBezTo>
+                  <a:cubicBezTo>
+                    <a:pt x="1691" y="1900"/>
+                    <a:pt x="1474" y="2308"/>
+                    <a:pt x="776" y="2218"/>
+                  </a:cubicBezTo>
+                  <a:close/>
+                </a:path>
+              </a:pathLst>
+            </a:custGeom>
+            <a:solidFill>
+              <a:srgbClr val="0087B2"/>
+            </a:solidFill>
+            <a:ln w="904" cap="flat">
+              <a:noFill/>
+              <a:prstDash val="solid"/>
+              <a:miter/>
+            </a:ln>
+          </p:spPr>
+          <p:txBody>
+            <a:bodyPr rtlCol="0" anchor="ctr"/>
+            <a:lstStyle/>
+            <a:p>
+              <a:endParaRPr lang="ko-KR" altLang="en-US"/>
+            </a:p>
+          </p:txBody>
+        </p:sp>
+        <p:sp>
+          <p:nvSpPr>
+            <p:cNvPr id="16" name="자유형: 도형 49">
+              <a:extLst>
+                <a:ext uri="{FF2B5EF4-FFF2-40B4-BE49-F238E27FC236}">
+                  <a16:creationId xmlns:a16="http://schemas.microsoft.com/office/drawing/2014/main" id="{7A9EE813-99AE-6F59-130D-F874CD24A570}"/>
+                </a:ext>
+              </a:extLst>
+            </p:cNvPr>
+            <p:cNvSpPr/>
+            <p:nvPr/>
+          </p:nvSpPr>
+          <p:spPr>
+            <a:xfrm rot="117423">
+              <a:off x="5951516" y="2421410"/>
+              <a:ext cx="525901" cy="585378"/>
+            </a:xfrm>
+            <a:custGeom>
+              <a:avLst/>
+              <a:gdLst>
+                <a:gd name="connsiteX0" fmla="*/ 497214 w 525901"/>
+                <a:gd name="connsiteY0" fmla="*/ 290957 h 585378"/>
+                <a:gd name="connsiteX1" fmla="*/ 525830 w 525901"/>
+                <a:gd name="connsiteY1" fmla="*/ 321821 h 585378"/>
+                <a:gd name="connsiteX2" fmla="*/ 525875 w 525901"/>
+                <a:gd name="connsiteY2" fmla="*/ 504012 h 585378"/>
+                <a:gd name="connsiteX3" fmla="*/ 504843 w 525901"/>
+                <a:gd name="connsiteY3" fmla="*/ 525768 h 585378"/>
+                <a:gd name="connsiteX4" fmla="*/ 373506 w 525901"/>
+                <a:gd name="connsiteY4" fmla="*/ 525632 h 585378"/>
+                <a:gd name="connsiteX5" fmla="*/ 355827 w 525901"/>
+                <a:gd name="connsiteY5" fmla="*/ 538001 h 585378"/>
+                <a:gd name="connsiteX6" fmla="*/ 241317 w 525901"/>
+                <a:gd name="connsiteY6" fmla="*/ 584650 h 585378"/>
+                <a:gd name="connsiteX7" fmla="*/ 53934 w 525901"/>
+                <a:gd name="connsiteY7" fmla="*/ 583481 h 585378"/>
+                <a:gd name="connsiteX8" fmla="*/ 0 w 525901"/>
+                <a:gd name="connsiteY8" fmla="*/ 530752 h 585378"/>
+                <a:gd name="connsiteX9" fmla="*/ 45 w 525901"/>
+                <a:gd name="connsiteY9" fmla="*/ 247797 h 585378"/>
+                <a:gd name="connsiteX10" fmla="*/ 13819 w 525901"/>
+                <a:gd name="connsiteY10" fmla="*/ 233408 h 585378"/>
+                <a:gd name="connsiteX11" fmla="*/ 213416 w 525901"/>
+                <a:gd name="connsiteY11" fmla="*/ 234042 h 585378"/>
+                <a:gd name="connsiteX12" fmla="*/ 234376 w 525901"/>
+                <a:gd name="connsiteY12" fmla="*/ 213527 h 585378"/>
+                <a:gd name="connsiteX13" fmla="*/ 234339 w 525901"/>
+                <a:gd name="connsiteY13" fmla="*/ 20208 h 585378"/>
+                <a:gd name="connsiteX14" fmla="*/ 239840 w 525901"/>
+                <a:gd name="connsiteY14" fmla="*/ 572 h 585378"/>
+                <a:gd name="connsiteX15" fmla="*/ 254837 w 525901"/>
+                <a:gd name="connsiteY15" fmla="*/ 13829 h 585378"/>
+                <a:gd name="connsiteX16" fmla="*/ 401733 w 525901"/>
+                <a:gd name="connsiteY16" fmla="*/ 261000 h 585378"/>
+                <a:gd name="connsiteX17" fmla="*/ 456808 w 525901"/>
+                <a:gd name="connsiteY17" fmla="*/ 292969 h 585378"/>
+                <a:gd name="connsiteX18" fmla="*/ 497214 w 525901"/>
+                <a:gd name="connsiteY18" fmla="*/ 290957 h 585378"/>
+              </a:gdLst>
+              <a:ahLst/>
+              <a:cxnLst>
+                <a:cxn ang="0">
+                  <a:pos x="connsiteX0" y="connsiteY0"/>
+                </a:cxn>
+                <a:cxn ang="0">
+                  <a:pos x="connsiteX1" y="connsiteY1"/>
+                </a:cxn>
+                <a:cxn ang="0">
+                  <a:pos x="connsiteX2" y="connsiteY2"/>
+                </a:cxn>
+                <a:cxn ang="0">
+                  <a:pos x="connsiteX3" y="connsiteY3"/>
+                </a:cxn>
+                <a:cxn ang="0">
+                  <a:pos x="connsiteX4" y="connsiteY4"/>
+                </a:cxn>
+                <a:cxn ang="0">
+                  <a:pos x="connsiteX5" y="connsiteY5"/>
+                </a:cxn>
+                <a:cxn ang="0">
+                  <a:pos x="connsiteX6" y="connsiteY6"/>
+                </a:cxn>
+                <a:cxn ang="0">
+                  <a:pos x="connsiteX7" y="connsiteY7"/>
+                </a:cxn>
+                <a:cxn ang="0">
+                  <a:pos x="connsiteX8" y="connsiteY8"/>
+                </a:cxn>
+                <a:cxn ang="0">
+                  <a:pos x="connsiteX9" y="connsiteY9"/>
+                </a:cxn>
+                <a:cxn ang="0">
+                  <a:pos x="connsiteX10" y="connsiteY10"/>
+                </a:cxn>
+                <a:cxn ang="0">
+                  <a:pos x="connsiteX11" y="connsiteY11"/>
+                </a:cxn>
+                <a:cxn ang="0">
+                  <a:pos x="connsiteX12" y="connsiteY12"/>
+                </a:cxn>
+                <a:cxn ang="0">
+                  <a:pos x="connsiteX13" y="connsiteY13"/>
+                </a:cxn>
+                <a:cxn ang="0">
+                  <a:pos x="connsiteX14" y="connsiteY14"/>
+                </a:cxn>
+                <a:cxn ang="0">
+                  <a:pos x="connsiteX15" y="connsiteY15"/>
+                </a:cxn>
+                <a:cxn ang="0">
+                  <a:pos x="connsiteX16" y="connsiteY16"/>
+                </a:cxn>
+                <a:cxn ang="0">
+                  <a:pos x="connsiteX17" y="connsiteY17"/>
+                </a:cxn>
+                <a:cxn ang="0">
+                  <a:pos x="connsiteX18" y="connsiteY18"/>
+                </a:cxn>
+              </a:cxnLst>
+              <a:rect l="l" t="t" r="r" b="b"/>
+              <a:pathLst>
+                <a:path w="525901" h="585378">
+                  <a:moveTo>
+                    <a:pt x="497214" y="290957"/>
+                  </a:moveTo>
+                  <a:cubicBezTo>
+                    <a:pt x="525685" y="293186"/>
+                    <a:pt x="525839" y="293186"/>
+                    <a:pt x="525830" y="321821"/>
+                  </a:cubicBezTo>
+                  <a:cubicBezTo>
+                    <a:pt x="525803" y="382551"/>
+                    <a:pt x="524924" y="443290"/>
+                    <a:pt x="525875" y="504012"/>
+                  </a:cubicBezTo>
+                  <a:cubicBezTo>
+                    <a:pt x="526138" y="520712"/>
+                    <a:pt x="524752" y="529973"/>
+                    <a:pt x="504843" y="525768"/>
+                  </a:cubicBezTo>
+                  <a:cubicBezTo>
+                    <a:pt x="500603" y="524871"/>
+                    <a:pt x="412126" y="527263"/>
+                    <a:pt x="373506" y="525632"/>
+                  </a:cubicBezTo>
+                  <a:cubicBezTo>
+                    <a:pt x="364327" y="525243"/>
+                    <a:pt x="359932" y="532428"/>
+                    <a:pt x="355827" y="538001"/>
+                  </a:cubicBezTo>
+                  <a:cubicBezTo>
+                    <a:pt x="327030" y="577147"/>
+                    <a:pt x="289950" y="588574"/>
+                    <a:pt x="241317" y="584650"/>
+                  </a:cubicBezTo>
+                  <a:cubicBezTo>
+                    <a:pt x="179227" y="579630"/>
+                    <a:pt x="116431" y="583472"/>
+                    <a:pt x="53934" y="583481"/>
+                  </a:cubicBezTo>
+                  <a:cubicBezTo>
+                    <a:pt x="35784" y="583481"/>
+                    <a:pt x="-27" y="548485"/>
+                    <a:pt x="0" y="530752"/>
+                  </a:cubicBezTo>
+                  <a:cubicBezTo>
+                    <a:pt x="118" y="436431"/>
+                    <a:pt x="517" y="342119"/>
+                    <a:pt x="45" y="247797"/>
+                  </a:cubicBezTo>
+                  <a:cubicBezTo>
+                    <a:pt x="-9" y="236380"/>
+                    <a:pt x="1115" y="233226"/>
+                    <a:pt x="13819" y="233408"/>
+                  </a:cubicBezTo>
+                  <a:cubicBezTo>
+                    <a:pt x="80339" y="234350"/>
+                    <a:pt x="146887" y="233616"/>
+                    <a:pt x="213416" y="234042"/>
+                  </a:cubicBezTo>
+                  <a:cubicBezTo>
+                    <a:pt x="228323" y="234142"/>
+                    <a:pt x="234929" y="232665"/>
+                    <a:pt x="234376" y="213527"/>
+                  </a:cubicBezTo>
+                  <a:cubicBezTo>
+                    <a:pt x="232518" y="149136"/>
+                    <a:pt x="233850" y="84654"/>
+                    <a:pt x="234339" y="20208"/>
+                  </a:cubicBezTo>
+                  <a:cubicBezTo>
+                    <a:pt x="234394" y="13430"/>
+                    <a:pt x="229700" y="3707"/>
+                    <a:pt x="239840" y="572"/>
+                  </a:cubicBezTo>
+                  <a:cubicBezTo>
+                    <a:pt x="250125" y="-2608"/>
+                    <a:pt x="251484" y="8256"/>
+                    <a:pt x="254837" y="13829"/>
+                  </a:cubicBezTo>
+                  <a:cubicBezTo>
+                    <a:pt x="304258" y="95954"/>
+                    <a:pt x="354287" y="177743"/>
+                    <a:pt x="401733" y="261000"/>
+                  </a:cubicBezTo>
+                  <a:cubicBezTo>
+                    <a:pt x="415126" y="284506"/>
+                    <a:pt x="429479" y="296902"/>
+                    <a:pt x="456808" y="292969"/>
+                  </a:cubicBezTo>
+                  <a:cubicBezTo>
+                    <a:pt x="470093" y="291066"/>
+                    <a:pt x="483739" y="291555"/>
+                    <a:pt x="497214" y="290957"/>
+                  </a:cubicBezTo>
+                  <a:close/>
+                </a:path>
+              </a:pathLst>
+            </a:custGeom>
+            <a:solidFill>
+              <a:srgbClr val="FCFBFE"/>
+            </a:solidFill>
+            <a:ln w="904" cap="flat">
+              <a:noFill/>
+              <a:prstDash val="solid"/>
+              <a:miter/>
+            </a:ln>
+          </p:spPr>
+          <p:txBody>
+            <a:bodyPr rtlCol="0" anchor="ctr"/>
+            <a:lstStyle/>
+            <a:p>
+              <a:endParaRPr lang="ko-KR" altLang="en-US"/>
+            </a:p>
+          </p:txBody>
+        </p:sp>
+        <p:sp>
+          <p:nvSpPr>
+            <p:cNvPr id="17" name="자유형: 도형 50">
+              <a:extLst>
+                <a:ext uri="{FF2B5EF4-FFF2-40B4-BE49-F238E27FC236}">
+                  <a16:creationId xmlns:a16="http://schemas.microsoft.com/office/drawing/2014/main" id="{89E1EA8B-0EEC-E651-561A-5559FB5EDBD2}"/>
+                </a:ext>
+              </a:extLst>
+            </p:cNvPr>
+            <p:cNvSpPr/>
+            <p:nvPr/>
+          </p:nvSpPr>
+          <p:spPr>
+            <a:xfrm rot="117423">
+              <a:off x="6531823" y="2667979"/>
+              <a:ext cx="117304" cy="350713"/>
+            </a:xfrm>
+            <a:custGeom>
+              <a:avLst/>
+              <a:gdLst>
+                <a:gd name="connsiteX0" fmla="*/ 116225 w 117304"/>
+                <a:gd name="connsiteY0" fmla="*/ 343712 h 350713"/>
+                <a:gd name="connsiteX1" fmla="*/ 106974 w 117304"/>
+                <a:gd name="connsiteY1" fmla="*/ 350699 h 350713"/>
+                <a:gd name="connsiteX2" fmla="*/ 12888 w 117304"/>
+                <a:gd name="connsiteY2" fmla="*/ 350490 h 350713"/>
+                <a:gd name="connsiteX3" fmla="*/ 3 w 117304"/>
+                <a:gd name="connsiteY3" fmla="*/ 336037 h 350713"/>
+                <a:gd name="connsiteX4" fmla="*/ 120 w 117304"/>
+                <a:gd name="connsiteY4" fmla="*/ 141505 h 350713"/>
+                <a:gd name="connsiteX5" fmla="*/ 30 w 117304"/>
+                <a:gd name="connsiteY5" fmla="*/ 16664 h 350713"/>
+                <a:gd name="connsiteX6" fmla="*/ 17219 w 117304"/>
+                <a:gd name="connsiteY6" fmla="*/ 118 h 350713"/>
+                <a:gd name="connsiteX7" fmla="*/ 103204 w 117304"/>
+                <a:gd name="connsiteY7" fmla="*/ 263 h 350713"/>
+                <a:gd name="connsiteX8" fmla="*/ 117304 w 117304"/>
+                <a:gd name="connsiteY8" fmla="*/ 12215 h 350713"/>
+                <a:gd name="connsiteX9" fmla="*/ 116216 w 117304"/>
+                <a:gd name="connsiteY9" fmla="*/ 339608 h 350713"/>
+                <a:gd name="connsiteX10" fmla="*/ 116225 w 117304"/>
+                <a:gd name="connsiteY10" fmla="*/ 343712 h 350713"/>
+              </a:gdLst>
+              <a:ahLst/>
+              <a:cxnLst>
+                <a:cxn ang="0">
+                  <a:pos x="connsiteX0" y="connsiteY0"/>
+                </a:cxn>
+                <a:cxn ang="0">
+                  <a:pos x="connsiteX1" y="connsiteY1"/>
+                </a:cxn>
+                <a:cxn ang="0">
+                  <a:pos x="connsiteX2" y="connsiteY2"/>
+                </a:cxn>
+                <a:cxn ang="0">
+                  <a:pos x="connsiteX3" y="connsiteY3"/>
+                </a:cxn>
+                <a:cxn ang="0">
+                  <a:pos x="connsiteX4" y="connsiteY4"/>
+                </a:cxn>
+                <a:cxn ang="0">
+                  <a:pos x="connsiteX5" y="connsiteY5"/>
+                </a:cxn>
+                <a:cxn ang="0">
+                  <a:pos x="connsiteX6" y="connsiteY6"/>
+                </a:cxn>
+                <a:cxn ang="0">
+                  <a:pos x="connsiteX7" y="connsiteY7"/>
+                </a:cxn>
+                <a:cxn ang="0">
+                  <a:pos x="connsiteX8" y="connsiteY8"/>
+                </a:cxn>
+                <a:cxn ang="0">
+                  <a:pos x="connsiteX9" y="connsiteY9"/>
+                </a:cxn>
+                <a:cxn ang="0">
+                  <a:pos x="connsiteX10" y="connsiteY10"/>
+                </a:cxn>
+              </a:cxnLst>
+              <a:rect l="l" t="t" r="r" b="b"/>
+              <a:pathLst>
+                <a:path w="117304" h="350713">
+                  <a:moveTo>
+                    <a:pt x="116225" y="343712"/>
+                  </a:moveTo>
+                  <a:cubicBezTo>
+                    <a:pt x="116733" y="350844"/>
+                    <a:pt x="112438" y="350771"/>
+                    <a:pt x="106974" y="350699"/>
+                  </a:cubicBezTo>
+                  <a:cubicBezTo>
+                    <a:pt x="75612" y="350327"/>
+                    <a:pt x="44232" y="349747"/>
+                    <a:pt x="12888" y="350490"/>
+                  </a:cubicBezTo>
+                  <a:cubicBezTo>
+                    <a:pt x="999" y="350771"/>
+                    <a:pt x="-61" y="346032"/>
+                    <a:pt x="3" y="336037"/>
+                  </a:cubicBezTo>
+                  <a:cubicBezTo>
+                    <a:pt x="410" y="271193"/>
+                    <a:pt x="129" y="206349"/>
+                    <a:pt x="120" y="141505"/>
+                  </a:cubicBezTo>
+                  <a:cubicBezTo>
+                    <a:pt x="120" y="99894"/>
+                    <a:pt x="564" y="58275"/>
+                    <a:pt x="30" y="16664"/>
+                  </a:cubicBezTo>
+                  <a:cubicBezTo>
+                    <a:pt x="-133" y="3697"/>
+                    <a:pt x="2422" y="-815"/>
+                    <a:pt x="17219" y="118"/>
+                  </a:cubicBezTo>
+                  <a:cubicBezTo>
+                    <a:pt x="45772" y="1921"/>
+                    <a:pt x="74533" y="435"/>
+                    <a:pt x="103204" y="263"/>
+                  </a:cubicBezTo>
+                  <a:cubicBezTo>
+                    <a:pt x="111368" y="218"/>
+                    <a:pt x="117376" y="716"/>
+                    <a:pt x="117304" y="12215"/>
+                  </a:cubicBezTo>
+                  <a:cubicBezTo>
+                    <a:pt x="116615" y="121343"/>
+                    <a:pt x="116497" y="230480"/>
+                    <a:pt x="116216" y="339608"/>
+                  </a:cubicBezTo>
+                  <a:cubicBezTo>
+                    <a:pt x="116207" y="340976"/>
+                    <a:pt x="116216" y="342344"/>
+                    <a:pt x="116225" y="343712"/>
+                  </a:cubicBezTo>
+                  <a:close/>
+                </a:path>
+              </a:pathLst>
+            </a:custGeom>
+            <a:solidFill>
+              <a:srgbClr val="37379A"/>
+            </a:solidFill>
+            <a:ln w="904" cap="flat">
+              <a:noFill/>
+              <a:prstDash val="solid"/>
+              <a:miter/>
+            </a:ln>
+          </p:spPr>
+          <p:txBody>
+            <a:bodyPr rtlCol="0" anchor="ctr"/>
+            <a:lstStyle/>
+            <a:p>
+              <a:endParaRPr lang="ko-KR" altLang="en-US"/>
+            </a:p>
+          </p:txBody>
+        </p:sp>
+      </p:grpSp>
     </p:spTree>
     <p:extLst>
       <p:ext uri="{BB962C8B-B14F-4D97-AF65-F5344CB8AC3E}">
@@ -35556,8 +37107,8 @@
         </p:nvSpPr>
         <p:spPr>
           <a:xfrm>
-            <a:off x="-89420" y="2322832"/>
-            <a:ext cx="1667701" cy="923330"/>
+            <a:off x="147496" y="2345209"/>
+            <a:ext cx="1455847" cy="461665"/>
           </a:xfrm>
           <a:prstGeom prst="rect">
             <a:avLst/>
@@ -35572,7 +37123,7 @@
           <a:p>
             <a:pPr algn="ctr"/>
             <a:r>
-              <a:rPr lang="fr-FR" sz="5400" b="1" cap="none" spc="0" dirty="0">
+              <a:rPr lang="fr-FR" sz="2400" b="1" cap="none" spc="0" dirty="0" err="1">
                 <a:ln w="22225">
                   <a:solidFill>
                     <a:schemeClr val="accent2"/>
@@ -35587,8 +37138,23 @@
                 </a:solidFill>
                 <a:effectLst/>
               </a:rPr>
-              <a:t>LDA</a:t>
+              <a:t>PyLDavis</a:t>
             </a:r>
+            <a:endParaRPr lang="fr-FR" sz="2400" b="1" cap="none" spc="0" dirty="0">
+              <a:ln w="22225">
+                <a:solidFill>
+                  <a:schemeClr val="accent2"/>
+                </a:solidFill>
+                <a:prstDash val="solid"/>
+              </a:ln>
+              <a:solidFill>
+                <a:schemeClr val="accent2">
+                  <a:lumMod val="40000"/>
+                  <a:lumOff val="60000"/>
+                </a:schemeClr>
+              </a:solidFill>
+              <a:effectLst/>
+            </a:endParaRPr>
           </a:p>
         </p:txBody>
       </p:sp>
@@ -35675,8 +37241,8 @@
         </p:nvSpPr>
         <p:spPr>
           <a:xfrm>
-            <a:off x="64851" y="3611838"/>
-            <a:ext cx="4948136" cy="923330"/>
+            <a:off x="-168613" y="3342572"/>
+            <a:ext cx="4948136" cy="1200329"/>
           </a:xfrm>
           <a:prstGeom prst="rect">
             <a:avLst/>
@@ -35707,6 +37273,41 @@
               <a:rPr lang="fr-FR" dirty="0"/>
               <a:t>Quelques topics confus</a:t>
             </a:r>
+          </a:p>
+          <a:p>
+            <a:pPr marL="742950" lvl="1" indent="-285750">
+              <a:buFont typeface="Arial" panose="020B0604020202020204" pitchFamily="34" charset="0"/>
+              <a:buChar char="•"/>
+            </a:pPr>
+            <a:r>
+              <a:rPr lang="fr-FR" dirty="0"/>
+              <a:t>Valeur de </a:t>
+            </a:r>
+            <a:r>
+              <a:rPr lang="el-GR" b="0" i="0" dirty="0">
+                <a:solidFill>
+                  <a:srgbClr val="CCCCCC"/>
+                </a:solidFill>
+                <a:effectLst/>
+                <a:latin typeface="DDG_ProximaNova"/>
+              </a:rPr>
+              <a:t> </a:t>
+            </a:r>
+            <a:r>
+              <a:rPr lang="el-GR" b="0" i="0" dirty="0">
+                <a:effectLst/>
+                <a:latin typeface="DDG_ProximaNova"/>
+              </a:rPr>
+              <a:t>λ</a:t>
+            </a:r>
+            <a:r>
+              <a:rPr lang="fr-FR" b="0" i="0" dirty="0">
+                <a:effectLst/>
+                <a:latin typeface="DDG_ProximaNova"/>
+              </a:rPr>
+              <a:t> à faire varier</a:t>
+            </a:r>
+            <a:endParaRPr lang="fr-FR" dirty="0"/>
           </a:p>
         </p:txBody>
       </p:sp>
@@ -35813,7 +37414,7 @@
         </p:nvSpPr>
         <p:spPr>
           <a:xfrm>
-            <a:off x="-207525" y="2661816"/>
+            <a:off x="-233466" y="2661816"/>
             <a:ext cx="8955933" cy="1631216"/>
           </a:xfrm>
           <a:prstGeom prst="rect">
@@ -35847,11 +37448,11 @@
             </a:pPr>
             <a:r>
               <a:rPr lang="fr-FR" sz="2000" b="1" dirty="0" err="1"/>
-              <a:t>Recall</a:t>
+              <a:t>Precision</a:t>
             </a:r>
             <a:r>
               <a:rPr lang="fr-FR" sz="2000" dirty="0"/>
-              <a:t> : capacité du modèle à trouver les bon tags </a:t>
+              <a:t> : capacité du modèle à ne pas attribuer un mauvais tags</a:t>
             </a:r>
           </a:p>
           <a:p>
@@ -35861,11 +37462,11 @@
             </a:pPr>
             <a:r>
               <a:rPr lang="fr-FR" sz="2000" b="1" dirty="0" err="1"/>
-              <a:t>Precision</a:t>
+              <a:t>Recall</a:t>
             </a:r>
             <a:r>
               <a:rPr lang="fr-FR" sz="2000" dirty="0"/>
-              <a:t> : capacité du modèle à ne pas attribuer un mauvais tags</a:t>
+              <a:t> : capacité du modèle à trouver les bon tags </a:t>
             </a:r>
           </a:p>
           <a:p>
@@ -36117,7 +37718,7 @@
         </p:nvSpPr>
         <p:spPr>
           <a:xfrm>
-            <a:off x="3999599" y="1861417"/>
+            <a:off x="3461336" y="1912010"/>
             <a:ext cx="1800493" cy="923330"/>
           </a:xfrm>
           <a:prstGeom prst="rect">
@@ -36182,7 +37783,7 @@
         </p:blipFill>
         <p:spPr bwMode="auto">
           <a:xfrm>
-            <a:off x="467072" y="3176331"/>
+            <a:off x="56691" y="3209831"/>
             <a:ext cx="9110134" cy="3587115"/>
           </a:xfrm>
           <a:prstGeom prst="rect">
@@ -36214,8 +37815,8 @@
         </p:nvSpPr>
         <p:spPr>
           <a:xfrm>
-            <a:off x="10203820" y="4508223"/>
-            <a:ext cx="1679786" cy="923330"/>
+            <a:off x="9461770" y="5102711"/>
+            <a:ext cx="2600528" cy="923330"/>
           </a:xfrm>
           <a:prstGeom prst="rect">
             <a:avLst/>
@@ -36228,9 +37829,10 @@
           </a:bodyPr>
           <a:lstStyle/>
           <a:p>
+            <a:pPr algn="ctr"/>
             <a:r>
               <a:rPr lang="fr-FR" dirty="0"/>
-              <a:t>Nommage des topics possible</a:t>
+              <a:t>Nommage de quelques  topics possible</a:t>
             </a:r>
           </a:p>
           <a:p>
@@ -36252,7 +37854,7 @@
         </p:nvSpPr>
         <p:spPr>
           <a:xfrm>
-            <a:off x="3302217" y="2627332"/>
+            <a:off x="2709955" y="2753186"/>
             <a:ext cx="3947844" cy="369332"/>
           </a:xfrm>
           <a:prstGeom prst="rect">
@@ -36306,7 +37908,7 @@
         </p:nvSpPr>
         <p:spPr>
           <a:xfrm>
-            <a:off x="10006519" y="2561754"/>
+            <a:off x="9935751" y="2430020"/>
             <a:ext cx="1947855" cy="646331"/>
           </a:xfrm>
           <a:prstGeom prst="rect">
@@ -36327,6 +37929,71 @@
           </a:p>
           <a:p>
             <a:endParaRPr lang="fr-FR" dirty="0"/>
+          </a:p>
+        </p:txBody>
+      </p:sp>
+      <p:pic>
+        <p:nvPicPr>
+          <p:cNvPr id="7" name="Image 6">
+            <a:extLst>
+              <a:ext uri="{FF2B5EF4-FFF2-40B4-BE49-F238E27FC236}">
+                <a16:creationId xmlns:a16="http://schemas.microsoft.com/office/drawing/2014/main" id="{EEA0C3C6-A17C-543A-62CA-B1E39863AB38}"/>
+              </a:ext>
+            </a:extLst>
+          </p:cNvPr>
+          <p:cNvPicPr>
+            <a:picLocks noChangeAspect="1"/>
+          </p:cNvPicPr>
+          <p:nvPr/>
+        </p:nvPicPr>
+        <p:blipFill>
+          <a:blip r:embed="rId4"/>
+          <a:stretch>
+            <a:fillRect/>
+          </a:stretch>
+        </p:blipFill>
+        <p:spPr>
+          <a:xfrm>
+            <a:off x="9241277" y="3209831"/>
+            <a:ext cx="2894031" cy="1439990"/>
+          </a:xfrm>
+          <a:prstGeom prst="rect">
+            <a:avLst/>
+          </a:prstGeom>
+        </p:spPr>
+      </p:pic>
+      <p:sp>
+        <p:nvSpPr>
+          <p:cNvPr id="11" name="ZoneTexte 10">
+            <a:extLst>
+              <a:ext uri="{FF2B5EF4-FFF2-40B4-BE49-F238E27FC236}">
+                <a16:creationId xmlns:a16="http://schemas.microsoft.com/office/drawing/2014/main" id="{268E88B4-BFBF-5C4E-250B-1DE08BD9FFC4}"/>
+              </a:ext>
+            </a:extLst>
+          </p:cNvPr>
+          <p:cNvSpPr txBox="1"/>
+          <p:nvPr/>
+        </p:nvSpPr>
+        <p:spPr>
+          <a:xfrm>
+            <a:off x="9366062" y="2753183"/>
+            <a:ext cx="2957769" cy="369333"/>
+          </a:xfrm>
+          <a:prstGeom prst="rect">
+            <a:avLst/>
+          </a:prstGeom>
+          <a:noFill/>
+        </p:spPr>
+        <p:txBody>
+          <a:bodyPr wrap="square">
+            <a:spAutoFit/>
+          </a:bodyPr>
+          <a:lstStyle/>
+          <a:p>
+            <a:r>
+              <a:rPr lang="fr-FR" dirty="0"/>
+              <a:t>Décomposition matricielle</a:t>
+            </a:r>
           </a:p>
         </p:txBody>
       </p:sp>
@@ -50389,7 +52056,7 @@
         </p:blipFill>
         <p:spPr>
           <a:xfrm>
-            <a:off x="1011485" y="3808941"/>
+            <a:off x="1011485" y="3834881"/>
             <a:ext cx="5703636" cy="2591923"/>
           </a:xfrm>
           <a:prstGeom prst="rect">
@@ -50535,7 +52202,7 @@
           <p:nvPr>
             <p:extLst>
               <p:ext uri="{D42A27DB-BD31-4B8C-83A1-F6EECF244321}">
-                <p14:modId xmlns:p14="http://schemas.microsoft.com/office/powerpoint/2010/main" val="3956850046"/>
+                <p14:modId xmlns:p14="http://schemas.microsoft.com/office/powerpoint/2010/main" val="3986952964"/>
               </p:ext>
             </p:extLst>
           </p:nvPr>
@@ -50745,7 +52412,7 @@
           <p:nvPr>
             <p:extLst>
               <p:ext uri="{D42A27DB-BD31-4B8C-83A1-F6EECF244321}">
-                <p14:modId xmlns:p14="http://schemas.microsoft.com/office/powerpoint/2010/main" val="173185358"/>
+                <p14:modId xmlns:p14="http://schemas.microsoft.com/office/powerpoint/2010/main" val="1121851340"/>
               </p:ext>
             </p:extLst>
           </p:nvPr>
@@ -52409,8 +54076,13 @@
             </a:pPr>
             <a:r>
               <a:rPr lang="fr-FR" dirty="0"/>
-              <a:t>Regex pour nettoyer les tags  </a:t>
+              <a:t>Suppression des </a:t>
             </a:r>
+            <a:r>
+              <a:rPr lang="fr-FR" dirty="0" err="1"/>
+              <a:t>brackets</a:t>
+            </a:r>
+            <a:endParaRPr lang="fr-FR" dirty="0"/>
           </a:p>
           <a:p>
             <a:pPr marL="285750" indent="-285750">
